--- a/materials/slides/ch03-terminal-and-basic.pptx
+++ b/materials/slides/ch03-terminal-and-basic.pptx
@@ -17,8 +17,6 @@
     <p:sldId id="278" r:id="rId11"/>
     <p:sldId id="276" r:id="rId12"/>
     <p:sldId id="261" r:id="rId13"/>
-    <p:sldId id="274" r:id="rId14"/>
-    <p:sldId id="275" r:id="rId15"/>
   </p:sldIdLst>
   <p:sldSz cx="12192000" cy="6858000"/>
   <p:notesSz cx="6858000" cy="9144000"/>
@@ -291,7 +289,7 @@
           <a:p>
             <a:fld id="{02E60DA2-A0BC-48C9-AA88-75C78721B420}" type="datetimeFigureOut">
               <a:rPr lang="zh-CN" altLang="en-US" smtClean="0"/>
-              <a:t>2018/2/6</a:t>
+              <a:t>2018/2/25</a:t>
             </a:fld>
             <a:endParaRPr lang="zh-CN" altLang="en-US"/>
           </a:p>
@@ -513,7 +511,7 @@
           <a:p>
             <a:fld id="{02E60DA2-A0BC-48C9-AA88-75C78721B420}" type="datetimeFigureOut">
               <a:rPr lang="zh-CN" altLang="en-US" smtClean="0"/>
-              <a:t>2018/2/6</a:t>
+              <a:t>2018/2/25</a:t>
             </a:fld>
             <a:endParaRPr lang="zh-CN" altLang="en-US"/>
           </a:p>
@@ -745,7 +743,7 @@
           <a:p>
             <a:fld id="{02E60DA2-A0BC-48C9-AA88-75C78721B420}" type="datetimeFigureOut">
               <a:rPr lang="zh-CN" altLang="en-US" smtClean="0"/>
-              <a:t>2018/2/6</a:t>
+              <a:t>2018/2/25</a:t>
             </a:fld>
             <a:endParaRPr lang="zh-CN" altLang="en-US"/>
           </a:p>
@@ -995,7 +993,7 @@
           <a:p>
             <a:fld id="{02E60DA2-A0BC-48C9-AA88-75C78721B420}" type="datetimeFigureOut">
               <a:rPr lang="zh-CN" altLang="en-US" smtClean="0"/>
-              <a:t>2018/2/6</a:t>
+              <a:t>2018/2/25</a:t>
             </a:fld>
             <a:endParaRPr lang="zh-CN" altLang="en-US"/>
           </a:p>
@@ -1233,7 +1231,7 @@
           <a:p>
             <a:fld id="{02E60DA2-A0BC-48C9-AA88-75C78721B420}" type="datetimeFigureOut">
               <a:rPr lang="zh-CN" altLang="en-US" smtClean="0"/>
-              <a:t>2018/2/6</a:t>
+              <a:t>2018/2/25</a:t>
             </a:fld>
             <a:endParaRPr lang="zh-CN" altLang="en-US"/>
           </a:p>
@@ -1538,7 +1536,7 @@
           <a:p>
             <a:fld id="{02E60DA2-A0BC-48C9-AA88-75C78721B420}" type="datetimeFigureOut">
               <a:rPr lang="zh-CN" altLang="en-US" smtClean="0"/>
-              <a:t>2018/2/6</a:t>
+              <a:t>2018/2/25</a:t>
             </a:fld>
             <a:endParaRPr lang="zh-CN" altLang="en-US"/>
           </a:p>
@@ -1841,7 +1839,7 @@
           <a:p>
             <a:fld id="{02E60DA2-A0BC-48C9-AA88-75C78721B420}" type="datetimeFigureOut">
               <a:rPr lang="zh-CN" altLang="en-US" smtClean="0"/>
-              <a:t>2018/2/6</a:t>
+              <a:t>2018/2/25</a:t>
             </a:fld>
             <a:endParaRPr lang="zh-CN" altLang="en-US"/>
           </a:p>
@@ -2292,7 +2290,7 @@
           <a:p>
             <a:fld id="{02E60DA2-A0BC-48C9-AA88-75C78721B420}" type="datetimeFigureOut">
               <a:rPr lang="zh-CN" altLang="en-US" smtClean="0"/>
-              <a:t>2018/2/6</a:t>
+              <a:t>2018/2/25</a:t>
             </a:fld>
             <a:endParaRPr lang="zh-CN" altLang="en-US"/>
           </a:p>
@@ -2465,7 +2463,7 @@
           <a:p>
             <a:fld id="{02E60DA2-A0BC-48C9-AA88-75C78721B420}" type="datetimeFigureOut">
               <a:rPr lang="zh-CN" altLang="en-US" smtClean="0"/>
-              <a:t>2018/2/6</a:t>
+              <a:t>2018/2/25</a:t>
             </a:fld>
             <a:endParaRPr lang="zh-CN" altLang="en-US"/>
           </a:p>
@@ -2602,7 +2600,7 @@
           <a:p>
             <a:fld id="{02E60DA2-A0BC-48C9-AA88-75C78721B420}" type="datetimeFigureOut">
               <a:rPr lang="zh-CN" altLang="en-US" smtClean="0"/>
-              <a:t>2018/2/6</a:t>
+              <a:t>2018/2/25</a:t>
             </a:fld>
             <a:endParaRPr lang="zh-CN" altLang="en-US"/>
           </a:p>
@@ -2946,7 +2944,7 @@
           <a:p>
             <a:fld id="{02E60DA2-A0BC-48C9-AA88-75C78721B420}" type="datetimeFigureOut">
               <a:rPr lang="zh-CN" altLang="en-US" smtClean="0"/>
-              <a:t>2018/2/6</a:t>
+              <a:t>2018/2/25</a:t>
             </a:fld>
             <a:endParaRPr lang="zh-CN" altLang="en-US"/>
           </a:p>
@@ -3168,7 +3166,7 @@
           <a:p>
             <a:fld id="{02E60DA2-A0BC-48C9-AA88-75C78721B420}" type="datetimeFigureOut">
               <a:rPr lang="zh-CN" altLang="en-US" smtClean="0"/>
-              <a:t>2018/2/6</a:t>
+              <a:t>2018/2/25</a:t>
             </a:fld>
             <a:endParaRPr lang="zh-CN" altLang="en-US"/>
           </a:p>
@@ -3489,7 +3487,7 @@
           <a:p>
             <a:fld id="{02E60DA2-A0BC-48C9-AA88-75C78721B420}" type="datetimeFigureOut">
               <a:rPr lang="zh-CN" altLang="en-US" smtClean="0"/>
-              <a:t>2018/2/6</a:t>
+              <a:t>2018/2/25</a:t>
             </a:fld>
             <a:endParaRPr lang="zh-CN" altLang="en-US"/>
           </a:p>
@@ -3727,7 +3725,7 @@
           <a:p>
             <a:fld id="{02E60DA2-A0BC-48C9-AA88-75C78721B420}" type="datetimeFigureOut">
               <a:rPr lang="zh-CN" altLang="en-US" smtClean="0"/>
-              <a:t>2018/2/6</a:t>
+              <a:t>2018/2/25</a:t>
             </a:fld>
             <a:endParaRPr lang="zh-CN" altLang="en-US"/>
           </a:p>
@@ -3965,7 +3963,7 @@
           <a:p>
             <a:fld id="{02E60DA2-A0BC-48C9-AA88-75C78721B420}" type="datetimeFigureOut">
               <a:rPr lang="zh-CN" altLang="en-US" smtClean="0"/>
-              <a:t>2018/2/6</a:t>
+              <a:t>2018/2/25</a:t>
             </a:fld>
             <a:endParaRPr lang="zh-CN" altLang="en-US"/>
           </a:p>
@@ -4264,7 +4262,7 @@
           <a:p>
             <a:fld id="{02E60DA2-A0BC-48C9-AA88-75C78721B420}" type="datetimeFigureOut">
               <a:rPr lang="zh-CN" altLang="en-US" smtClean="0"/>
-              <a:t>2018/2/6</a:t>
+              <a:t>2018/2/25</a:t>
             </a:fld>
             <a:endParaRPr lang="zh-CN" altLang="en-US"/>
           </a:p>
@@ -4553,7 +4551,7 @@
           <a:p>
             <a:fld id="{02E60DA2-A0BC-48C9-AA88-75C78721B420}" type="datetimeFigureOut">
               <a:rPr lang="zh-CN" altLang="en-US" smtClean="0"/>
-              <a:t>2018/2/6</a:t>
+              <a:t>2018/2/25</a:t>
             </a:fld>
             <a:endParaRPr lang="zh-CN" altLang="en-US"/>
           </a:p>
@@ -4989,7 +4987,7 @@
           <a:p>
             <a:fld id="{02E60DA2-A0BC-48C9-AA88-75C78721B420}" type="datetimeFigureOut">
               <a:rPr lang="zh-CN" altLang="en-US" smtClean="0"/>
-              <a:t>2018/2/6</a:t>
+              <a:t>2018/2/25</a:t>
             </a:fld>
             <a:endParaRPr lang="zh-CN" altLang="en-US"/>
           </a:p>
@@ -5154,7 +5152,7 @@
           <a:p>
             <a:fld id="{02E60DA2-A0BC-48C9-AA88-75C78721B420}" type="datetimeFigureOut">
               <a:rPr lang="zh-CN" altLang="en-US" smtClean="0"/>
-              <a:t>2018/2/6</a:t>
+              <a:t>2018/2/25</a:t>
             </a:fld>
             <a:endParaRPr lang="zh-CN" altLang="en-US"/>
           </a:p>
@@ -5291,7 +5289,7 @@
           <a:p>
             <a:fld id="{02E60DA2-A0BC-48C9-AA88-75C78721B420}" type="datetimeFigureOut">
               <a:rPr lang="zh-CN" altLang="en-US" smtClean="0"/>
-              <a:t>2018/2/6</a:t>
+              <a:t>2018/2/25</a:t>
             </a:fld>
             <a:endParaRPr lang="zh-CN" altLang="en-US"/>
           </a:p>
@@ -5626,7 +5624,7 @@
           <a:p>
             <a:fld id="{02E60DA2-A0BC-48C9-AA88-75C78721B420}" type="datetimeFigureOut">
               <a:rPr lang="zh-CN" altLang="en-US" smtClean="0"/>
-              <a:t>2018/2/6</a:t>
+              <a:t>2018/2/25</a:t>
             </a:fld>
             <a:endParaRPr lang="zh-CN" altLang="en-US"/>
           </a:p>
@@ -5938,7 +5936,7 @@
           <a:p>
             <a:fld id="{02E60DA2-A0BC-48C9-AA88-75C78721B420}" type="datetimeFigureOut">
               <a:rPr lang="zh-CN" altLang="en-US" smtClean="0"/>
-              <a:t>2018/2/6</a:t>
+              <a:t>2018/2/25</a:t>
             </a:fld>
             <a:endParaRPr lang="zh-CN" altLang="en-US"/>
           </a:p>
@@ -7097,7 +7095,7 @@
             <a:r>
               <a:rPr lang="zh-CN" altLang="en-US" sz="3600" dirty="0">
                 <a:solidFill>
-                  <a:srgbClr val="FF0000"/>
+                  <a:srgbClr val="C00000"/>
                 </a:solidFill>
               </a:rPr>
               <a:t>命令终端基本操作</a:t>
@@ -7947,240 +7945,6 @@
 </p:sld>
 </file>
 
-<file path=ppt/slides/slide12.xml><?xml version="1.0" encoding="utf-8"?>
-<p:sld xmlns:a="http://schemas.openxmlformats.org/drawingml/2006/main" xmlns:r="http://schemas.openxmlformats.org/officeDocument/2006/relationships" xmlns:p="http://schemas.openxmlformats.org/presentationml/2006/main">
-  <p:cSld>
-    <p:spTree>
-      <p:nvGrpSpPr>
-        <p:cNvPr id="1" name=""/>
-        <p:cNvGrpSpPr/>
-        <p:nvPr/>
-      </p:nvGrpSpPr>
-      <p:grpSpPr>
-        <a:xfrm>
-          <a:off x="0" y="0"/>
-          <a:ext cx="0" cy="0"/>
-          <a:chOff x="0" y="0"/>
-          <a:chExt cx="0" cy="0"/>
-        </a:xfrm>
-      </p:grpSpPr>
-      <p:sp>
-        <p:nvSpPr>
-          <p:cNvPr id="2" name="标题 1"/>
-          <p:cNvSpPr>
-            <a:spLocks noGrp="1"/>
-          </p:cNvSpPr>
-          <p:nvPr>
-            <p:ph type="title"/>
-          </p:nvPr>
-        </p:nvSpPr>
-        <p:spPr/>
-        <p:txBody>
-          <a:bodyPr/>
-          <a:lstStyle/>
-          <a:p>
-            <a:r>
-              <a:rPr lang="zh-CN" altLang="en-US" dirty="0"/>
-              <a:t>思考</a:t>
-            </a:r>
-            <a:r>
-              <a:rPr lang="en-US" altLang="zh-CN" dirty="0"/>
-              <a:t>&amp;</a:t>
-            </a:r>
-            <a:r>
-              <a:rPr lang="zh-CN" altLang="en-US" dirty="0"/>
-              <a:t>答案</a:t>
-            </a:r>
-          </a:p>
-        </p:txBody>
-      </p:sp>
-      <p:sp>
-        <p:nvSpPr>
-          <p:cNvPr id="3" name="内容占位符 2"/>
-          <p:cNvSpPr>
-            <a:spLocks noGrp="1"/>
-          </p:cNvSpPr>
-          <p:nvPr>
-            <p:ph idx="1"/>
-          </p:nvPr>
-        </p:nvSpPr>
-        <p:spPr/>
-        <p:txBody>
-          <a:bodyPr>
-            <a:normAutofit/>
-          </a:bodyPr>
-          <a:lstStyle/>
-          <a:p>
-            <a:r>
-              <a:rPr lang="zh-CN" altLang="en-US" sz="2000" dirty="0"/>
-              <a:t>白色：表示普通文件</a:t>
-            </a:r>
-          </a:p>
-          <a:p>
-            <a:r>
-              <a:rPr lang="zh-CN" altLang="en-US" sz="2000" dirty="0"/>
-              <a:t>蓝色：表示目录</a:t>
-            </a:r>
-          </a:p>
-          <a:p>
-            <a:r>
-              <a:rPr lang="zh-CN" altLang="en-US" sz="2000" dirty="0"/>
-              <a:t>绿色：表示可执行文件</a:t>
-            </a:r>
-          </a:p>
-          <a:p>
-            <a:r>
-              <a:rPr lang="zh-CN" altLang="en-US" sz="2000" dirty="0"/>
-              <a:t>红色：表示压缩文件</a:t>
-            </a:r>
-          </a:p>
-          <a:p>
-            <a:r>
-              <a:rPr lang="zh-CN" altLang="en-US" sz="2000" dirty="0"/>
-              <a:t>青色：链接文件</a:t>
-            </a:r>
-          </a:p>
-          <a:p>
-            <a:r>
-              <a:rPr lang="zh-CN" altLang="en-US" sz="2000" dirty="0"/>
-              <a:t>红色闪烁：表示链接的文件有问题</a:t>
-            </a:r>
-          </a:p>
-          <a:p>
-            <a:r>
-              <a:rPr lang="zh-CN" altLang="en-US" sz="2000" dirty="0"/>
-              <a:t>黄色：表示设备文件</a:t>
-            </a:r>
-          </a:p>
-          <a:p>
-            <a:r>
-              <a:rPr lang="zh-CN" altLang="en-US" sz="2000" dirty="0"/>
-              <a:t>灰色：表示其他文件</a:t>
-            </a:r>
-          </a:p>
-        </p:txBody>
-      </p:sp>
-    </p:spTree>
-    <p:extLst>
-      <p:ext uri="{BB962C8B-B14F-4D97-AF65-F5344CB8AC3E}">
-        <p14:creationId xmlns:p14="http://schemas.microsoft.com/office/powerpoint/2010/main" val="3026698149"/>
-      </p:ext>
-    </p:extLst>
-  </p:cSld>
-  <p:clrMapOvr>
-    <a:masterClrMapping/>
-  </p:clrMapOvr>
-</p:sld>
-</file>
-
-<file path=ppt/slides/slide13.xml><?xml version="1.0" encoding="utf-8"?>
-<p:sld xmlns:a="http://schemas.openxmlformats.org/drawingml/2006/main" xmlns:r="http://schemas.openxmlformats.org/officeDocument/2006/relationships" xmlns:p="http://schemas.openxmlformats.org/presentationml/2006/main">
-  <p:cSld>
-    <p:spTree>
-      <p:nvGrpSpPr>
-        <p:cNvPr id="1" name=""/>
-        <p:cNvGrpSpPr/>
-        <p:nvPr/>
-      </p:nvGrpSpPr>
-      <p:grpSpPr>
-        <a:xfrm>
-          <a:off x="0" y="0"/>
-          <a:ext cx="0" cy="0"/>
-          <a:chOff x="0" y="0"/>
-          <a:chExt cx="0" cy="0"/>
-        </a:xfrm>
-      </p:grpSpPr>
-      <p:sp>
-        <p:nvSpPr>
-          <p:cNvPr id="2" name="标题 1"/>
-          <p:cNvSpPr>
-            <a:spLocks noGrp="1"/>
-          </p:cNvSpPr>
-          <p:nvPr>
-            <p:ph type="title"/>
-          </p:nvPr>
-        </p:nvSpPr>
-        <p:spPr/>
-        <p:txBody>
-          <a:bodyPr/>
-          <a:lstStyle/>
-          <a:p>
-            <a:r>
-              <a:rPr lang="zh-CN" altLang="en-US" dirty="0"/>
-              <a:t>思考</a:t>
-            </a:r>
-            <a:r>
-              <a:rPr lang="en-US" altLang="zh-CN" dirty="0"/>
-              <a:t>&amp;</a:t>
-            </a:r>
-            <a:r>
-              <a:rPr lang="zh-CN" altLang="en-US" dirty="0"/>
-              <a:t>答案</a:t>
-            </a:r>
-          </a:p>
-        </p:txBody>
-      </p:sp>
-      <p:sp>
-        <p:nvSpPr>
-          <p:cNvPr id="3" name="内容占位符 2"/>
-          <p:cNvSpPr>
-            <a:spLocks noGrp="1"/>
-          </p:cNvSpPr>
-          <p:nvPr>
-            <p:ph idx="1"/>
-          </p:nvPr>
-        </p:nvSpPr>
-        <p:spPr/>
-        <p:txBody>
-          <a:bodyPr>
-            <a:normAutofit/>
-          </a:bodyPr>
-          <a:lstStyle/>
-          <a:p>
-            <a:r>
-              <a:rPr lang="en-US" altLang="zh-CN" sz="2000" dirty="0"/>
-              <a:t>free -h</a:t>
-            </a:r>
-          </a:p>
-          <a:p>
-            <a:r>
-              <a:rPr lang="en-US" altLang="zh-CN" sz="2000" dirty="0"/>
-              <a:t>top</a:t>
-            </a:r>
-          </a:p>
-          <a:p>
-            <a:endParaRPr lang="en-US" altLang="zh-CN" sz="2000" dirty="0"/>
-          </a:p>
-          <a:p>
-            <a:r>
-              <a:rPr lang="en-US" altLang="zh-CN" sz="2000" dirty="0" err="1"/>
-              <a:t>ll</a:t>
-            </a:r>
-            <a:r>
-              <a:rPr lang="en-US" altLang="zh-CN" sz="2000" dirty="0"/>
-              <a:t> </a:t>
-            </a:r>
-            <a:r>
-              <a:rPr lang="zh-CN" altLang="en-US" sz="2000" dirty="0"/>
-              <a:t>输出中每列的含义是什么？</a:t>
-            </a:r>
-            <a:endParaRPr lang="en-US" altLang="zh-CN" sz="2000" dirty="0"/>
-          </a:p>
-        </p:txBody>
-      </p:sp>
-    </p:spTree>
-    <p:extLst>
-      <p:ext uri="{BB962C8B-B14F-4D97-AF65-F5344CB8AC3E}">
-        <p14:creationId xmlns:p14="http://schemas.microsoft.com/office/powerpoint/2010/main" val="3892455650"/>
-      </p:ext>
-    </p:extLst>
-  </p:cSld>
-  <p:clrMapOvr>
-    <a:masterClrMapping/>
-  </p:clrMapOvr>
-</p:sld>
-</file>
-
 <file path=ppt/slides/slide2.xml><?xml version="1.0" encoding="utf-8"?>
 <p:sld xmlns:a="http://schemas.openxmlformats.org/drawingml/2006/main" xmlns:r="http://schemas.openxmlformats.org/officeDocument/2006/relationships" xmlns:p="http://schemas.openxmlformats.org/presentationml/2006/main">
   <p:cSld>
@@ -9265,7 +9029,9 @@
         </p:nvSpPr>
         <p:spPr/>
         <p:txBody>
-          <a:bodyPr/>
+          <a:bodyPr>
+            <a:normAutofit/>
+          </a:bodyPr>
           <a:lstStyle/>
           <a:p>
             <a:r>
@@ -9282,21 +9048,7 @@
             </a:r>
             <a:r>
               <a:rPr lang="zh-CN" altLang="en-US" sz="2000" dirty="0"/>
-              <a:t>变量的设置自动寻找输入的命令</a:t>
-            </a:r>
-            <a:endParaRPr lang="en-US" altLang="zh-CN" sz="2000" dirty="0"/>
-          </a:p>
-          <a:p>
-            <a:r>
-              <a:rPr lang="zh-CN" altLang="en-US" sz="2000" dirty="0"/>
-              <a:t>如果有同名的命令，按照路径顺序找到后返回执行，不再继续寻找</a:t>
-            </a:r>
-            <a:endParaRPr lang="en-US" altLang="zh-CN" sz="2000" dirty="0"/>
-          </a:p>
-          <a:p>
-            <a:r>
-              <a:rPr lang="zh-CN" altLang="en-US" sz="2000" dirty="0"/>
-              <a:t>有同名的指令可以输入路径运行</a:t>
+              <a:t>变量的设置自动寻找输入的命令。如果有同名的命令，按照路径顺序找到后返回执行，不再继续寻找。有同名的指令可以输入路径运行。</a:t>
             </a:r>
             <a:endParaRPr lang="en-US" altLang="zh-CN" sz="2000" dirty="0"/>
           </a:p>
@@ -9331,7 +9083,94 @@
               <a:buNone/>
             </a:pPr>
             <a:r>
-              <a:rPr lang="en-US" altLang="zh-CN" sz="1600" dirty="0"/>
+              <a:rPr lang="en-US" altLang="zh-CN" sz="1800" dirty="0"/>
+              <a:t>~/bin</a:t>
+            </a:r>
+          </a:p>
+          <a:p>
+            <a:pPr marL="457200" lvl="1" indent="0">
+              <a:buNone/>
+            </a:pPr>
+            <a:r>
+              <a:rPr lang="en-US" altLang="zh-CN" sz="1800" dirty="0"/>
+              <a:t>~/.local/bin</a:t>
+            </a:r>
+          </a:p>
+          <a:p>
+            <a:pPr marL="457200" lvl="1" indent="0">
+              <a:buNone/>
+            </a:pPr>
+            <a:r>
+              <a:rPr lang="en-US" altLang="zh-CN" sz="1800" dirty="0"/>
+              <a:t>/</a:t>
+            </a:r>
+            <a:r>
+              <a:rPr lang="en-US" altLang="zh-CN" sz="1800" dirty="0" err="1"/>
+              <a:t>usr</a:t>
+            </a:r>
+            <a:r>
+              <a:rPr lang="en-US" altLang="zh-CN" sz="1800" dirty="0"/>
+              <a:t>/local/</a:t>
+            </a:r>
+            <a:r>
+              <a:rPr lang="en-US" altLang="zh-CN" sz="1800" dirty="0" err="1"/>
+              <a:t>sbin</a:t>
+            </a:r>
+            <a:endParaRPr lang="en-US" altLang="zh-CN" sz="1800" dirty="0"/>
+          </a:p>
+          <a:p>
+            <a:pPr marL="457200" lvl="1" indent="0">
+              <a:buNone/>
+            </a:pPr>
+            <a:r>
+              <a:rPr lang="en-US" altLang="zh-CN" sz="1800" dirty="0"/>
+              <a:t>/</a:t>
+            </a:r>
+            <a:r>
+              <a:rPr lang="en-US" altLang="zh-CN" sz="1800" dirty="0" err="1"/>
+              <a:t>usr</a:t>
+            </a:r>
+            <a:r>
+              <a:rPr lang="en-US" altLang="zh-CN" sz="1800" dirty="0"/>
+              <a:t>/local/bin</a:t>
+            </a:r>
+          </a:p>
+          <a:p>
+            <a:pPr marL="457200" lvl="1" indent="0">
+              <a:buNone/>
+            </a:pPr>
+            <a:r>
+              <a:rPr lang="en-US" altLang="zh-CN" sz="1800" dirty="0"/>
+              <a:t>/</a:t>
+            </a:r>
+            <a:r>
+              <a:rPr lang="en-US" altLang="zh-CN" sz="1800" dirty="0" err="1"/>
+              <a:t>usr</a:t>
+            </a:r>
+            <a:r>
+              <a:rPr lang="en-US" altLang="zh-CN" sz="1800" dirty="0"/>
+              <a:t>/</a:t>
+            </a:r>
+            <a:r>
+              <a:rPr lang="en-US" altLang="zh-CN" sz="1800" dirty="0" err="1"/>
+              <a:t>sbin</a:t>
+            </a:r>
+            <a:endParaRPr lang="en-US" altLang="zh-CN" sz="1800" dirty="0"/>
+          </a:p>
+          <a:p>
+            <a:pPr marL="457200" lvl="1" indent="0">
+              <a:buNone/>
+            </a:pPr>
+            <a:r>
+              <a:rPr lang="en-US" altLang="zh-CN" sz="1800" dirty="0"/>
+              <a:t>/</a:t>
+            </a:r>
+            <a:r>
+              <a:rPr lang="en-US" altLang="zh-CN" sz="1800" dirty="0" err="1"/>
+              <a:t>usr</a:t>
+            </a:r>
+            <a:r>
+              <a:rPr lang="en-US" altLang="zh-CN" sz="1800" dirty="0"/>
               <a:t>/bin</a:t>
             </a:r>
           </a:p>
@@ -9340,30 +9179,39 @@
               <a:buNone/>
             </a:pPr>
             <a:r>
-              <a:rPr lang="en-US" altLang="zh-CN" sz="1600" dirty="0"/>
+              <a:rPr lang="en-US" altLang="zh-CN" sz="1800" dirty="0"/>
               <a:t>/</a:t>
             </a:r>
             <a:r>
-              <a:rPr lang="en-US" altLang="zh-CN" sz="1600" dirty="0" err="1"/>
+              <a:rPr lang="en-US" altLang="zh-CN" sz="1800" dirty="0" err="1"/>
               <a:t>sbin</a:t>
             </a:r>
-            <a:endParaRPr lang="en-US" altLang="zh-CN" sz="1600" dirty="0"/>
+            <a:endParaRPr lang="en-US" altLang="zh-CN" sz="1800" dirty="0"/>
           </a:p>
           <a:p>
             <a:pPr marL="457200" lvl="1" indent="0">
               <a:buNone/>
             </a:pPr>
             <a:r>
-              <a:rPr lang="en-US" altLang="zh-CN" sz="1600" dirty="0"/>
+              <a:rPr lang="en-US" altLang="zh-CN" sz="1800" dirty="0"/>
+              <a:t>/bin</a:t>
+            </a:r>
+          </a:p>
+          <a:p>
+            <a:pPr marL="457200" lvl="1" indent="0">
+              <a:buNone/>
+            </a:pPr>
+            <a:r>
+              <a:rPr lang="en-US" altLang="zh-CN" sz="1800" dirty="0"/>
               <a:t>/</a:t>
             </a:r>
             <a:r>
-              <a:rPr lang="en-US" altLang="zh-CN" sz="1600" dirty="0" err="1"/>
+              <a:rPr lang="en-US" altLang="zh-CN" sz="1800" dirty="0" err="1"/>
               <a:t>usr</a:t>
             </a:r>
             <a:r>
-              <a:rPr lang="en-US" altLang="zh-CN" sz="1600" dirty="0"/>
-              <a:t>/bin</a:t>
+              <a:rPr lang="en-US" altLang="zh-CN" sz="1800" dirty="0"/>
+              <a:t>/games</a:t>
             </a:r>
           </a:p>
           <a:p>
@@ -9371,83 +9219,17 @@
               <a:buNone/>
             </a:pPr>
             <a:r>
-              <a:rPr lang="en-US" altLang="zh-CN" sz="1600" dirty="0"/>
+              <a:rPr lang="en-US" altLang="zh-CN" sz="1800" dirty="0"/>
               <a:t>/</a:t>
             </a:r>
             <a:r>
-              <a:rPr lang="en-US" altLang="zh-CN" sz="1600" dirty="0" err="1"/>
+              <a:rPr lang="en-US" altLang="zh-CN" sz="1800" dirty="0" err="1"/>
               <a:t>usr</a:t>
             </a:r>
             <a:r>
-              <a:rPr lang="en-US" altLang="zh-CN" sz="1600" dirty="0"/>
-              <a:t>/</a:t>
-            </a:r>
-            <a:r>
-              <a:rPr lang="en-US" altLang="zh-CN" sz="1600" dirty="0" err="1"/>
-              <a:t>sbin</a:t>
-            </a:r>
-            <a:endParaRPr lang="en-US" altLang="zh-CN" sz="1600" dirty="0"/>
-          </a:p>
-          <a:p>
-            <a:pPr marL="457200" lvl="1" indent="0">
-              <a:buNone/>
-            </a:pPr>
-            <a:r>
-              <a:rPr lang="en-US" altLang="zh-CN" sz="1600" dirty="0"/>
-              <a:t>/</a:t>
-            </a:r>
-            <a:r>
-              <a:rPr lang="en-US" altLang="zh-CN" sz="1600" dirty="0" err="1"/>
-              <a:t>usr</a:t>
-            </a:r>
-            <a:r>
-              <a:rPr lang="en-US" altLang="zh-CN" sz="1600" dirty="0"/>
-              <a:t>/local/bin</a:t>
-            </a:r>
-          </a:p>
-          <a:p>
-            <a:pPr marL="457200" lvl="1" indent="0">
-              <a:buNone/>
-            </a:pPr>
-            <a:r>
-              <a:rPr lang="en-US" altLang="zh-CN" sz="1600" dirty="0"/>
-              <a:t>/</a:t>
-            </a:r>
-            <a:r>
-              <a:rPr lang="en-US" altLang="zh-CN" sz="1600" dirty="0" err="1"/>
-              <a:t>usr</a:t>
-            </a:r>
-            <a:r>
-              <a:rPr lang="en-US" altLang="zh-CN" sz="1600" dirty="0"/>
-              <a:t>/local/</a:t>
-            </a:r>
-            <a:r>
-              <a:rPr lang="en-US" altLang="zh-CN" sz="1600" dirty="0" err="1"/>
-              <a:t>sbin</a:t>
-            </a:r>
-            <a:endParaRPr lang="en-US" altLang="zh-CN" sz="1600" dirty="0"/>
-          </a:p>
-          <a:p>
-            <a:pPr marL="457200" lvl="1" indent="0">
-              <a:buNone/>
-            </a:pPr>
-            <a:r>
-              <a:rPr lang="en-US" altLang="zh-CN" sz="1600" dirty="0"/>
-              <a:t>~/bin</a:t>
-            </a:r>
-            <a:r>
-              <a:rPr lang="zh-CN" altLang="en-US" sz="1600" dirty="0"/>
-              <a:t>：当前用户主目录下的</a:t>
-            </a:r>
-            <a:r>
-              <a:rPr lang="en-US" altLang="zh-CN" sz="1600" dirty="0"/>
-              <a:t>bin</a:t>
-            </a:r>
-            <a:r>
-              <a:rPr lang="zh-CN" altLang="en-US" sz="1600" dirty="0"/>
-              <a:t>目录</a:t>
-            </a:r>
-            <a:endParaRPr lang="en-US" altLang="zh-CN" sz="1600" dirty="0"/>
+              <a:rPr lang="en-US" altLang="zh-CN" sz="1800" dirty="0"/>
+              <a:t>/local/games</a:t>
+            </a:r>
           </a:p>
         </p:txBody>
       </p:sp>
@@ -9556,7 +9338,14 @@
             </a:r>
             <a:r>
               <a:rPr lang="zh-CN" altLang="en-US" sz="2000" dirty="0"/>
-              <a:t>文件，使用文本编辑器打开，在</a:t>
+              <a:t>文件，使用文本编辑器打开。</a:t>
+            </a:r>
+            <a:endParaRPr lang="en-US" altLang="zh-CN" sz="2000" dirty="0"/>
+          </a:p>
+          <a:p>
+            <a:r>
+              <a:rPr lang="zh-CN" altLang="en-US" sz="2000" dirty="0"/>
+              <a:t>在</a:t>
             </a:r>
             <a:r>
               <a:rPr lang="en-US" altLang="zh-CN" sz="2000" dirty="0"/>
@@ -9572,15 +9361,24 @@
             </a:r>
             <a:r>
               <a:rPr lang="zh-CN" altLang="en-US" sz="2000" dirty="0"/>
-              <a:t>，保存文件，然后</a:t>
+              <a:t>，保存文件。</a:t>
+            </a:r>
+            <a:endParaRPr lang="en-US" altLang="zh-CN" sz="2000" dirty="0"/>
+          </a:p>
+          <a:p>
+            <a:r>
+              <a:rPr lang="zh-CN" altLang="en-US" sz="2000" dirty="0"/>
+              <a:t>然后运行</a:t>
             </a:r>
             <a:r>
               <a:rPr lang="en-US" altLang="zh-CN" sz="2000" dirty="0"/>
-              <a:t>source .profile</a:t>
-            </a:r>
-            <a:r>
-              <a:rPr lang="zh-CN" altLang="en-US" sz="2000" dirty="0"/>
-              <a:t>，这样就可以直接在</a:t>
+              <a:t>source  .profile</a:t>
+            </a:r>
+          </a:p>
+          <a:p>
+            <a:r>
+              <a:rPr lang="zh-CN" altLang="en-US" sz="2000" dirty="0"/>
+              <a:t>这样就可以直接在</a:t>
             </a:r>
             <a:r>
               <a:rPr lang="en-US" altLang="zh-CN" sz="2000" dirty="0"/>
@@ -9622,7 +9420,7 @@
             </a:r>
             <a:r>
               <a:rPr lang="zh-CN" altLang="en-US" sz="2000" dirty="0"/>
-              <a:t>命令显示系统中已存在的环境变量</a:t>
+              <a:t>命令显示系统中已存在的环境变量。</a:t>
             </a:r>
             <a:endParaRPr lang="en-US" altLang="zh-CN" sz="2000" dirty="0"/>
           </a:p>

--- a/materials/slides/ch03-terminal-and-basic.pptx
+++ b/materials/slides/ch03-terminal-and-basic.pptx
@@ -289,7 +289,7 @@
           <a:p>
             <a:fld id="{02E60DA2-A0BC-48C9-AA88-75C78721B420}" type="datetimeFigureOut">
               <a:rPr lang="zh-CN" altLang="en-US" smtClean="0"/>
-              <a:t>2018/2/25</a:t>
+              <a:t>2018/3/1</a:t>
             </a:fld>
             <a:endParaRPr lang="zh-CN" altLang="en-US"/>
           </a:p>
@@ -511,7 +511,7 @@
           <a:p>
             <a:fld id="{02E60DA2-A0BC-48C9-AA88-75C78721B420}" type="datetimeFigureOut">
               <a:rPr lang="zh-CN" altLang="en-US" smtClean="0"/>
-              <a:t>2018/2/25</a:t>
+              <a:t>2018/3/1</a:t>
             </a:fld>
             <a:endParaRPr lang="zh-CN" altLang="en-US"/>
           </a:p>
@@ -743,7 +743,7 @@
           <a:p>
             <a:fld id="{02E60DA2-A0BC-48C9-AA88-75C78721B420}" type="datetimeFigureOut">
               <a:rPr lang="zh-CN" altLang="en-US" smtClean="0"/>
-              <a:t>2018/2/25</a:t>
+              <a:t>2018/3/1</a:t>
             </a:fld>
             <a:endParaRPr lang="zh-CN" altLang="en-US"/>
           </a:p>
@@ -993,7 +993,7 @@
           <a:p>
             <a:fld id="{02E60DA2-A0BC-48C9-AA88-75C78721B420}" type="datetimeFigureOut">
               <a:rPr lang="zh-CN" altLang="en-US" smtClean="0"/>
-              <a:t>2018/2/25</a:t>
+              <a:t>2018/3/1</a:t>
             </a:fld>
             <a:endParaRPr lang="zh-CN" altLang="en-US"/>
           </a:p>
@@ -1231,7 +1231,7 @@
           <a:p>
             <a:fld id="{02E60DA2-A0BC-48C9-AA88-75C78721B420}" type="datetimeFigureOut">
               <a:rPr lang="zh-CN" altLang="en-US" smtClean="0"/>
-              <a:t>2018/2/25</a:t>
+              <a:t>2018/3/1</a:t>
             </a:fld>
             <a:endParaRPr lang="zh-CN" altLang="en-US"/>
           </a:p>
@@ -1536,7 +1536,7 @@
           <a:p>
             <a:fld id="{02E60DA2-A0BC-48C9-AA88-75C78721B420}" type="datetimeFigureOut">
               <a:rPr lang="zh-CN" altLang="en-US" smtClean="0"/>
-              <a:t>2018/2/25</a:t>
+              <a:t>2018/3/1</a:t>
             </a:fld>
             <a:endParaRPr lang="zh-CN" altLang="en-US"/>
           </a:p>
@@ -1839,7 +1839,7 @@
           <a:p>
             <a:fld id="{02E60DA2-A0BC-48C9-AA88-75C78721B420}" type="datetimeFigureOut">
               <a:rPr lang="zh-CN" altLang="en-US" smtClean="0"/>
-              <a:t>2018/2/25</a:t>
+              <a:t>2018/3/1</a:t>
             </a:fld>
             <a:endParaRPr lang="zh-CN" altLang="en-US"/>
           </a:p>
@@ -2290,7 +2290,7 @@
           <a:p>
             <a:fld id="{02E60DA2-A0BC-48C9-AA88-75C78721B420}" type="datetimeFigureOut">
               <a:rPr lang="zh-CN" altLang="en-US" smtClean="0"/>
-              <a:t>2018/2/25</a:t>
+              <a:t>2018/3/1</a:t>
             </a:fld>
             <a:endParaRPr lang="zh-CN" altLang="en-US"/>
           </a:p>
@@ -2463,7 +2463,7 @@
           <a:p>
             <a:fld id="{02E60DA2-A0BC-48C9-AA88-75C78721B420}" type="datetimeFigureOut">
               <a:rPr lang="zh-CN" altLang="en-US" smtClean="0"/>
-              <a:t>2018/2/25</a:t>
+              <a:t>2018/3/1</a:t>
             </a:fld>
             <a:endParaRPr lang="zh-CN" altLang="en-US"/>
           </a:p>
@@ -2600,7 +2600,7 @@
           <a:p>
             <a:fld id="{02E60DA2-A0BC-48C9-AA88-75C78721B420}" type="datetimeFigureOut">
               <a:rPr lang="zh-CN" altLang="en-US" smtClean="0"/>
-              <a:t>2018/2/25</a:t>
+              <a:t>2018/3/1</a:t>
             </a:fld>
             <a:endParaRPr lang="zh-CN" altLang="en-US"/>
           </a:p>
@@ -2944,7 +2944,7 @@
           <a:p>
             <a:fld id="{02E60DA2-A0BC-48C9-AA88-75C78721B420}" type="datetimeFigureOut">
               <a:rPr lang="zh-CN" altLang="en-US" smtClean="0"/>
-              <a:t>2018/2/25</a:t>
+              <a:t>2018/3/1</a:t>
             </a:fld>
             <a:endParaRPr lang="zh-CN" altLang="en-US"/>
           </a:p>
@@ -3166,7 +3166,7 @@
           <a:p>
             <a:fld id="{02E60DA2-A0BC-48C9-AA88-75C78721B420}" type="datetimeFigureOut">
               <a:rPr lang="zh-CN" altLang="en-US" smtClean="0"/>
-              <a:t>2018/2/25</a:t>
+              <a:t>2018/3/1</a:t>
             </a:fld>
             <a:endParaRPr lang="zh-CN" altLang="en-US"/>
           </a:p>
@@ -3487,7 +3487,7 @@
           <a:p>
             <a:fld id="{02E60DA2-A0BC-48C9-AA88-75C78721B420}" type="datetimeFigureOut">
               <a:rPr lang="zh-CN" altLang="en-US" smtClean="0"/>
-              <a:t>2018/2/25</a:t>
+              <a:t>2018/3/1</a:t>
             </a:fld>
             <a:endParaRPr lang="zh-CN" altLang="en-US"/>
           </a:p>
@@ -3725,7 +3725,7 @@
           <a:p>
             <a:fld id="{02E60DA2-A0BC-48C9-AA88-75C78721B420}" type="datetimeFigureOut">
               <a:rPr lang="zh-CN" altLang="en-US" smtClean="0"/>
-              <a:t>2018/2/25</a:t>
+              <a:t>2018/3/1</a:t>
             </a:fld>
             <a:endParaRPr lang="zh-CN" altLang="en-US"/>
           </a:p>
@@ -3963,7 +3963,7 @@
           <a:p>
             <a:fld id="{02E60DA2-A0BC-48C9-AA88-75C78721B420}" type="datetimeFigureOut">
               <a:rPr lang="zh-CN" altLang="en-US" smtClean="0"/>
-              <a:t>2018/2/25</a:t>
+              <a:t>2018/3/1</a:t>
             </a:fld>
             <a:endParaRPr lang="zh-CN" altLang="en-US"/>
           </a:p>
@@ -4262,7 +4262,7 @@
           <a:p>
             <a:fld id="{02E60DA2-A0BC-48C9-AA88-75C78721B420}" type="datetimeFigureOut">
               <a:rPr lang="zh-CN" altLang="en-US" smtClean="0"/>
-              <a:t>2018/2/25</a:t>
+              <a:t>2018/3/1</a:t>
             </a:fld>
             <a:endParaRPr lang="zh-CN" altLang="en-US"/>
           </a:p>
@@ -4551,7 +4551,7 @@
           <a:p>
             <a:fld id="{02E60DA2-A0BC-48C9-AA88-75C78721B420}" type="datetimeFigureOut">
               <a:rPr lang="zh-CN" altLang="en-US" smtClean="0"/>
-              <a:t>2018/2/25</a:t>
+              <a:t>2018/3/1</a:t>
             </a:fld>
             <a:endParaRPr lang="zh-CN" altLang="en-US"/>
           </a:p>
@@ -4987,7 +4987,7 @@
           <a:p>
             <a:fld id="{02E60DA2-A0BC-48C9-AA88-75C78721B420}" type="datetimeFigureOut">
               <a:rPr lang="zh-CN" altLang="en-US" smtClean="0"/>
-              <a:t>2018/2/25</a:t>
+              <a:t>2018/3/1</a:t>
             </a:fld>
             <a:endParaRPr lang="zh-CN" altLang="en-US"/>
           </a:p>
@@ -5152,7 +5152,7 @@
           <a:p>
             <a:fld id="{02E60DA2-A0BC-48C9-AA88-75C78721B420}" type="datetimeFigureOut">
               <a:rPr lang="zh-CN" altLang="en-US" smtClean="0"/>
-              <a:t>2018/2/25</a:t>
+              <a:t>2018/3/1</a:t>
             </a:fld>
             <a:endParaRPr lang="zh-CN" altLang="en-US"/>
           </a:p>
@@ -5289,7 +5289,7 @@
           <a:p>
             <a:fld id="{02E60DA2-A0BC-48C9-AA88-75C78721B420}" type="datetimeFigureOut">
               <a:rPr lang="zh-CN" altLang="en-US" smtClean="0"/>
-              <a:t>2018/2/25</a:t>
+              <a:t>2018/3/1</a:t>
             </a:fld>
             <a:endParaRPr lang="zh-CN" altLang="en-US"/>
           </a:p>
@@ -5624,7 +5624,7 @@
           <a:p>
             <a:fld id="{02E60DA2-A0BC-48C9-AA88-75C78721B420}" type="datetimeFigureOut">
               <a:rPr lang="zh-CN" altLang="en-US" smtClean="0"/>
-              <a:t>2018/2/25</a:t>
+              <a:t>2018/3/1</a:t>
             </a:fld>
             <a:endParaRPr lang="zh-CN" altLang="en-US"/>
           </a:p>
@@ -5936,7 +5936,7 @@
           <a:p>
             <a:fld id="{02E60DA2-A0BC-48C9-AA88-75C78721B420}" type="datetimeFigureOut">
               <a:rPr lang="zh-CN" altLang="en-US" smtClean="0"/>
-              <a:t>2018/2/25</a:t>
+              <a:t>2018/3/1</a:t>
             </a:fld>
             <a:endParaRPr lang="zh-CN" altLang="en-US"/>
           </a:p>
@@ -7234,13 +7234,20 @@
             </a:r>
             <a:r>
               <a:rPr lang="zh-CN" altLang="en-US" sz="2000" dirty="0"/>
-              <a:t>键自动补齐 命令补全 路径补全</a:t>
-            </a:r>
-          </a:p>
-          <a:p>
+              <a:t>键可以自动补全命令名称以及参数</a:t>
+            </a:r>
+          </a:p>
+          <a:p>
+            <a:endParaRPr lang="en-US" altLang="zh-CN" sz="2000"/>
+          </a:p>
+          <a:p>
+            <a:r>
+              <a:rPr lang="zh-CN" altLang="zh-CN" sz="2000"/>
+              <a:t>命令</a:t>
+            </a:r>
             <a:r>
               <a:rPr lang="zh-CN" altLang="zh-CN" sz="2000" dirty="0"/>
-              <a:t>命令历史</a:t>
+              <a:t>历史</a:t>
             </a:r>
             <a:r>
               <a:rPr lang="zh-CN" altLang="en-US" sz="2000" dirty="0"/>
@@ -7272,66 +7279,108 @@
             </a:r>
             <a:r>
               <a:rPr lang="zh-CN" altLang="en-US" sz="2000" dirty="0"/>
-              <a:t>清空历史命令</a:t>
+              <a:t>清空历史命令。</a:t>
+            </a:r>
+            <a:endParaRPr lang="en-US" altLang="zh-CN" sz="2000" dirty="0"/>
+          </a:p>
+          <a:p>
+            <a:endParaRPr lang="en-US" altLang="zh-CN" sz="2000" dirty="0"/>
+          </a:p>
+          <a:p>
+            <a:r>
+              <a:rPr lang="zh-CN" altLang="en-US" sz="2000" dirty="0"/>
+              <a:t>快捷键：</a:t>
             </a:r>
             <a:endParaRPr lang="zh-CN" altLang="zh-CN" sz="2000" dirty="0"/>
           </a:p>
           <a:p>
-            <a:r>
-              <a:rPr lang="en-US" altLang="zh-CN" sz="2000" dirty="0"/>
-              <a:t>control-a </a:t>
-            </a:r>
-            <a:r>
-              <a:rPr lang="zh-CN" altLang="en-US" sz="2000" dirty="0"/>
-              <a:t>行首，</a:t>
-            </a:r>
-            <a:r>
-              <a:rPr lang="en-US" altLang="zh-CN" sz="2000" dirty="0"/>
-              <a:t>control-e </a:t>
-            </a:r>
-            <a:r>
-              <a:rPr lang="zh-CN" altLang="en-US" sz="2000" dirty="0"/>
-              <a:t>行尾</a:t>
-            </a:r>
-            <a:endParaRPr lang="en-US" altLang="zh-CN" sz="2000" dirty="0"/>
-          </a:p>
-          <a:p>
-            <a:r>
-              <a:rPr lang="en-US" altLang="zh-CN" sz="2000" dirty="0"/>
-              <a:t>control-l </a:t>
-            </a:r>
-            <a:r>
-              <a:rPr lang="zh-CN" altLang="en-US" sz="2000" dirty="0"/>
+            <a:pPr marL="457200" lvl="1" indent="0">
+              <a:buNone/>
+            </a:pPr>
+            <a:r>
+              <a:rPr lang="en-US" altLang="zh-CN" sz="1800" dirty="0" err="1"/>
+              <a:t>Ctrl+a</a:t>
+            </a:r>
+            <a:r>
+              <a:rPr lang="en-US" altLang="zh-CN" sz="1800" dirty="0"/>
+              <a:t> </a:t>
+            </a:r>
+            <a:r>
+              <a:rPr lang="zh-CN" altLang="en-US" sz="1800" dirty="0"/>
+              <a:t>跳转行首，</a:t>
+            </a:r>
+            <a:r>
+              <a:rPr lang="en-US" altLang="zh-CN" sz="1800" dirty="0" err="1"/>
+              <a:t>Ctrl+e</a:t>
+            </a:r>
+            <a:r>
+              <a:rPr lang="en-US" altLang="zh-CN" sz="1800" dirty="0"/>
+              <a:t> </a:t>
+            </a:r>
+            <a:r>
+              <a:rPr lang="zh-CN" altLang="en-US" sz="1800" dirty="0"/>
+              <a:t>跳转行尾</a:t>
+            </a:r>
+            <a:endParaRPr lang="en-US" altLang="zh-CN" sz="1800" dirty="0"/>
+          </a:p>
+          <a:p>
+            <a:pPr marL="457200" lvl="1" indent="0">
+              <a:buNone/>
+            </a:pPr>
+            <a:r>
+              <a:rPr lang="en-US" altLang="zh-CN" sz="1800" dirty="0" err="1"/>
+              <a:t>Ctrl+l</a:t>
+            </a:r>
+            <a:r>
+              <a:rPr lang="en-US" altLang="zh-CN" sz="1800" dirty="0"/>
+              <a:t> </a:t>
+            </a:r>
+            <a:r>
+              <a:rPr lang="zh-CN" altLang="en-US" sz="1800" dirty="0"/>
               <a:t>清屏</a:t>
             </a:r>
-            <a:endParaRPr lang="en-US" altLang="zh-CN" sz="2000" dirty="0"/>
-          </a:p>
-          <a:p>
-            <a:r>
-              <a:rPr lang="en-US" altLang="zh-CN" sz="2000" dirty="0"/>
-              <a:t>control-c </a:t>
-            </a:r>
-            <a:r>
-              <a:rPr lang="zh-CN" altLang="zh-CN" sz="2000" dirty="0"/>
-              <a:t>取消执行</a:t>
-            </a:r>
-            <a:endParaRPr lang="en-US" altLang="zh-CN" sz="2000" dirty="0"/>
-          </a:p>
-          <a:p>
-            <a:r>
-              <a:rPr lang="en-US" altLang="zh-CN" sz="2000" dirty="0"/>
-              <a:t>control-d </a:t>
-            </a:r>
-            <a:r>
-              <a:rPr lang="zh-CN" altLang="en-US" sz="2000"/>
+            <a:endParaRPr lang="en-US" altLang="zh-CN" sz="1800" dirty="0"/>
+          </a:p>
+          <a:p>
+            <a:pPr marL="457200" lvl="1" indent="0">
+              <a:buNone/>
+            </a:pPr>
+            <a:r>
+              <a:rPr lang="en-US" altLang="zh-CN" sz="1800" dirty="0" err="1"/>
+              <a:t>Ctrl+c</a:t>
+            </a:r>
+            <a:r>
+              <a:rPr lang="en-US" altLang="zh-CN" sz="1800" dirty="0"/>
+              <a:t> </a:t>
+            </a:r>
+            <a:r>
+              <a:rPr lang="zh-CN" altLang="en-US" sz="1800" dirty="0"/>
+              <a:t>终止程序执行</a:t>
+            </a:r>
+            <a:endParaRPr lang="en-US" altLang="zh-CN" sz="1800" dirty="0"/>
+          </a:p>
+          <a:p>
+            <a:pPr marL="457200" lvl="1" indent="0">
+              <a:buNone/>
+            </a:pPr>
+            <a:r>
+              <a:rPr lang="en-US" altLang="zh-CN" sz="1800" dirty="0" err="1"/>
+              <a:t>Ctrl+d</a:t>
+            </a:r>
+            <a:r>
+              <a:rPr lang="en-US" altLang="zh-CN" sz="1800" dirty="0"/>
+              <a:t> </a:t>
+            </a:r>
+            <a:r>
+              <a:rPr lang="zh-CN" altLang="en-US" sz="1800" dirty="0"/>
               <a:t>退出</a:t>
             </a:r>
             <a:r>
-              <a:rPr lang="en-US" altLang="zh-CN" sz="2000"/>
+              <a:rPr lang="en-US" altLang="zh-CN" sz="1800" dirty="0"/>
               <a:t>shell</a:t>
             </a:r>
             <a:r>
-              <a:rPr lang="zh-CN" altLang="en-US" sz="2000" dirty="0"/>
+              <a:rPr lang="zh-CN" altLang="en-US" sz="1800" dirty="0"/>
               <a:t>，回到登录界面</a:t>
             </a:r>
           </a:p>
@@ -8268,6 +8317,9 @@
             <a:endParaRPr lang="en-US" altLang="zh-CN" sz="2000" dirty="0"/>
           </a:p>
           <a:p>
+            <a:endParaRPr lang="en-US" altLang="zh-CN" sz="2000" dirty="0"/>
+          </a:p>
+          <a:p>
             <a:r>
               <a:rPr lang="en-US" altLang="zh-CN" sz="2000" dirty="0"/>
               <a:t>Ctrl+Alt+F7</a:t>
@@ -8279,6 +8331,9 @@
             <a:endParaRPr lang="en-US" altLang="zh-CN" sz="2000" dirty="0"/>
           </a:p>
           <a:p>
+            <a:endParaRPr lang="en-US" altLang="zh-CN" sz="2000" dirty="0"/>
+          </a:p>
+          <a:p>
             <a:r>
               <a:rPr lang="zh-CN" altLang="en-US" sz="2000" dirty="0"/>
               <a:t>其他发行版也有使用</a:t>
@@ -8289,7 +8344,7 @@
             </a:r>
             <a:r>
               <a:rPr lang="zh-CN" altLang="en-US" sz="2000" dirty="0"/>
-              <a:t>作为默认桌面环境的。</a:t>
+              <a:t>作为默认桌面环境的。这和系统设计有关。</a:t>
             </a:r>
             <a:endParaRPr lang="en-US" altLang="zh-CN" sz="2000" dirty="0"/>
           </a:p>
@@ -8408,7 +8463,7 @@
             </a:r>
             <a:r>
               <a:rPr lang="zh-CN" altLang="en-US" sz="2000" dirty="0"/>
-              <a:t>俗称“壳”，用来与“核”相区别，也是一个非常传神的解释。</a:t>
+              <a:t>俗称“壳”，用来与“核”相区别。</a:t>
             </a:r>
             <a:endParaRPr lang="en-US" altLang="zh-CN" sz="2000" dirty="0"/>
           </a:p>
@@ -8424,6 +8479,9 @@
             <a:endParaRPr lang="en-US" altLang="zh-CN" sz="2000" dirty="0"/>
           </a:p>
           <a:p>
+            <a:endParaRPr lang="en-US" altLang="zh-CN" sz="2000" dirty="0"/>
+          </a:p>
+          <a:p>
             <a:r>
               <a:rPr lang="en-US" altLang="zh-CN" sz="2000" dirty="0"/>
               <a:t>shell</a:t>
@@ -8483,6 +8541,9 @@
             <a:endParaRPr lang="en-US" altLang="zh-CN" sz="2000" dirty="0"/>
           </a:p>
           <a:p>
+            <a:endParaRPr lang="en-US" altLang="zh-CN" sz="2000" dirty="0"/>
+          </a:p>
+          <a:p>
             <a:r>
               <a:rPr lang="zh-CN" altLang="en-US" sz="2000" dirty="0"/>
               <a:t>终端最重要的事情是输入和输出，程序运行的结果要通过</a:t>
@@ -8498,6 +8559,9 @@
             <a:endParaRPr lang="en-US" altLang="zh-CN" sz="2000" dirty="0"/>
           </a:p>
           <a:p>
+            <a:endParaRPr lang="en-US" altLang="zh-CN" sz="2000" dirty="0"/>
+          </a:p>
+          <a:p>
             <a:r>
               <a:rPr lang="en-US" altLang="zh-CN" sz="2000" dirty="0"/>
               <a:t>Ubuntu</a:t>
@@ -8522,6 +8586,9 @@
               <a:rPr lang="zh-CN" altLang="en-US" sz="2000" dirty="0"/>
               <a:t>。</a:t>
             </a:r>
+            <a:endParaRPr lang="en-US" altLang="zh-CN" sz="2000" dirty="0"/>
+          </a:p>
+          <a:p>
             <a:endParaRPr lang="en-US" altLang="zh-CN" sz="2000" dirty="0"/>
           </a:p>
           <a:p>
@@ -8637,7 +8704,7 @@
         <p:spPr/>
         <p:txBody>
           <a:bodyPr>
-            <a:normAutofit lnSpcReduction="10000"/>
+            <a:normAutofit/>
           </a:bodyPr>
           <a:lstStyle/>
           <a:p>
@@ -8664,6 +8731,9 @@
             <a:endParaRPr lang="zh-CN" altLang="en-US" sz="2000" dirty="0"/>
           </a:p>
           <a:p>
+            <a:endParaRPr lang="en-US" altLang="zh-CN" sz="2000" dirty="0"/>
+          </a:p>
+          <a:p>
             <a:r>
               <a:rPr lang="zh-CN" altLang="en-US" sz="2000" dirty="0"/>
               <a:t>外部命令：独立于</a:t>
@@ -8690,7 +8760,7 @@
             </a:r>
             <a:r>
               <a:rPr lang="zh-CN" altLang="en-US" sz="2000" dirty="0"/>
-              <a:t>依照事先设定好的路径查找，找到后才能执行</a:t>
+              <a:t>依照事先设定好的路径查找，找到后才能执行。</a:t>
             </a:r>
             <a:endParaRPr lang="en-US" altLang="zh-CN" sz="2000" dirty="0"/>
           </a:p>
@@ -8700,34 +8770,6 @@
                 <a:spcPts val="1000"/>
               </a:spcBef>
             </a:pPr>
-            <a:r>
-              <a:rPr lang="en-US" altLang="zh-CN" sz="2000" dirty="0"/>
-              <a:t>type &lt;command&gt; </a:t>
-            </a:r>
-            <a:r>
-              <a:rPr lang="zh-CN" altLang="zh-CN" sz="2000" dirty="0"/>
-              <a:t>查看</a:t>
-            </a:r>
-            <a:r>
-              <a:rPr lang="en-US" altLang="zh-CN" sz="2000" dirty="0"/>
-              <a:t>&lt;command&gt;</a:t>
-            </a:r>
-            <a:r>
-              <a:rPr lang="zh-CN" altLang="zh-CN" sz="2000" dirty="0"/>
-              <a:t>是内部命令还是外部命令</a:t>
-            </a:r>
-            <a:r>
-              <a:rPr lang="zh-CN" altLang="en-US" sz="2000" dirty="0"/>
-              <a:t>。</a:t>
-            </a:r>
-            <a:r>
-              <a:rPr lang="en-US" altLang="zh-CN" sz="2000" dirty="0"/>
-              <a:t>hash</a:t>
-            </a:r>
-            <a:r>
-              <a:rPr lang="zh-CN" altLang="en-US" sz="2000" dirty="0"/>
-              <a:t>表会缓存外部命令所在位置。</a:t>
-            </a:r>
             <a:endParaRPr lang="en-US" altLang="zh-CN" sz="2000" dirty="0"/>
           </a:p>
           <a:p>
@@ -8738,182 +8780,77 @@
             </a:pPr>
             <a:r>
               <a:rPr lang="en-US" altLang="zh-CN" sz="2000" dirty="0"/>
-              <a:t>hash -d &lt;command&gt;</a:t>
-            </a:r>
-            <a:r>
-              <a:rPr lang="zh-CN" altLang="en-US" sz="2000" dirty="0"/>
-              <a:t>：</a:t>
-            </a:r>
-            <a:r>
-              <a:rPr lang="en-US" altLang="zh-CN" sz="2000" dirty="0"/>
-              <a:t> </a:t>
-            </a:r>
-            <a:r>
-              <a:rPr lang="zh-CN" altLang="en-US" sz="2000" dirty="0"/>
-              <a:t>删除</a:t>
+              <a:t>type &lt;command&gt; </a:t>
+            </a:r>
+            <a:r>
+              <a:rPr lang="zh-CN" altLang="zh-CN" sz="2000" dirty="0"/>
+              <a:t>查看</a:t>
             </a:r>
             <a:r>
               <a:rPr lang="en-US" altLang="zh-CN" sz="2000" dirty="0"/>
               <a:t>&lt;command&gt;</a:t>
             </a:r>
             <a:r>
+              <a:rPr lang="zh-CN" altLang="zh-CN" sz="2000" dirty="0"/>
+              <a:t>是内部命令还是外部命令</a:t>
+            </a:r>
+            <a:r>
               <a:rPr lang="zh-CN" altLang="en-US" sz="2000" dirty="0"/>
-              <a:t>命令的缓存；</a:t>
-            </a:r>
-            <a:r>
-              <a:rPr lang="en-US" altLang="zh-CN" sz="2000" dirty="0"/>
-              <a:t>hash -r </a:t>
-            </a:r>
-            <a:r>
-              <a:rPr lang="zh-CN" altLang="en-US" sz="2000" dirty="0"/>
-              <a:t>清空缓存表</a:t>
-            </a:r>
-            <a:endParaRPr lang="en-US" altLang="zh-CN" sz="2000" dirty="0"/>
-          </a:p>
-          <a:p>
-            <a:pPr marL="0" lvl="1" indent="0">
-              <a:spcBef>
-                <a:spcPts val="1000"/>
-              </a:spcBef>
-              <a:buNone/>
-            </a:pPr>
-            <a:r>
-              <a:rPr lang="zh-CN" altLang="en-US" sz="2000" dirty="0"/>
-              <a:t>    命令类型：</a:t>
-            </a:r>
-            <a:r>
-              <a:rPr lang="en-US" altLang="zh-CN" sz="2000" dirty="0"/>
-              <a:t>alias</a:t>
-            </a:r>
-            <a:r>
-              <a:rPr lang="zh-CN" altLang="en-US" sz="2000" dirty="0"/>
-              <a:t>：别名。</a:t>
-            </a:r>
-          </a:p>
-          <a:p>
-            <a:pPr marL="0" lvl="1" indent="0">
-              <a:spcBef>
-                <a:spcPts val="1000"/>
-              </a:spcBef>
-              <a:buNone/>
-            </a:pPr>
-            <a:r>
-              <a:rPr lang="zh-CN" altLang="en-US" sz="2000" dirty="0"/>
-              <a:t>                      </a:t>
-            </a:r>
-            <a:r>
-              <a:rPr lang="en-US" altLang="zh-CN" sz="2000" dirty="0"/>
-              <a:t>keyword</a:t>
-            </a:r>
-            <a:r>
-              <a:rPr lang="zh-CN" altLang="en-US" sz="2000" dirty="0"/>
-              <a:t>：关键字，</a:t>
-            </a:r>
-            <a:r>
-              <a:rPr lang="en-US" altLang="zh-CN" sz="2000" dirty="0"/>
-              <a:t>Shell</a:t>
-            </a:r>
-            <a:r>
-              <a:rPr lang="zh-CN" altLang="en-US" sz="2000" dirty="0"/>
-              <a:t>保留字。</a:t>
-            </a:r>
-          </a:p>
-          <a:p>
-            <a:pPr marL="0" lvl="1" indent="0">
-              <a:spcBef>
-                <a:spcPts val="1000"/>
-              </a:spcBef>
-              <a:buNone/>
-            </a:pPr>
-            <a:r>
-              <a:rPr lang="zh-CN" altLang="en-US" sz="2000" dirty="0"/>
-              <a:t>                      </a:t>
-            </a:r>
-            <a:r>
-              <a:rPr lang="en-US" altLang="zh-CN" sz="2000" dirty="0"/>
-              <a:t>function</a:t>
-            </a:r>
-            <a:r>
-              <a:rPr lang="zh-CN" altLang="en-US" sz="2000" dirty="0"/>
-              <a:t>：函数，</a:t>
-            </a:r>
-            <a:r>
-              <a:rPr lang="en-US" altLang="zh-CN" sz="2000" dirty="0"/>
-              <a:t>Shell</a:t>
-            </a:r>
-            <a:r>
-              <a:rPr lang="zh-CN" altLang="en-US" sz="2000" dirty="0"/>
-              <a:t>函数。</a:t>
-            </a:r>
-          </a:p>
-          <a:p>
-            <a:pPr marL="0" lvl="1" indent="0">
-              <a:spcBef>
-                <a:spcPts val="1000"/>
-              </a:spcBef>
-              <a:buNone/>
-            </a:pPr>
-            <a:r>
-              <a:rPr lang="zh-CN" altLang="en-US" sz="2000" dirty="0"/>
-              <a:t>                      </a:t>
-            </a:r>
-            <a:r>
-              <a:rPr lang="en-US" altLang="zh-CN" sz="2000" dirty="0" err="1"/>
-              <a:t>builtin</a:t>
-            </a:r>
-            <a:r>
-              <a:rPr lang="zh-CN" altLang="en-US" sz="2000" dirty="0"/>
-              <a:t>：内建命令，</a:t>
-            </a:r>
-            <a:r>
-              <a:rPr lang="en-US" altLang="zh-CN" sz="2000" dirty="0"/>
-              <a:t>Shell</a:t>
-            </a:r>
-            <a:r>
-              <a:rPr lang="zh-CN" altLang="en-US" sz="2000" dirty="0"/>
-              <a:t>内部命令。</a:t>
-            </a:r>
-          </a:p>
-          <a:p>
-            <a:pPr marL="0" lvl="1" indent="0">
-              <a:spcBef>
-                <a:spcPts val="1000"/>
-              </a:spcBef>
-              <a:buNone/>
-            </a:pPr>
-            <a:r>
-              <a:rPr lang="zh-CN" altLang="en-US" sz="2000" dirty="0"/>
-              <a:t>                      </a:t>
-            </a:r>
-            <a:r>
-              <a:rPr lang="en-US" altLang="zh-CN" sz="2000" dirty="0"/>
-              <a:t>file</a:t>
-            </a:r>
-            <a:r>
-              <a:rPr lang="zh-CN" altLang="en-US" sz="2000" dirty="0"/>
-              <a:t>：文件，磁盘文件，外部命令。</a:t>
-            </a:r>
-          </a:p>
-          <a:p>
-            <a:pPr marL="0" lvl="1" indent="0">
-              <a:spcBef>
-                <a:spcPts val="1000"/>
-              </a:spcBef>
-              <a:buNone/>
-            </a:pPr>
-            <a:r>
-              <a:rPr lang="zh-CN" altLang="en-US" sz="2000" dirty="0"/>
-              <a:t>                      </a:t>
-            </a:r>
-            <a:r>
-              <a:rPr lang="en-US" altLang="zh-CN" sz="2000" dirty="0"/>
-              <a:t>unfound</a:t>
-            </a:r>
-            <a:r>
-              <a:rPr lang="zh-CN" altLang="en-US" sz="2000" dirty="0"/>
-              <a:t>：没有找到。</a:t>
-            </a:r>
-            <a:endParaRPr lang="en-US" altLang="zh-CN" sz="2000" dirty="0"/>
+              <a:t>。</a:t>
+            </a:r>
+            <a:r>
+              <a:rPr lang="en-US" altLang="zh-CN" sz="2000" dirty="0">
+                <a:solidFill>
+                  <a:srgbClr val="C00000"/>
+                </a:solidFill>
+              </a:rPr>
+              <a:t>hash</a:t>
+            </a:r>
+            <a:r>
+              <a:rPr lang="zh-CN" altLang="en-US" sz="2000" dirty="0">
+                <a:solidFill>
+                  <a:srgbClr val="C00000"/>
+                </a:solidFill>
+              </a:rPr>
+              <a:t>表会缓存外部命令所在位置。刚开机时，</a:t>
+            </a:r>
+            <a:r>
+              <a:rPr lang="en-US" altLang="zh-CN" sz="2000" dirty="0">
+                <a:solidFill>
+                  <a:srgbClr val="C00000"/>
+                </a:solidFill>
+              </a:rPr>
+              <a:t>hash</a:t>
+            </a:r>
+            <a:r>
+              <a:rPr lang="zh-CN" altLang="en-US" sz="2000" dirty="0">
+                <a:solidFill>
+                  <a:srgbClr val="C00000"/>
+                </a:solidFill>
+              </a:rPr>
+              <a:t>表为空，每次运行命令，</a:t>
+            </a:r>
+            <a:r>
+              <a:rPr lang="en-US" altLang="zh-CN" sz="2000" dirty="0">
+                <a:solidFill>
+                  <a:srgbClr val="C00000"/>
+                </a:solidFill>
+              </a:rPr>
+              <a:t>hash</a:t>
+            </a:r>
+            <a:r>
+              <a:rPr lang="zh-CN" altLang="en-US" sz="2000" dirty="0">
+                <a:solidFill>
+                  <a:srgbClr val="C00000"/>
+                </a:solidFill>
+              </a:rPr>
+              <a:t>表会缓存此命令的路径，提高命令查找效率。</a:t>
+            </a:r>
+            <a:endParaRPr lang="en-US" altLang="zh-CN" sz="2000" dirty="0">
+              <a:solidFill>
+                <a:srgbClr val="C00000"/>
+              </a:solidFill>
+            </a:endParaRPr>
           </a:p>
           <a:p>
             <a:pPr marL="228600" lvl="1">
@@ -8921,6 +8858,14 @@
                 <a:spcPts val="1000"/>
               </a:spcBef>
             </a:pPr>
+            <a:endParaRPr lang="en-US" altLang="zh-CN" sz="2000" dirty="0"/>
+          </a:p>
+          <a:p>
+            <a:pPr marL="228600" lvl="1">
+              <a:spcBef>
+                <a:spcPts val="1000"/>
+              </a:spcBef>
+            </a:pPr>
             <a:r>
               <a:rPr lang="en-US" altLang="zh-CN" sz="2000" dirty="0"/>
               <a:t>which/</a:t>
@@ -8947,7 +8892,7 @@
             </a:r>
             <a:r>
               <a:rPr lang="zh-CN" altLang="en-US" sz="2000" dirty="0"/>
-              <a:t>路径</a:t>
+              <a:t>路径。</a:t>
             </a:r>
             <a:endParaRPr lang="zh-CN" altLang="en-US" dirty="0"/>
           </a:p>
@@ -9515,6 +9460,9 @@
             </a:r>
           </a:p>
           <a:p>
+            <a:endParaRPr lang="en-US" altLang="zh-CN" sz="2000" dirty="0"/>
+          </a:p>
+          <a:p>
             <a:r>
               <a:rPr lang="zh-CN" altLang="en-US" sz="2000" dirty="0"/>
               <a:t>命令的“</a:t>
@@ -9529,6 +9477,9 @@
             </a:r>
           </a:p>
           <a:p>
+            <a:endParaRPr lang="en-US" altLang="zh-CN" sz="2000" dirty="0"/>
+          </a:p>
+          <a:p>
             <a:r>
               <a:rPr lang="zh-CN" altLang="en-US" sz="2000" dirty="0"/>
               <a:t>使用</a:t>
@@ -9539,15 +9490,20 @@
             </a:r>
             <a:r>
               <a:rPr lang="zh-CN" altLang="en-US" sz="2000" dirty="0"/>
-              <a:t>命令阅读手册页</a:t>
-            </a:r>
+              <a:t>命令阅读手册页：</a:t>
+            </a:r>
+            <a:r>
+              <a:rPr lang="en-US" altLang="zh-CN" sz="2000" dirty="0"/>
+              <a:t>man  [COMMAND]</a:t>
+            </a:r>
+            <a:endParaRPr lang="zh-CN" altLang="en-US" sz="2000" dirty="0"/>
           </a:p>
           <a:p>
             <a:pPr marL="0" indent="0">
               <a:buNone/>
             </a:pPr>
             <a:r>
-              <a:rPr lang="zh-CN" altLang="en-US" sz="2000" dirty="0"/>
+              <a:rPr lang="zh-CN" altLang="en-US" sz="1800" dirty="0"/>
               <a:t>     使用“↑”、“↓”方向键滚动文本</a:t>
             </a:r>
           </a:p>
@@ -9556,23 +9512,23 @@
               <a:buNone/>
             </a:pPr>
             <a:r>
-              <a:rPr lang="zh-CN" altLang="en-US" sz="2000" dirty="0"/>
+              <a:rPr lang="zh-CN" altLang="en-US" sz="1800" dirty="0"/>
               <a:t>     使用</a:t>
             </a:r>
             <a:r>
-              <a:rPr lang="en-US" altLang="zh-CN" sz="2000" dirty="0"/>
+              <a:rPr lang="en-US" altLang="zh-CN" sz="1800" dirty="0"/>
               <a:t>Page Up</a:t>
             </a:r>
             <a:r>
-              <a:rPr lang="zh-CN" altLang="en-US" sz="2000" dirty="0"/>
+              <a:rPr lang="zh-CN" altLang="en-US" sz="1800" dirty="0"/>
               <a:t>和</a:t>
             </a:r>
             <a:r>
-              <a:rPr lang="en-US" altLang="zh-CN" sz="2000" dirty="0"/>
+              <a:rPr lang="en-US" altLang="zh-CN" sz="1800" dirty="0"/>
               <a:t>Page Down</a:t>
             </a:r>
             <a:r>
-              <a:rPr lang="zh-CN" altLang="en-US" sz="2000" dirty="0"/>
+              <a:rPr lang="zh-CN" altLang="en-US" sz="1800" dirty="0"/>
               <a:t>键翻页 </a:t>
             </a:r>
           </a:p>
@@ -9581,23 +9537,23 @@
               <a:buNone/>
             </a:pPr>
             <a:r>
-              <a:rPr lang="zh-CN" altLang="en-US" sz="2000" dirty="0"/>
+              <a:rPr lang="zh-CN" altLang="en-US" sz="1800" dirty="0"/>
               <a:t>     按</a:t>
             </a:r>
             <a:r>
-              <a:rPr lang="en-US" altLang="zh-CN" sz="2000" dirty="0"/>
+              <a:rPr lang="en-US" altLang="zh-CN" sz="1800" dirty="0"/>
               <a:t>q</a:t>
             </a:r>
             <a:r>
-              <a:rPr lang="zh-CN" altLang="en-US" sz="2000" dirty="0"/>
+              <a:rPr lang="zh-CN" altLang="en-US" sz="1800" dirty="0"/>
               <a:t>键退出阅读环境、按“</a:t>
             </a:r>
             <a:r>
-              <a:rPr lang="en-US" altLang="zh-CN" sz="2000" dirty="0"/>
+              <a:rPr lang="en-US" altLang="zh-CN" sz="1800" dirty="0"/>
               <a:t>/”</a:t>
             </a:r>
             <a:r>
-              <a:rPr lang="zh-CN" altLang="en-US" sz="2000" dirty="0"/>
+              <a:rPr lang="zh-CN" altLang="en-US" sz="1800" dirty="0"/>
               <a:t>键后查找内容</a:t>
             </a:r>
           </a:p>

--- a/materials/slides/ch03-terminal-and-basic.pptx
+++ b/materials/slides/ch03-terminal-and-basic.pptx
@@ -289,7 +289,7 @@
           <a:p>
             <a:fld id="{02E60DA2-A0BC-48C9-AA88-75C78721B420}" type="datetimeFigureOut">
               <a:rPr lang="zh-CN" altLang="en-US" smtClean="0"/>
-              <a:t>2018/3/1</a:t>
+              <a:t>2018/3/2</a:t>
             </a:fld>
             <a:endParaRPr lang="zh-CN" altLang="en-US"/>
           </a:p>
@@ -511,7 +511,7 @@
           <a:p>
             <a:fld id="{02E60DA2-A0BC-48C9-AA88-75C78721B420}" type="datetimeFigureOut">
               <a:rPr lang="zh-CN" altLang="en-US" smtClean="0"/>
-              <a:t>2018/3/1</a:t>
+              <a:t>2018/3/2</a:t>
             </a:fld>
             <a:endParaRPr lang="zh-CN" altLang="en-US"/>
           </a:p>
@@ -743,7 +743,7 @@
           <a:p>
             <a:fld id="{02E60DA2-A0BC-48C9-AA88-75C78721B420}" type="datetimeFigureOut">
               <a:rPr lang="zh-CN" altLang="en-US" smtClean="0"/>
-              <a:t>2018/3/1</a:t>
+              <a:t>2018/3/2</a:t>
             </a:fld>
             <a:endParaRPr lang="zh-CN" altLang="en-US"/>
           </a:p>
@@ -993,7 +993,7 @@
           <a:p>
             <a:fld id="{02E60DA2-A0BC-48C9-AA88-75C78721B420}" type="datetimeFigureOut">
               <a:rPr lang="zh-CN" altLang="en-US" smtClean="0"/>
-              <a:t>2018/3/1</a:t>
+              <a:t>2018/3/2</a:t>
             </a:fld>
             <a:endParaRPr lang="zh-CN" altLang="en-US"/>
           </a:p>
@@ -1231,7 +1231,7 @@
           <a:p>
             <a:fld id="{02E60DA2-A0BC-48C9-AA88-75C78721B420}" type="datetimeFigureOut">
               <a:rPr lang="zh-CN" altLang="en-US" smtClean="0"/>
-              <a:t>2018/3/1</a:t>
+              <a:t>2018/3/2</a:t>
             </a:fld>
             <a:endParaRPr lang="zh-CN" altLang="en-US"/>
           </a:p>
@@ -1536,7 +1536,7 @@
           <a:p>
             <a:fld id="{02E60DA2-A0BC-48C9-AA88-75C78721B420}" type="datetimeFigureOut">
               <a:rPr lang="zh-CN" altLang="en-US" smtClean="0"/>
-              <a:t>2018/3/1</a:t>
+              <a:t>2018/3/2</a:t>
             </a:fld>
             <a:endParaRPr lang="zh-CN" altLang="en-US"/>
           </a:p>
@@ -1839,7 +1839,7 @@
           <a:p>
             <a:fld id="{02E60DA2-A0BC-48C9-AA88-75C78721B420}" type="datetimeFigureOut">
               <a:rPr lang="zh-CN" altLang="en-US" smtClean="0"/>
-              <a:t>2018/3/1</a:t>
+              <a:t>2018/3/2</a:t>
             </a:fld>
             <a:endParaRPr lang="zh-CN" altLang="en-US"/>
           </a:p>
@@ -2290,7 +2290,7 @@
           <a:p>
             <a:fld id="{02E60DA2-A0BC-48C9-AA88-75C78721B420}" type="datetimeFigureOut">
               <a:rPr lang="zh-CN" altLang="en-US" smtClean="0"/>
-              <a:t>2018/3/1</a:t>
+              <a:t>2018/3/2</a:t>
             </a:fld>
             <a:endParaRPr lang="zh-CN" altLang="en-US"/>
           </a:p>
@@ -2463,7 +2463,7 @@
           <a:p>
             <a:fld id="{02E60DA2-A0BC-48C9-AA88-75C78721B420}" type="datetimeFigureOut">
               <a:rPr lang="zh-CN" altLang="en-US" smtClean="0"/>
-              <a:t>2018/3/1</a:t>
+              <a:t>2018/3/2</a:t>
             </a:fld>
             <a:endParaRPr lang="zh-CN" altLang="en-US"/>
           </a:p>
@@ -2600,7 +2600,7 @@
           <a:p>
             <a:fld id="{02E60DA2-A0BC-48C9-AA88-75C78721B420}" type="datetimeFigureOut">
               <a:rPr lang="zh-CN" altLang="en-US" smtClean="0"/>
-              <a:t>2018/3/1</a:t>
+              <a:t>2018/3/2</a:t>
             </a:fld>
             <a:endParaRPr lang="zh-CN" altLang="en-US"/>
           </a:p>
@@ -2944,7 +2944,7 @@
           <a:p>
             <a:fld id="{02E60DA2-A0BC-48C9-AA88-75C78721B420}" type="datetimeFigureOut">
               <a:rPr lang="zh-CN" altLang="en-US" smtClean="0"/>
-              <a:t>2018/3/1</a:t>
+              <a:t>2018/3/2</a:t>
             </a:fld>
             <a:endParaRPr lang="zh-CN" altLang="en-US"/>
           </a:p>
@@ -3166,7 +3166,7 @@
           <a:p>
             <a:fld id="{02E60DA2-A0BC-48C9-AA88-75C78721B420}" type="datetimeFigureOut">
               <a:rPr lang="zh-CN" altLang="en-US" smtClean="0"/>
-              <a:t>2018/3/1</a:t>
+              <a:t>2018/3/2</a:t>
             </a:fld>
             <a:endParaRPr lang="zh-CN" altLang="en-US"/>
           </a:p>
@@ -3487,7 +3487,7 @@
           <a:p>
             <a:fld id="{02E60DA2-A0BC-48C9-AA88-75C78721B420}" type="datetimeFigureOut">
               <a:rPr lang="zh-CN" altLang="en-US" smtClean="0"/>
-              <a:t>2018/3/1</a:t>
+              <a:t>2018/3/2</a:t>
             </a:fld>
             <a:endParaRPr lang="zh-CN" altLang="en-US"/>
           </a:p>
@@ -3725,7 +3725,7 @@
           <a:p>
             <a:fld id="{02E60DA2-A0BC-48C9-AA88-75C78721B420}" type="datetimeFigureOut">
               <a:rPr lang="zh-CN" altLang="en-US" smtClean="0"/>
-              <a:t>2018/3/1</a:t>
+              <a:t>2018/3/2</a:t>
             </a:fld>
             <a:endParaRPr lang="zh-CN" altLang="en-US"/>
           </a:p>
@@ -3963,7 +3963,7 @@
           <a:p>
             <a:fld id="{02E60DA2-A0BC-48C9-AA88-75C78721B420}" type="datetimeFigureOut">
               <a:rPr lang="zh-CN" altLang="en-US" smtClean="0"/>
-              <a:t>2018/3/1</a:t>
+              <a:t>2018/3/2</a:t>
             </a:fld>
             <a:endParaRPr lang="zh-CN" altLang="en-US"/>
           </a:p>
@@ -4262,7 +4262,7 @@
           <a:p>
             <a:fld id="{02E60DA2-A0BC-48C9-AA88-75C78721B420}" type="datetimeFigureOut">
               <a:rPr lang="zh-CN" altLang="en-US" smtClean="0"/>
-              <a:t>2018/3/1</a:t>
+              <a:t>2018/3/2</a:t>
             </a:fld>
             <a:endParaRPr lang="zh-CN" altLang="en-US"/>
           </a:p>
@@ -4551,7 +4551,7 @@
           <a:p>
             <a:fld id="{02E60DA2-A0BC-48C9-AA88-75C78721B420}" type="datetimeFigureOut">
               <a:rPr lang="zh-CN" altLang="en-US" smtClean="0"/>
-              <a:t>2018/3/1</a:t>
+              <a:t>2018/3/2</a:t>
             </a:fld>
             <a:endParaRPr lang="zh-CN" altLang="en-US"/>
           </a:p>
@@ -4987,7 +4987,7 @@
           <a:p>
             <a:fld id="{02E60DA2-A0BC-48C9-AA88-75C78721B420}" type="datetimeFigureOut">
               <a:rPr lang="zh-CN" altLang="en-US" smtClean="0"/>
-              <a:t>2018/3/1</a:t>
+              <a:t>2018/3/2</a:t>
             </a:fld>
             <a:endParaRPr lang="zh-CN" altLang="en-US"/>
           </a:p>
@@ -5152,7 +5152,7 @@
           <a:p>
             <a:fld id="{02E60DA2-A0BC-48C9-AA88-75C78721B420}" type="datetimeFigureOut">
               <a:rPr lang="zh-CN" altLang="en-US" smtClean="0"/>
-              <a:t>2018/3/1</a:t>
+              <a:t>2018/3/2</a:t>
             </a:fld>
             <a:endParaRPr lang="zh-CN" altLang="en-US"/>
           </a:p>
@@ -5289,7 +5289,7 @@
           <a:p>
             <a:fld id="{02E60DA2-A0BC-48C9-AA88-75C78721B420}" type="datetimeFigureOut">
               <a:rPr lang="zh-CN" altLang="en-US" smtClean="0"/>
-              <a:t>2018/3/1</a:t>
+              <a:t>2018/3/2</a:t>
             </a:fld>
             <a:endParaRPr lang="zh-CN" altLang="en-US"/>
           </a:p>
@@ -5624,7 +5624,7 @@
           <a:p>
             <a:fld id="{02E60DA2-A0BC-48C9-AA88-75C78721B420}" type="datetimeFigureOut">
               <a:rPr lang="zh-CN" altLang="en-US" smtClean="0"/>
-              <a:t>2018/3/1</a:t>
+              <a:t>2018/3/2</a:t>
             </a:fld>
             <a:endParaRPr lang="zh-CN" altLang="en-US"/>
           </a:p>
@@ -5936,7 +5936,7 @@
           <a:p>
             <a:fld id="{02E60DA2-A0BC-48C9-AA88-75C78721B420}" type="datetimeFigureOut">
               <a:rPr lang="zh-CN" altLang="en-US" smtClean="0"/>
-              <a:t>2018/3/1</a:t>
+              <a:t>2018/3/2</a:t>
             </a:fld>
             <a:endParaRPr lang="zh-CN" altLang="en-US"/>
           </a:p>
@@ -7085,20 +7085,13 @@
             <a:r>
               <a:rPr lang="zh-CN" altLang="en-US" sz="3600" dirty="0">
                 <a:solidFill>
-                  <a:schemeClr val="tx2">
-                    <a:lumMod val="50000"/>
+                  <a:schemeClr val="tx1">
+                    <a:lumMod val="95000"/>
+                    <a:lumOff val="5000"/>
                   </a:schemeClr>
                 </a:solidFill>
               </a:rPr>
-              <a:t>第三讲 </a:t>
-            </a:r>
-            <a:r>
-              <a:rPr lang="zh-CN" altLang="en-US" sz="3600" dirty="0">
-                <a:solidFill>
-                  <a:srgbClr val="C00000"/>
-                </a:solidFill>
-              </a:rPr>
-              <a:t>命令终端基本操作</a:t>
+              <a:t>第三讲 命令终端基本操作</a:t>
             </a:r>
           </a:p>
         </p:txBody>
@@ -7238,20 +7231,24 @@
             </a:r>
           </a:p>
           <a:p>
-            <a:endParaRPr lang="en-US" altLang="zh-CN" sz="2000"/>
-          </a:p>
-          <a:p>
-            <a:r>
-              <a:rPr lang="zh-CN" altLang="zh-CN" sz="2000"/>
-              <a:t>命令</a:t>
-            </a:r>
+            <a:endParaRPr lang="en-US" altLang="zh-CN" sz="2000" dirty="0"/>
+          </a:p>
+          <a:p>
             <a:r>
               <a:rPr lang="zh-CN" altLang="zh-CN" sz="2000" dirty="0"/>
-              <a:t>历史</a:t>
+              <a:t>命令历史</a:t>
             </a:r>
             <a:r>
               <a:rPr lang="zh-CN" altLang="en-US" sz="2000" dirty="0"/>
-              <a:t>：使用↑、↓按键逐条翻看，允许编辑并重复执行，</a:t>
+              <a:t>：</a:t>
+            </a:r>
+            <a:r>
+              <a:rPr lang="en-US" altLang="zh-CN" sz="2000" dirty="0"/>
+              <a:t>bash</a:t>
+            </a:r>
+            <a:r>
+              <a:rPr lang="zh-CN" altLang="en-US" sz="2000" dirty="0"/>
+              <a:t>中可以使用↑、↓按键逐条翻看，允许编辑并重复执行，</a:t>
             </a:r>
             <a:r>
               <a:rPr lang="en-US" altLang="zh-CN" sz="2000" dirty="0"/>
@@ -7460,30 +7457,30 @@
             <p:ph idx="1"/>
             <p:extLst>
               <p:ext uri="{D42A27DB-BD31-4B8C-83A1-F6EECF244321}">
-                <p14:modId xmlns:p14="http://schemas.microsoft.com/office/powerpoint/2010/main" val="4122044787"/>
+                <p14:modId xmlns:p14="http://schemas.microsoft.com/office/powerpoint/2010/main" val="3282902959"/>
               </p:ext>
             </p:extLst>
           </p:nvPr>
         </p:nvGraphicFramePr>
         <p:xfrm>
-          <a:off x="838200" y="1703388"/>
-          <a:ext cx="10515600" cy="4820920"/>
+          <a:off x="838200" y="1703387"/>
+          <a:ext cx="10515600" cy="5052515"/>
         </p:xfrm>
         <a:graphic>
           <a:graphicData uri="http://schemas.openxmlformats.org/drawingml/2006/table">
             <a:tbl>
               <a:tblPr firstRow="1" bandRow="1">
-                <a:tableStyleId>{5C22544A-7EE6-4342-B048-85BDC9FD1C3A}</a:tableStyleId>
+                <a:tableStyleId>{2D5ABB26-0587-4C30-8999-92F81FD0307C}</a:tableStyleId>
               </a:tblPr>
               <a:tblGrid>
-                <a:gridCol w="1496627">
+                <a:gridCol w="857435">
                   <a:extLst>
                     <a:ext uri="{9D8B030D-6E8A-4147-A177-3AD203B41FA5}">
                       <a16:colId xmlns:a16="http://schemas.microsoft.com/office/drawing/2014/main" val="2563722570"/>
                     </a:ext>
                   </a:extLst>
                 </a:gridCol>
-                <a:gridCol w="9018973">
+                <a:gridCol w="9658165">
                   <a:extLst>
                     <a:ext uri="{9D8B030D-6E8A-4147-A177-3AD203B41FA5}">
                       <a16:colId xmlns:a16="http://schemas.microsoft.com/office/drawing/2014/main" val="1462641259"/>
@@ -7491,14 +7488,14 @@
                   </a:extLst>
                 </a:gridCol>
               </a:tblGrid>
-              <a:tr h="370840">
+              <a:tr h="388655">
                 <a:tc>
                   <a:txBody>
                     <a:bodyPr/>
                     <a:lstStyle/>
                     <a:p>
                       <a:r>
-                        <a:rPr lang="zh-CN" altLang="en-US" dirty="0"/>
+                        <a:rPr lang="zh-CN" altLang="en-US" b="1" dirty="0"/>
                         <a:t>命令</a:t>
                       </a:r>
                     </a:p>
@@ -7511,7 +7508,7 @@
                     <a:lstStyle/>
                     <a:p>
                       <a:r>
-                        <a:rPr lang="zh-CN" altLang="en-US" dirty="0"/>
+                        <a:rPr lang="zh-CN" altLang="en-US" b="1" dirty="0"/>
                         <a:t>说明</a:t>
                       </a:r>
                     </a:p>
@@ -7524,7 +7521,7 @@
                   </a:ext>
                 </a:extLst>
               </a:tr>
-              <a:tr h="370840">
+              <a:tr h="388655">
                 <a:tc>
                   <a:txBody>
                     <a:bodyPr/>
@@ -7545,7 +7542,7 @@
                     <a:lstStyle/>
                     <a:p>
                       <a:r>
-                        <a:rPr lang="zh-CN" altLang="en-US" dirty="0"/>
+                        <a:rPr lang="zh-CN" altLang="en-US" sz="1600" dirty="0"/>
                         <a:t>列出文件、目录的信息</a:t>
                       </a:r>
                     </a:p>
@@ -7558,7 +7555,7 @@
                   </a:ext>
                 </a:extLst>
               </a:tr>
-              <a:tr h="370840">
+              <a:tr h="388655">
                 <a:tc>
                   <a:txBody>
                     <a:bodyPr/>
@@ -7579,7 +7576,7 @@
                     <a:lstStyle/>
                     <a:p>
                       <a:r>
-                        <a:rPr lang="zh-CN" altLang="en-US" dirty="0"/>
+                        <a:rPr lang="zh-CN" altLang="en-US" sz="1600" dirty="0"/>
                         <a:t>切换当前工作目录</a:t>
                       </a:r>
                     </a:p>
@@ -7592,7 +7589,7 @@
                   </a:ext>
                 </a:extLst>
               </a:tr>
-              <a:tr h="370840">
+              <a:tr h="388655">
                 <a:tc>
                   <a:txBody>
                     <a:bodyPr/>
@@ -7617,7 +7614,7 @@
                     <a:lstStyle/>
                     <a:p>
                       <a:r>
-                        <a:rPr lang="zh-CN" altLang="en-US" dirty="0"/>
+                        <a:rPr lang="zh-CN" altLang="en-US" sz="1600" dirty="0"/>
                         <a:t>创建目录</a:t>
                       </a:r>
                     </a:p>
@@ -7630,7 +7627,7 @@
                   </a:ext>
                 </a:extLst>
               </a:tr>
-              <a:tr h="370840">
+              <a:tr h="388655">
                 <a:tc>
                   <a:txBody>
                     <a:bodyPr/>
@@ -7655,7 +7652,7 @@
                     <a:lstStyle/>
                     <a:p>
                       <a:r>
-                        <a:rPr lang="zh-CN" altLang="en-US" dirty="0"/>
+                        <a:rPr lang="zh-CN" altLang="en-US" sz="1600" dirty="0"/>
                         <a:t>删除空目录</a:t>
                       </a:r>
                     </a:p>
@@ -7668,7 +7665,7 @@
                   </a:ext>
                 </a:extLst>
               </a:tr>
-              <a:tr h="370840">
+              <a:tr h="388655">
                 <a:tc>
                   <a:txBody>
                     <a:bodyPr/>
@@ -7689,7 +7686,7 @@
                     <a:lstStyle/>
                     <a:p>
                       <a:r>
-                        <a:rPr lang="zh-CN" altLang="en-US" dirty="0"/>
+                        <a:rPr lang="zh-CN" altLang="en-US" sz="1600" dirty="0"/>
                         <a:t>创建空文件</a:t>
                       </a:r>
                     </a:p>
@@ -7702,7 +7699,7 @@
                   </a:ext>
                 </a:extLst>
               </a:tr>
-              <a:tr h="370840">
+              <a:tr h="388655">
                 <a:tc>
                   <a:txBody>
                     <a:bodyPr/>
@@ -7727,22 +7724,22 @@
                     <a:lstStyle/>
                     <a:p>
                       <a:r>
-                        <a:rPr lang="zh-CN" altLang="en-US" dirty="0"/>
+                        <a:rPr lang="zh-CN" altLang="en-US" sz="1600" dirty="0"/>
                         <a:t>删除给定的文件和目录。如果目录不为空，需要使用</a:t>
                       </a:r>
                       <a:r>
-                        <a:rPr lang="en-US" altLang="zh-CN" dirty="0" err="1"/>
+                        <a:rPr lang="en-US" altLang="zh-CN" sz="1600" dirty="0" err="1"/>
                         <a:t>rm</a:t>
                       </a:r>
                       <a:r>
-                        <a:rPr lang="en-US" altLang="zh-CN" dirty="0"/>
+                        <a:rPr lang="en-US" altLang="zh-CN" sz="1600" dirty="0"/>
                         <a:t> -</a:t>
                       </a:r>
                       <a:r>
-                        <a:rPr lang="en-US" altLang="zh-CN" dirty="0" err="1"/>
+                        <a:rPr lang="en-US" altLang="zh-CN" sz="1600" dirty="0" err="1"/>
                         <a:t>rf</a:t>
                       </a:r>
-                      <a:endParaRPr lang="zh-CN" altLang="en-US" dirty="0"/>
+                      <a:endParaRPr lang="zh-CN" altLang="en-US" sz="1600" dirty="0"/>
                     </a:p>
                   </a:txBody>
                   <a:tcPr/>
@@ -7753,7 +7750,7 @@
                   </a:ext>
                 </a:extLst>
               </a:tr>
-              <a:tr h="370840">
+              <a:tr h="388655">
                 <a:tc>
                   <a:txBody>
                     <a:bodyPr/>
@@ -7778,7 +7775,7 @@
                     <a:lstStyle/>
                     <a:p>
                       <a:r>
-                        <a:rPr lang="zh-CN" altLang="en-US" dirty="0"/>
+                        <a:rPr lang="zh-CN" altLang="en-US" sz="1600" dirty="0"/>
                         <a:t>将一个或多个源文件或者目录复制到指定的目的文件或目录</a:t>
                       </a:r>
                     </a:p>
@@ -7791,7 +7788,7 @@
                   </a:ext>
                 </a:extLst>
               </a:tr>
-              <a:tr h="370840">
+              <a:tr h="388655">
                 <a:tc>
                   <a:txBody>
                     <a:bodyPr/>
@@ -7812,7 +7809,7 @@
                     <a:lstStyle/>
                     <a:p>
                       <a:r>
-                        <a:rPr lang="zh-CN" altLang="en-US" dirty="0"/>
+                        <a:rPr lang="zh-CN" altLang="en-US" sz="1600" dirty="0"/>
                         <a:t>对文件或目录重新命名，或者将文件从一个目录移到另一个目录中</a:t>
                       </a:r>
                     </a:p>
@@ -7825,7 +7822,7 @@
                   </a:ext>
                 </a:extLst>
               </a:tr>
-              <a:tr h="370840">
+              <a:tr h="388655">
                 <a:tc>
                   <a:txBody>
                     <a:bodyPr/>
@@ -7846,15 +7843,15 @@
                     <a:lstStyle/>
                     <a:p>
                       <a:r>
-                        <a:rPr lang="zh-CN" altLang="en-US" dirty="0"/>
+                        <a:rPr lang="zh-CN" altLang="en-US" sz="1600" dirty="0"/>
                         <a:t>连接文件并打印到标准输出设备上。</a:t>
                       </a:r>
                       <a:r>
-                        <a:rPr lang="en-US" altLang="zh-CN" dirty="0"/>
+                        <a:rPr lang="en-US" altLang="zh-CN" sz="1600" dirty="0"/>
                         <a:t>cat</a:t>
                       </a:r>
                       <a:r>
-                        <a:rPr lang="zh-CN" altLang="en-US" dirty="0"/>
+                        <a:rPr lang="zh-CN" altLang="en-US" sz="1600" dirty="0"/>
                         <a:t>经常用来显示文件的内容</a:t>
                       </a:r>
                     </a:p>
@@ -7867,7 +7864,7 @@
                   </a:ext>
                 </a:extLst>
               </a:tr>
-              <a:tr h="370840">
+              <a:tr h="388655">
                 <a:tc>
                   <a:txBody>
                     <a:bodyPr/>
@@ -7888,7 +7885,7 @@
                     <a:lstStyle/>
                     <a:p>
                       <a:r>
-                        <a:rPr lang="zh-CN" altLang="en-US" dirty="0"/>
+                        <a:rPr lang="zh-CN" altLang="en-US" sz="1600" dirty="0"/>
                         <a:t>以全屏幕的方式按页显示文本文件的内容</a:t>
                       </a:r>
                     </a:p>
@@ -7901,7 +7898,7 @@
                   </a:ext>
                 </a:extLst>
               </a:tr>
-              <a:tr h="370840">
+              <a:tr h="388655">
                 <a:tc>
                   <a:txBody>
                     <a:bodyPr/>
@@ -7922,15 +7919,15 @@
                     <a:lstStyle/>
                     <a:p>
                       <a:r>
-                        <a:rPr lang="zh-CN" altLang="en-US" dirty="0"/>
+                        <a:rPr lang="zh-CN" altLang="en-US" sz="1600" dirty="0"/>
                         <a:t>以全屏幕的方式按页显示文本文件的内容，功能比</a:t>
                       </a:r>
                       <a:r>
-                        <a:rPr lang="en-US" altLang="zh-CN" dirty="0"/>
+                        <a:rPr lang="en-US" altLang="zh-CN" sz="1600" dirty="0"/>
                         <a:t>more</a:t>
                       </a:r>
                       <a:r>
-                        <a:rPr lang="zh-CN" altLang="en-US" dirty="0"/>
+                        <a:rPr lang="zh-CN" altLang="en-US" sz="1600" dirty="0"/>
                         <a:t>更强大</a:t>
                       </a:r>
                     </a:p>
@@ -7943,7 +7940,7 @@
                   </a:ext>
                 </a:extLst>
               </a:tr>
-              <a:tr h="370840">
+              <a:tr h="388655">
                 <a:tc>
                   <a:txBody>
                     <a:bodyPr/>
@@ -7964,7 +7961,7 @@
                     <a:lstStyle/>
                     <a:p>
                       <a:r>
-                        <a:rPr lang="zh-CN" altLang="en-US" dirty="0"/>
+                        <a:rPr lang="zh-CN" altLang="en-US" sz="1600" dirty="0"/>
                         <a:t>在指定目录下查找文件</a:t>
                       </a:r>
                     </a:p>
@@ -8336,7 +8333,15 @@
           <a:p>
             <a:r>
               <a:rPr lang="zh-CN" altLang="en-US" sz="2000" dirty="0"/>
-              <a:t>其他发行版也有使用</a:t>
+              <a:t>其他</a:t>
+            </a:r>
+            <a:r>
+              <a:rPr lang="en-US" altLang="zh-CN" sz="2000" dirty="0"/>
+              <a:t>Linux</a:t>
+            </a:r>
+            <a:r>
+              <a:rPr lang="zh-CN" altLang="en-US" sz="2000" dirty="0"/>
+              <a:t>发行版也有使用</a:t>
             </a:r>
             <a:r>
               <a:rPr lang="en-US" altLang="zh-CN" sz="2000" dirty="0"/>
@@ -8434,20 +8439,22 @@
         </p:nvSpPr>
         <p:spPr/>
         <p:txBody>
-          <a:bodyPr/>
+          <a:bodyPr>
+            <a:normAutofit/>
+          </a:bodyPr>
           <a:lstStyle/>
           <a:p>
             <a:r>
               <a:rPr lang="zh-CN" altLang="en-US" sz="2000" dirty="0"/>
-              <a:t>这几个概念特别容易混淆，终端是一个</a:t>
+              <a:t>终端是一个</a:t>
             </a:r>
             <a:r>
               <a:rPr lang="zh-CN" altLang="en-US" sz="2000" b="1" dirty="0"/>
-              <a:t>设备</a:t>
+              <a:t>设备。</a:t>
             </a:r>
             <a:r>
               <a:rPr lang="zh-CN" altLang="en-US" sz="2000" dirty="0"/>
-              <a:t>，而虚拟控制台是操作系统的功能。而</a:t>
+              <a:t>而</a:t>
             </a:r>
             <a:r>
               <a:rPr lang="en-US" altLang="zh-CN" sz="2000" dirty="0"/>
@@ -8455,7 +8462,14 @@
             </a:r>
             <a:r>
               <a:rPr lang="zh-CN" altLang="en-US" sz="2000" dirty="0"/>
-              <a:t>是一个用户界面，或称之为“命令解析器”。</a:t>
+              <a:t>是一个程序，主要就是获取用户输入的命令并运行，把结果返回给用户。</a:t>
+            </a:r>
+            <a:endParaRPr lang="en-US" altLang="zh-CN" sz="2000" dirty="0"/>
+          </a:p>
+          <a:p>
+            <a:r>
+              <a:rPr lang="zh-CN" altLang="en-US" sz="2000" dirty="0"/>
+              <a:t>终端最重要的事情是输入和输出，程序运行的结果要通过</a:t>
             </a:r>
             <a:r>
               <a:rPr lang="en-US" altLang="zh-CN" sz="2000" dirty="0"/>
@@ -8463,7 +8477,7 @@
             </a:r>
             <a:r>
               <a:rPr lang="zh-CN" altLang="en-US" sz="2000" dirty="0"/>
-              <a:t>俗称“壳”，用来与“核”相区别。</a:t>
+              <a:t>显示在终端上以此和用户产生交互。</a:t>
             </a:r>
             <a:endParaRPr lang="en-US" altLang="zh-CN" sz="2000" dirty="0"/>
           </a:p>
@@ -8474,36 +8488,22 @@
             </a:r>
             <a:r>
               <a:rPr lang="zh-CN" altLang="en-US" sz="2000" dirty="0"/>
-              <a:t>接收用户输入的命令并把它送入内核去执行，由内核完成进程的创建等工作。</a:t>
-            </a:r>
-            <a:endParaRPr lang="en-US" altLang="zh-CN" sz="2000" dirty="0"/>
-          </a:p>
-          <a:p>
-            <a:endParaRPr lang="en-US" altLang="zh-CN" sz="2000" dirty="0"/>
-          </a:p>
-          <a:p>
+              <a:t>有很多不同的实现，基本功能都相同。</a:t>
+            </a:r>
+            <a:r>
+              <a:rPr lang="en-US" altLang="zh-CN" sz="2000" dirty="0"/>
+              <a:t>Linux</a:t>
+            </a:r>
+            <a:r>
+              <a:rPr lang="zh-CN" altLang="en-US" sz="2000" dirty="0"/>
+              <a:t>默认的</a:t>
+            </a:r>
             <a:r>
               <a:rPr lang="en-US" altLang="zh-CN" sz="2000" dirty="0"/>
               <a:t>shell</a:t>
             </a:r>
             <a:r>
               <a:rPr lang="zh-CN" altLang="en-US" sz="2000" dirty="0"/>
-              <a:t>有很多不同的实现，基本功能都相同。</a:t>
-            </a:r>
-            <a:r>
-              <a:rPr lang="en-US" altLang="zh-CN" sz="2000" dirty="0"/>
-              <a:t>Linux</a:t>
-            </a:r>
-            <a:r>
-              <a:rPr lang="zh-CN" altLang="en-US" sz="2000" dirty="0"/>
-              <a:t>默认的</a:t>
-            </a:r>
-            <a:r>
-              <a:rPr lang="en-US" altLang="zh-CN" sz="2000" dirty="0"/>
-              <a:t>shell</a:t>
-            </a:r>
-            <a:r>
-              <a:rPr lang="zh-CN" altLang="en-US" sz="2000" dirty="0"/>
               <a:t>大多都是</a:t>
             </a:r>
             <a:r>
@@ -8541,24 +8541,10 @@
             <a:endParaRPr lang="en-US" altLang="zh-CN" sz="2000" dirty="0"/>
           </a:p>
           <a:p>
-            <a:endParaRPr lang="en-US" altLang="zh-CN" sz="2000" dirty="0"/>
-          </a:p>
-          <a:p>
             <a:r>
               <a:rPr lang="zh-CN" altLang="en-US" sz="2000" dirty="0"/>
-              <a:t>终端最重要的事情是输入和输出，程序运行的结果要通过</a:t>
-            </a:r>
-            <a:r>
-              <a:rPr lang="en-US" altLang="zh-CN" sz="2000" dirty="0"/>
-              <a:t>shell</a:t>
-            </a:r>
-            <a:r>
-              <a:rPr lang="zh-CN" altLang="en-US" sz="2000" dirty="0"/>
-              <a:t>显示在终端上以此和用户产生交互。</a:t>
-            </a:r>
-            <a:endParaRPr lang="en-US" altLang="zh-CN" sz="2000" dirty="0"/>
-          </a:p>
-          <a:p>
+              <a:t>早期的计算机多个终端通过串口连接到主机上，而和主机直接配套的输入输出设备是控制台。而现在操作系统的虚拟控制台完成和终端相同的工作，有时候把虚拟控制台也成为虚拟终端。</a:t>
+            </a:r>
             <a:endParaRPr lang="en-US" altLang="zh-CN" sz="2000" dirty="0"/>
           </a:p>
           <a:p>
@@ -8576,7 +8562,7 @@
             </a:r>
             <a:r>
               <a:rPr lang="zh-CN" altLang="en-US" sz="2000" dirty="0"/>
-              <a:t>软件，是终端模拟器，启动后会运行</a:t>
+              <a:t>软件，是终端模拟器（虚拟终端），启动后会运行</a:t>
             </a:r>
             <a:r>
               <a:rPr lang="en-US" altLang="zh-CN" sz="2000" dirty="0"/>
@@ -8586,9 +8572,6 @@
               <a:rPr lang="zh-CN" altLang="en-US" sz="2000" dirty="0"/>
               <a:t>。</a:t>
             </a:r>
-            <a:endParaRPr lang="en-US" altLang="zh-CN" sz="2000" dirty="0"/>
-          </a:p>
-          <a:p>
             <a:endParaRPr lang="en-US" altLang="zh-CN" sz="2000" dirty="0"/>
           </a:p>
           <a:p>
@@ -8728,7 +8711,10 @@
               <a:rPr lang="zh-CN" altLang="zh-CN" sz="2000" dirty="0"/>
               <a:t>程序自带的命令</a:t>
             </a:r>
-            <a:endParaRPr lang="zh-CN" altLang="en-US" sz="2000" dirty="0"/>
+            <a:r>
+              <a:rPr lang="zh-CN" altLang="en-US" sz="2000" dirty="0"/>
+              <a:t>。</a:t>
+            </a:r>
           </a:p>
           <a:p>
             <a:endParaRPr lang="en-US" altLang="zh-CN" sz="2000" dirty="0"/>
@@ -9012,7 +8998,7 @@
             </a:r>
             <a:r>
               <a:rPr lang="zh-CN" altLang="en-US" sz="2000" dirty="0"/>
-              <a:t>会在哪些目录查找命令</a:t>
+              <a:t>会在哪些目录查找命令。</a:t>
             </a:r>
             <a:endParaRPr lang="en-US" altLang="zh-CN" sz="2000" dirty="0"/>
           </a:p>
@@ -9641,16 +9627,7 @@
             </a:r>
             <a:r>
               <a:rPr lang="zh-CN" altLang="en-US" sz="2000" dirty="0"/>
-              <a:t>命令的通用格式为：</a:t>
-            </a:r>
-          </a:p>
-          <a:p>
-            <a:pPr marL="0" indent="0">
-              <a:buNone/>
-            </a:pPr>
-            <a:r>
-              <a:rPr lang="zh-CN" altLang="en-US" sz="2000" dirty="0"/>
-              <a:t>  命令字  </a:t>
+              <a:t>命令的通用格式为：命令  </a:t>
             </a:r>
             <a:r>
               <a:rPr lang="en-US" altLang="zh-CN" sz="2000" dirty="0"/>

--- a/materials/slides/ch03-terminal-and-basic.pptx
+++ b/materials/slides/ch03-terminal-and-basic.pptx
@@ -11,12 +11,13 @@
     <p:sldId id="272" r:id="rId5"/>
     <p:sldId id="273" r:id="rId6"/>
     <p:sldId id="277" r:id="rId7"/>
-    <p:sldId id="267" r:id="rId8"/>
-    <p:sldId id="264" r:id="rId9"/>
-    <p:sldId id="279" r:id="rId10"/>
-    <p:sldId id="278" r:id="rId11"/>
+    <p:sldId id="278" r:id="rId8"/>
+    <p:sldId id="267" r:id="rId9"/>
+    <p:sldId id="264" r:id="rId10"/>
+    <p:sldId id="279" r:id="rId11"/>
     <p:sldId id="276" r:id="rId12"/>
     <p:sldId id="261" r:id="rId13"/>
+    <p:sldId id="280" r:id="rId14"/>
   </p:sldIdLst>
   <p:sldSz cx="12192000" cy="6858000"/>
   <p:notesSz cx="6858000" cy="9144000"/>
@@ -289,7 +290,7 @@
           <a:p>
             <a:fld id="{02E60DA2-A0BC-48C9-AA88-75C78721B420}" type="datetimeFigureOut">
               <a:rPr lang="zh-CN" altLang="en-US" smtClean="0"/>
-              <a:t>2018/3/2</a:t>
+              <a:t>2018/3/3</a:t>
             </a:fld>
             <a:endParaRPr lang="zh-CN" altLang="en-US"/>
           </a:p>
@@ -511,7 +512,7 @@
           <a:p>
             <a:fld id="{02E60DA2-A0BC-48C9-AA88-75C78721B420}" type="datetimeFigureOut">
               <a:rPr lang="zh-CN" altLang="en-US" smtClean="0"/>
-              <a:t>2018/3/2</a:t>
+              <a:t>2018/3/3</a:t>
             </a:fld>
             <a:endParaRPr lang="zh-CN" altLang="en-US"/>
           </a:p>
@@ -743,7 +744,7 @@
           <a:p>
             <a:fld id="{02E60DA2-A0BC-48C9-AA88-75C78721B420}" type="datetimeFigureOut">
               <a:rPr lang="zh-CN" altLang="en-US" smtClean="0"/>
-              <a:t>2018/3/2</a:t>
+              <a:t>2018/3/3</a:t>
             </a:fld>
             <a:endParaRPr lang="zh-CN" altLang="en-US"/>
           </a:p>
@@ -993,7 +994,7 @@
           <a:p>
             <a:fld id="{02E60DA2-A0BC-48C9-AA88-75C78721B420}" type="datetimeFigureOut">
               <a:rPr lang="zh-CN" altLang="en-US" smtClean="0"/>
-              <a:t>2018/3/2</a:t>
+              <a:t>2018/3/3</a:t>
             </a:fld>
             <a:endParaRPr lang="zh-CN" altLang="en-US"/>
           </a:p>
@@ -1231,7 +1232,7 @@
           <a:p>
             <a:fld id="{02E60DA2-A0BC-48C9-AA88-75C78721B420}" type="datetimeFigureOut">
               <a:rPr lang="zh-CN" altLang="en-US" smtClean="0"/>
-              <a:t>2018/3/2</a:t>
+              <a:t>2018/3/3</a:t>
             </a:fld>
             <a:endParaRPr lang="zh-CN" altLang="en-US"/>
           </a:p>
@@ -1536,7 +1537,7 @@
           <a:p>
             <a:fld id="{02E60DA2-A0BC-48C9-AA88-75C78721B420}" type="datetimeFigureOut">
               <a:rPr lang="zh-CN" altLang="en-US" smtClean="0"/>
-              <a:t>2018/3/2</a:t>
+              <a:t>2018/3/3</a:t>
             </a:fld>
             <a:endParaRPr lang="zh-CN" altLang="en-US"/>
           </a:p>
@@ -1839,7 +1840,7 @@
           <a:p>
             <a:fld id="{02E60DA2-A0BC-48C9-AA88-75C78721B420}" type="datetimeFigureOut">
               <a:rPr lang="zh-CN" altLang="en-US" smtClean="0"/>
-              <a:t>2018/3/2</a:t>
+              <a:t>2018/3/3</a:t>
             </a:fld>
             <a:endParaRPr lang="zh-CN" altLang="en-US"/>
           </a:p>
@@ -2290,7 +2291,7 @@
           <a:p>
             <a:fld id="{02E60DA2-A0BC-48C9-AA88-75C78721B420}" type="datetimeFigureOut">
               <a:rPr lang="zh-CN" altLang="en-US" smtClean="0"/>
-              <a:t>2018/3/2</a:t>
+              <a:t>2018/3/3</a:t>
             </a:fld>
             <a:endParaRPr lang="zh-CN" altLang="en-US"/>
           </a:p>
@@ -2463,7 +2464,7 @@
           <a:p>
             <a:fld id="{02E60DA2-A0BC-48C9-AA88-75C78721B420}" type="datetimeFigureOut">
               <a:rPr lang="zh-CN" altLang="en-US" smtClean="0"/>
-              <a:t>2018/3/2</a:t>
+              <a:t>2018/3/3</a:t>
             </a:fld>
             <a:endParaRPr lang="zh-CN" altLang="en-US"/>
           </a:p>
@@ -2600,7 +2601,7 @@
           <a:p>
             <a:fld id="{02E60DA2-A0BC-48C9-AA88-75C78721B420}" type="datetimeFigureOut">
               <a:rPr lang="zh-CN" altLang="en-US" smtClean="0"/>
-              <a:t>2018/3/2</a:t>
+              <a:t>2018/3/3</a:t>
             </a:fld>
             <a:endParaRPr lang="zh-CN" altLang="en-US"/>
           </a:p>
@@ -2944,7 +2945,7 @@
           <a:p>
             <a:fld id="{02E60DA2-A0BC-48C9-AA88-75C78721B420}" type="datetimeFigureOut">
               <a:rPr lang="zh-CN" altLang="en-US" smtClean="0"/>
-              <a:t>2018/3/2</a:t>
+              <a:t>2018/3/3</a:t>
             </a:fld>
             <a:endParaRPr lang="zh-CN" altLang="en-US"/>
           </a:p>
@@ -3166,7 +3167,7 @@
           <a:p>
             <a:fld id="{02E60DA2-A0BC-48C9-AA88-75C78721B420}" type="datetimeFigureOut">
               <a:rPr lang="zh-CN" altLang="en-US" smtClean="0"/>
-              <a:t>2018/3/2</a:t>
+              <a:t>2018/3/3</a:t>
             </a:fld>
             <a:endParaRPr lang="zh-CN" altLang="en-US"/>
           </a:p>
@@ -3487,7 +3488,7 @@
           <a:p>
             <a:fld id="{02E60DA2-A0BC-48C9-AA88-75C78721B420}" type="datetimeFigureOut">
               <a:rPr lang="zh-CN" altLang="en-US" smtClean="0"/>
-              <a:t>2018/3/2</a:t>
+              <a:t>2018/3/3</a:t>
             </a:fld>
             <a:endParaRPr lang="zh-CN" altLang="en-US"/>
           </a:p>
@@ -3725,7 +3726,7 @@
           <a:p>
             <a:fld id="{02E60DA2-A0BC-48C9-AA88-75C78721B420}" type="datetimeFigureOut">
               <a:rPr lang="zh-CN" altLang="en-US" smtClean="0"/>
-              <a:t>2018/3/2</a:t>
+              <a:t>2018/3/3</a:t>
             </a:fld>
             <a:endParaRPr lang="zh-CN" altLang="en-US"/>
           </a:p>
@@ -3963,7 +3964,7 @@
           <a:p>
             <a:fld id="{02E60DA2-A0BC-48C9-AA88-75C78721B420}" type="datetimeFigureOut">
               <a:rPr lang="zh-CN" altLang="en-US" smtClean="0"/>
-              <a:t>2018/3/2</a:t>
+              <a:t>2018/3/3</a:t>
             </a:fld>
             <a:endParaRPr lang="zh-CN" altLang="en-US"/>
           </a:p>
@@ -4262,7 +4263,7 @@
           <a:p>
             <a:fld id="{02E60DA2-A0BC-48C9-AA88-75C78721B420}" type="datetimeFigureOut">
               <a:rPr lang="zh-CN" altLang="en-US" smtClean="0"/>
-              <a:t>2018/3/2</a:t>
+              <a:t>2018/3/3</a:t>
             </a:fld>
             <a:endParaRPr lang="zh-CN" altLang="en-US"/>
           </a:p>
@@ -4551,7 +4552,7 @@
           <a:p>
             <a:fld id="{02E60DA2-A0BC-48C9-AA88-75C78721B420}" type="datetimeFigureOut">
               <a:rPr lang="zh-CN" altLang="en-US" smtClean="0"/>
-              <a:t>2018/3/2</a:t>
+              <a:t>2018/3/3</a:t>
             </a:fld>
             <a:endParaRPr lang="zh-CN" altLang="en-US"/>
           </a:p>
@@ -4987,7 +4988,7 @@
           <a:p>
             <a:fld id="{02E60DA2-A0BC-48C9-AA88-75C78721B420}" type="datetimeFigureOut">
               <a:rPr lang="zh-CN" altLang="en-US" smtClean="0"/>
-              <a:t>2018/3/2</a:t>
+              <a:t>2018/3/3</a:t>
             </a:fld>
             <a:endParaRPr lang="zh-CN" altLang="en-US"/>
           </a:p>
@@ -5152,7 +5153,7 @@
           <a:p>
             <a:fld id="{02E60DA2-A0BC-48C9-AA88-75C78721B420}" type="datetimeFigureOut">
               <a:rPr lang="zh-CN" altLang="en-US" smtClean="0"/>
-              <a:t>2018/3/2</a:t>
+              <a:t>2018/3/3</a:t>
             </a:fld>
             <a:endParaRPr lang="zh-CN" altLang="en-US"/>
           </a:p>
@@ -5289,7 +5290,7 @@
           <a:p>
             <a:fld id="{02E60DA2-A0BC-48C9-AA88-75C78721B420}" type="datetimeFigureOut">
               <a:rPr lang="zh-CN" altLang="en-US" smtClean="0"/>
-              <a:t>2018/3/2</a:t>
+              <a:t>2018/3/3</a:t>
             </a:fld>
             <a:endParaRPr lang="zh-CN" altLang="en-US"/>
           </a:p>
@@ -5624,7 +5625,7 @@
           <a:p>
             <a:fld id="{02E60DA2-A0BC-48C9-AA88-75C78721B420}" type="datetimeFigureOut">
               <a:rPr lang="zh-CN" altLang="en-US" smtClean="0"/>
-              <a:t>2018/3/2</a:t>
+              <a:t>2018/3/3</a:t>
             </a:fld>
             <a:endParaRPr lang="zh-CN" altLang="en-US"/>
           </a:p>
@@ -5936,7 +5937,7 @@
           <a:p>
             <a:fld id="{02E60DA2-A0BC-48C9-AA88-75C78721B420}" type="datetimeFigureOut">
               <a:rPr lang="zh-CN" altLang="en-US" smtClean="0"/>
-              <a:t>2018/3/2</a:t>
+              <a:t>2018/3/3</a:t>
             </a:fld>
             <a:endParaRPr lang="zh-CN" altLang="en-US"/>
           </a:p>
@@ -7991,6 +7992,196 @@
 </p:sld>
 </file>
 
+<file path=ppt/slides/slide12.xml><?xml version="1.0" encoding="utf-8"?>
+<p:sld xmlns:a="http://schemas.openxmlformats.org/drawingml/2006/main" xmlns:r="http://schemas.openxmlformats.org/officeDocument/2006/relationships" xmlns:p="http://schemas.openxmlformats.org/presentationml/2006/main">
+  <p:cSld>
+    <p:spTree>
+      <p:nvGrpSpPr>
+        <p:cNvPr id="1" name=""/>
+        <p:cNvGrpSpPr/>
+        <p:nvPr/>
+      </p:nvGrpSpPr>
+      <p:grpSpPr>
+        <a:xfrm>
+          <a:off x="0" y="0"/>
+          <a:ext cx="0" cy="0"/>
+          <a:chOff x="0" y="0"/>
+          <a:chExt cx="0" cy="0"/>
+        </a:xfrm>
+      </p:grpSpPr>
+      <p:sp>
+        <p:nvSpPr>
+          <p:cNvPr id="2" name="标题 1">
+            <a:extLst>
+              <a:ext uri="{FF2B5EF4-FFF2-40B4-BE49-F238E27FC236}">
+                <a16:creationId xmlns:a16="http://schemas.microsoft.com/office/drawing/2014/main" id="{8B88BACC-24DE-4087-9AB3-A099CF573089}"/>
+              </a:ext>
+            </a:extLst>
+          </p:cNvPr>
+          <p:cNvSpPr>
+            <a:spLocks noGrp="1"/>
+          </p:cNvSpPr>
+          <p:nvPr>
+            <p:ph type="title"/>
+          </p:nvPr>
+        </p:nvSpPr>
+        <p:spPr/>
+        <p:txBody>
+          <a:bodyPr/>
+          <a:lstStyle/>
+          <a:p>
+            <a:r>
+              <a:rPr lang="zh-CN" altLang="en-US" dirty="0"/>
+              <a:t>用户初始配置文件</a:t>
+            </a:r>
+          </a:p>
+        </p:txBody>
+      </p:sp>
+      <p:sp>
+        <p:nvSpPr>
+          <p:cNvPr id="3" name="内容占位符 2">
+            <a:extLst>
+              <a:ext uri="{FF2B5EF4-FFF2-40B4-BE49-F238E27FC236}">
+                <a16:creationId xmlns:a16="http://schemas.microsoft.com/office/drawing/2014/main" id="{0A1C6B17-780B-4799-8193-E52FD817AC0E}"/>
+              </a:ext>
+            </a:extLst>
+          </p:cNvPr>
+          <p:cNvSpPr>
+            <a:spLocks noGrp="1"/>
+          </p:cNvSpPr>
+          <p:nvPr>
+            <p:ph idx="1"/>
+          </p:nvPr>
+        </p:nvSpPr>
+        <p:spPr/>
+        <p:txBody>
+          <a:bodyPr/>
+          <a:lstStyle/>
+          <a:p>
+            <a:r>
+              <a:rPr lang="en-US" altLang="zh-CN" sz="2000" dirty="0"/>
+              <a:t> ~/.profile</a:t>
+            </a:r>
+            <a:r>
+              <a:rPr lang="zh-CN" altLang="en-US" sz="2000" dirty="0"/>
+              <a:t>：用户每次登录时执行</a:t>
+            </a:r>
+            <a:endParaRPr lang="en-US" altLang="zh-CN" sz="2000" dirty="0"/>
+          </a:p>
+          <a:p>
+            <a:endParaRPr lang="zh-CN" altLang="en-US" sz="2000" dirty="0"/>
+          </a:p>
+          <a:p>
+            <a:r>
+              <a:rPr lang="en-US" altLang="zh-CN" sz="2000" dirty="0"/>
+              <a:t>~/.</a:t>
+            </a:r>
+            <a:r>
+              <a:rPr lang="en-US" altLang="zh-CN" sz="2000" dirty="0" err="1"/>
+              <a:t>bashrc</a:t>
+            </a:r>
+            <a:r>
+              <a:rPr lang="zh-CN" altLang="en-US" sz="2000" dirty="0"/>
+              <a:t>：每次进入新的</a:t>
+            </a:r>
+            <a:r>
+              <a:rPr lang="en-US" altLang="zh-CN" sz="2000" dirty="0"/>
+              <a:t>Bash</a:t>
+            </a:r>
+            <a:r>
+              <a:rPr lang="zh-CN" altLang="en-US" sz="2000" dirty="0"/>
+              <a:t>环境时执行</a:t>
+            </a:r>
+          </a:p>
+          <a:p>
+            <a:endParaRPr lang="en-US" altLang="zh-CN" sz="2000" dirty="0"/>
+          </a:p>
+          <a:p>
+            <a:r>
+              <a:rPr lang="en-US" altLang="zh-CN" sz="2000" dirty="0"/>
+              <a:t>~/.</a:t>
+            </a:r>
+            <a:r>
+              <a:rPr lang="en-US" altLang="zh-CN" sz="2000" dirty="0" err="1"/>
+              <a:t>bash_logout</a:t>
+            </a:r>
+            <a:r>
+              <a:rPr lang="zh-CN" altLang="en-US" sz="2000" dirty="0"/>
+              <a:t>：用户每次退出登录时执行</a:t>
+            </a:r>
+            <a:endParaRPr lang="en-US" altLang="zh-CN" sz="2000" dirty="0"/>
+          </a:p>
+          <a:p>
+            <a:endParaRPr lang="en-US" altLang="zh-CN" sz="2000" dirty="0"/>
+          </a:p>
+          <a:p>
+            <a:r>
+              <a:rPr lang="zh-CN" altLang="en-US" sz="2000" dirty="0"/>
+              <a:t>全局初始配置文件</a:t>
+            </a:r>
+          </a:p>
+          <a:p>
+            <a:pPr marL="0" indent="0">
+              <a:buNone/>
+            </a:pPr>
+            <a:r>
+              <a:rPr lang="en-US" altLang="zh-CN" sz="2000" dirty="0"/>
+              <a:t>   /etc/</a:t>
+            </a:r>
+            <a:r>
+              <a:rPr lang="en-US" altLang="zh-CN" sz="2000" dirty="0" err="1"/>
+              <a:t>bash.bashrc</a:t>
+            </a:r>
+            <a:r>
+              <a:rPr lang="en-US" altLang="zh-CN" sz="2000" dirty="0"/>
+              <a:t>  </a:t>
+            </a:r>
+            <a:r>
+              <a:rPr lang="zh-CN" altLang="en-US" sz="2000" dirty="0"/>
+              <a:t>用户首选项</a:t>
+            </a:r>
+            <a:endParaRPr lang="en-US" altLang="zh-CN" sz="2000" dirty="0"/>
+          </a:p>
+          <a:p>
+            <a:pPr marL="0" indent="0">
+              <a:buNone/>
+            </a:pPr>
+            <a:r>
+              <a:rPr lang="en-US" altLang="zh-CN" sz="2000" dirty="0"/>
+              <a:t>   /</a:t>
+            </a:r>
+            <a:r>
+              <a:rPr lang="en-US" altLang="zh-CN" sz="2000" dirty="0" err="1"/>
+              <a:t>erc</a:t>
+            </a:r>
+            <a:r>
+              <a:rPr lang="en-US" altLang="zh-CN" sz="2000" dirty="0"/>
+              <a:t>/profile  bash</a:t>
+            </a:r>
+            <a:r>
+              <a:rPr lang="zh-CN" altLang="en-US" sz="2000" dirty="0"/>
+              <a:t>配置文件</a:t>
+            </a:r>
+            <a:endParaRPr lang="en-US" altLang="zh-CN" sz="2000" dirty="0"/>
+          </a:p>
+          <a:p>
+            <a:endParaRPr lang="zh-CN" altLang="en-US" sz="2000" dirty="0"/>
+          </a:p>
+        </p:txBody>
+      </p:sp>
+    </p:spTree>
+    <p:extLst>
+      <p:ext uri="{BB962C8B-B14F-4D97-AF65-F5344CB8AC3E}">
+        <p14:creationId xmlns:p14="http://schemas.microsoft.com/office/powerpoint/2010/main" val="1951566402"/>
+      </p:ext>
+    </p:extLst>
+  </p:cSld>
+  <p:clrMapOvr>
+    <a:masterClrMapping/>
+  </p:clrMapOvr>
+</p:sld>
+</file>
+
 <file path=ppt/slides/slide2.xml><?xml version="1.0" encoding="utf-8"?>
 <p:sld xmlns:a="http://schemas.openxmlformats.org/drawingml/2006/main" xmlns:r="http://schemas.openxmlformats.org/officeDocument/2006/relationships" xmlns:p="http://schemas.openxmlformats.org/presentationml/2006/main">
   <p:cSld>
@@ -8541,10 +8732,16 @@
             <a:endParaRPr lang="en-US" altLang="zh-CN" sz="2000" dirty="0"/>
           </a:p>
           <a:p>
+            <a:endParaRPr lang="en-US" altLang="zh-CN" sz="2000" dirty="0"/>
+          </a:p>
+          <a:p>
             <a:r>
               <a:rPr lang="zh-CN" altLang="en-US" sz="2000" dirty="0"/>
               <a:t>早期的计算机多个终端通过串口连接到主机上，而和主机直接配套的输入输出设备是控制台。而现在操作系统的虚拟控制台完成和终端相同的工作，有时候把虚拟控制台也成为虚拟终端。</a:t>
             </a:r>
+            <a:endParaRPr lang="en-US" altLang="zh-CN" sz="2000" dirty="0"/>
+          </a:p>
+          <a:p>
             <a:endParaRPr lang="en-US" altLang="zh-CN" sz="2000" dirty="0"/>
           </a:p>
           <a:p>
@@ -8916,13 +9113,7 @@
       </p:grpSpPr>
       <p:sp>
         <p:nvSpPr>
-          <p:cNvPr id="2" name="标题 1">
-            <a:extLst>
-              <a:ext uri="{FF2B5EF4-FFF2-40B4-BE49-F238E27FC236}">
-                <a16:creationId xmlns:a16="http://schemas.microsoft.com/office/drawing/2014/main" id="{8B88BACC-24DE-4087-9AB3-A099CF573089}"/>
-              </a:ext>
-            </a:extLst>
-          </p:cNvPr>
+          <p:cNvPr id="2" name="标题 1"/>
           <p:cNvSpPr>
             <a:spLocks noGrp="1"/>
           </p:cNvSpPr>
@@ -8936,21 +9127,19 @@
           <a:lstStyle/>
           <a:p>
             <a:r>
+              <a:rPr lang="en-US" altLang="zh-CN" dirty="0"/>
+              <a:t>Linux</a:t>
+            </a:r>
+            <a:r>
               <a:rPr lang="zh-CN" altLang="en-US" dirty="0"/>
-              <a:t>命令搜索路径</a:t>
-            </a:r>
-          </a:p>
-        </p:txBody>
-      </p:sp>
-      <p:sp>
-        <p:nvSpPr>
-          <p:cNvPr id="3" name="内容占位符 2">
-            <a:extLst>
-              <a:ext uri="{FF2B5EF4-FFF2-40B4-BE49-F238E27FC236}">
-                <a16:creationId xmlns:a16="http://schemas.microsoft.com/office/drawing/2014/main" id="{0A1C6B17-780B-4799-8193-E52FD817AC0E}"/>
-              </a:ext>
-            </a:extLst>
-          </p:cNvPr>
+              <a:t>命令格式</a:t>
+            </a:r>
+          </a:p>
+        </p:txBody>
+      </p:sp>
+      <p:sp>
+        <p:nvSpPr>
+          <p:cNvPr id="3" name="内容占位符 2"/>
           <p:cNvSpPr>
             <a:spLocks noGrp="1"/>
           </p:cNvSpPr>
@@ -8967,207 +9156,134 @@
           <a:p>
             <a:r>
               <a:rPr lang="en-US" altLang="zh-CN" sz="2000" dirty="0"/>
-              <a:t>bash</a:t>
+              <a:t>Linux</a:t>
             </a:r>
             <a:r>
               <a:rPr lang="zh-CN" altLang="en-US" sz="2000" dirty="0"/>
-              <a:t>会根据</a:t>
+              <a:t>命令的通用格式为：命令  </a:t>
             </a:r>
             <a:r>
               <a:rPr lang="en-US" altLang="zh-CN" sz="2000" dirty="0"/>
-              <a:t>PATH</a:t>
+              <a:t>[</a:t>
             </a:r>
             <a:r>
               <a:rPr lang="zh-CN" altLang="en-US" sz="2000" dirty="0"/>
-              <a:t>变量的设置自动寻找输入的命令。如果有同名的命令，按照路径顺序找到后返回执行，不再继续寻找。有同名的指令可以输入路径运行。</a:t>
-            </a:r>
-            <a:endParaRPr lang="en-US" altLang="zh-CN" sz="2000" dirty="0"/>
-          </a:p>
-          <a:p>
+              <a:t>选项</a:t>
+            </a:r>
             <a:r>
               <a:rPr lang="en-US" altLang="zh-CN" sz="2000" dirty="0"/>
-              <a:t>.profile</a:t>
+              <a:t>]  [</a:t>
             </a:r>
             <a:r>
               <a:rPr lang="zh-CN" altLang="en-US" sz="2000" dirty="0"/>
-              <a:t>记录了</a:t>
+              <a:t>参数</a:t>
             </a:r>
             <a:r>
               <a:rPr lang="en-US" altLang="zh-CN" sz="2000" dirty="0"/>
-              <a:t>bash</a:t>
-            </a:r>
+              <a:t>]</a:t>
+            </a:r>
+          </a:p>
+          <a:p>
             <a:r>
               <a:rPr lang="zh-CN" altLang="en-US" sz="2000" dirty="0"/>
-              <a:t>会在哪些目录查找命令。</a:t>
-            </a:r>
-            <a:endParaRPr lang="en-US" altLang="zh-CN" sz="2000" dirty="0"/>
-          </a:p>
-          <a:p>
+              <a:t>选项及参数的含义：</a:t>
+            </a:r>
+          </a:p>
+          <a:p>
+            <a:pPr marL="0" indent="0">
+              <a:buNone/>
+            </a:pPr>
             <a:r>
               <a:rPr lang="zh-CN" altLang="en-US" sz="2000" dirty="0"/>
-              <a:t>默认的路径：</a:t>
-            </a:r>
-            <a:endParaRPr lang="en-US" altLang="zh-CN" sz="2000" dirty="0"/>
-          </a:p>
-          <a:p>
-            <a:pPr marL="457200" lvl="1" indent="0">
+              <a:t>   选项：用于调节命令的具体功能</a:t>
+            </a:r>
+          </a:p>
+          <a:p>
+            <a:pPr marL="0" indent="0">
               <a:buNone/>
             </a:pPr>
             <a:r>
-              <a:rPr lang="en-US" altLang="zh-CN" sz="1800" dirty="0"/>
-              <a:t>~/bin</a:t>
-            </a:r>
-          </a:p>
-          <a:p>
-            <a:pPr marL="457200" lvl="1" indent="0">
+              <a:rPr lang="zh-CN" altLang="en-US" sz="2000" dirty="0"/>
+              <a:t>         以 “</a:t>
+            </a:r>
+            <a:r>
+              <a:rPr lang="en-US" altLang="zh-CN" sz="2000" dirty="0"/>
+              <a:t>-”</a:t>
+            </a:r>
+            <a:r>
+              <a:rPr lang="zh-CN" altLang="en-US" sz="2000" dirty="0"/>
+              <a:t>引导短格式选项（单个字符），例如“</a:t>
+            </a:r>
+            <a:r>
+              <a:rPr lang="en-US" altLang="zh-CN" sz="2000" dirty="0"/>
+              <a:t>-l”</a:t>
+            </a:r>
+          </a:p>
+          <a:p>
+            <a:pPr marL="0" indent="0">
               <a:buNone/>
             </a:pPr>
             <a:r>
-              <a:rPr lang="en-US" altLang="zh-CN" sz="1800" dirty="0"/>
-              <a:t>~/.local/bin</a:t>
-            </a:r>
-          </a:p>
-          <a:p>
-            <a:pPr marL="457200" lvl="1" indent="0">
+              <a:rPr lang="en-US" altLang="zh-CN" sz="2000" dirty="0"/>
+              <a:t>         </a:t>
+            </a:r>
+            <a:r>
+              <a:rPr lang="zh-CN" altLang="en-US" sz="2000" dirty="0"/>
+              <a:t>以“</a:t>
+            </a:r>
+            <a:r>
+              <a:rPr lang="en-US" altLang="zh-CN" sz="2000" dirty="0"/>
+              <a:t>--”</a:t>
+            </a:r>
+            <a:r>
+              <a:rPr lang="zh-CN" altLang="en-US" sz="2000" dirty="0"/>
+              <a:t>引导长格式选项（多个字符），例如“</a:t>
+            </a:r>
+            <a:r>
+              <a:rPr lang="en-US" altLang="zh-CN" sz="2000" dirty="0"/>
+              <a:t>--color”</a:t>
+            </a:r>
+          </a:p>
+          <a:p>
+            <a:pPr marL="0" indent="0">
               <a:buNone/>
             </a:pPr>
             <a:r>
-              <a:rPr lang="en-US" altLang="zh-CN" sz="1800" dirty="0"/>
-              <a:t>/</a:t>
-            </a:r>
-            <a:r>
-              <a:rPr lang="en-US" altLang="zh-CN" sz="1800" dirty="0" err="1"/>
-              <a:t>usr</a:t>
-            </a:r>
-            <a:r>
-              <a:rPr lang="en-US" altLang="zh-CN" sz="1800" dirty="0"/>
-              <a:t>/local/</a:t>
-            </a:r>
-            <a:r>
-              <a:rPr lang="en-US" altLang="zh-CN" sz="1800" dirty="0" err="1"/>
-              <a:t>sbin</a:t>
-            </a:r>
-            <a:endParaRPr lang="en-US" altLang="zh-CN" sz="1800" dirty="0"/>
-          </a:p>
-          <a:p>
-            <a:pPr marL="457200" lvl="1" indent="0">
-              <a:buNone/>
-            </a:pPr>
-            <a:r>
-              <a:rPr lang="en-US" altLang="zh-CN" sz="1800" dirty="0"/>
-              <a:t>/</a:t>
-            </a:r>
-            <a:r>
-              <a:rPr lang="en-US" altLang="zh-CN" sz="1800" dirty="0" err="1"/>
-              <a:t>usr</a:t>
-            </a:r>
-            <a:r>
-              <a:rPr lang="en-US" altLang="zh-CN" sz="1800" dirty="0"/>
-              <a:t>/local/bin</a:t>
-            </a:r>
-          </a:p>
-          <a:p>
-            <a:pPr marL="457200" lvl="1" indent="0">
-              <a:buNone/>
-            </a:pPr>
-            <a:r>
-              <a:rPr lang="en-US" altLang="zh-CN" sz="1800" dirty="0"/>
-              <a:t>/</a:t>
-            </a:r>
-            <a:r>
-              <a:rPr lang="en-US" altLang="zh-CN" sz="1800" dirty="0" err="1"/>
-              <a:t>usr</a:t>
-            </a:r>
-            <a:r>
-              <a:rPr lang="en-US" altLang="zh-CN" sz="1800" dirty="0"/>
-              <a:t>/</a:t>
-            </a:r>
-            <a:r>
-              <a:rPr lang="en-US" altLang="zh-CN" sz="1800" dirty="0" err="1"/>
-              <a:t>sbin</a:t>
-            </a:r>
-            <a:endParaRPr lang="en-US" altLang="zh-CN" sz="1800" dirty="0"/>
-          </a:p>
-          <a:p>
-            <a:pPr marL="457200" lvl="1" indent="0">
-              <a:buNone/>
-            </a:pPr>
-            <a:r>
-              <a:rPr lang="en-US" altLang="zh-CN" sz="1800" dirty="0"/>
-              <a:t>/</a:t>
-            </a:r>
-            <a:r>
-              <a:rPr lang="en-US" altLang="zh-CN" sz="1800" dirty="0" err="1"/>
-              <a:t>usr</a:t>
-            </a:r>
-            <a:r>
-              <a:rPr lang="en-US" altLang="zh-CN" sz="1800" dirty="0"/>
-              <a:t>/bin</a:t>
-            </a:r>
-          </a:p>
-          <a:p>
-            <a:pPr marL="457200" lvl="1" indent="0">
-              <a:buNone/>
-            </a:pPr>
-            <a:r>
-              <a:rPr lang="en-US" altLang="zh-CN" sz="1800" dirty="0"/>
-              <a:t>/</a:t>
-            </a:r>
-            <a:r>
-              <a:rPr lang="en-US" altLang="zh-CN" sz="1800" dirty="0" err="1"/>
-              <a:t>sbin</a:t>
-            </a:r>
-            <a:endParaRPr lang="en-US" altLang="zh-CN" sz="1800" dirty="0"/>
-          </a:p>
-          <a:p>
-            <a:pPr marL="457200" lvl="1" indent="0">
-              <a:buNone/>
-            </a:pPr>
-            <a:r>
-              <a:rPr lang="en-US" altLang="zh-CN" sz="1800" dirty="0"/>
-              <a:t>/bin</a:t>
-            </a:r>
-          </a:p>
-          <a:p>
-            <a:pPr marL="457200" lvl="1" indent="0">
-              <a:buNone/>
-            </a:pPr>
-            <a:r>
-              <a:rPr lang="en-US" altLang="zh-CN" sz="1800" dirty="0"/>
-              <a:t>/</a:t>
-            </a:r>
-            <a:r>
-              <a:rPr lang="en-US" altLang="zh-CN" sz="1800" dirty="0" err="1"/>
-              <a:t>usr</a:t>
-            </a:r>
-            <a:r>
-              <a:rPr lang="en-US" altLang="zh-CN" sz="1800" dirty="0"/>
-              <a:t>/games</a:t>
-            </a:r>
-          </a:p>
-          <a:p>
-            <a:pPr marL="457200" lvl="1" indent="0">
-              <a:buNone/>
-            </a:pPr>
-            <a:r>
-              <a:rPr lang="en-US" altLang="zh-CN" sz="1800" dirty="0"/>
-              <a:t>/</a:t>
-            </a:r>
-            <a:r>
-              <a:rPr lang="en-US" altLang="zh-CN" sz="1800" dirty="0" err="1"/>
-              <a:t>usr</a:t>
-            </a:r>
-            <a:r>
-              <a:rPr lang="en-US" altLang="zh-CN" sz="1800" dirty="0"/>
-              <a:t>/local/games</a:t>
-            </a:r>
+              <a:rPr lang="en-US" altLang="zh-CN" sz="2000" dirty="0"/>
+              <a:t>   </a:t>
+            </a:r>
+            <a:r>
+              <a:rPr lang="zh-CN" altLang="en-US" sz="2000" dirty="0"/>
+              <a:t>多个短格式选项可以写在一起，只用一个“</a:t>
+            </a:r>
+            <a:r>
+              <a:rPr lang="en-US" altLang="zh-CN" sz="2000" dirty="0"/>
+              <a:t>-”</a:t>
+            </a:r>
+            <a:r>
+              <a:rPr lang="zh-CN" altLang="en-US" sz="2000" dirty="0"/>
+              <a:t>引导，例如“</a:t>
+            </a:r>
+            <a:r>
+              <a:rPr lang="en-US" altLang="zh-CN" sz="2000" dirty="0"/>
+              <a:t>-al”</a:t>
+            </a:r>
+          </a:p>
+          <a:p>
+            <a:r>
+              <a:rPr lang="zh-CN" altLang="en-US" sz="2000" dirty="0"/>
+              <a:t>参数：命令操作的对象，如文件、目录名等</a:t>
+            </a:r>
+          </a:p>
+          <a:p>
+            <a:endParaRPr lang="zh-CN" altLang="en-US" sz="2000" dirty="0"/>
           </a:p>
         </p:txBody>
       </p:sp>
     </p:spTree>
     <p:extLst>
       <p:ext uri="{BB962C8B-B14F-4D97-AF65-F5344CB8AC3E}">
-        <p14:creationId xmlns:p14="http://schemas.microsoft.com/office/powerpoint/2010/main" val="2090684580"/>
+        <p14:creationId xmlns:p14="http://schemas.microsoft.com/office/powerpoint/2010/main" val="1239259164"/>
       </p:ext>
     </p:extLst>
   </p:cSld>
@@ -9217,7 +9333,7 @@
           <a:p>
             <a:r>
               <a:rPr lang="zh-CN" altLang="en-US" dirty="0"/>
-              <a:t>添加其他路径</a:t>
+              <a:t>命令搜索路径</a:t>
             </a:r>
           </a:p>
         </p:txBody>
@@ -9240,20 +9356,18 @@
         </p:nvSpPr>
         <p:spPr/>
         <p:txBody>
-          <a:bodyPr/>
-          <a:lstStyle/>
-          <a:p>
+          <a:bodyPr>
+            <a:normAutofit/>
+          </a:bodyPr>
+          <a:lstStyle/>
+          <a:p>
+            <a:r>
+              <a:rPr lang="en-US" altLang="zh-CN" sz="2000" dirty="0"/>
+              <a:t>bash</a:t>
+            </a:r>
             <a:r>
               <a:rPr lang="zh-CN" altLang="en-US" sz="2000" dirty="0"/>
-              <a:t>如果在用户主目录下存在</a:t>
-            </a:r>
-            <a:r>
-              <a:rPr lang="en-US" altLang="zh-CN" sz="2000" dirty="0"/>
-              <a:t>ins</a:t>
-            </a:r>
-            <a:r>
-              <a:rPr lang="zh-CN" altLang="en-US" sz="2000" dirty="0"/>
-              <a:t>目录，并希望添加到</a:t>
+              <a:t>会根据</a:t>
             </a:r>
             <a:r>
               <a:rPr lang="en-US" altLang="zh-CN" sz="2000" dirty="0"/>
@@ -9261,106 +9375,195 @@
             </a:r>
             <a:r>
               <a:rPr lang="zh-CN" altLang="en-US" sz="2000" dirty="0"/>
-              <a:t>环境变量中，可以在用户主目录下找到</a:t>
-            </a:r>
+              <a:t>变量的设置自动寻找输入的命令。如果有同名的命令，按照路径顺序找到后返回执行，不再继续寻找。有同名的指令可以输入路径运行。</a:t>
+            </a:r>
+            <a:endParaRPr lang="en-US" altLang="zh-CN" sz="2000" dirty="0"/>
+          </a:p>
+          <a:p>
             <a:r>
               <a:rPr lang="en-US" altLang="zh-CN" sz="2000" dirty="0"/>
               <a:t>.profile</a:t>
             </a:r>
             <a:r>
               <a:rPr lang="zh-CN" altLang="en-US" sz="2000" dirty="0"/>
-              <a:t>文件，使用文本编辑器打开。</a:t>
+              <a:t>记录了</a:t>
+            </a:r>
+            <a:r>
+              <a:rPr lang="en-US" altLang="zh-CN" sz="2000" dirty="0"/>
+              <a:t>bash</a:t>
+            </a:r>
+            <a:r>
+              <a:rPr lang="zh-CN" altLang="en-US" sz="2000" dirty="0"/>
+              <a:t>会在哪些目录查找命令。</a:t>
             </a:r>
             <a:endParaRPr lang="en-US" altLang="zh-CN" sz="2000" dirty="0"/>
           </a:p>
           <a:p>
             <a:r>
               <a:rPr lang="zh-CN" altLang="en-US" sz="2000" dirty="0"/>
-              <a:t>在</a:t>
-            </a:r>
-            <a:r>
-              <a:rPr lang="en-US" altLang="zh-CN" sz="2000" dirty="0"/>
-              <a:t>PATH=</a:t>
-            </a:r>
-            <a:r>
-              <a:rPr lang="zh-CN" altLang="en-US" sz="2000" dirty="0"/>
-              <a:t>后面的双引号中的字符串末尾添加 </a:t>
-            </a:r>
-            <a:r>
-              <a:rPr lang="en-US" altLang="zh-CN" sz="2000" dirty="0"/>
-              <a:t>:$HOME/ins</a:t>
-            </a:r>
-            <a:r>
-              <a:rPr lang="zh-CN" altLang="en-US" sz="2000" dirty="0"/>
-              <a:t>，保存文件。</a:t>
+              <a:t>默认的路径：</a:t>
             </a:r>
             <a:endParaRPr lang="en-US" altLang="zh-CN" sz="2000" dirty="0"/>
           </a:p>
           <a:p>
-            <a:r>
-              <a:rPr lang="zh-CN" altLang="en-US" sz="2000" dirty="0"/>
-              <a:t>然后运行</a:t>
-            </a:r>
-            <a:r>
-              <a:rPr lang="en-US" altLang="zh-CN" sz="2000" dirty="0"/>
-              <a:t>source  .profile</a:t>
-            </a:r>
-          </a:p>
-          <a:p>
-            <a:r>
-              <a:rPr lang="zh-CN" altLang="en-US" sz="2000" dirty="0"/>
-              <a:t>这样就可以直接在</a:t>
-            </a:r>
-            <a:r>
-              <a:rPr lang="en-US" altLang="zh-CN" sz="2000" dirty="0"/>
-              <a:t>shell</a:t>
-            </a:r>
-            <a:r>
-              <a:rPr lang="zh-CN" altLang="en-US" sz="2000" dirty="0"/>
-              <a:t>中输入</a:t>
-            </a:r>
-            <a:r>
-              <a:rPr lang="en-US" altLang="zh-CN" sz="2000" dirty="0"/>
-              <a:t>ins</a:t>
-            </a:r>
-            <a:r>
-              <a:rPr lang="zh-CN" altLang="en-US" sz="2000" dirty="0"/>
-              <a:t>目录下存在的程序名称被</a:t>
-            </a:r>
-            <a:r>
-              <a:rPr lang="en-US" altLang="zh-CN" sz="2000" dirty="0"/>
-              <a:t>shell</a:t>
-            </a:r>
-            <a:r>
-              <a:rPr lang="zh-CN" altLang="en-US" sz="2000" dirty="0"/>
-              <a:t>执行了。</a:t>
-            </a:r>
-            <a:endParaRPr lang="en-US" altLang="zh-CN" sz="2000" dirty="0"/>
-          </a:p>
-          <a:p>
-            <a:endParaRPr lang="en-US" altLang="zh-CN" sz="2000" dirty="0"/>
-          </a:p>
-          <a:p>
-            <a:r>
-              <a:rPr lang="zh-CN" altLang="en-US" sz="2000" dirty="0"/>
-              <a:t>可以使用</a:t>
-            </a:r>
-            <a:r>
-              <a:rPr lang="en-US" altLang="zh-CN" sz="2000" dirty="0" err="1"/>
-              <a:t>env</a:t>
-            </a:r>
-            <a:r>
-              <a:rPr lang="zh-CN" altLang="en-US" sz="2000" dirty="0"/>
-              <a:t>命令显示系统中已存在的环境变量。</a:t>
-            </a:r>
-            <a:endParaRPr lang="en-US" altLang="zh-CN" sz="2000" dirty="0"/>
+            <a:pPr marL="457200" lvl="1" indent="0">
+              <a:buNone/>
+            </a:pPr>
+            <a:r>
+              <a:rPr lang="en-US" altLang="zh-CN" sz="1800" dirty="0"/>
+              <a:t>~/bin</a:t>
+            </a:r>
+          </a:p>
+          <a:p>
+            <a:pPr marL="457200" lvl="1" indent="0">
+              <a:buNone/>
+            </a:pPr>
+            <a:r>
+              <a:rPr lang="en-US" altLang="zh-CN" sz="1800" dirty="0"/>
+              <a:t>~/.local/bin</a:t>
+            </a:r>
+          </a:p>
+          <a:p>
+            <a:pPr marL="457200" lvl="1" indent="0">
+              <a:buNone/>
+            </a:pPr>
+            <a:r>
+              <a:rPr lang="en-US" altLang="zh-CN" sz="1800" dirty="0"/>
+              <a:t>/</a:t>
+            </a:r>
+            <a:r>
+              <a:rPr lang="en-US" altLang="zh-CN" sz="1800" dirty="0" err="1"/>
+              <a:t>usr</a:t>
+            </a:r>
+            <a:r>
+              <a:rPr lang="en-US" altLang="zh-CN" sz="1800" dirty="0"/>
+              <a:t>/local/</a:t>
+            </a:r>
+            <a:r>
+              <a:rPr lang="en-US" altLang="zh-CN" sz="1800" dirty="0" err="1"/>
+              <a:t>sbin</a:t>
+            </a:r>
+            <a:endParaRPr lang="en-US" altLang="zh-CN" sz="1800" dirty="0"/>
+          </a:p>
+          <a:p>
+            <a:pPr marL="457200" lvl="1" indent="0">
+              <a:buNone/>
+            </a:pPr>
+            <a:r>
+              <a:rPr lang="en-US" altLang="zh-CN" sz="1800" dirty="0"/>
+              <a:t>/</a:t>
+            </a:r>
+            <a:r>
+              <a:rPr lang="en-US" altLang="zh-CN" sz="1800" dirty="0" err="1"/>
+              <a:t>usr</a:t>
+            </a:r>
+            <a:r>
+              <a:rPr lang="en-US" altLang="zh-CN" sz="1800" dirty="0"/>
+              <a:t>/local/bin</a:t>
+            </a:r>
+          </a:p>
+          <a:p>
+            <a:pPr marL="457200" lvl="1" indent="0">
+              <a:buNone/>
+            </a:pPr>
+            <a:r>
+              <a:rPr lang="en-US" altLang="zh-CN" sz="1800" dirty="0"/>
+              <a:t>/</a:t>
+            </a:r>
+            <a:r>
+              <a:rPr lang="en-US" altLang="zh-CN" sz="1800" dirty="0" err="1"/>
+              <a:t>usr</a:t>
+            </a:r>
+            <a:r>
+              <a:rPr lang="en-US" altLang="zh-CN" sz="1800" dirty="0"/>
+              <a:t>/</a:t>
+            </a:r>
+            <a:r>
+              <a:rPr lang="en-US" altLang="zh-CN" sz="1800" dirty="0" err="1"/>
+              <a:t>sbin</a:t>
+            </a:r>
+            <a:endParaRPr lang="en-US" altLang="zh-CN" sz="1800" dirty="0"/>
+          </a:p>
+          <a:p>
+            <a:pPr marL="457200" lvl="1" indent="0">
+              <a:buNone/>
+            </a:pPr>
+            <a:r>
+              <a:rPr lang="en-US" altLang="zh-CN" sz="1800" dirty="0"/>
+              <a:t>/</a:t>
+            </a:r>
+            <a:r>
+              <a:rPr lang="en-US" altLang="zh-CN" sz="1800" dirty="0" err="1"/>
+              <a:t>usr</a:t>
+            </a:r>
+            <a:r>
+              <a:rPr lang="en-US" altLang="zh-CN" sz="1800" dirty="0"/>
+              <a:t>/bin</a:t>
+            </a:r>
+          </a:p>
+          <a:p>
+            <a:pPr marL="457200" lvl="1" indent="0">
+              <a:buNone/>
+            </a:pPr>
+            <a:r>
+              <a:rPr lang="en-US" altLang="zh-CN" sz="1800" dirty="0"/>
+              <a:t>/</a:t>
+            </a:r>
+            <a:r>
+              <a:rPr lang="en-US" altLang="zh-CN" sz="1800" dirty="0" err="1"/>
+              <a:t>sbin</a:t>
+            </a:r>
+            <a:endParaRPr lang="en-US" altLang="zh-CN" sz="1800" dirty="0"/>
+          </a:p>
+          <a:p>
+            <a:pPr marL="457200" lvl="1" indent="0">
+              <a:buNone/>
+            </a:pPr>
+            <a:r>
+              <a:rPr lang="en-US" altLang="zh-CN" sz="1800" dirty="0"/>
+              <a:t>/bin</a:t>
+            </a:r>
+          </a:p>
+          <a:p>
+            <a:pPr marL="457200" lvl="1" indent="0">
+              <a:buNone/>
+            </a:pPr>
+            <a:r>
+              <a:rPr lang="en-US" altLang="zh-CN" sz="1800" dirty="0"/>
+              <a:t>/</a:t>
+            </a:r>
+            <a:r>
+              <a:rPr lang="en-US" altLang="zh-CN" sz="1800" dirty="0" err="1"/>
+              <a:t>usr</a:t>
+            </a:r>
+            <a:r>
+              <a:rPr lang="en-US" altLang="zh-CN" sz="1800" dirty="0"/>
+              <a:t>/games</a:t>
+            </a:r>
+          </a:p>
+          <a:p>
+            <a:pPr marL="457200" lvl="1" indent="0">
+              <a:buNone/>
+            </a:pPr>
+            <a:r>
+              <a:rPr lang="en-US" altLang="zh-CN" sz="1800" dirty="0"/>
+              <a:t>/</a:t>
+            </a:r>
+            <a:r>
+              <a:rPr lang="en-US" altLang="zh-CN" sz="1800" dirty="0" err="1"/>
+              <a:t>usr</a:t>
+            </a:r>
+            <a:r>
+              <a:rPr lang="en-US" altLang="zh-CN" sz="1800" dirty="0"/>
+              <a:t>/local/games</a:t>
+            </a:r>
           </a:p>
         </p:txBody>
       </p:sp>
     </p:spTree>
     <p:extLst>
       <p:ext uri="{BB962C8B-B14F-4D97-AF65-F5344CB8AC3E}">
-        <p14:creationId xmlns:p14="http://schemas.microsoft.com/office/powerpoint/2010/main" val="2327851467"/>
+        <p14:creationId xmlns:p14="http://schemas.microsoft.com/office/powerpoint/2010/main" val="2090684580"/>
       </p:ext>
     </p:extLst>
   </p:cSld>
@@ -9389,7 +9592,13 @@
       </p:grpSpPr>
       <p:sp>
         <p:nvSpPr>
-          <p:cNvPr id="2" name="标题 1"/>
+          <p:cNvPr id="2" name="标题 1">
+            <a:extLst>
+              <a:ext uri="{FF2B5EF4-FFF2-40B4-BE49-F238E27FC236}">
+                <a16:creationId xmlns:a16="http://schemas.microsoft.com/office/drawing/2014/main" id="{8B88BACC-24DE-4087-9AB3-A099CF573089}"/>
+              </a:ext>
+            </a:extLst>
+          </p:cNvPr>
           <p:cNvSpPr>
             <a:spLocks noGrp="1"/>
           </p:cNvSpPr>
@@ -9404,14 +9613,20 @@
           <a:p>
             <a:r>
               <a:rPr lang="zh-CN" altLang="en-US" dirty="0"/>
-              <a:t>获得命令帮助</a:t>
-            </a:r>
-          </a:p>
-        </p:txBody>
-      </p:sp>
-      <p:sp>
-        <p:nvSpPr>
-          <p:cNvPr id="3" name="内容占位符 2"/>
+              <a:t>添加其他路径</a:t>
+            </a:r>
+          </a:p>
+        </p:txBody>
+      </p:sp>
+      <p:sp>
+        <p:nvSpPr>
+          <p:cNvPr id="3" name="内容占位符 2">
+            <a:extLst>
+              <a:ext uri="{FF2B5EF4-FFF2-40B4-BE49-F238E27FC236}">
+                <a16:creationId xmlns:a16="http://schemas.microsoft.com/office/drawing/2014/main" id="{0A1C6B17-780B-4799-8193-E52FD817AC0E}"/>
+              </a:ext>
+            </a:extLst>
+          </p:cNvPr>
           <p:cNvSpPr>
             <a:spLocks noGrp="1"/>
           </p:cNvSpPr>
@@ -9426,132 +9641,122 @@
           <a:p>
             <a:r>
               <a:rPr lang="zh-CN" altLang="en-US" sz="2000" dirty="0"/>
-              <a:t>使用</a:t>
+              <a:t>如果在用户主目录下存在</a:t>
             </a:r>
             <a:r>
               <a:rPr lang="en-US" altLang="zh-CN" sz="2000" dirty="0"/>
-              <a:t>help </a:t>
+              <a:t>ins</a:t>
             </a:r>
             <a:r>
               <a:rPr lang="zh-CN" altLang="en-US" sz="2000" dirty="0"/>
-              <a:t>查看</a:t>
+              <a:t>目录，并希望添加到</a:t>
             </a:r>
             <a:r>
               <a:rPr lang="en-US" altLang="zh-CN" sz="2000" dirty="0"/>
-              <a:t>Bash</a:t>
+              <a:t>PATH</a:t>
             </a:r>
             <a:r>
               <a:rPr lang="zh-CN" altLang="en-US" sz="2000" dirty="0"/>
-              <a:t>内部命令的帮助信息</a:t>
-            </a:r>
-          </a:p>
-          <a:p>
+              <a:t>环境变量中，可以在用户主目录下找到</a:t>
+            </a:r>
+            <a:r>
+              <a:rPr lang="en-US" altLang="zh-CN" sz="2000" dirty="0"/>
+              <a:t>.profile</a:t>
+            </a:r>
+            <a:r>
+              <a:rPr lang="zh-CN" altLang="en-US" sz="2000" dirty="0"/>
+              <a:t>文件，使用文本编辑器打开。</a:t>
+            </a:r>
             <a:endParaRPr lang="en-US" altLang="zh-CN" sz="2000" dirty="0"/>
           </a:p>
           <a:p>
             <a:r>
               <a:rPr lang="zh-CN" altLang="en-US" sz="2000" dirty="0"/>
-              <a:t>命令的“</a:t>
+              <a:t>在</a:t>
             </a:r>
             <a:r>
               <a:rPr lang="en-US" altLang="zh-CN" sz="2000" dirty="0"/>
-              <a:t>--help” </a:t>
+              <a:t>PATH=</a:t>
             </a:r>
             <a:r>
               <a:rPr lang="zh-CN" altLang="en-US" sz="2000" dirty="0"/>
-              <a:t>选项适用于大多数外部命令 </a:t>
-            </a:r>
-          </a:p>
-          <a:p>
+              <a:t>后面的双引号中的字符串末尾添加 </a:t>
+            </a:r>
+            <a:r>
+              <a:rPr lang="en-US" altLang="zh-CN" sz="2000" dirty="0"/>
+              <a:t>:$HOME/ins</a:t>
+            </a:r>
+            <a:r>
+              <a:rPr lang="zh-CN" altLang="en-US" sz="2000" dirty="0"/>
+              <a:t>，保存文件。</a:t>
+            </a:r>
             <a:endParaRPr lang="en-US" altLang="zh-CN" sz="2000" dirty="0"/>
           </a:p>
           <a:p>
             <a:r>
               <a:rPr lang="zh-CN" altLang="en-US" sz="2000" dirty="0"/>
-              <a:t>使用</a:t>
+              <a:t>然后运行</a:t>
             </a:r>
             <a:r>
               <a:rPr lang="en-US" altLang="zh-CN" sz="2000" dirty="0"/>
-              <a:t>man</a:t>
-            </a:r>
+              <a:t>source  .profile</a:t>
+            </a:r>
+          </a:p>
+          <a:p>
             <a:r>
               <a:rPr lang="zh-CN" altLang="en-US" sz="2000" dirty="0"/>
-              <a:t>命令阅读手册页：</a:t>
+              <a:t>这样就可以直接在</a:t>
             </a:r>
             <a:r>
               <a:rPr lang="en-US" altLang="zh-CN" sz="2000" dirty="0"/>
-              <a:t>man  [COMMAND]</a:t>
-            </a:r>
-            <a:endParaRPr lang="zh-CN" altLang="en-US" sz="2000" dirty="0"/>
-          </a:p>
-          <a:p>
-            <a:pPr marL="0" indent="0">
-              <a:buNone/>
-            </a:pPr>
-            <a:r>
-              <a:rPr lang="zh-CN" altLang="en-US" sz="1800" dirty="0"/>
-              <a:t>     使用“↑”、“↓”方向键滚动文本</a:t>
-            </a:r>
-          </a:p>
-          <a:p>
-            <a:pPr marL="0" indent="0">
-              <a:buNone/>
-            </a:pPr>
-            <a:r>
-              <a:rPr lang="zh-CN" altLang="en-US" sz="1800" dirty="0"/>
-              <a:t>     使用</a:t>
-            </a:r>
-            <a:r>
-              <a:rPr lang="en-US" altLang="zh-CN" sz="1800" dirty="0"/>
-              <a:t>Page Up</a:t>
-            </a:r>
-            <a:r>
-              <a:rPr lang="zh-CN" altLang="en-US" sz="1800" dirty="0"/>
-              <a:t>和</a:t>
-            </a:r>
-            <a:r>
-              <a:rPr lang="en-US" altLang="zh-CN" sz="1800" dirty="0"/>
-              <a:t>Page Down</a:t>
-            </a:r>
-            <a:r>
-              <a:rPr lang="zh-CN" altLang="en-US" sz="1800" dirty="0"/>
-              <a:t>键翻页 </a:t>
-            </a:r>
-          </a:p>
-          <a:p>
-            <a:pPr marL="0" indent="0">
-              <a:buNone/>
-            </a:pPr>
-            <a:r>
-              <a:rPr lang="zh-CN" altLang="en-US" sz="1800" dirty="0"/>
-              <a:t>     按</a:t>
-            </a:r>
-            <a:r>
-              <a:rPr lang="en-US" altLang="zh-CN" sz="1800" dirty="0"/>
-              <a:t>q</a:t>
-            </a:r>
-            <a:r>
-              <a:rPr lang="zh-CN" altLang="en-US" sz="1800" dirty="0"/>
-              <a:t>键退出阅读环境、按“</a:t>
-            </a:r>
-            <a:r>
-              <a:rPr lang="en-US" altLang="zh-CN" sz="1800" dirty="0"/>
-              <a:t>/”</a:t>
-            </a:r>
-            <a:r>
-              <a:rPr lang="zh-CN" altLang="en-US" sz="1800" dirty="0"/>
-              <a:t>键后查找内容</a:t>
-            </a:r>
-          </a:p>
-          <a:p>
-            <a:endParaRPr lang="zh-CN" altLang="en-US" dirty="0"/>
+              <a:t>shell</a:t>
+            </a:r>
+            <a:r>
+              <a:rPr lang="zh-CN" altLang="en-US" sz="2000" dirty="0"/>
+              <a:t>中输入</a:t>
+            </a:r>
+            <a:r>
+              <a:rPr lang="en-US" altLang="zh-CN" sz="2000" dirty="0"/>
+              <a:t>ins</a:t>
+            </a:r>
+            <a:r>
+              <a:rPr lang="zh-CN" altLang="en-US" sz="2000" dirty="0"/>
+              <a:t>目录下存在的程序名称被</a:t>
+            </a:r>
+            <a:r>
+              <a:rPr lang="en-US" altLang="zh-CN" sz="2000" dirty="0"/>
+              <a:t>shell</a:t>
+            </a:r>
+            <a:r>
+              <a:rPr lang="zh-CN" altLang="en-US" sz="2000" dirty="0"/>
+              <a:t>执行了。</a:t>
+            </a:r>
+            <a:endParaRPr lang="en-US" altLang="zh-CN" sz="2000" dirty="0"/>
+          </a:p>
+          <a:p>
+            <a:endParaRPr lang="en-US" altLang="zh-CN" sz="2000" dirty="0"/>
+          </a:p>
+          <a:p>
+            <a:r>
+              <a:rPr lang="zh-CN" altLang="en-US" sz="2000" dirty="0"/>
+              <a:t>可以使用</a:t>
+            </a:r>
+            <a:r>
+              <a:rPr lang="en-US" altLang="zh-CN" sz="2000" dirty="0" err="1"/>
+              <a:t>env</a:t>
+            </a:r>
+            <a:r>
+              <a:rPr lang="zh-CN" altLang="en-US" sz="2000" dirty="0"/>
+              <a:t>命令显示系统中已存在的环境变量。</a:t>
+            </a:r>
+            <a:endParaRPr lang="en-US" altLang="zh-CN" sz="2000" dirty="0"/>
           </a:p>
         </p:txBody>
       </p:sp>
     </p:spTree>
     <p:extLst>
       <p:ext uri="{BB962C8B-B14F-4D97-AF65-F5344CB8AC3E}">
-        <p14:creationId xmlns:p14="http://schemas.microsoft.com/office/powerpoint/2010/main" val="3509155720"/>
+        <p14:creationId xmlns:p14="http://schemas.microsoft.com/office/powerpoint/2010/main" val="2327851467"/>
       </p:ext>
     </p:extLst>
   </p:cSld>
@@ -9594,12 +9799,8 @@
           <a:lstStyle/>
           <a:p>
             <a:r>
-              <a:rPr lang="en-US" altLang="zh-CN" dirty="0"/>
-              <a:t>Linux</a:t>
-            </a:r>
-            <a:r>
               <a:rPr lang="zh-CN" altLang="en-US" dirty="0"/>
-              <a:t>命令格式</a:t>
+              <a:t>获得命令帮助</a:t>
             </a:r>
           </a:p>
         </p:txBody>
@@ -9616,53 +9817,76 @@
         </p:nvSpPr>
         <p:spPr/>
         <p:txBody>
-          <a:bodyPr>
-            <a:normAutofit/>
-          </a:bodyPr>
-          <a:lstStyle/>
-          <a:p>
+          <a:bodyPr/>
+          <a:lstStyle/>
+          <a:p>
+            <a:r>
+              <a:rPr lang="zh-CN" altLang="en-US" sz="2000" dirty="0"/>
+              <a:t>使用</a:t>
+            </a:r>
             <a:r>
               <a:rPr lang="en-US" altLang="zh-CN" sz="2000" dirty="0"/>
-              <a:t>Linux</a:t>
+              <a:t>help </a:t>
             </a:r>
             <a:r>
               <a:rPr lang="zh-CN" altLang="en-US" sz="2000" dirty="0"/>
-              <a:t>命令的通用格式为：命令  </a:t>
+              <a:t>查看</a:t>
             </a:r>
             <a:r>
               <a:rPr lang="en-US" altLang="zh-CN" sz="2000" dirty="0"/>
-              <a:t>[</a:t>
+              <a:t>Bash</a:t>
             </a:r>
             <a:r>
               <a:rPr lang="zh-CN" altLang="en-US" sz="2000" dirty="0"/>
-              <a:t>选项</a:t>
+              <a:t>内部命令的帮助信息</a:t>
+            </a:r>
+          </a:p>
+          <a:p>
+            <a:endParaRPr lang="en-US" altLang="zh-CN" sz="2000" dirty="0"/>
+          </a:p>
+          <a:p>
+            <a:r>
+              <a:rPr lang="zh-CN" altLang="en-US" sz="2000" dirty="0"/>
+              <a:t>命令的“</a:t>
             </a:r>
             <a:r>
               <a:rPr lang="en-US" altLang="zh-CN" sz="2000" dirty="0"/>
-              <a:t>]  [</a:t>
+              <a:t>--help” </a:t>
             </a:r>
             <a:r>
               <a:rPr lang="zh-CN" altLang="en-US" sz="2000" dirty="0"/>
-              <a:t>参数</a:t>
+              <a:t>选项适用于大多数外部命令 </a:t>
+            </a:r>
+          </a:p>
+          <a:p>
+            <a:endParaRPr lang="en-US" altLang="zh-CN" sz="2000" dirty="0"/>
+          </a:p>
+          <a:p>
+            <a:r>
+              <a:rPr lang="zh-CN" altLang="en-US" sz="2000" dirty="0"/>
+              <a:t>使用</a:t>
             </a:r>
             <a:r>
               <a:rPr lang="en-US" altLang="zh-CN" sz="2000" dirty="0"/>
-              <a:t>]</a:t>
-            </a:r>
-          </a:p>
-          <a:p>
+              <a:t>man</a:t>
+            </a:r>
             <a:r>
               <a:rPr lang="zh-CN" altLang="en-US" sz="2000" dirty="0"/>
-              <a:t>选项及参数的含义：</a:t>
-            </a:r>
+              <a:t>命令阅读手册页：</a:t>
+            </a:r>
+            <a:r>
+              <a:rPr lang="en-US" altLang="zh-CN" sz="2000" dirty="0"/>
+              <a:t>man  [COMMAND]</a:t>
+            </a:r>
+            <a:endParaRPr lang="zh-CN" altLang="en-US" sz="2000" dirty="0"/>
           </a:p>
           <a:p>
             <a:pPr marL="0" indent="0">
               <a:buNone/>
             </a:pPr>
             <a:r>
-              <a:rPr lang="zh-CN" altLang="en-US" sz="2000" dirty="0"/>
-              <a:t>   选项：用于调节命令的具体功能</a:t>
+              <a:rPr lang="zh-CN" altLang="en-US" sz="1800" dirty="0"/>
+              <a:t>     使用“↑”、“↓”方向键滚动文本</a:t>
             </a:r>
           </a:p>
           <a:p>
@@ -9670,20 +9894,24 @@
               <a:buNone/>
             </a:pPr>
             <a:r>
-              <a:rPr lang="zh-CN" altLang="en-US" sz="2000" dirty="0"/>
-              <a:t>         以 “</a:t>
-            </a:r>
-            <a:r>
-              <a:rPr lang="en-US" altLang="zh-CN" sz="2000" dirty="0"/>
-              <a:t>-”</a:t>
-            </a:r>
-            <a:r>
-              <a:rPr lang="zh-CN" altLang="en-US" sz="2000" dirty="0"/>
-              <a:t>引导短格式选项（单个字符），例如“</a:t>
-            </a:r>
-            <a:r>
-              <a:rPr lang="en-US" altLang="zh-CN" sz="2000" dirty="0"/>
-              <a:t>-l”</a:t>
+              <a:rPr lang="zh-CN" altLang="en-US" sz="1800" dirty="0"/>
+              <a:t>     使用</a:t>
+            </a:r>
+            <a:r>
+              <a:rPr lang="en-US" altLang="zh-CN" sz="1800" dirty="0"/>
+              <a:t>Page Up</a:t>
+            </a:r>
+            <a:r>
+              <a:rPr lang="zh-CN" altLang="en-US" sz="1800" dirty="0"/>
+              <a:t>和</a:t>
+            </a:r>
+            <a:r>
+              <a:rPr lang="en-US" altLang="zh-CN" sz="1800" dirty="0"/>
+              <a:t>Page Down</a:t>
+            </a:r>
+            <a:r>
+              <a:rPr lang="zh-CN" altLang="en-US" sz="1800" dirty="0"/>
+              <a:t>键翻页 </a:t>
             </a:r>
           </a:p>
           <a:p>
@@ -9691,66 +9919,35 @@
               <a:buNone/>
             </a:pPr>
             <a:r>
-              <a:rPr lang="en-US" altLang="zh-CN" sz="2000" dirty="0"/>
-              <a:t>         </a:t>
-            </a:r>
-            <a:r>
-              <a:rPr lang="zh-CN" altLang="en-US" sz="2000" dirty="0"/>
-              <a:t>以“</a:t>
-            </a:r>
-            <a:r>
-              <a:rPr lang="en-US" altLang="zh-CN" sz="2000" dirty="0"/>
-              <a:t>--”</a:t>
-            </a:r>
-            <a:r>
-              <a:rPr lang="zh-CN" altLang="en-US" sz="2000" dirty="0"/>
-              <a:t>引导长格式选项（多个字符），例如“</a:t>
-            </a:r>
-            <a:r>
-              <a:rPr lang="en-US" altLang="zh-CN" sz="2000" dirty="0"/>
-              <a:t>--color”</a:t>
-            </a:r>
-          </a:p>
-          <a:p>
-            <a:pPr marL="0" indent="0">
-              <a:buNone/>
-            </a:pPr>
-            <a:r>
-              <a:rPr lang="en-US" altLang="zh-CN" sz="2000" dirty="0"/>
-              <a:t>   </a:t>
-            </a:r>
-            <a:r>
-              <a:rPr lang="zh-CN" altLang="en-US" sz="2000" dirty="0"/>
-              <a:t>多个短格式选项可以写在一起，只用一个“</a:t>
-            </a:r>
-            <a:r>
-              <a:rPr lang="en-US" altLang="zh-CN" sz="2000" dirty="0"/>
-              <a:t>-”</a:t>
-            </a:r>
-            <a:r>
-              <a:rPr lang="zh-CN" altLang="en-US" sz="2000" dirty="0"/>
-              <a:t>引导，例如“</a:t>
-            </a:r>
-            <a:r>
-              <a:rPr lang="en-US" altLang="zh-CN" sz="2000" dirty="0"/>
-              <a:t>-al”</a:t>
-            </a:r>
-          </a:p>
-          <a:p>
-            <a:r>
-              <a:rPr lang="zh-CN" altLang="en-US" sz="2000" dirty="0"/>
-              <a:t>参数：命令操作的对象，如文件、目录名等</a:t>
-            </a:r>
-          </a:p>
-          <a:p>
-            <a:endParaRPr lang="zh-CN" altLang="en-US" sz="2000" dirty="0"/>
+              <a:rPr lang="zh-CN" altLang="en-US" sz="1800" dirty="0"/>
+              <a:t>     按</a:t>
+            </a:r>
+            <a:r>
+              <a:rPr lang="en-US" altLang="zh-CN" sz="1800" dirty="0"/>
+              <a:t>q</a:t>
+            </a:r>
+            <a:r>
+              <a:rPr lang="zh-CN" altLang="en-US" sz="1800" dirty="0"/>
+              <a:t>键退出阅读环境、按“</a:t>
+            </a:r>
+            <a:r>
+              <a:rPr lang="en-US" altLang="zh-CN" sz="1800" dirty="0"/>
+              <a:t>/”</a:t>
+            </a:r>
+            <a:r>
+              <a:rPr lang="zh-CN" altLang="en-US" sz="1800" dirty="0"/>
+              <a:t>键后查找内容</a:t>
+            </a:r>
+          </a:p>
+          <a:p>
+            <a:endParaRPr lang="zh-CN" altLang="en-US" dirty="0"/>
           </a:p>
         </p:txBody>
       </p:sp>
     </p:spTree>
     <p:extLst>
       <p:ext uri="{BB962C8B-B14F-4D97-AF65-F5344CB8AC3E}">
-        <p14:creationId xmlns:p14="http://schemas.microsoft.com/office/powerpoint/2010/main" val="1239259164"/>
+        <p14:creationId xmlns:p14="http://schemas.microsoft.com/office/powerpoint/2010/main" val="3509155720"/>
       </p:ext>
     </p:extLst>
   </p:cSld>

--- a/materials/slides/ch03-terminal-and-basic.pptx
+++ b/materials/slides/ch03-terminal-and-basic.pptx
@@ -17,7 +17,6 @@
     <p:sldId id="279" r:id="rId11"/>
     <p:sldId id="276" r:id="rId12"/>
     <p:sldId id="261" r:id="rId13"/>
-    <p:sldId id="280" r:id="rId14"/>
   </p:sldIdLst>
   <p:sldSz cx="12192000" cy="6858000"/>
   <p:notesSz cx="6858000" cy="9144000"/>
@@ -290,7 +289,7 @@
           <a:p>
             <a:fld id="{02E60DA2-A0BC-48C9-AA88-75C78721B420}" type="datetimeFigureOut">
               <a:rPr lang="zh-CN" altLang="en-US" smtClean="0"/>
-              <a:t>2018/3/3</a:t>
+              <a:t>2018/3/11</a:t>
             </a:fld>
             <a:endParaRPr lang="zh-CN" altLang="en-US"/>
           </a:p>
@@ -512,7 +511,7 @@
           <a:p>
             <a:fld id="{02E60DA2-A0BC-48C9-AA88-75C78721B420}" type="datetimeFigureOut">
               <a:rPr lang="zh-CN" altLang="en-US" smtClean="0"/>
-              <a:t>2018/3/3</a:t>
+              <a:t>2018/3/11</a:t>
             </a:fld>
             <a:endParaRPr lang="zh-CN" altLang="en-US"/>
           </a:p>
@@ -744,7 +743,7 @@
           <a:p>
             <a:fld id="{02E60DA2-A0BC-48C9-AA88-75C78721B420}" type="datetimeFigureOut">
               <a:rPr lang="zh-CN" altLang="en-US" smtClean="0"/>
-              <a:t>2018/3/3</a:t>
+              <a:t>2018/3/11</a:t>
             </a:fld>
             <a:endParaRPr lang="zh-CN" altLang="en-US"/>
           </a:p>
@@ -994,7 +993,7 @@
           <a:p>
             <a:fld id="{02E60DA2-A0BC-48C9-AA88-75C78721B420}" type="datetimeFigureOut">
               <a:rPr lang="zh-CN" altLang="en-US" smtClean="0"/>
-              <a:t>2018/3/3</a:t>
+              <a:t>2018/3/11</a:t>
             </a:fld>
             <a:endParaRPr lang="zh-CN" altLang="en-US"/>
           </a:p>
@@ -1232,7 +1231,7 @@
           <a:p>
             <a:fld id="{02E60DA2-A0BC-48C9-AA88-75C78721B420}" type="datetimeFigureOut">
               <a:rPr lang="zh-CN" altLang="en-US" smtClean="0"/>
-              <a:t>2018/3/3</a:t>
+              <a:t>2018/3/11</a:t>
             </a:fld>
             <a:endParaRPr lang="zh-CN" altLang="en-US"/>
           </a:p>
@@ -1537,7 +1536,7 @@
           <a:p>
             <a:fld id="{02E60DA2-A0BC-48C9-AA88-75C78721B420}" type="datetimeFigureOut">
               <a:rPr lang="zh-CN" altLang="en-US" smtClean="0"/>
-              <a:t>2018/3/3</a:t>
+              <a:t>2018/3/11</a:t>
             </a:fld>
             <a:endParaRPr lang="zh-CN" altLang="en-US"/>
           </a:p>
@@ -1840,7 +1839,7 @@
           <a:p>
             <a:fld id="{02E60DA2-A0BC-48C9-AA88-75C78721B420}" type="datetimeFigureOut">
               <a:rPr lang="zh-CN" altLang="en-US" smtClean="0"/>
-              <a:t>2018/3/3</a:t>
+              <a:t>2018/3/11</a:t>
             </a:fld>
             <a:endParaRPr lang="zh-CN" altLang="en-US"/>
           </a:p>
@@ -2291,7 +2290,7 @@
           <a:p>
             <a:fld id="{02E60DA2-A0BC-48C9-AA88-75C78721B420}" type="datetimeFigureOut">
               <a:rPr lang="zh-CN" altLang="en-US" smtClean="0"/>
-              <a:t>2018/3/3</a:t>
+              <a:t>2018/3/11</a:t>
             </a:fld>
             <a:endParaRPr lang="zh-CN" altLang="en-US"/>
           </a:p>
@@ -2464,7 +2463,7 @@
           <a:p>
             <a:fld id="{02E60DA2-A0BC-48C9-AA88-75C78721B420}" type="datetimeFigureOut">
               <a:rPr lang="zh-CN" altLang="en-US" smtClean="0"/>
-              <a:t>2018/3/3</a:t>
+              <a:t>2018/3/11</a:t>
             </a:fld>
             <a:endParaRPr lang="zh-CN" altLang="en-US"/>
           </a:p>
@@ -2601,7 +2600,7 @@
           <a:p>
             <a:fld id="{02E60DA2-A0BC-48C9-AA88-75C78721B420}" type="datetimeFigureOut">
               <a:rPr lang="zh-CN" altLang="en-US" smtClean="0"/>
-              <a:t>2018/3/3</a:t>
+              <a:t>2018/3/11</a:t>
             </a:fld>
             <a:endParaRPr lang="zh-CN" altLang="en-US"/>
           </a:p>
@@ -2945,7 +2944,7 @@
           <a:p>
             <a:fld id="{02E60DA2-A0BC-48C9-AA88-75C78721B420}" type="datetimeFigureOut">
               <a:rPr lang="zh-CN" altLang="en-US" smtClean="0"/>
-              <a:t>2018/3/3</a:t>
+              <a:t>2018/3/11</a:t>
             </a:fld>
             <a:endParaRPr lang="zh-CN" altLang="en-US"/>
           </a:p>
@@ -3167,7 +3166,7 @@
           <a:p>
             <a:fld id="{02E60DA2-A0BC-48C9-AA88-75C78721B420}" type="datetimeFigureOut">
               <a:rPr lang="zh-CN" altLang="en-US" smtClean="0"/>
-              <a:t>2018/3/3</a:t>
+              <a:t>2018/3/11</a:t>
             </a:fld>
             <a:endParaRPr lang="zh-CN" altLang="en-US"/>
           </a:p>
@@ -3488,7 +3487,7 @@
           <a:p>
             <a:fld id="{02E60DA2-A0BC-48C9-AA88-75C78721B420}" type="datetimeFigureOut">
               <a:rPr lang="zh-CN" altLang="en-US" smtClean="0"/>
-              <a:t>2018/3/3</a:t>
+              <a:t>2018/3/11</a:t>
             </a:fld>
             <a:endParaRPr lang="zh-CN" altLang="en-US"/>
           </a:p>
@@ -3726,7 +3725,7 @@
           <a:p>
             <a:fld id="{02E60DA2-A0BC-48C9-AA88-75C78721B420}" type="datetimeFigureOut">
               <a:rPr lang="zh-CN" altLang="en-US" smtClean="0"/>
-              <a:t>2018/3/3</a:t>
+              <a:t>2018/3/11</a:t>
             </a:fld>
             <a:endParaRPr lang="zh-CN" altLang="en-US"/>
           </a:p>
@@ -3964,7 +3963,7 @@
           <a:p>
             <a:fld id="{02E60DA2-A0BC-48C9-AA88-75C78721B420}" type="datetimeFigureOut">
               <a:rPr lang="zh-CN" altLang="en-US" smtClean="0"/>
-              <a:t>2018/3/3</a:t>
+              <a:t>2018/3/11</a:t>
             </a:fld>
             <a:endParaRPr lang="zh-CN" altLang="en-US"/>
           </a:p>
@@ -4263,7 +4262,7 @@
           <a:p>
             <a:fld id="{02E60DA2-A0BC-48C9-AA88-75C78721B420}" type="datetimeFigureOut">
               <a:rPr lang="zh-CN" altLang="en-US" smtClean="0"/>
-              <a:t>2018/3/3</a:t>
+              <a:t>2018/3/11</a:t>
             </a:fld>
             <a:endParaRPr lang="zh-CN" altLang="en-US"/>
           </a:p>
@@ -4552,7 +4551,7 @@
           <a:p>
             <a:fld id="{02E60DA2-A0BC-48C9-AA88-75C78721B420}" type="datetimeFigureOut">
               <a:rPr lang="zh-CN" altLang="en-US" smtClean="0"/>
-              <a:t>2018/3/3</a:t>
+              <a:t>2018/3/11</a:t>
             </a:fld>
             <a:endParaRPr lang="zh-CN" altLang="en-US"/>
           </a:p>
@@ -4988,7 +4987,7 @@
           <a:p>
             <a:fld id="{02E60DA2-A0BC-48C9-AA88-75C78721B420}" type="datetimeFigureOut">
               <a:rPr lang="zh-CN" altLang="en-US" smtClean="0"/>
-              <a:t>2018/3/3</a:t>
+              <a:t>2018/3/11</a:t>
             </a:fld>
             <a:endParaRPr lang="zh-CN" altLang="en-US"/>
           </a:p>
@@ -5153,7 +5152,7 @@
           <a:p>
             <a:fld id="{02E60DA2-A0BC-48C9-AA88-75C78721B420}" type="datetimeFigureOut">
               <a:rPr lang="zh-CN" altLang="en-US" smtClean="0"/>
-              <a:t>2018/3/3</a:t>
+              <a:t>2018/3/11</a:t>
             </a:fld>
             <a:endParaRPr lang="zh-CN" altLang="en-US"/>
           </a:p>
@@ -5290,7 +5289,7 @@
           <a:p>
             <a:fld id="{02E60DA2-A0BC-48C9-AA88-75C78721B420}" type="datetimeFigureOut">
               <a:rPr lang="zh-CN" altLang="en-US" smtClean="0"/>
-              <a:t>2018/3/3</a:t>
+              <a:t>2018/3/11</a:t>
             </a:fld>
             <a:endParaRPr lang="zh-CN" altLang="en-US"/>
           </a:p>
@@ -5625,7 +5624,7 @@
           <a:p>
             <a:fld id="{02E60DA2-A0BC-48C9-AA88-75C78721B420}" type="datetimeFigureOut">
               <a:rPr lang="zh-CN" altLang="en-US" smtClean="0"/>
-              <a:t>2018/3/3</a:t>
+              <a:t>2018/3/11</a:t>
             </a:fld>
             <a:endParaRPr lang="zh-CN" altLang="en-US"/>
           </a:p>
@@ -5937,7 +5936,7 @@
           <a:p>
             <a:fld id="{02E60DA2-A0BC-48C9-AA88-75C78721B420}" type="datetimeFigureOut">
               <a:rPr lang="zh-CN" altLang="en-US" smtClean="0"/>
-              <a:t>2018/3/3</a:t>
+              <a:t>2018/3/11</a:t>
             </a:fld>
             <a:endParaRPr lang="zh-CN" altLang="en-US"/>
           </a:p>
@@ -7983,196 +7982,6 @@
     <p:extLst>
       <p:ext uri="{BB962C8B-B14F-4D97-AF65-F5344CB8AC3E}">
         <p14:creationId xmlns:p14="http://schemas.microsoft.com/office/powerpoint/2010/main" val="1283951382"/>
-      </p:ext>
-    </p:extLst>
-  </p:cSld>
-  <p:clrMapOvr>
-    <a:masterClrMapping/>
-  </p:clrMapOvr>
-</p:sld>
-</file>
-
-<file path=ppt/slides/slide12.xml><?xml version="1.0" encoding="utf-8"?>
-<p:sld xmlns:a="http://schemas.openxmlformats.org/drawingml/2006/main" xmlns:r="http://schemas.openxmlformats.org/officeDocument/2006/relationships" xmlns:p="http://schemas.openxmlformats.org/presentationml/2006/main">
-  <p:cSld>
-    <p:spTree>
-      <p:nvGrpSpPr>
-        <p:cNvPr id="1" name=""/>
-        <p:cNvGrpSpPr/>
-        <p:nvPr/>
-      </p:nvGrpSpPr>
-      <p:grpSpPr>
-        <a:xfrm>
-          <a:off x="0" y="0"/>
-          <a:ext cx="0" cy="0"/>
-          <a:chOff x="0" y="0"/>
-          <a:chExt cx="0" cy="0"/>
-        </a:xfrm>
-      </p:grpSpPr>
-      <p:sp>
-        <p:nvSpPr>
-          <p:cNvPr id="2" name="标题 1">
-            <a:extLst>
-              <a:ext uri="{FF2B5EF4-FFF2-40B4-BE49-F238E27FC236}">
-                <a16:creationId xmlns:a16="http://schemas.microsoft.com/office/drawing/2014/main" id="{8B88BACC-24DE-4087-9AB3-A099CF573089}"/>
-              </a:ext>
-            </a:extLst>
-          </p:cNvPr>
-          <p:cNvSpPr>
-            <a:spLocks noGrp="1"/>
-          </p:cNvSpPr>
-          <p:nvPr>
-            <p:ph type="title"/>
-          </p:nvPr>
-        </p:nvSpPr>
-        <p:spPr/>
-        <p:txBody>
-          <a:bodyPr/>
-          <a:lstStyle/>
-          <a:p>
-            <a:r>
-              <a:rPr lang="zh-CN" altLang="en-US" dirty="0"/>
-              <a:t>用户初始配置文件</a:t>
-            </a:r>
-          </a:p>
-        </p:txBody>
-      </p:sp>
-      <p:sp>
-        <p:nvSpPr>
-          <p:cNvPr id="3" name="内容占位符 2">
-            <a:extLst>
-              <a:ext uri="{FF2B5EF4-FFF2-40B4-BE49-F238E27FC236}">
-                <a16:creationId xmlns:a16="http://schemas.microsoft.com/office/drawing/2014/main" id="{0A1C6B17-780B-4799-8193-E52FD817AC0E}"/>
-              </a:ext>
-            </a:extLst>
-          </p:cNvPr>
-          <p:cNvSpPr>
-            <a:spLocks noGrp="1"/>
-          </p:cNvSpPr>
-          <p:nvPr>
-            <p:ph idx="1"/>
-          </p:nvPr>
-        </p:nvSpPr>
-        <p:spPr/>
-        <p:txBody>
-          <a:bodyPr/>
-          <a:lstStyle/>
-          <a:p>
-            <a:r>
-              <a:rPr lang="en-US" altLang="zh-CN" sz="2000" dirty="0"/>
-              <a:t> ~/.profile</a:t>
-            </a:r>
-            <a:r>
-              <a:rPr lang="zh-CN" altLang="en-US" sz="2000" dirty="0"/>
-              <a:t>：用户每次登录时执行</a:t>
-            </a:r>
-            <a:endParaRPr lang="en-US" altLang="zh-CN" sz="2000" dirty="0"/>
-          </a:p>
-          <a:p>
-            <a:endParaRPr lang="zh-CN" altLang="en-US" sz="2000" dirty="0"/>
-          </a:p>
-          <a:p>
-            <a:r>
-              <a:rPr lang="en-US" altLang="zh-CN" sz="2000" dirty="0"/>
-              <a:t>~/.</a:t>
-            </a:r>
-            <a:r>
-              <a:rPr lang="en-US" altLang="zh-CN" sz="2000" dirty="0" err="1"/>
-              <a:t>bashrc</a:t>
-            </a:r>
-            <a:r>
-              <a:rPr lang="zh-CN" altLang="en-US" sz="2000" dirty="0"/>
-              <a:t>：每次进入新的</a:t>
-            </a:r>
-            <a:r>
-              <a:rPr lang="en-US" altLang="zh-CN" sz="2000" dirty="0"/>
-              <a:t>Bash</a:t>
-            </a:r>
-            <a:r>
-              <a:rPr lang="zh-CN" altLang="en-US" sz="2000" dirty="0"/>
-              <a:t>环境时执行</a:t>
-            </a:r>
-          </a:p>
-          <a:p>
-            <a:endParaRPr lang="en-US" altLang="zh-CN" sz="2000" dirty="0"/>
-          </a:p>
-          <a:p>
-            <a:r>
-              <a:rPr lang="en-US" altLang="zh-CN" sz="2000" dirty="0"/>
-              <a:t>~/.</a:t>
-            </a:r>
-            <a:r>
-              <a:rPr lang="en-US" altLang="zh-CN" sz="2000" dirty="0" err="1"/>
-              <a:t>bash_logout</a:t>
-            </a:r>
-            <a:r>
-              <a:rPr lang="zh-CN" altLang="en-US" sz="2000" dirty="0"/>
-              <a:t>：用户每次退出登录时执行</a:t>
-            </a:r>
-            <a:endParaRPr lang="en-US" altLang="zh-CN" sz="2000" dirty="0"/>
-          </a:p>
-          <a:p>
-            <a:endParaRPr lang="en-US" altLang="zh-CN" sz="2000" dirty="0"/>
-          </a:p>
-          <a:p>
-            <a:r>
-              <a:rPr lang="zh-CN" altLang="en-US" sz="2000" dirty="0"/>
-              <a:t>全局初始配置文件</a:t>
-            </a:r>
-          </a:p>
-          <a:p>
-            <a:pPr marL="0" indent="0">
-              <a:buNone/>
-            </a:pPr>
-            <a:r>
-              <a:rPr lang="en-US" altLang="zh-CN" sz="2000" dirty="0"/>
-              <a:t>   /etc/</a:t>
-            </a:r>
-            <a:r>
-              <a:rPr lang="en-US" altLang="zh-CN" sz="2000" dirty="0" err="1"/>
-              <a:t>bash.bashrc</a:t>
-            </a:r>
-            <a:r>
-              <a:rPr lang="en-US" altLang="zh-CN" sz="2000" dirty="0"/>
-              <a:t>  </a:t>
-            </a:r>
-            <a:r>
-              <a:rPr lang="zh-CN" altLang="en-US" sz="2000" dirty="0"/>
-              <a:t>用户首选项</a:t>
-            </a:r>
-            <a:endParaRPr lang="en-US" altLang="zh-CN" sz="2000" dirty="0"/>
-          </a:p>
-          <a:p>
-            <a:pPr marL="0" indent="0">
-              <a:buNone/>
-            </a:pPr>
-            <a:r>
-              <a:rPr lang="en-US" altLang="zh-CN" sz="2000" dirty="0"/>
-              <a:t>   /</a:t>
-            </a:r>
-            <a:r>
-              <a:rPr lang="en-US" altLang="zh-CN" sz="2000" dirty="0" err="1"/>
-              <a:t>erc</a:t>
-            </a:r>
-            <a:r>
-              <a:rPr lang="en-US" altLang="zh-CN" sz="2000" dirty="0"/>
-              <a:t>/profile  bash</a:t>
-            </a:r>
-            <a:r>
-              <a:rPr lang="zh-CN" altLang="en-US" sz="2000" dirty="0"/>
-              <a:t>配置文件</a:t>
-            </a:r>
-            <a:endParaRPr lang="en-US" altLang="zh-CN" sz="2000" dirty="0"/>
-          </a:p>
-          <a:p>
-            <a:endParaRPr lang="zh-CN" altLang="en-US" sz="2000" dirty="0"/>
-          </a:p>
-        </p:txBody>
-      </p:sp>
-    </p:spTree>
-    <p:extLst>
-      <p:ext uri="{BB962C8B-B14F-4D97-AF65-F5344CB8AC3E}">
-        <p14:creationId xmlns:p14="http://schemas.microsoft.com/office/powerpoint/2010/main" val="1951566402"/>
       </p:ext>
     </p:extLst>
   </p:cSld>

--- a/materials/slides/ch03-terminal-and-basic.pptx
+++ b/materials/slides/ch03-terminal-and-basic.pptx
@@ -12,11 +12,13 @@
     <p:sldId id="273" r:id="rId6"/>
     <p:sldId id="277" r:id="rId7"/>
     <p:sldId id="278" r:id="rId8"/>
-    <p:sldId id="267" r:id="rId9"/>
-    <p:sldId id="264" r:id="rId10"/>
-    <p:sldId id="279" r:id="rId11"/>
+    <p:sldId id="279" r:id="rId9"/>
+    <p:sldId id="267" r:id="rId10"/>
+    <p:sldId id="264" r:id="rId11"/>
     <p:sldId id="276" r:id="rId12"/>
     <p:sldId id="261" r:id="rId13"/>
+    <p:sldId id="280" r:id="rId14"/>
+    <p:sldId id="282" r:id="rId15"/>
   </p:sldIdLst>
   <p:sldSz cx="12192000" cy="6858000"/>
   <p:notesSz cx="6858000" cy="9144000"/>
@@ -289,7 +291,7 @@
           <a:p>
             <a:fld id="{02E60DA2-A0BC-48C9-AA88-75C78721B420}" type="datetimeFigureOut">
               <a:rPr lang="zh-CN" altLang="en-US" smtClean="0"/>
-              <a:t>2018/3/11</a:t>
+              <a:t>2018/3/18</a:t>
             </a:fld>
             <a:endParaRPr lang="zh-CN" altLang="en-US"/>
           </a:p>
@@ -511,7 +513,7 @@
           <a:p>
             <a:fld id="{02E60DA2-A0BC-48C9-AA88-75C78721B420}" type="datetimeFigureOut">
               <a:rPr lang="zh-CN" altLang="en-US" smtClean="0"/>
-              <a:t>2018/3/11</a:t>
+              <a:t>2018/3/18</a:t>
             </a:fld>
             <a:endParaRPr lang="zh-CN" altLang="en-US"/>
           </a:p>
@@ -743,7 +745,7 @@
           <a:p>
             <a:fld id="{02E60DA2-A0BC-48C9-AA88-75C78721B420}" type="datetimeFigureOut">
               <a:rPr lang="zh-CN" altLang="en-US" smtClean="0"/>
-              <a:t>2018/3/11</a:t>
+              <a:t>2018/3/18</a:t>
             </a:fld>
             <a:endParaRPr lang="zh-CN" altLang="en-US"/>
           </a:p>
@@ -993,7 +995,7 @@
           <a:p>
             <a:fld id="{02E60DA2-A0BC-48C9-AA88-75C78721B420}" type="datetimeFigureOut">
               <a:rPr lang="zh-CN" altLang="en-US" smtClean="0"/>
-              <a:t>2018/3/11</a:t>
+              <a:t>2018/3/18</a:t>
             </a:fld>
             <a:endParaRPr lang="zh-CN" altLang="en-US"/>
           </a:p>
@@ -1231,7 +1233,7 @@
           <a:p>
             <a:fld id="{02E60DA2-A0BC-48C9-AA88-75C78721B420}" type="datetimeFigureOut">
               <a:rPr lang="zh-CN" altLang="en-US" smtClean="0"/>
-              <a:t>2018/3/11</a:t>
+              <a:t>2018/3/18</a:t>
             </a:fld>
             <a:endParaRPr lang="zh-CN" altLang="en-US"/>
           </a:p>
@@ -1536,7 +1538,7 @@
           <a:p>
             <a:fld id="{02E60DA2-A0BC-48C9-AA88-75C78721B420}" type="datetimeFigureOut">
               <a:rPr lang="zh-CN" altLang="en-US" smtClean="0"/>
-              <a:t>2018/3/11</a:t>
+              <a:t>2018/3/18</a:t>
             </a:fld>
             <a:endParaRPr lang="zh-CN" altLang="en-US"/>
           </a:p>
@@ -1839,7 +1841,7 @@
           <a:p>
             <a:fld id="{02E60DA2-A0BC-48C9-AA88-75C78721B420}" type="datetimeFigureOut">
               <a:rPr lang="zh-CN" altLang="en-US" smtClean="0"/>
-              <a:t>2018/3/11</a:t>
+              <a:t>2018/3/18</a:t>
             </a:fld>
             <a:endParaRPr lang="zh-CN" altLang="en-US"/>
           </a:p>
@@ -2290,7 +2292,7 @@
           <a:p>
             <a:fld id="{02E60DA2-A0BC-48C9-AA88-75C78721B420}" type="datetimeFigureOut">
               <a:rPr lang="zh-CN" altLang="en-US" smtClean="0"/>
-              <a:t>2018/3/11</a:t>
+              <a:t>2018/3/18</a:t>
             </a:fld>
             <a:endParaRPr lang="zh-CN" altLang="en-US"/>
           </a:p>
@@ -2463,7 +2465,7 @@
           <a:p>
             <a:fld id="{02E60DA2-A0BC-48C9-AA88-75C78721B420}" type="datetimeFigureOut">
               <a:rPr lang="zh-CN" altLang="en-US" smtClean="0"/>
-              <a:t>2018/3/11</a:t>
+              <a:t>2018/3/18</a:t>
             </a:fld>
             <a:endParaRPr lang="zh-CN" altLang="en-US"/>
           </a:p>
@@ -2600,7 +2602,7 @@
           <a:p>
             <a:fld id="{02E60DA2-A0BC-48C9-AA88-75C78721B420}" type="datetimeFigureOut">
               <a:rPr lang="zh-CN" altLang="en-US" smtClean="0"/>
-              <a:t>2018/3/11</a:t>
+              <a:t>2018/3/18</a:t>
             </a:fld>
             <a:endParaRPr lang="zh-CN" altLang="en-US"/>
           </a:p>
@@ -2944,7 +2946,7 @@
           <a:p>
             <a:fld id="{02E60DA2-A0BC-48C9-AA88-75C78721B420}" type="datetimeFigureOut">
               <a:rPr lang="zh-CN" altLang="en-US" smtClean="0"/>
-              <a:t>2018/3/11</a:t>
+              <a:t>2018/3/18</a:t>
             </a:fld>
             <a:endParaRPr lang="zh-CN" altLang="en-US"/>
           </a:p>
@@ -3166,7 +3168,7 @@
           <a:p>
             <a:fld id="{02E60DA2-A0BC-48C9-AA88-75C78721B420}" type="datetimeFigureOut">
               <a:rPr lang="zh-CN" altLang="en-US" smtClean="0"/>
-              <a:t>2018/3/11</a:t>
+              <a:t>2018/3/18</a:t>
             </a:fld>
             <a:endParaRPr lang="zh-CN" altLang="en-US"/>
           </a:p>
@@ -3487,7 +3489,7 @@
           <a:p>
             <a:fld id="{02E60DA2-A0BC-48C9-AA88-75C78721B420}" type="datetimeFigureOut">
               <a:rPr lang="zh-CN" altLang="en-US" smtClean="0"/>
-              <a:t>2018/3/11</a:t>
+              <a:t>2018/3/18</a:t>
             </a:fld>
             <a:endParaRPr lang="zh-CN" altLang="en-US"/>
           </a:p>
@@ -3725,7 +3727,7 @@
           <a:p>
             <a:fld id="{02E60DA2-A0BC-48C9-AA88-75C78721B420}" type="datetimeFigureOut">
               <a:rPr lang="zh-CN" altLang="en-US" smtClean="0"/>
-              <a:t>2018/3/11</a:t>
+              <a:t>2018/3/18</a:t>
             </a:fld>
             <a:endParaRPr lang="zh-CN" altLang="en-US"/>
           </a:p>
@@ -3963,7 +3965,7 @@
           <a:p>
             <a:fld id="{02E60DA2-A0BC-48C9-AA88-75C78721B420}" type="datetimeFigureOut">
               <a:rPr lang="zh-CN" altLang="en-US" smtClean="0"/>
-              <a:t>2018/3/11</a:t>
+              <a:t>2018/3/18</a:t>
             </a:fld>
             <a:endParaRPr lang="zh-CN" altLang="en-US"/>
           </a:p>
@@ -4262,7 +4264,7 @@
           <a:p>
             <a:fld id="{02E60DA2-A0BC-48C9-AA88-75C78721B420}" type="datetimeFigureOut">
               <a:rPr lang="zh-CN" altLang="en-US" smtClean="0"/>
-              <a:t>2018/3/11</a:t>
+              <a:t>2018/3/18</a:t>
             </a:fld>
             <a:endParaRPr lang="zh-CN" altLang="en-US"/>
           </a:p>
@@ -4551,7 +4553,7 @@
           <a:p>
             <a:fld id="{02E60DA2-A0BC-48C9-AA88-75C78721B420}" type="datetimeFigureOut">
               <a:rPr lang="zh-CN" altLang="en-US" smtClean="0"/>
-              <a:t>2018/3/11</a:t>
+              <a:t>2018/3/18</a:t>
             </a:fld>
             <a:endParaRPr lang="zh-CN" altLang="en-US"/>
           </a:p>
@@ -4987,7 +4989,7 @@
           <a:p>
             <a:fld id="{02E60DA2-A0BC-48C9-AA88-75C78721B420}" type="datetimeFigureOut">
               <a:rPr lang="zh-CN" altLang="en-US" smtClean="0"/>
-              <a:t>2018/3/11</a:t>
+              <a:t>2018/3/18</a:t>
             </a:fld>
             <a:endParaRPr lang="zh-CN" altLang="en-US"/>
           </a:p>
@@ -5152,7 +5154,7 @@
           <a:p>
             <a:fld id="{02E60DA2-A0BC-48C9-AA88-75C78721B420}" type="datetimeFigureOut">
               <a:rPr lang="zh-CN" altLang="en-US" smtClean="0"/>
-              <a:t>2018/3/11</a:t>
+              <a:t>2018/3/18</a:t>
             </a:fld>
             <a:endParaRPr lang="zh-CN" altLang="en-US"/>
           </a:p>
@@ -5289,7 +5291,7 @@
           <a:p>
             <a:fld id="{02E60DA2-A0BC-48C9-AA88-75C78721B420}" type="datetimeFigureOut">
               <a:rPr lang="zh-CN" altLang="en-US" smtClean="0"/>
-              <a:t>2018/3/11</a:t>
+              <a:t>2018/3/18</a:t>
             </a:fld>
             <a:endParaRPr lang="zh-CN" altLang="en-US"/>
           </a:p>
@@ -5624,7 +5626,7 @@
           <a:p>
             <a:fld id="{02E60DA2-A0BC-48C9-AA88-75C78721B420}" type="datetimeFigureOut">
               <a:rPr lang="zh-CN" altLang="en-US" smtClean="0"/>
-              <a:t>2018/3/11</a:t>
+              <a:t>2018/3/18</a:t>
             </a:fld>
             <a:endParaRPr lang="zh-CN" altLang="en-US"/>
           </a:p>
@@ -5936,7 +5938,7 @@
           <a:p>
             <a:fld id="{02E60DA2-A0BC-48C9-AA88-75C78721B420}" type="datetimeFigureOut">
               <a:rPr lang="zh-CN" altLang="en-US" smtClean="0"/>
-              <a:t>2018/3/11</a:t>
+              <a:t>2018/3/18</a:t>
             </a:fld>
             <a:endParaRPr lang="zh-CN" altLang="en-US"/>
           </a:p>
@@ -7091,7 +7093,7 @@
                   </a:schemeClr>
                 </a:solidFill>
               </a:rPr>
-              <a:t>第三讲 命令终端基本操作</a:t>
+              <a:t>第三讲 命令终端基础</a:t>
             </a:r>
           </a:p>
         </p:txBody>
@@ -7170,58 +7172,6 @@
           <a:lstStyle/>
           <a:p>
             <a:r>
-              <a:rPr lang="zh-CN" altLang="en-US" sz="2000" dirty="0"/>
-              <a:t>查看当前使用的</a:t>
-            </a:r>
-            <a:r>
-              <a:rPr lang="en-US" altLang="zh-CN" sz="2000" dirty="0"/>
-              <a:t>shell</a:t>
-            </a:r>
-            <a:r>
-              <a:rPr lang="zh-CN" altLang="en-US" sz="2000" dirty="0"/>
-              <a:t>：</a:t>
-            </a:r>
-            <a:r>
-              <a:rPr lang="en-US" altLang="zh-CN" sz="2000" dirty="0"/>
-              <a:t>echo $SHELL</a:t>
-            </a:r>
-          </a:p>
-          <a:p>
-            <a:r>
-              <a:rPr lang="zh-CN" altLang="zh-CN" sz="2000" dirty="0"/>
-              <a:t>查看</a:t>
-            </a:r>
-            <a:r>
-              <a:rPr lang="en-US" altLang="zh-CN" sz="2000" dirty="0"/>
-              <a:t>Linux</a:t>
-            </a:r>
-            <a:r>
-              <a:rPr lang="zh-CN" altLang="zh-CN" sz="2000" dirty="0"/>
-              <a:t>可用的</a:t>
-            </a:r>
-            <a:r>
-              <a:rPr lang="en-US" altLang="zh-CN" sz="2000" dirty="0"/>
-              <a:t>shell</a:t>
-            </a:r>
-            <a:r>
-              <a:rPr lang="zh-CN" altLang="en-US" sz="2000" dirty="0"/>
-              <a:t>：</a:t>
-            </a:r>
-            <a:r>
-              <a:rPr lang="en-US" altLang="zh-CN" sz="2000" dirty="0"/>
-              <a:t>cat /</a:t>
-            </a:r>
-            <a:r>
-              <a:rPr lang="en-US" altLang="zh-CN" sz="2000" dirty="0" err="1"/>
-              <a:t>etc</a:t>
-            </a:r>
-            <a:r>
-              <a:rPr lang="en-US" altLang="zh-CN" sz="2000" dirty="0"/>
-              <a:t>/shells</a:t>
-            </a:r>
-          </a:p>
-          <a:p>
-            <a:r>
               <a:rPr lang="en-US" altLang="zh-CN" sz="2000" dirty="0"/>
               <a:t>Tab</a:t>
             </a:r>
@@ -7457,7 +7407,7 @@
             <p:ph idx="1"/>
             <p:extLst>
               <p:ext uri="{D42A27DB-BD31-4B8C-83A1-F6EECF244321}">
-                <p14:modId xmlns:p14="http://schemas.microsoft.com/office/powerpoint/2010/main" val="3282902959"/>
+                <p14:modId xmlns:p14="http://schemas.microsoft.com/office/powerpoint/2010/main" val="2309442080"/>
               </p:ext>
             </p:extLst>
           </p:nvPr>
@@ -7473,14 +7423,14 @@
                 <a:tableStyleId>{2D5ABB26-0587-4C30-8999-92F81FD0307C}</a:tableStyleId>
               </a:tblPr>
               <a:tblGrid>
-                <a:gridCol w="857435">
+                <a:gridCol w="955431">
                   <a:extLst>
                     <a:ext uri="{9D8B030D-6E8A-4147-A177-3AD203B41FA5}">
                       <a16:colId xmlns:a16="http://schemas.microsoft.com/office/drawing/2014/main" val="2563722570"/>
                     </a:ext>
                   </a:extLst>
                 </a:gridCol>
-                <a:gridCol w="9658165">
+                <a:gridCol w="9560169">
                   <a:extLst>
                     <a:ext uri="{9D8B030D-6E8A-4147-A177-3AD203B41FA5}">
                       <a16:colId xmlns:a16="http://schemas.microsoft.com/office/drawing/2014/main" val="1462641259"/>
@@ -7991,6 +7941,1315 @@
 </p:sld>
 </file>
 
+<file path=ppt/slides/slide12.xml><?xml version="1.0" encoding="utf-8"?>
+<p:sld xmlns:a="http://schemas.openxmlformats.org/drawingml/2006/main" xmlns:r="http://schemas.openxmlformats.org/officeDocument/2006/relationships" xmlns:p="http://schemas.openxmlformats.org/presentationml/2006/main">
+  <p:cSld>
+    <p:spTree>
+      <p:nvGrpSpPr>
+        <p:cNvPr id="1" name=""/>
+        <p:cNvGrpSpPr/>
+        <p:nvPr/>
+      </p:nvGrpSpPr>
+      <p:grpSpPr>
+        <a:xfrm>
+          <a:off x="0" y="0"/>
+          <a:ext cx="0" cy="0"/>
+          <a:chOff x="0" y="0"/>
+          <a:chExt cx="0" cy="0"/>
+        </a:xfrm>
+      </p:grpSpPr>
+      <p:sp>
+        <p:nvSpPr>
+          <p:cNvPr id="2" name="标题 1">
+            <a:extLst>
+              <a:ext uri="{FF2B5EF4-FFF2-40B4-BE49-F238E27FC236}">
+                <a16:creationId xmlns:a16="http://schemas.microsoft.com/office/drawing/2014/main" id="{8B88BACC-24DE-4087-9AB3-A099CF573089}"/>
+              </a:ext>
+            </a:extLst>
+          </p:cNvPr>
+          <p:cNvSpPr>
+            <a:spLocks noGrp="1"/>
+          </p:cNvSpPr>
+          <p:nvPr>
+            <p:ph type="title"/>
+          </p:nvPr>
+        </p:nvSpPr>
+        <p:spPr/>
+        <p:txBody>
+          <a:bodyPr/>
+          <a:lstStyle/>
+          <a:p>
+            <a:r>
+              <a:rPr lang="zh-CN" altLang="en-US" dirty="0"/>
+              <a:t>常用命令使用示例</a:t>
+            </a:r>
+          </a:p>
+        </p:txBody>
+      </p:sp>
+      <p:graphicFrame>
+        <p:nvGraphicFramePr>
+          <p:cNvPr id="4" name="内容占位符 3">
+            <a:extLst>
+              <a:ext uri="{FF2B5EF4-FFF2-40B4-BE49-F238E27FC236}">
+                <a16:creationId xmlns:a16="http://schemas.microsoft.com/office/drawing/2014/main" id="{02B91D30-F5DE-42B1-937A-F46D7A77EC1E}"/>
+              </a:ext>
+            </a:extLst>
+          </p:cNvPr>
+          <p:cNvGraphicFramePr>
+            <a:graphicFrameLocks noGrp="1"/>
+          </p:cNvGraphicFramePr>
+          <p:nvPr>
+            <p:ph idx="1"/>
+            <p:extLst>
+              <p:ext uri="{D42A27DB-BD31-4B8C-83A1-F6EECF244321}">
+                <p14:modId xmlns:p14="http://schemas.microsoft.com/office/powerpoint/2010/main" val="3050650829"/>
+              </p:ext>
+            </p:extLst>
+          </p:nvPr>
+        </p:nvGraphicFramePr>
+        <p:xfrm>
+          <a:off x="838200" y="1703384"/>
+          <a:ext cx="10515600" cy="4926020"/>
+        </p:xfrm>
+        <a:graphic>
+          <a:graphicData uri="http://schemas.openxmlformats.org/drawingml/2006/table">
+            <a:tbl>
+              <a:tblPr firstRow="1" bandRow="1">
+                <a:tableStyleId>{5940675A-B579-460E-94D1-54222C63F5DA}</a:tableStyleId>
+              </a:tblPr>
+              <a:tblGrid>
+                <a:gridCol w="2863362">
+                  <a:extLst>
+                    <a:ext uri="{9D8B030D-6E8A-4147-A177-3AD203B41FA5}">
+                      <a16:colId xmlns:a16="http://schemas.microsoft.com/office/drawing/2014/main" val="2563722570"/>
+                    </a:ext>
+                  </a:extLst>
+                </a:gridCol>
+                <a:gridCol w="7652238">
+                  <a:extLst>
+                    <a:ext uri="{9D8B030D-6E8A-4147-A177-3AD203B41FA5}">
+                      <a16:colId xmlns:a16="http://schemas.microsoft.com/office/drawing/2014/main" val="1462641259"/>
+                    </a:ext>
+                  </a:extLst>
+                </a:gridCol>
+              </a:tblGrid>
+              <a:tr h="492602">
+                <a:tc>
+                  <a:txBody>
+                    <a:bodyPr/>
+                    <a:lstStyle/>
+                    <a:p>
+                      <a:r>
+                        <a:rPr lang="en-US" altLang="zh-CN" sz="1800" dirty="0"/>
+                        <a:t>ls  /</a:t>
+                      </a:r>
+                      <a:r>
+                        <a:rPr lang="en-US" altLang="zh-CN" sz="1800" dirty="0" err="1"/>
+                        <a:t>usr</a:t>
+                      </a:r>
+                      <a:endParaRPr lang="zh-CN" altLang="en-US" sz="1800" b="0" dirty="0"/>
+                    </a:p>
+                  </a:txBody>
+                  <a:tcPr anchor="ctr"/>
+                </a:tc>
+                <a:tc>
+                  <a:txBody>
+                    <a:bodyPr/>
+                    <a:lstStyle/>
+                    <a:p>
+                      <a:r>
+                        <a:rPr lang="zh-CN" altLang="en-US" sz="1800" dirty="0"/>
+                        <a:t>显示</a:t>
+                      </a:r>
+                      <a:r>
+                        <a:rPr lang="en-US" altLang="zh-CN" sz="1800" dirty="0"/>
+                        <a:t>/</a:t>
+                      </a:r>
+                      <a:r>
+                        <a:rPr lang="en-US" altLang="zh-CN" sz="1800" dirty="0" err="1"/>
+                        <a:t>usr</a:t>
+                      </a:r>
+                      <a:r>
+                        <a:rPr lang="zh-CN" altLang="en-US" sz="1800" dirty="0"/>
+                        <a:t>的目录内容</a:t>
+                      </a:r>
+                      <a:endParaRPr lang="zh-CN" altLang="en-US" sz="1800" b="0" dirty="0"/>
+                    </a:p>
+                  </a:txBody>
+                  <a:tcPr anchor="ctr"/>
+                </a:tc>
+                <a:extLst>
+                  <a:ext uri="{0D108BD9-81ED-4DB2-BD59-A6C34878D82A}">
+                    <a16:rowId xmlns:a16="http://schemas.microsoft.com/office/drawing/2014/main" val="880932309"/>
+                  </a:ext>
+                </a:extLst>
+              </a:tr>
+              <a:tr h="492602">
+                <a:tc>
+                  <a:txBody>
+                    <a:bodyPr/>
+                    <a:lstStyle/>
+                    <a:p>
+                      <a:r>
+                        <a:rPr lang="en-US" altLang="zh-CN" sz="1800" dirty="0"/>
+                        <a:t>ls  -R  /</a:t>
+                      </a:r>
+                      <a:r>
+                        <a:rPr lang="en-US" altLang="zh-CN" sz="1800" dirty="0" err="1"/>
+                        <a:t>usr</a:t>
+                      </a:r>
+                      <a:r>
+                        <a:rPr lang="en-US" altLang="zh-CN" sz="1800" dirty="0"/>
+                        <a:t>/</a:t>
+                      </a:r>
+                      <a:endParaRPr lang="zh-CN" altLang="en-US" sz="1800" dirty="0"/>
+                    </a:p>
+                  </a:txBody>
+                  <a:tcPr anchor="ctr"/>
+                </a:tc>
+                <a:tc>
+                  <a:txBody>
+                    <a:bodyPr/>
+                    <a:lstStyle/>
+                    <a:p>
+                      <a:r>
+                        <a:rPr lang="zh-CN" altLang="en-US" sz="1800" dirty="0"/>
+                        <a:t>递归显示目录内容</a:t>
+                      </a:r>
+                    </a:p>
+                  </a:txBody>
+                  <a:tcPr anchor="ctr"/>
+                </a:tc>
+                <a:extLst>
+                  <a:ext uri="{0D108BD9-81ED-4DB2-BD59-A6C34878D82A}">
+                    <a16:rowId xmlns:a16="http://schemas.microsoft.com/office/drawing/2014/main" val="875361377"/>
+                  </a:ext>
+                </a:extLst>
+              </a:tr>
+              <a:tr h="492602">
+                <a:tc>
+                  <a:txBody>
+                    <a:bodyPr/>
+                    <a:lstStyle/>
+                    <a:p>
+                      <a:r>
+                        <a:rPr lang="en-US" altLang="zh-CN" sz="1800" dirty="0"/>
+                        <a:t>ls  -l  /</a:t>
+                      </a:r>
+                      <a:r>
+                        <a:rPr lang="en-US" altLang="zh-CN" sz="1800" dirty="0" err="1"/>
+                        <a:t>usr</a:t>
+                      </a:r>
+                      <a:endParaRPr lang="zh-CN" altLang="en-US" sz="1800" dirty="0"/>
+                    </a:p>
+                  </a:txBody>
+                  <a:tcPr anchor="ctr"/>
+                </a:tc>
+                <a:tc>
+                  <a:txBody>
+                    <a:bodyPr/>
+                    <a:lstStyle/>
+                    <a:p>
+                      <a:r>
+                        <a:rPr lang="zh-CN" altLang="en-US" sz="1800" dirty="0"/>
+                        <a:t>显示目录</a:t>
+                      </a:r>
+                      <a:r>
+                        <a:rPr lang="en-US" altLang="zh-CN" sz="1800" dirty="0"/>
+                        <a:t>/</a:t>
+                      </a:r>
+                      <a:r>
+                        <a:rPr lang="zh-CN" altLang="en-US" sz="1800" dirty="0"/>
+                        <a:t>文件详细信息</a:t>
+                      </a:r>
+                    </a:p>
+                  </a:txBody>
+                  <a:tcPr anchor="ctr"/>
+                </a:tc>
+                <a:extLst>
+                  <a:ext uri="{0D108BD9-81ED-4DB2-BD59-A6C34878D82A}">
+                    <a16:rowId xmlns:a16="http://schemas.microsoft.com/office/drawing/2014/main" val="237800718"/>
+                  </a:ext>
+                </a:extLst>
+              </a:tr>
+              <a:tr h="492602">
+                <a:tc>
+                  <a:txBody>
+                    <a:bodyPr/>
+                    <a:lstStyle/>
+                    <a:p>
+                      <a:r>
+                        <a:rPr lang="en-US" altLang="zh-CN" sz="1800" dirty="0" err="1"/>
+                        <a:t>mkdir</a:t>
+                      </a:r>
+                      <a:r>
+                        <a:rPr lang="en-US" altLang="zh-CN" sz="1800" dirty="0"/>
+                        <a:t>  </a:t>
+                      </a:r>
+                      <a:r>
+                        <a:rPr lang="en-US" altLang="zh-CN" sz="1800" dirty="0" err="1"/>
+                        <a:t>abc</a:t>
+                      </a:r>
+                      <a:endParaRPr lang="zh-CN" altLang="en-US" sz="1800" dirty="0"/>
+                    </a:p>
+                  </a:txBody>
+                  <a:tcPr anchor="ctr"/>
+                </a:tc>
+                <a:tc>
+                  <a:txBody>
+                    <a:bodyPr/>
+                    <a:lstStyle/>
+                    <a:p>
+                      <a:r>
+                        <a:rPr lang="zh-CN" altLang="en-US" sz="1800" dirty="0"/>
+                        <a:t>在当前目录下创建</a:t>
+                      </a:r>
+                      <a:r>
+                        <a:rPr lang="en-US" altLang="zh-CN" sz="1800" dirty="0" err="1"/>
+                        <a:t>abc</a:t>
+                      </a:r>
+                      <a:r>
+                        <a:rPr lang="zh-CN" altLang="en-US" sz="1800" dirty="0"/>
+                        <a:t>目录</a:t>
+                      </a:r>
+                    </a:p>
+                  </a:txBody>
+                  <a:tcPr anchor="ctr"/>
+                </a:tc>
+                <a:extLst>
+                  <a:ext uri="{0D108BD9-81ED-4DB2-BD59-A6C34878D82A}">
+                    <a16:rowId xmlns:a16="http://schemas.microsoft.com/office/drawing/2014/main" val="1644974628"/>
+                  </a:ext>
+                </a:extLst>
+              </a:tr>
+              <a:tr h="492602">
+                <a:tc>
+                  <a:txBody>
+                    <a:bodyPr/>
+                    <a:lstStyle/>
+                    <a:p>
+                      <a:r>
+                        <a:rPr lang="en-US" altLang="zh-CN" sz="1800" dirty="0" err="1"/>
+                        <a:t>rmdir</a:t>
+                      </a:r>
+                      <a:r>
+                        <a:rPr lang="en-US" altLang="zh-CN" sz="1800" dirty="0"/>
+                        <a:t>  </a:t>
+                      </a:r>
+                      <a:r>
+                        <a:rPr lang="en-US" altLang="zh-CN" sz="1800" dirty="0" err="1"/>
+                        <a:t>abc</a:t>
+                      </a:r>
+                      <a:endParaRPr lang="zh-CN" altLang="en-US" sz="1800" dirty="0"/>
+                    </a:p>
+                  </a:txBody>
+                  <a:tcPr anchor="ctr"/>
+                </a:tc>
+                <a:tc>
+                  <a:txBody>
+                    <a:bodyPr/>
+                    <a:lstStyle/>
+                    <a:p>
+                      <a:r>
+                        <a:rPr lang="zh-CN" altLang="en-US" sz="1800" dirty="0"/>
+                        <a:t>删除当前目录下的</a:t>
+                      </a:r>
+                      <a:r>
+                        <a:rPr lang="en-US" altLang="zh-CN" sz="1800" dirty="0" err="1"/>
+                        <a:t>abc</a:t>
+                      </a:r>
+                      <a:r>
+                        <a:rPr lang="zh-CN" altLang="en-US" sz="1800" dirty="0"/>
+                        <a:t>目录，</a:t>
+                      </a:r>
+                      <a:r>
+                        <a:rPr lang="en-US" altLang="zh-CN" sz="1800" dirty="0" err="1"/>
+                        <a:t>abc</a:t>
+                      </a:r>
+                      <a:r>
+                        <a:rPr lang="zh-CN" altLang="en-US" sz="1800" dirty="0"/>
+                        <a:t>必须是空目录</a:t>
+                      </a:r>
+                    </a:p>
+                  </a:txBody>
+                  <a:tcPr anchor="ctr"/>
+                </a:tc>
+                <a:extLst>
+                  <a:ext uri="{0D108BD9-81ED-4DB2-BD59-A6C34878D82A}">
+                    <a16:rowId xmlns:a16="http://schemas.microsoft.com/office/drawing/2014/main" val="2493028527"/>
+                  </a:ext>
+                </a:extLst>
+              </a:tr>
+              <a:tr h="492602">
+                <a:tc>
+                  <a:txBody>
+                    <a:bodyPr/>
+                    <a:lstStyle/>
+                    <a:p>
+                      <a:r>
+                        <a:rPr lang="en-US" altLang="zh-CN" sz="1800" dirty="0" err="1"/>
+                        <a:t>rm</a:t>
+                      </a:r>
+                      <a:r>
+                        <a:rPr lang="en-US" altLang="zh-CN" sz="1800" dirty="0"/>
+                        <a:t>  tmp/a.sh</a:t>
+                      </a:r>
+                      <a:endParaRPr lang="zh-CN" altLang="en-US" sz="1800" dirty="0"/>
+                    </a:p>
+                  </a:txBody>
+                  <a:tcPr anchor="ctr"/>
+                </a:tc>
+                <a:tc>
+                  <a:txBody>
+                    <a:bodyPr/>
+                    <a:lstStyle/>
+                    <a:p>
+                      <a:r>
+                        <a:rPr lang="zh-CN" altLang="en-US" sz="1800" dirty="0"/>
+                        <a:t>删除</a:t>
+                      </a:r>
+                      <a:r>
+                        <a:rPr lang="en-US" altLang="zh-CN" sz="1800" dirty="0" err="1"/>
+                        <a:t>tmp</a:t>
+                      </a:r>
+                      <a:r>
+                        <a:rPr lang="zh-CN" altLang="en-US" sz="1800" dirty="0"/>
+                        <a:t>目录下的</a:t>
+                      </a:r>
+                      <a:r>
+                        <a:rPr lang="en-US" altLang="zh-CN" sz="1800" dirty="0"/>
+                        <a:t>a.sh</a:t>
+                      </a:r>
+                      <a:r>
+                        <a:rPr lang="zh-CN" altLang="en-US" sz="1800" dirty="0"/>
+                        <a:t>文件</a:t>
+                      </a:r>
+                    </a:p>
+                  </a:txBody>
+                  <a:tcPr anchor="ctr"/>
+                </a:tc>
+                <a:extLst>
+                  <a:ext uri="{0D108BD9-81ED-4DB2-BD59-A6C34878D82A}">
+                    <a16:rowId xmlns:a16="http://schemas.microsoft.com/office/drawing/2014/main" val="1858439100"/>
+                  </a:ext>
+                </a:extLst>
+              </a:tr>
+              <a:tr h="492602">
+                <a:tc>
+                  <a:txBody>
+                    <a:bodyPr/>
+                    <a:lstStyle/>
+                    <a:p>
+                      <a:r>
+                        <a:rPr lang="en-US" altLang="zh-CN" sz="1800" dirty="0" err="1"/>
+                        <a:t>rm</a:t>
+                      </a:r>
+                      <a:r>
+                        <a:rPr lang="en-US" altLang="zh-CN" sz="1800" dirty="0"/>
+                        <a:t>  -</a:t>
+                      </a:r>
+                      <a:r>
+                        <a:rPr lang="en-US" altLang="zh-CN" sz="1800" dirty="0" err="1"/>
+                        <a:t>rf</a:t>
+                      </a:r>
+                      <a:r>
+                        <a:rPr lang="en-US" altLang="zh-CN" sz="1800" dirty="0"/>
+                        <a:t>  </a:t>
+                      </a:r>
+                      <a:r>
+                        <a:rPr lang="en-US" altLang="zh-CN" sz="1800" dirty="0" err="1"/>
+                        <a:t>tmp</a:t>
+                      </a:r>
+                      <a:r>
+                        <a:rPr lang="en-US" altLang="zh-CN" sz="1800" dirty="0"/>
+                        <a:t>/</a:t>
+                      </a:r>
+                      <a:endParaRPr lang="zh-CN" altLang="en-US" sz="1800" dirty="0"/>
+                    </a:p>
+                  </a:txBody>
+                  <a:tcPr anchor="ctr"/>
+                </a:tc>
+                <a:tc>
+                  <a:txBody>
+                    <a:bodyPr/>
+                    <a:lstStyle/>
+                    <a:p>
+                      <a:r>
+                        <a:rPr lang="zh-CN" altLang="en-US" sz="1800" dirty="0"/>
+                        <a:t>删除</a:t>
+                      </a:r>
+                      <a:r>
+                        <a:rPr lang="en-US" altLang="zh-CN" sz="1800" dirty="0" err="1"/>
+                        <a:t>tmp</a:t>
+                      </a:r>
+                      <a:r>
+                        <a:rPr lang="zh-CN" altLang="en-US" sz="1800" dirty="0"/>
+                        <a:t>目录，目录可以不为空，会删除目录下所有的内容</a:t>
+                      </a:r>
+                    </a:p>
+                  </a:txBody>
+                  <a:tcPr anchor="ctr"/>
+                </a:tc>
+                <a:extLst>
+                  <a:ext uri="{0D108BD9-81ED-4DB2-BD59-A6C34878D82A}">
+                    <a16:rowId xmlns:a16="http://schemas.microsoft.com/office/drawing/2014/main" val="2899510152"/>
+                  </a:ext>
+                </a:extLst>
+              </a:tr>
+              <a:tr h="492602">
+                <a:tc>
+                  <a:txBody>
+                    <a:bodyPr/>
+                    <a:lstStyle/>
+                    <a:p>
+                      <a:r>
+                        <a:rPr lang="en-US" altLang="zh-CN" sz="1800" dirty="0" err="1"/>
+                        <a:t>cp</a:t>
+                      </a:r>
+                      <a:r>
+                        <a:rPr lang="en-US" altLang="zh-CN" sz="1800" dirty="0"/>
+                        <a:t>  tmp/a.sh  </a:t>
+                      </a:r>
+                      <a:r>
+                        <a:rPr lang="en-US" altLang="zh-CN" sz="1800" dirty="0" err="1"/>
+                        <a:t>sh</a:t>
+                      </a:r>
+                      <a:r>
+                        <a:rPr lang="en-US" altLang="zh-CN" sz="1800" dirty="0"/>
+                        <a:t>/</a:t>
+                      </a:r>
+                      <a:endParaRPr lang="zh-CN" altLang="en-US" sz="1800" dirty="0"/>
+                    </a:p>
+                  </a:txBody>
+                  <a:tcPr anchor="ctr"/>
+                </a:tc>
+                <a:tc>
+                  <a:txBody>
+                    <a:bodyPr/>
+                    <a:lstStyle/>
+                    <a:p>
+                      <a:r>
+                        <a:rPr lang="zh-CN" altLang="en-US" sz="1800" dirty="0"/>
+                        <a:t>复制</a:t>
+                      </a:r>
+                      <a:r>
+                        <a:rPr lang="en-US" altLang="zh-CN" sz="1800" dirty="0"/>
+                        <a:t>tmp/a.sh</a:t>
+                      </a:r>
+                      <a:r>
+                        <a:rPr lang="zh-CN" altLang="en-US" sz="1800" dirty="0"/>
+                        <a:t>文件到</a:t>
+                      </a:r>
+                      <a:r>
+                        <a:rPr lang="en-US" altLang="zh-CN" sz="1800" dirty="0" err="1"/>
+                        <a:t>sh</a:t>
+                      </a:r>
+                      <a:r>
+                        <a:rPr lang="zh-CN" altLang="en-US" sz="1800" dirty="0"/>
+                        <a:t>目录，</a:t>
+                      </a:r>
+                      <a:r>
+                        <a:rPr lang="en-US" altLang="zh-CN" sz="1800" dirty="0" err="1"/>
+                        <a:t>tmp</a:t>
+                      </a:r>
+                      <a:r>
+                        <a:rPr lang="zh-CN" altLang="en-US" sz="1800" dirty="0"/>
+                        <a:t>和</a:t>
+                      </a:r>
+                      <a:r>
+                        <a:rPr lang="en-US" altLang="zh-CN" sz="1800" dirty="0" err="1"/>
+                        <a:t>sh</a:t>
+                      </a:r>
+                      <a:r>
+                        <a:rPr lang="zh-CN" altLang="en-US" sz="1800" dirty="0"/>
+                        <a:t>都是当前目录的子目录</a:t>
+                      </a:r>
+                    </a:p>
+                  </a:txBody>
+                  <a:tcPr anchor="ctr"/>
+                </a:tc>
+                <a:extLst>
+                  <a:ext uri="{0D108BD9-81ED-4DB2-BD59-A6C34878D82A}">
+                    <a16:rowId xmlns:a16="http://schemas.microsoft.com/office/drawing/2014/main" val="3573870162"/>
+                  </a:ext>
+                </a:extLst>
+              </a:tr>
+              <a:tr h="492602">
+                <a:tc>
+                  <a:txBody>
+                    <a:bodyPr/>
+                    <a:lstStyle/>
+                    <a:p>
+                      <a:r>
+                        <a:rPr lang="en-US" altLang="zh-CN" sz="1800" dirty="0" err="1"/>
+                        <a:t>cp</a:t>
+                      </a:r>
+                      <a:r>
+                        <a:rPr lang="zh-CN" altLang="en-US" sz="1800" dirty="0"/>
+                        <a:t>  </a:t>
+                      </a:r>
+                      <a:r>
+                        <a:rPr lang="en-US" altLang="zh-CN" sz="1800" dirty="0"/>
+                        <a:t>tmp/a.sh  /</a:t>
+                      </a:r>
+                      <a:r>
+                        <a:rPr lang="en-US" altLang="zh-CN" sz="1800" dirty="0" err="1"/>
+                        <a:t>usr</a:t>
+                      </a:r>
+                      <a:r>
+                        <a:rPr lang="en-US" altLang="zh-CN" sz="1800" dirty="0"/>
+                        <a:t>/local/</a:t>
+                      </a:r>
+                      <a:endParaRPr lang="zh-CN" altLang="en-US" sz="1800" dirty="0"/>
+                    </a:p>
+                  </a:txBody>
+                  <a:tcPr anchor="ctr"/>
+                </a:tc>
+                <a:tc>
+                  <a:txBody>
+                    <a:bodyPr/>
+                    <a:lstStyle/>
+                    <a:p>
+                      <a:r>
+                        <a:rPr lang="zh-CN" altLang="en-US" sz="1800" dirty="0"/>
+                        <a:t>复制</a:t>
+                      </a:r>
+                      <a:r>
+                        <a:rPr lang="en-US" altLang="zh-CN" sz="1800" dirty="0"/>
+                        <a:t>tmp/a.sh</a:t>
+                      </a:r>
+                      <a:r>
+                        <a:rPr lang="zh-CN" altLang="en-US" sz="1800" dirty="0"/>
+                        <a:t>到</a:t>
+                      </a:r>
+                      <a:r>
+                        <a:rPr lang="en-US" altLang="zh-CN" sz="1800" dirty="0"/>
+                        <a:t>/</a:t>
+                      </a:r>
+                      <a:r>
+                        <a:rPr lang="en-US" altLang="zh-CN" sz="1800" dirty="0" err="1"/>
+                        <a:t>usr</a:t>
+                      </a:r>
+                      <a:r>
+                        <a:rPr lang="en-US" altLang="zh-CN" sz="1800" dirty="0"/>
+                        <a:t>/local</a:t>
+                      </a:r>
+                      <a:r>
+                        <a:rPr lang="zh-CN" altLang="en-US" sz="1800" dirty="0"/>
+                        <a:t>，</a:t>
+                      </a:r>
+                      <a:r>
+                        <a:rPr lang="en-US" altLang="zh-CN" sz="1800" dirty="0"/>
+                        <a:t>/</a:t>
+                      </a:r>
+                      <a:r>
+                        <a:rPr lang="en-US" altLang="zh-CN" sz="1800" dirty="0" err="1"/>
+                        <a:t>usr</a:t>
+                      </a:r>
+                      <a:r>
+                        <a:rPr lang="en-US" altLang="zh-CN" sz="1800" dirty="0"/>
+                        <a:t>/local</a:t>
+                      </a:r>
+                      <a:r>
+                        <a:rPr lang="zh-CN" altLang="en-US" sz="1800" dirty="0"/>
+                        <a:t>是绝对路径</a:t>
+                      </a:r>
+                    </a:p>
+                  </a:txBody>
+                  <a:tcPr anchor="ctr"/>
+                </a:tc>
+                <a:extLst>
+                  <a:ext uri="{0D108BD9-81ED-4DB2-BD59-A6C34878D82A}">
+                    <a16:rowId xmlns:a16="http://schemas.microsoft.com/office/drawing/2014/main" val="1184248448"/>
+                  </a:ext>
+                </a:extLst>
+              </a:tr>
+              <a:tr h="492602">
+                <a:tc>
+                  <a:txBody>
+                    <a:bodyPr/>
+                    <a:lstStyle/>
+                    <a:p>
+                      <a:r>
+                        <a:rPr lang="en-US" altLang="zh-CN" sz="1800" dirty="0" err="1"/>
+                        <a:t>cp</a:t>
+                      </a:r>
+                      <a:r>
+                        <a:rPr lang="en-US" altLang="zh-CN" sz="1800" dirty="0"/>
+                        <a:t>  tmp/a.sh  sh/b.sh</a:t>
+                      </a:r>
+                      <a:endParaRPr lang="zh-CN" altLang="en-US" sz="1800" dirty="0"/>
+                    </a:p>
+                  </a:txBody>
+                  <a:tcPr anchor="ctr"/>
+                </a:tc>
+                <a:tc>
+                  <a:txBody>
+                    <a:bodyPr/>
+                    <a:lstStyle/>
+                    <a:p>
+                      <a:r>
+                        <a:rPr lang="zh-CN" altLang="en-US" sz="1800" dirty="0"/>
+                        <a:t>复制</a:t>
+                      </a:r>
+                      <a:r>
+                        <a:rPr lang="en-US" altLang="zh-CN" sz="1800" dirty="0"/>
+                        <a:t>tmp/a.sh</a:t>
+                      </a:r>
+                      <a:r>
+                        <a:rPr lang="zh-CN" altLang="en-US" sz="1800" dirty="0"/>
+                        <a:t>到</a:t>
+                      </a:r>
+                      <a:r>
+                        <a:rPr lang="en-US" altLang="zh-CN" sz="1800" dirty="0" err="1"/>
+                        <a:t>sh</a:t>
+                      </a:r>
+                      <a:r>
+                        <a:rPr lang="en-US" altLang="zh-CN" sz="1800" dirty="0"/>
+                        <a:t>/</a:t>
+                      </a:r>
+                      <a:r>
+                        <a:rPr lang="zh-CN" altLang="en-US" sz="1800" dirty="0"/>
+                        <a:t>目录并重命名为</a:t>
+                      </a:r>
+                      <a:r>
+                        <a:rPr lang="en-US" altLang="zh-CN" sz="1800" dirty="0"/>
+                        <a:t>b.sh</a:t>
+                      </a:r>
+                      <a:endParaRPr lang="zh-CN" altLang="en-US" sz="1800" dirty="0"/>
+                    </a:p>
+                  </a:txBody>
+                  <a:tcPr anchor="ctr"/>
+                </a:tc>
+                <a:extLst>
+                  <a:ext uri="{0D108BD9-81ED-4DB2-BD59-A6C34878D82A}">
+                    <a16:rowId xmlns:a16="http://schemas.microsoft.com/office/drawing/2014/main" val="946613141"/>
+                  </a:ext>
+                </a:extLst>
+              </a:tr>
+            </a:tbl>
+          </a:graphicData>
+        </a:graphic>
+      </p:graphicFrame>
+    </p:spTree>
+    <p:extLst>
+      <p:ext uri="{BB962C8B-B14F-4D97-AF65-F5344CB8AC3E}">
+        <p14:creationId xmlns:p14="http://schemas.microsoft.com/office/powerpoint/2010/main" val="3820568887"/>
+      </p:ext>
+    </p:extLst>
+  </p:cSld>
+  <p:clrMapOvr>
+    <a:masterClrMapping/>
+  </p:clrMapOvr>
+</p:sld>
+</file>
+
+<file path=ppt/slides/slide13.xml><?xml version="1.0" encoding="utf-8"?>
+<p:sld xmlns:a="http://schemas.openxmlformats.org/drawingml/2006/main" xmlns:r="http://schemas.openxmlformats.org/officeDocument/2006/relationships" xmlns:p="http://schemas.openxmlformats.org/presentationml/2006/main">
+  <p:cSld>
+    <p:spTree>
+      <p:nvGrpSpPr>
+        <p:cNvPr id="1" name=""/>
+        <p:cNvGrpSpPr/>
+        <p:nvPr/>
+      </p:nvGrpSpPr>
+      <p:grpSpPr>
+        <a:xfrm>
+          <a:off x="0" y="0"/>
+          <a:ext cx="0" cy="0"/>
+          <a:chOff x="0" y="0"/>
+          <a:chExt cx="0" cy="0"/>
+        </a:xfrm>
+      </p:grpSpPr>
+      <p:sp>
+        <p:nvSpPr>
+          <p:cNvPr id="2" name="标题 1">
+            <a:extLst>
+              <a:ext uri="{FF2B5EF4-FFF2-40B4-BE49-F238E27FC236}">
+                <a16:creationId xmlns:a16="http://schemas.microsoft.com/office/drawing/2014/main" id="{8B88BACC-24DE-4087-9AB3-A099CF573089}"/>
+              </a:ext>
+            </a:extLst>
+          </p:cNvPr>
+          <p:cNvSpPr>
+            <a:spLocks noGrp="1"/>
+          </p:cNvSpPr>
+          <p:nvPr>
+            <p:ph type="title"/>
+          </p:nvPr>
+        </p:nvSpPr>
+        <p:spPr/>
+        <p:txBody>
+          <a:bodyPr/>
+          <a:lstStyle/>
+          <a:p>
+            <a:r>
+              <a:rPr lang="zh-CN" altLang="en-US" dirty="0"/>
+              <a:t>常用命令使用示例</a:t>
+            </a:r>
+          </a:p>
+        </p:txBody>
+      </p:sp>
+      <p:graphicFrame>
+        <p:nvGraphicFramePr>
+          <p:cNvPr id="4" name="内容占位符 3">
+            <a:extLst>
+              <a:ext uri="{FF2B5EF4-FFF2-40B4-BE49-F238E27FC236}">
+                <a16:creationId xmlns:a16="http://schemas.microsoft.com/office/drawing/2014/main" id="{02B91D30-F5DE-42B1-937A-F46D7A77EC1E}"/>
+              </a:ext>
+            </a:extLst>
+          </p:cNvPr>
+          <p:cNvGraphicFramePr>
+            <a:graphicFrameLocks noGrp="1"/>
+          </p:cNvGraphicFramePr>
+          <p:nvPr>
+            <p:ph idx="1"/>
+            <p:extLst>
+              <p:ext uri="{D42A27DB-BD31-4B8C-83A1-F6EECF244321}">
+                <p14:modId xmlns:p14="http://schemas.microsoft.com/office/powerpoint/2010/main" val="3754466397"/>
+              </p:ext>
+            </p:extLst>
+          </p:nvPr>
+        </p:nvGraphicFramePr>
+        <p:xfrm>
+          <a:off x="838200" y="1703387"/>
+          <a:ext cx="10515600" cy="3976443"/>
+        </p:xfrm>
+        <a:graphic>
+          <a:graphicData uri="http://schemas.openxmlformats.org/drawingml/2006/table">
+            <a:tbl>
+              <a:tblPr firstRow="1" bandRow="1">
+                <a:tableStyleId>{5940675A-B579-460E-94D1-54222C63F5DA}</a:tableStyleId>
+              </a:tblPr>
+              <a:tblGrid>
+                <a:gridCol w="2863362">
+                  <a:extLst>
+                    <a:ext uri="{9D8B030D-6E8A-4147-A177-3AD203B41FA5}">
+                      <a16:colId xmlns:a16="http://schemas.microsoft.com/office/drawing/2014/main" val="2563722570"/>
+                    </a:ext>
+                  </a:extLst>
+                </a:gridCol>
+                <a:gridCol w="7652238">
+                  <a:extLst>
+                    <a:ext uri="{9D8B030D-6E8A-4147-A177-3AD203B41FA5}">
+                      <a16:colId xmlns:a16="http://schemas.microsoft.com/office/drawing/2014/main" val="1462641259"/>
+                    </a:ext>
+                  </a:extLst>
+                </a:gridCol>
+              </a:tblGrid>
+              <a:tr h="441827">
+                <a:tc>
+                  <a:txBody>
+                    <a:bodyPr/>
+                    <a:lstStyle/>
+                    <a:p>
+                      <a:r>
+                        <a:rPr lang="en-US" altLang="zh-CN" dirty="0" err="1"/>
+                        <a:t>cp</a:t>
+                      </a:r>
+                      <a:r>
+                        <a:rPr lang="en-US" altLang="zh-CN" dirty="0"/>
+                        <a:t>  </a:t>
+                      </a:r>
+                      <a:r>
+                        <a:rPr lang="en-US" altLang="zh-CN" dirty="0" err="1"/>
+                        <a:t>mariadb</a:t>
+                      </a:r>
+                      <a:r>
+                        <a:rPr lang="en-US" altLang="zh-CN" dirty="0"/>
+                        <a:t>/ -R  /</a:t>
+                      </a:r>
+                      <a:r>
+                        <a:rPr lang="en-US" altLang="zh-CN" dirty="0" err="1"/>
+                        <a:t>usr</a:t>
+                      </a:r>
+                      <a:r>
+                        <a:rPr lang="en-US" altLang="zh-CN" dirty="0"/>
+                        <a:t>/local</a:t>
+                      </a:r>
+                      <a:endParaRPr lang="zh-CN" altLang="en-US" dirty="0"/>
+                    </a:p>
+                  </a:txBody>
+                  <a:tcPr/>
+                </a:tc>
+                <a:tc>
+                  <a:txBody>
+                    <a:bodyPr/>
+                    <a:lstStyle/>
+                    <a:p>
+                      <a:r>
+                        <a:rPr lang="zh-CN" altLang="en-US" sz="1600" dirty="0"/>
+                        <a:t>递归复制</a:t>
+                      </a:r>
+                      <a:r>
+                        <a:rPr lang="en-US" altLang="zh-CN" sz="1600" dirty="0" err="1"/>
+                        <a:t>mariadb</a:t>
+                      </a:r>
+                      <a:r>
+                        <a:rPr lang="zh-CN" altLang="en-US" sz="1600" dirty="0"/>
+                        <a:t>目录到</a:t>
+                      </a:r>
+                      <a:r>
+                        <a:rPr lang="en-US" altLang="zh-CN" sz="1600" dirty="0"/>
+                        <a:t>/</a:t>
+                      </a:r>
+                      <a:r>
+                        <a:rPr lang="en-US" altLang="zh-CN" sz="1600" dirty="0" err="1"/>
+                        <a:t>usr</a:t>
+                      </a:r>
+                      <a:r>
+                        <a:rPr lang="en-US" altLang="zh-CN" sz="1600" dirty="0"/>
+                        <a:t>/</a:t>
+                      </a:r>
+                      <a:r>
+                        <a:rPr lang="en-US" altLang="zh-CN" sz="1600" dirty="0" err="1"/>
+                        <a:t>locoal</a:t>
+                      </a:r>
+                      <a:endParaRPr lang="zh-CN" altLang="en-US" sz="1600" dirty="0"/>
+                    </a:p>
+                  </a:txBody>
+                  <a:tcPr/>
+                </a:tc>
+                <a:extLst>
+                  <a:ext uri="{0D108BD9-81ED-4DB2-BD59-A6C34878D82A}">
+                    <a16:rowId xmlns:a16="http://schemas.microsoft.com/office/drawing/2014/main" val="237800718"/>
+                  </a:ext>
+                </a:extLst>
+              </a:tr>
+              <a:tr h="441827">
+                <a:tc>
+                  <a:txBody>
+                    <a:bodyPr/>
+                    <a:lstStyle/>
+                    <a:p>
+                      <a:r>
+                        <a:rPr lang="en-US" altLang="zh-CN" dirty="0"/>
+                        <a:t>mv  tmp/a.sh  </a:t>
+                      </a:r>
+                      <a:r>
+                        <a:rPr lang="en-US" altLang="zh-CN" dirty="0" err="1"/>
+                        <a:t>sh</a:t>
+                      </a:r>
+                      <a:r>
+                        <a:rPr lang="en-US" altLang="zh-CN" dirty="0"/>
+                        <a:t>/</a:t>
+                      </a:r>
+                      <a:endParaRPr lang="zh-CN" altLang="en-US" dirty="0"/>
+                    </a:p>
+                  </a:txBody>
+                  <a:tcPr/>
+                </a:tc>
+                <a:tc>
+                  <a:txBody>
+                    <a:bodyPr/>
+                    <a:lstStyle/>
+                    <a:p>
+                      <a:r>
+                        <a:rPr lang="zh-CN" altLang="en-US" sz="1600" dirty="0"/>
+                        <a:t>移动文件</a:t>
+                      </a:r>
+                    </a:p>
+                  </a:txBody>
+                  <a:tcPr/>
+                </a:tc>
+                <a:extLst>
+                  <a:ext uri="{0D108BD9-81ED-4DB2-BD59-A6C34878D82A}">
+                    <a16:rowId xmlns:a16="http://schemas.microsoft.com/office/drawing/2014/main" val="1644974628"/>
+                  </a:ext>
+                </a:extLst>
+              </a:tr>
+              <a:tr h="441827">
+                <a:tc>
+                  <a:txBody>
+                    <a:bodyPr/>
+                    <a:lstStyle/>
+                    <a:p>
+                      <a:r>
+                        <a:rPr lang="en-US" altLang="zh-CN" dirty="0"/>
+                        <a:t>mv  tmp/a.sh sh/b.sh</a:t>
+                      </a:r>
+                      <a:endParaRPr lang="zh-CN" altLang="en-US" dirty="0"/>
+                    </a:p>
+                  </a:txBody>
+                  <a:tcPr/>
+                </a:tc>
+                <a:tc>
+                  <a:txBody>
+                    <a:bodyPr/>
+                    <a:lstStyle/>
+                    <a:p>
+                      <a:r>
+                        <a:rPr lang="zh-CN" altLang="en-US" sz="1600" dirty="0"/>
+                        <a:t>移动文件并重命名</a:t>
+                      </a:r>
+                    </a:p>
+                  </a:txBody>
+                  <a:tcPr/>
+                </a:tc>
+                <a:extLst>
+                  <a:ext uri="{0D108BD9-81ED-4DB2-BD59-A6C34878D82A}">
+                    <a16:rowId xmlns:a16="http://schemas.microsoft.com/office/drawing/2014/main" val="2493028527"/>
+                  </a:ext>
+                </a:extLst>
+              </a:tr>
+              <a:tr h="441827">
+                <a:tc>
+                  <a:txBody>
+                    <a:bodyPr/>
+                    <a:lstStyle/>
+                    <a:p>
+                      <a:r>
+                        <a:rPr lang="en-US" altLang="zh-CN" dirty="0"/>
+                        <a:t>mv</a:t>
+                      </a:r>
+                      <a:r>
+                        <a:rPr lang="zh-CN" altLang="en-US" dirty="0"/>
+                        <a:t>  </a:t>
+                      </a:r>
+                      <a:r>
+                        <a:rPr lang="en-US" altLang="zh-CN" dirty="0"/>
+                        <a:t>tmp/a.sh</a:t>
+                      </a:r>
+                      <a:r>
+                        <a:rPr lang="zh-CN" altLang="en-US" dirty="0"/>
+                        <a:t> </a:t>
+                      </a:r>
+                      <a:r>
+                        <a:rPr lang="en-US" altLang="zh-CN" dirty="0"/>
+                        <a:t>tmp/c.sh</a:t>
+                      </a:r>
+                      <a:endParaRPr lang="zh-CN" altLang="en-US" dirty="0"/>
+                    </a:p>
+                  </a:txBody>
+                  <a:tcPr/>
+                </a:tc>
+                <a:tc>
+                  <a:txBody>
+                    <a:bodyPr/>
+                    <a:lstStyle/>
+                    <a:p>
+                      <a:r>
+                        <a:rPr lang="zh-CN" altLang="en-US" sz="1600" dirty="0"/>
+                        <a:t>重命名文件</a:t>
+                      </a:r>
+                    </a:p>
+                  </a:txBody>
+                  <a:tcPr/>
+                </a:tc>
+                <a:extLst>
+                  <a:ext uri="{0D108BD9-81ED-4DB2-BD59-A6C34878D82A}">
+                    <a16:rowId xmlns:a16="http://schemas.microsoft.com/office/drawing/2014/main" val="3573870162"/>
+                  </a:ext>
+                </a:extLst>
+              </a:tr>
+              <a:tr h="441827">
+                <a:tc>
+                  <a:txBody>
+                    <a:bodyPr/>
+                    <a:lstStyle/>
+                    <a:p>
+                      <a:r>
+                        <a:rPr lang="en-US" altLang="zh-CN" b="0" dirty="0"/>
+                        <a:t>touch  tmp/test.sh</a:t>
+                      </a:r>
+                      <a:endParaRPr lang="zh-CN" altLang="en-US" b="0" dirty="0"/>
+                    </a:p>
+                  </a:txBody>
+                  <a:tcPr/>
+                </a:tc>
+                <a:tc>
+                  <a:txBody>
+                    <a:bodyPr/>
+                    <a:lstStyle/>
+                    <a:p>
+                      <a:r>
+                        <a:rPr lang="zh-CN" altLang="en-US" b="0" dirty="0"/>
+                        <a:t>在</a:t>
+                      </a:r>
+                      <a:r>
+                        <a:rPr lang="en-US" altLang="zh-CN" b="0" dirty="0" err="1"/>
+                        <a:t>tmp</a:t>
+                      </a:r>
+                      <a:r>
+                        <a:rPr lang="zh-CN" altLang="en-US" b="0" dirty="0"/>
+                        <a:t>目录创建</a:t>
+                      </a:r>
+                      <a:r>
+                        <a:rPr lang="en-US" altLang="zh-CN" b="0" dirty="0"/>
+                        <a:t>test.sh</a:t>
+                      </a:r>
+                      <a:r>
+                        <a:rPr lang="zh-CN" altLang="en-US" b="0" dirty="0"/>
+                        <a:t>空文件</a:t>
+                      </a:r>
+                    </a:p>
+                  </a:txBody>
+                  <a:tcPr/>
+                </a:tc>
+                <a:extLst>
+                  <a:ext uri="{0D108BD9-81ED-4DB2-BD59-A6C34878D82A}">
+                    <a16:rowId xmlns:a16="http://schemas.microsoft.com/office/drawing/2014/main" val="1184248448"/>
+                  </a:ext>
+                </a:extLst>
+              </a:tr>
+              <a:tr h="441827">
+                <a:tc>
+                  <a:txBody>
+                    <a:bodyPr/>
+                    <a:lstStyle/>
+                    <a:p>
+                      <a:r>
+                        <a:rPr lang="en-US" altLang="zh-CN" dirty="0"/>
+                        <a:t>cat   /</a:t>
+                      </a:r>
+                      <a:r>
+                        <a:rPr lang="en-US" altLang="zh-CN" dirty="0" err="1"/>
+                        <a:t>etc</a:t>
+                      </a:r>
+                      <a:r>
+                        <a:rPr lang="en-US" altLang="zh-CN" dirty="0"/>
+                        <a:t>/</a:t>
+                      </a:r>
+                      <a:r>
+                        <a:rPr lang="en-US" altLang="zh-CN" dirty="0" err="1"/>
+                        <a:t>passwd</a:t>
+                      </a:r>
+                      <a:endParaRPr lang="zh-CN" altLang="en-US" dirty="0"/>
+                    </a:p>
+                  </a:txBody>
+                  <a:tcPr/>
+                </a:tc>
+                <a:tc>
+                  <a:txBody>
+                    <a:bodyPr/>
+                    <a:lstStyle/>
+                    <a:p>
+                      <a:r>
+                        <a:rPr lang="zh-CN" altLang="en-US" sz="1600" dirty="0"/>
+                        <a:t>显示</a:t>
+                      </a:r>
+                      <a:r>
+                        <a:rPr lang="en-US" altLang="zh-CN" sz="1600" dirty="0"/>
+                        <a:t>/</a:t>
+                      </a:r>
+                      <a:r>
+                        <a:rPr lang="en-US" altLang="zh-CN" sz="1600" dirty="0" err="1"/>
+                        <a:t>etc</a:t>
+                      </a:r>
+                      <a:r>
+                        <a:rPr lang="en-US" altLang="zh-CN" sz="1600" dirty="0"/>
+                        <a:t>/</a:t>
+                      </a:r>
+                      <a:r>
+                        <a:rPr lang="en-US" altLang="zh-CN" sz="1600" dirty="0" err="1"/>
+                        <a:t>passwd</a:t>
+                      </a:r>
+                      <a:r>
+                        <a:rPr lang="zh-CN" altLang="en-US" sz="1600" dirty="0"/>
+                        <a:t>文件的内容</a:t>
+                      </a:r>
+                    </a:p>
+                  </a:txBody>
+                  <a:tcPr/>
+                </a:tc>
+                <a:extLst>
+                  <a:ext uri="{0D108BD9-81ED-4DB2-BD59-A6C34878D82A}">
+                    <a16:rowId xmlns:a16="http://schemas.microsoft.com/office/drawing/2014/main" val="3095666583"/>
+                  </a:ext>
+                </a:extLst>
+              </a:tr>
+              <a:tr h="441827">
+                <a:tc>
+                  <a:txBody>
+                    <a:bodyPr/>
+                    <a:lstStyle/>
+                    <a:p>
+                      <a:r>
+                        <a:rPr lang="en-US" altLang="zh-CN" dirty="0"/>
+                        <a:t>find  /</a:t>
+                      </a:r>
+                      <a:r>
+                        <a:rPr lang="en-US" altLang="zh-CN" dirty="0" err="1"/>
+                        <a:t>usr</a:t>
+                      </a:r>
+                      <a:r>
+                        <a:rPr lang="en-US" altLang="zh-CN" dirty="0"/>
+                        <a:t>  -name  </a:t>
+                      </a:r>
+                      <a:r>
+                        <a:rPr lang="en-US" altLang="zh-CN" dirty="0" err="1"/>
+                        <a:t>gcc</a:t>
+                      </a:r>
+                      <a:endParaRPr lang="zh-CN" altLang="en-US" dirty="0"/>
+                    </a:p>
+                  </a:txBody>
+                  <a:tcPr/>
+                </a:tc>
+                <a:tc>
+                  <a:txBody>
+                    <a:bodyPr/>
+                    <a:lstStyle/>
+                    <a:p>
+                      <a:r>
+                        <a:rPr lang="zh-CN" altLang="en-US" sz="1600" dirty="0"/>
+                        <a:t>查找名称为</a:t>
+                      </a:r>
+                      <a:r>
+                        <a:rPr lang="en-US" altLang="zh-CN" sz="1600" dirty="0" err="1"/>
+                        <a:t>gcc</a:t>
+                      </a:r>
+                      <a:r>
+                        <a:rPr lang="zh-CN" altLang="en-US" sz="1600" dirty="0"/>
+                        <a:t>的文件，大小写敏感</a:t>
+                      </a:r>
+                    </a:p>
+                  </a:txBody>
+                  <a:tcPr/>
+                </a:tc>
+                <a:extLst>
+                  <a:ext uri="{0D108BD9-81ED-4DB2-BD59-A6C34878D82A}">
+                    <a16:rowId xmlns:a16="http://schemas.microsoft.com/office/drawing/2014/main" val="4083614529"/>
+                  </a:ext>
+                </a:extLst>
+              </a:tr>
+              <a:tr h="441827">
+                <a:tc>
+                  <a:txBody>
+                    <a:bodyPr/>
+                    <a:lstStyle/>
+                    <a:p>
+                      <a:r>
+                        <a:rPr lang="en-US" altLang="zh-CN" dirty="0"/>
+                        <a:t>find  /</a:t>
+                      </a:r>
+                      <a:r>
+                        <a:rPr lang="en-US" altLang="zh-CN" dirty="0" err="1"/>
+                        <a:t>usr</a:t>
+                      </a:r>
+                      <a:r>
+                        <a:rPr lang="en-US" altLang="zh-CN" dirty="0"/>
+                        <a:t>   -name  </a:t>
+                      </a:r>
+                      <a:r>
+                        <a:rPr lang="en-US" altLang="zh-CN" dirty="0" err="1"/>
+                        <a:t>gcc</a:t>
+                      </a:r>
+                      <a:r>
+                        <a:rPr lang="zh-CN" altLang="en-US" dirty="0"/>
+                        <a:t>*</a:t>
+                      </a:r>
+                    </a:p>
+                  </a:txBody>
+                  <a:tcPr/>
+                </a:tc>
+                <a:tc>
+                  <a:txBody>
+                    <a:bodyPr/>
+                    <a:lstStyle/>
+                    <a:p>
+                      <a:r>
+                        <a:rPr lang="zh-CN" altLang="en-US" sz="1600" dirty="0"/>
+                        <a:t>查找名称</a:t>
+                      </a:r>
+                      <a:r>
+                        <a:rPr lang="en-US" altLang="zh-CN" sz="1600" dirty="0" err="1"/>
+                        <a:t>gcc</a:t>
+                      </a:r>
+                      <a:r>
+                        <a:rPr lang="zh-CN" altLang="en-US" sz="1600" dirty="0"/>
+                        <a:t>开头的文件，大小写敏感</a:t>
+                      </a:r>
+                    </a:p>
+                  </a:txBody>
+                  <a:tcPr/>
+                </a:tc>
+                <a:extLst>
+                  <a:ext uri="{0D108BD9-81ED-4DB2-BD59-A6C34878D82A}">
+                    <a16:rowId xmlns:a16="http://schemas.microsoft.com/office/drawing/2014/main" val="4034523199"/>
+                  </a:ext>
+                </a:extLst>
+              </a:tr>
+              <a:tr h="441827">
+                <a:tc>
+                  <a:txBody>
+                    <a:bodyPr/>
+                    <a:lstStyle/>
+                    <a:p>
+                      <a:r>
+                        <a:rPr lang="en-US" altLang="zh-CN" dirty="0"/>
+                        <a:t>find  /</a:t>
+                      </a:r>
+                      <a:r>
+                        <a:rPr lang="en-US" altLang="zh-CN" dirty="0" err="1"/>
+                        <a:t>usr</a:t>
+                      </a:r>
+                      <a:r>
+                        <a:rPr lang="en-US" altLang="zh-CN" dirty="0"/>
+                        <a:t>/ -</a:t>
+                      </a:r>
+                      <a:r>
+                        <a:rPr lang="en-US" altLang="zh-CN" dirty="0" err="1"/>
+                        <a:t>iname</a:t>
+                      </a:r>
+                      <a:r>
+                        <a:rPr lang="en-US" altLang="zh-CN" dirty="0"/>
+                        <a:t>  </a:t>
+                      </a:r>
+                      <a:r>
+                        <a:rPr lang="en-US" altLang="zh-CN" dirty="0" err="1"/>
+                        <a:t>gcc</a:t>
+                      </a:r>
+                      <a:r>
+                        <a:rPr lang="zh-CN" altLang="en-US" dirty="0"/>
+                        <a:t>*</a:t>
+                      </a:r>
+                    </a:p>
+                  </a:txBody>
+                  <a:tcPr/>
+                </a:tc>
+                <a:tc>
+                  <a:txBody>
+                    <a:bodyPr/>
+                    <a:lstStyle/>
+                    <a:p>
+                      <a:r>
+                        <a:rPr lang="zh-CN" altLang="en-US" sz="1600" dirty="0"/>
+                        <a:t>查找名称开头</a:t>
+                      </a:r>
+                      <a:r>
+                        <a:rPr lang="en-US" altLang="zh-CN" sz="1600" dirty="0" err="1"/>
+                        <a:t>gcc</a:t>
+                      </a:r>
+                      <a:r>
+                        <a:rPr lang="zh-CN" altLang="en-US" sz="1600" dirty="0"/>
+                        <a:t>的文件，大小写不敏感</a:t>
+                      </a:r>
+                    </a:p>
+                  </a:txBody>
+                  <a:tcPr/>
+                </a:tc>
+                <a:extLst>
+                  <a:ext uri="{0D108BD9-81ED-4DB2-BD59-A6C34878D82A}">
+                    <a16:rowId xmlns:a16="http://schemas.microsoft.com/office/drawing/2014/main" val="127789933"/>
+                  </a:ext>
+                </a:extLst>
+              </a:tr>
+            </a:tbl>
+          </a:graphicData>
+        </a:graphic>
+      </p:graphicFrame>
+    </p:spTree>
+    <p:extLst>
+      <p:ext uri="{BB962C8B-B14F-4D97-AF65-F5344CB8AC3E}">
+        <p14:creationId xmlns:p14="http://schemas.microsoft.com/office/powerpoint/2010/main" val="3190697134"/>
+      </p:ext>
+    </p:extLst>
+  </p:cSld>
+  <p:clrMapOvr>
+    <a:masterClrMapping/>
+  </p:clrMapOvr>
+</p:sld>
+</file>
+
 <file path=ppt/slides/slide2.xml><?xml version="1.0" encoding="utf-8"?>
 <p:sld xmlns:a="http://schemas.openxmlformats.org/drawingml/2006/main" xmlns:r="http://schemas.openxmlformats.org/officeDocument/2006/relationships" xmlns:p="http://schemas.openxmlformats.org/presentationml/2006/main">
   <p:cSld>
@@ -8058,77 +9317,53 @@
           <a:lstStyle/>
           <a:p>
             <a:r>
-              <a:rPr lang="zh-CN" altLang="en-US" sz="2000" dirty="0"/>
+              <a:rPr lang="zh-CN" altLang="en-US" sz="2400" dirty="0"/>
               <a:t>终端（</a:t>
             </a:r>
             <a:r>
-              <a:rPr lang="en-US" altLang="zh-CN" sz="2000" dirty="0"/>
+              <a:rPr lang="en-US" altLang="zh-CN" sz="2400" dirty="0"/>
               <a:t>Terminal</a:t>
             </a:r>
             <a:r>
-              <a:rPr lang="zh-CN" altLang="en-US" sz="2000" dirty="0"/>
+              <a:rPr lang="zh-CN" altLang="en-US" sz="2400" dirty="0"/>
               <a:t>）也称终端设备，是计算机网络中处于网络最外围的设备，主要用于用户信息的输入以及处理结果的输出等。</a:t>
             </a:r>
           </a:p>
           <a:p>
             <a:r>
-              <a:rPr lang="zh-CN" altLang="en-US" sz="2000" dirty="0"/>
+              <a:rPr lang="zh-CN" altLang="en-US" sz="2400" dirty="0"/>
               <a:t>在早期计算机系统中，由于计算机主机非常昂贵，因此一个主机（如</a:t>
             </a:r>
             <a:r>
-              <a:rPr lang="en-US" altLang="zh-CN" sz="2000" dirty="0"/>
+              <a:rPr lang="en-US" altLang="zh-CN" sz="2400" dirty="0"/>
               <a:t>IBM</a:t>
             </a:r>
             <a:r>
-              <a:rPr lang="zh-CN" altLang="en-US" sz="2000" dirty="0"/>
+              <a:rPr lang="zh-CN" altLang="en-US" sz="2400" dirty="0"/>
               <a:t>大型计算机）一般会配置多个终端，这些终端本身不具备计算能力，仅仅承担信息输入输出的工作，运算和处理均由主机来完成。</a:t>
             </a:r>
           </a:p>
           <a:p>
             <a:r>
-              <a:rPr lang="zh-CN" altLang="en-US" sz="2000" dirty="0"/>
-              <a:t>在个人计算机时代，个人计算机可以运行称为终端模拟器的程序来模拟一个终端的工作。这样的终端叫做虚拟终端。如</a:t>
-            </a:r>
-            <a:r>
-              <a:rPr lang="en-US" altLang="zh-CN" sz="2000" dirty="0" err="1"/>
-              <a:t>PuTTY</a:t>
-            </a:r>
-            <a:r>
-              <a:rPr lang="zh-CN" altLang="en-US" sz="2000" dirty="0"/>
-              <a:t>、</a:t>
-            </a:r>
-            <a:r>
-              <a:rPr lang="en-US" altLang="zh-CN" sz="2000" dirty="0" err="1"/>
-              <a:t>secureCRT</a:t>
-            </a:r>
-            <a:r>
-              <a:rPr lang="zh-CN" altLang="en-US" sz="2000" dirty="0"/>
-              <a:t>等都是</a:t>
-            </a:r>
-            <a:r>
-              <a:rPr lang="en-US" altLang="zh-CN" sz="2000" dirty="0"/>
-              <a:t>Windows</a:t>
-            </a:r>
-            <a:r>
-              <a:rPr lang="zh-CN" altLang="en-US" sz="2000" dirty="0"/>
-              <a:t>下的终端模拟器。</a:t>
-            </a:r>
-            <a:endParaRPr lang="en-US" altLang="zh-CN" sz="2000" dirty="0"/>
-          </a:p>
-          <a:p>
-            <a:r>
-              <a:rPr lang="zh-CN" altLang="en-US" sz="2000" dirty="0"/>
+              <a:rPr lang="zh-CN" altLang="en-US" sz="2400" dirty="0"/>
+              <a:t>在个人计算机时代，个人计算机可以运行称为终端模拟器的程序来模拟一个终端的工作。这样的终端叫做虚拟终端。</a:t>
+            </a:r>
+            <a:endParaRPr lang="en-US" altLang="zh-CN" sz="2400" dirty="0"/>
+          </a:p>
+          <a:p>
+            <a:r>
+              <a:rPr lang="zh-CN" altLang="en-US" sz="2400" dirty="0"/>
               <a:t>右图是</a:t>
             </a:r>
             <a:r>
-              <a:rPr lang="en-US" altLang="zh-CN" sz="2000" dirty="0"/>
+              <a:rPr lang="en-US" altLang="zh-CN" sz="2400" dirty="0"/>
               <a:t>VT100</a:t>
             </a:r>
             <a:r>
-              <a:rPr lang="zh-CN" altLang="en-US" sz="2000" dirty="0"/>
+              <a:rPr lang="zh-CN" altLang="en-US" sz="2400" dirty="0"/>
               <a:t>物理终端</a:t>
             </a:r>
-            <a:endParaRPr lang="en-US" altLang="zh-CN" sz="2000" dirty="0"/>
+            <a:endParaRPr lang="en-US" altLang="zh-CN" sz="2400" dirty="0"/>
           </a:p>
         </p:txBody>
       </p:sp>
@@ -8155,7 +9390,7 @@
         </p:blipFill>
         <p:spPr bwMode="auto">
           <a:xfrm>
-            <a:off x="4760998" y="4030236"/>
+            <a:off x="7688836" y="4041718"/>
             <a:ext cx="2857500" cy="2533650"/>
           </a:xfrm>
           <a:prstGeom prst="rect">
@@ -8284,73 +9519,53 @@
           <a:lstStyle/>
           <a:p>
             <a:r>
-              <a:rPr lang="en-US" altLang="zh-CN" sz="2000" dirty="0"/>
+              <a:rPr lang="en-US" altLang="zh-CN" sz="2400" dirty="0"/>
               <a:t>Linux</a:t>
             </a:r>
             <a:r>
-              <a:rPr lang="zh-CN" altLang="en-US" sz="2000" dirty="0"/>
-              <a:t>提供了虚拟控制台，</a:t>
-            </a:r>
-            <a:r>
-              <a:rPr lang="en-US" altLang="zh-CN" sz="2000" dirty="0"/>
+              <a:rPr lang="zh-CN" altLang="en-US" sz="2400" dirty="0"/>
+              <a:t>提供了虚拟控制台，桌面环境的</a:t>
+            </a:r>
+            <a:r>
+              <a:rPr lang="en-US" altLang="zh-CN" sz="2400" dirty="0"/>
               <a:t>Ubuntu</a:t>
             </a:r>
             <a:r>
-              <a:rPr lang="zh-CN" altLang="en-US" sz="2000" dirty="0"/>
-              <a:t>上使用</a:t>
-            </a:r>
-            <a:r>
-              <a:rPr lang="en-US" altLang="zh-CN" sz="2000" dirty="0" err="1"/>
+              <a:rPr lang="zh-CN" altLang="en-US" sz="2400" dirty="0"/>
+              <a:t>系统上使用</a:t>
+            </a:r>
+            <a:r>
+              <a:rPr lang="en-US" altLang="zh-CN" sz="2400" dirty="0" err="1"/>
               <a:t>Ctrl+Alt</a:t>
             </a:r>
             <a:r>
-              <a:rPr lang="en-US" altLang="zh-CN" sz="2000" dirty="0"/>
+              <a:rPr lang="en-US" altLang="zh-CN" sz="2400" dirty="0"/>
               <a:t>+[F1~F7]</a:t>
             </a:r>
             <a:r>
-              <a:rPr lang="zh-CN" altLang="en-US" sz="2000" dirty="0"/>
+              <a:rPr lang="zh-CN" altLang="en-US" sz="2400" dirty="0"/>
               <a:t>会在不同虚拟控制台之间切换。</a:t>
             </a:r>
-            <a:endParaRPr lang="en-US" altLang="zh-CN" sz="2000" dirty="0"/>
-          </a:p>
-          <a:p>
-            <a:endParaRPr lang="en-US" altLang="zh-CN" sz="2000" dirty="0"/>
-          </a:p>
-          <a:p>
-            <a:r>
-              <a:rPr lang="en-US" altLang="zh-CN" sz="2000" dirty="0"/>
+            <a:endParaRPr lang="en-US" altLang="zh-CN" sz="2400" dirty="0"/>
+          </a:p>
+          <a:p>
+            <a:endParaRPr lang="en-US" altLang="zh-CN" sz="2400" dirty="0"/>
+          </a:p>
+          <a:p>
+            <a:r>
+              <a:rPr lang="en-US" altLang="zh-CN" sz="2400" dirty="0"/>
               <a:t>Ctrl+Alt+F7</a:t>
             </a:r>
             <a:r>
-              <a:rPr lang="zh-CN" altLang="en-US" sz="2000" dirty="0"/>
+              <a:rPr lang="zh-CN" altLang="en-US" sz="2400" dirty="0"/>
               <a:t>就是默认的桌面环境。</a:t>
             </a:r>
-            <a:endParaRPr lang="en-US" altLang="zh-CN" sz="2000" dirty="0"/>
-          </a:p>
-          <a:p>
-            <a:endParaRPr lang="en-US" altLang="zh-CN" sz="2000" dirty="0"/>
-          </a:p>
-          <a:p>
-            <a:r>
-              <a:rPr lang="zh-CN" altLang="en-US" sz="2000" dirty="0"/>
-              <a:t>其他</a:t>
-            </a:r>
-            <a:r>
-              <a:rPr lang="en-US" altLang="zh-CN" sz="2000" dirty="0"/>
-              <a:t>Linux</a:t>
-            </a:r>
-            <a:r>
-              <a:rPr lang="zh-CN" altLang="en-US" sz="2000" dirty="0"/>
-              <a:t>发行版也有使用</a:t>
-            </a:r>
-            <a:r>
-              <a:rPr lang="en-US" altLang="zh-CN" sz="2000" dirty="0"/>
-              <a:t>Ctrl+Alt+F2</a:t>
-            </a:r>
-            <a:r>
-              <a:rPr lang="zh-CN" altLang="en-US" sz="2000" dirty="0"/>
-              <a:t>作为默认桌面环境的。这和系统设计有关。</a:t>
-            </a:r>
+            <a:endParaRPr lang="en-US" altLang="zh-CN" sz="2400" dirty="0"/>
+          </a:p>
+          <a:p>
+            <a:pPr marL="0" indent="0">
+              <a:buNone/>
+            </a:pPr>
             <a:endParaRPr lang="en-US" altLang="zh-CN" sz="2000" dirty="0"/>
           </a:p>
           <a:p>
@@ -8411,7 +9626,7 @@
           <a:p>
             <a:r>
               <a:rPr lang="zh-CN" altLang="en-US" dirty="0"/>
-              <a:t>终端，虚拟控制台，</a:t>
+              <a:t>终端，控制台，</a:t>
             </a:r>
             <a:r>
               <a:rPr lang="en-US" altLang="zh-CN" dirty="0"/>
@@ -8440,184 +9655,138 @@
         <p:spPr/>
         <p:txBody>
           <a:bodyPr>
-            <a:normAutofit/>
+            <a:normAutofit lnSpcReduction="10000"/>
           </a:bodyPr>
           <a:lstStyle/>
           <a:p>
             <a:r>
-              <a:rPr lang="zh-CN" altLang="en-US" sz="2000" dirty="0"/>
+              <a:rPr lang="zh-CN" altLang="en-US" sz="2400" dirty="0"/>
               <a:t>终端是一个</a:t>
             </a:r>
             <a:r>
-              <a:rPr lang="zh-CN" altLang="en-US" sz="2000" b="1" dirty="0"/>
+              <a:rPr lang="zh-CN" altLang="en-US" sz="2400" b="1" dirty="0"/>
               <a:t>设备。</a:t>
             </a:r>
             <a:r>
-              <a:rPr lang="zh-CN" altLang="en-US" sz="2000" dirty="0"/>
+              <a:rPr lang="zh-CN" altLang="en-US" sz="2400" dirty="0"/>
               <a:t>而</a:t>
             </a:r>
             <a:r>
-              <a:rPr lang="en-US" altLang="zh-CN" sz="2000" dirty="0"/>
+              <a:rPr lang="en-US" altLang="zh-CN" sz="2400" dirty="0"/>
               <a:t>shell</a:t>
             </a:r>
             <a:r>
-              <a:rPr lang="zh-CN" altLang="en-US" sz="2000" dirty="0"/>
-              <a:t>是一个程序，主要就是获取用户输入的命令并运行，把结果返回给用户。</a:t>
-            </a:r>
+              <a:rPr lang="zh-CN" altLang="en-US" sz="2400" dirty="0"/>
+              <a:t>是一个程序，主要就是获取用户输入的命令并运行，把结果返回给用户。终端最重要的事情是输入和输出，程序运行的结果要通过</a:t>
+            </a:r>
+            <a:r>
+              <a:rPr lang="en-US" altLang="zh-CN" sz="2400" dirty="0"/>
+              <a:t>shell</a:t>
+            </a:r>
+            <a:r>
+              <a:rPr lang="zh-CN" altLang="en-US" sz="2400" dirty="0"/>
+              <a:t>显示在终端上以此和用户产生交互。</a:t>
+            </a:r>
+            <a:endParaRPr lang="en-US" altLang="zh-CN" sz="2400" dirty="0"/>
+          </a:p>
+          <a:p>
+            <a:r>
+              <a:rPr lang="en-US" altLang="zh-CN" sz="2400" dirty="0"/>
+              <a:t>shell</a:t>
+            </a:r>
+            <a:r>
+              <a:rPr lang="zh-CN" altLang="en-US" sz="2400" dirty="0"/>
+              <a:t>有很多不同的实现，基本功能都相同。</a:t>
+            </a:r>
+            <a:r>
+              <a:rPr lang="en-US" altLang="zh-CN" sz="2400" dirty="0"/>
+              <a:t>Linux</a:t>
+            </a:r>
+            <a:r>
+              <a:rPr lang="zh-CN" altLang="en-US" sz="2400" dirty="0"/>
+              <a:t>默认的</a:t>
+            </a:r>
+            <a:r>
+              <a:rPr lang="en-US" altLang="zh-CN" sz="2400" dirty="0"/>
+              <a:t>shell</a:t>
+            </a:r>
+            <a:r>
+              <a:rPr lang="zh-CN" altLang="en-US" sz="2400" dirty="0"/>
+              <a:t>大多都是</a:t>
+            </a:r>
+            <a:r>
+              <a:rPr lang="en-US" altLang="zh-CN" sz="2400" dirty="0"/>
+              <a:t>bash</a:t>
+            </a:r>
+            <a:r>
+              <a:rPr lang="zh-CN" altLang="en-US" sz="2400" dirty="0"/>
+              <a:t>。类似的还有</a:t>
+            </a:r>
+            <a:r>
+              <a:rPr lang="en-US" altLang="zh-CN" sz="2400" dirty="0" err="1"/>
+              <a:t>sh</a:t>
+            </a:r>
+            <a:r>
+              <a:rPr lang="zh-CN" altLang="en-US" sz="2400" dirty="0"/>
+              <a:t>、</a:t>
+            </a:r>
+            <a:r>
+              <a:rPr lang="en-US" altLang="zh-CN" sz="2400" dirty="0" err="1"/>
+              <a:t>zsh</a:t>
+            </a:r>
+            <a:r>
+              <a:rPr lang="zh-CN" altLang="en-US" sz="2400" dirty="0"/>
+              <a:t>、</a:t>
+            </a:r>
+            <a:r>
+              <a:rPr lang="en-US" altLang="zh-CN" sz="2400" dirty="0"/>
+              <a:t>fish</a:t>
+            </a:r>
+            <a:r>
+              <a:rPr lang="zh-CN" altLang="en-US" sz="2400" dirty="0"/>
+              <a:t>等。</a:t>
+            </a:r>
+            <a:endParaRPr lang="en-US" altLang="zh-CN" sz="2400" dirty="0"/>
+          </a:p>
+          <a:p>
+            <a:endParaRPr lang="en-US" altLang="zh-CN" sz="2400" dirty="0"/>
+          </a:p>
+          <a:p>
+            <a:r>
+              <a:rPr lang="zh-CN" altLang="en-US" sz="2400" dirty="0"/>
+              <a:t>早期的计算机多个终端通过串口连接到主机上，而和主机直接配套的输入输出设备是控制台。早期设备的控制台往往具备很多控制按键、开关等可以从硬件层面直接控制设备。而现在操作系统的虚拟控制台完成和终端相同的工作，有时候把虚拟控制台也成为虚拟终端。</a:t>
+            </a:r>
+            <a:endParaRPr lang="en-US" altLang="zh-CN" sz="2400" dirty="0"/>
+          </a:p>
+          <a:p>
             <a:endParaRPr lang="en-US" altLang="zh-CN" sz="2000" dirty="0"/>
           </a:p>
           <a:p>
             <a:r>
-              <a:rPr lang="zh-CN" altLang="en-US" sz="2000" dirty="0"/>
-              <a:t>终端最重要的事情是输入和输出，程序运行的结果要通过</a:t>
-            </a:r>
-            <a:r>
-              <a:rPr lang="en-US" altLang="zh-CN" sz="2000" dirty="0"/>
-              <a:t>shell</a:t>
-            </a:r>
-            <a:r>
-              <a:rPr lang="zh-CN" altLang="en-US" sz="2000" dirty="0"/>
-              <a:t>显示在终端上以此和用户产生交互。</a:t>
-            </a:r>
-            <a:endParaRPr lang="en-US" altLang="zh-CN" sz="2000" dirty="0"/>
-          </a:p>
-          <a:p>
-            <a:r>
-              <a:rPr lang="en-US" altLang="zh-CN" sz="2000" dirty="0"/>
-              <a:t>shell</a:t>
-            </a:r>
-            <a:r>
-              <a:rPr lang="zh-CN" altLang="en-US" sz="2000" dirty="0"/>
-              <a:t>有很多不同的实现，基本功能都相同。</a:t>
-            </a:r>
-            <a:r>
-              <a:rPr lang="en-US" altLang="zh-CN" sz="2000" dirty="0"/>
-              <a:t>Linux</a:t>
-            </a:r>
-            <a:r>
-              <a:rPr lang="zh-CN" altLang="en-US" sz="2000" dirty="0"/>
-              <a:t>默认的</a:t>
-            </a:r>
-            <a:r>
-              <a:rPr lang="en-US" altLang="zh-CN" sz="2000" dirty="0"/>
-              <a:t>shell</a:t>
-            </a:r>
-            <a:r>
-              <a:rPr lang="zh-CN" altLang="en-US" sz="2000" dirty="0"/>
-              <a:t>大多都是</a:t>
-            </a:r>
-            <a:r>
-              <a:rPr lang="en-US" altLang="zh-CN" sz="2000" dirty="0"/>
+              <a:rPr lang="en-US" altLang="zh-CN" sz="2400" dirty="0"/>
+              <a:t>Ubuntu</a:t>
+            </a:r>
+            <a:r>
+              <a:rPr lang="zh-CN" altLang="en-US" sz="2400" dirty="0"/>
+              <a:t>桌面环境自带一个</a:t>
+            </a:r>
+            <a:r>
+              <a:rPr lang="en-US" altLang="zh-CN" sz="2400" dirty="0"/>
+              <a:t>terminal</a:t>
+            </a:r>
+            <a:r>
+              <a:rPr lang="zh-CN" altLang="en-US" sz="2400" dirty="0"/>
+              <a:t>软件，是终端模拟器（虚拟终端），启动后会运行</a:t>
+            </a:r>
+            <a:r>
+              <a:rPr lang="en-US" altLang="zh-CN" sz="2400" dirty="0"/>
               <a:t>bash</a:t>
             </a:r>
             <a:r>
-              <a:rPr lang="zh-CN" altLang="en-US" sz="2000" dirty="0"/>
-              <a:t>。类似的还有</a:t>
-            </a:r>
-            <a:r>
-              <a:rPr lang="en-US" altLang="zh-CN" sz="2000" dirty="0" err="1"/>
-              <a:t>sh</a:t>
-            </a:r>
-            <a:r>
-              <a:rPr lang="zh-CN" altLang="en-US" sz="2000" dirty="0"/>
-              <a:t>、</a:t>
-            </a:r>
-            <a:r>
-              <a:rPr lang="en-US" altLang="zh-CN" sz="2000" dirty="0" err="1"/>
-              <a:t>zsh</a:t>
-            </a:r>
-            <a:r>
-              <a:rPr lang="zh-CN" altLang="en-US" sz="2000" dirty="0"/>
-              <a:t>、</a:t>
-            </a:r>
-            <a:r>
-              <a:rPr lang="en-US" altLang="zh-CN" sz="2000" dirty="0"/>
-              <a:t>fish</a:t>
-            </a:r>
-            <a:r>
-              <a:rPr lang="zh-CN" altLang="en-US" sz="2000" dirty="0"/>
-              <a:t>等。</a:t>
-            </a:r>
-            <a:endParaRPr lang="en-US" altLang="zh-CN" sz="2000" dirty="0"/>
-          </a:p>
-          <a:p>
-            <a:endParaRPr lang="en-US" altLang="zh-CN" sz="2000" dirty="0"/>
-          </a:p>
-          <a:p>
-            <a:r>
-              <a:rPr lang="zh-CN" altLang="en-US" sz="2000" dirty="0"/>
-              <a:t>早期的计算机多个终端通过串口连接到主机上，而和主机直接配套的输入输出设备是控制台。而现在操作系统的虚拟控制台完成和终端相同的工作，有时候把虚拟控制台也成为虚拟终端。</a:t>
-            </a:r>
-            <a:endParaRPr lang="en-US" altLang="zh-CN" sz="2000" dirty="0"/>
-          </a:p>
-          <a:p>
-            <a:endParaRPr lang="en-US" altLang="zh-CN" sz="2000" dirty="0"/>
-          </a:p>
-          <a:p>
-            <a:r>
-              <a:rPr lang="en-US" altLang="zh-CN" sz="2000" dirty="0"/>
-              <a:t>Ubuntu</a:t>
-            </a:r>
-            <a:r>
-              <a:rPr lang="zh-CN" altLang="en-US" sz="2000" dirty="0"/>
-              <a:t>桌面环境自带一个</a:t>
-            </a:r>
-            <a:r>
-              <a:rPr lang="en-US" altLang="zh-CN" sz="2000" dirty="0"/>
-              <a:t>terminal</a:t>
-            </a:r>
-            <a:r>
-              <a:rPr lang="zh-CN" altLang="en-US" sz="2000" dirty="0"/>
-              <a:t>软件，是终端模拟器（虚拟终端），启动后会运行</a:t>
-            </a:r>
-            <a:r>
-              <a:rPr lang="en-US" altLang="zh-CN" sz="2000" dirty="0"/>
-              <a:t>bash</a:t>
-            </a:r>
-            <a:r>
-              <a:rPr lang="zh-CN" altLang="en-US" sz="2000" dirty="0"/>
+              <a:rPr lang="zh-CN" altLang="en-US" sz="2400" dirty="0"/>
               <a:t>。</a:t>
             </a:r>
-            <a:endParaRPr lang="en-US" altLang="zh-CN" sz="2000" dirty="0"/>
-          </a:p>
-          <a:p>
-            <a:r>
-              <a:rPr lang="zh-CN" altLang="en-US" sz="2000" dirty="0"/>
-              <a:t>常用的终端模拟器还有</a:t>
-            </a:r>
-            <a:r>
-              <a:rPr lang="en-US" altLang="zh-CN" sz="2000" dirty="0"/>
-              <a:t>terminator</a:t>
-            </a:r>
-            <a:r>
-              <a:rPr lang="zh-CN" altLang="en-US" sz="2000" dirty="0"/>
-              <a:t>，</a:t>
-            </a:r>
-            <a:r>
-              <a:rPr lang="en-US" altLang="zh-CN" sz="2000" dirty="0" err="1"/>
-              <a:t>tilda</a:t>
-            </a:r>
-            <a:r>
-              <a:rPr lang="zh-CN" altLang="en-US" sz="2000" dirty="0"/>
-              <a:t>，</a:t>
-            </a:r>
-            <a:r>
-              <a:rPr lang="en-US" altLang="zh-CN" sz="2000" dirty="0" err="1"/>
-              <a:t>guake</a:t>
-            </a:r>
-            <a:r>
-              <a:rPr lang="zh-CN" altLang="en-US" sz="2000" dirty="0"/>
-              <a:t>等，它们启动后都会运行一个</a:t>
-            </a:r>
-            <a:r>
-              <a:rPr lang="en-US" altLang="zh-CN" sz="2000" dirty="0"/>
-              <a:t>shell</a:t>
-            </a:r>
-            <a:r>
-              <a:rPr lang="zh-CN" altLang="en-US" sz="2000" dirty="0"/>
-              <a:t>。</a:t>
-            </a:r>
-            <a:endParaRPr lang="en-US" altLang="zh-CN" sz="2000" dirty="0"/>
+            <a:endParaRPr lang="en-US" altLang="zh-CN" sz="2400" dirty="0"/>
           </a:p>
           <a:p>
             <a:endParaRPr lang="en-US" altLang="zh-CN" sz="2000" dirty="0"/>
@@ -8698,63 +9867,63 @@
           <a:lstStyle/>
           <a:p>
             <a:r>
-              <a:rPr lang="zh-CN" altLang="en-US" sz="2000" dirty="0"/>
+              <a:rPr lang="zh-CN" altLang="en-US" sz="2400" dirty="0"/>
               <a:t>内部命令：属于</a:t>
             </a:r>
             <a:r>
-              <a:rPr lang="en-US" altLang="zh-CN" sz="2000" dirty="0"/>
+              <a:rPr lang="en-US" altLang="zh-CN" sz="2400" dirty="0"/>
               <a:t>Shell</a:t>
             </a:r>
             <a:r>
-              <a:rPr lang="zh-CN" altLang="en-US" sz="2000" dirty="0"/>
+              <a:rPr lang="zh-CN" altLang="en-US" sz="2400" dirty="0"/>
               <a:t>解释器的一部分，是</a:t>
             </a:r>
             <a:r>
-              <a:rPr lang="en-US" altLang="zh-CN" sz="2000" dirty="0"/>
+              <a:rPr lang="en-US" altLang="zh-CN" sz="2400" dirty="0"/>
               <a:t>shell</a:t>
             </a:r>
             <a:r>
-              <a:rPr lang="zh-CN" altLang="zh-CN" sz="2000" dirty="0"/>
+              <a:rPr lang="zh-CN" altLang="zh-CN" sz="2400" dirty="0"/>
               <a:t>程序自带的命令</a:t>
             </a:r>
             <a:r>
-              <a:rPr lang="zh-CN" altLang="en-US" sz="2000" dirty="0"/>
+              <a:rPr lang="zh-CN" altLang="en-US" sz="2400" dirty="0"/>
               <a:t>。</a:t>
             </a:r>
           </a:p>
           <a:p>
-            <a:endParaRPr lang="en-US" altLang="zh-CN" sz="2000" dirty="0"/>
-          </a:p>
-          <a:p>
-            <a:r>
-              <a:rPr lang="zh-CN" altLang="en-US" sz="2000" dirty="0"/>
+            <a:endParaRPr lang="en-US" altLang="zh-CN" sz="2400" dirty="0"/>
+          </a:p>
+          <a:p>
+            <a:r>
+              <a:rPr lang="zh-CN" altLang="en-US" sz="2400" dirty="0"/>
               <a:t>外部命令：独立于</a:t>
             </a:r>
             <a:r>
-              <a:rPr lang="en-US" altLang="zh-CN" sz="2000" dirty="0"/>
+              <a:rPr lang="en-US" altLang="zh-CN" sz="2400" dirty="0"/>
               <a:t>Shell</a:t>
             </a:r>
             <a:r>
-              <a:rPr lang="zh-CN" altLang="en-US" sz="2000" dirty="0"/>
+              <a:rPr lang="zh-CN" altLang="en-US" sz="2400" dirty="0"/>
               <a:t>解释器之外的程序文件，是</a:t>
             </a:r>
             <a:r>
-              <a:rPr lang="zh-CN" altLang="zh-CN" sz="2000" dirty="0"/>
+              <a:rPr lang="zh-CN" altLang="zh-CN" sz="2400" dirty="0"/>
               <a:t>在系统的某个路径下的可执行程序</a:t>
             </a:r>
             <a:r>
-              <a:rPr lang="zh-CN" altLang="en-US" sz="2000" dirty="0"/>
+              <a:rPr lang="zh-CN" altLang="en-US" sz="2400" dirty="0"/>
               <a:t>，由</a:t>
             </a:r>
             <a:r>
-              <a:rPr lang="en-US" altLang="zh-CN" sz="2000" dirty="0"/>
+              <a:rPr lang="en-US" altLang="zh-CN" sz="2400" dirty="0"/>
               <a:t>shell</a:t>
             </a:r>
             <a:r>
-              <a:rPr lang="zh-CN" altLang="en-US" sz="2000" dirty="0"/>
+              <a:rPr lang="zh-CN" altLang="en-US" sz="2400" dirty="0"/>
               <a:t>依照事先设定好的路径查找，找到后才能执行。</a:t>
             </a:r>
-            <a:endParaRPr lang="en-US" altLang="zh-CN" sz="2000" dirty="0"/>
+            <a:endParaRPr lang="en-US" altLang="zh-CN" sz="2400" dirty="0"/>
           </a:p>
           <a:p>
             <a:pPr marL="228600" lvl="1">
@@ -8762,7 +9931,7 @@
                 <a:spcPts val="1000"/>
               </a:spcBef>
             </a:pPr>
-            <a:endParaRPr lang="en-US" altLang="zh-CN" sz="2000" dirty="0"/>
+            <a:endParaRPr lang="en-US" altLang="zh-CN" dirty="0"/>
           </a:p>
           <a:p>
             <a:pPr marL="228600" lvl="1">
@@ -8771,27 +9940,27 @@
               </a:spcBef>
             </a:pPr>
             <a:r>
-              <a:rPr lang="en-US" altLang="zh-CN" sz="2000" dirty="0"/>
+              <a:rPr lang="en-US" altLang="zh-CN" dirty="0"/>
               <a:t>type &lt;command&gt; </a:t>
             </a:r>
             <a:r>
-              <a:rPr lang="zh-CN" altLang="zh-CN" sz="2000" dirty="0"/>
+              <a:rPr lang="zh-CN" altLang="zh-CN" dirty="0"/>
               <a:t>查看</a:t>
             </a:r>
             <a:r>
-              <a:rPr lang="en-US" altLang="zh-CN" sz="2000" dirty="0"/>
+              <a:rPr lang="en-US" altLang="zh-CN" dirty="0"/>
               <a:t>&lt;command&gt;</a:t>
             </a:r>
             <a:r>
-              <a:rPr lang="zh-CN" altLang="zh-CN" sz="2000" dirty="0"/>
+              <a:rPr lang="zh-CN" altLang="zh-CN" dirty="0"/>
               <a:t>是内部命令还是外部命令</a:t>
             </a:r>
             <a:r>
-              <a:rPr lang="zh-CN" altLang="en-US" sz="2000" dirty="0"/>
+              <a:rPr lang="zh-CN" altLang="en-US" dirty="0"/>
               <a:t>。</a:t>
             </a:r>
             <a:r>
-              <a:rPr lang="en-US" altLang="zh-CN" sz="2000" dirty="0">
+              <a:rPr lang="en-US" altLang="zh-CN" dirty="0">
                 <a:solidFill>
                   <a:srgbClr val="C00000"/>
                 </a:solidFill>
@@ -8799,7 +9968,7 @@
               <a:t>hash</a:t>
             </a:r>
             <a:r>
-              <a:rPr lang="zh-CN" altLang="en-US" sz="2000" dirty="0">
+              <a:rPr lang="zh-CN" altLang="en-US" dirty="0">
                 <a:solidFill>
                   <a:srgbClr val="C00000"/>
                 </a:solidFill>
@@ -8807,7 +9976,7 @@
               <a:t>表会缓存外部命令所在位置。刚开机时，</a:t>
             </a:r>
             <a:r>
-              <a:rPr lang="en-US" altLang="zh-CN" sz="2000" dirty="0">
+              <a:rPr lang="en-US" altLang="zh-CN" dirty="0">
                 <a:solidFill>
                   <a:srgbClr val="C00000"/>
                 </a:solidFill>
@@ -8815,7 +9984,7 @@
               <a:t>hash</a:t>
             </a:r>
             <a:r>
-              <a:rPr lang="zh-CN" altLang="en-US" sz="2000" dirty="0">
+              <a:rPr lang="zh-CN" altLang="en-US" dirty="0">
                 <a:solidFill>
                   <a:srgbClr val="C00000"/>
                 </a:solidFill>
@@ -8823,7 +9992,7 @@
               <a:t>表为空，每次运行命令，</a:t>
             </a:r>
             <a:r>
-              <a:rPr lang="en-US" altLang="zh-CN" sz="2000" dirty="0">
+              <a:rPr lang="en-US" altLang="zh-CN" dirty="0">
                 <a:solidFill>
                   <a:srgbClr val="C00000"/>
                 </a:solidFill>
@@ -8831,14 +10000,14 @@
               <a:t>hash</a:t>
             </a:r>
             <a:r>
-              <a:rPr lang="zh-CN" altLang="en-US" sz="2000" dirty="0">
+              <a:rPr lang="zh-CN" altLang="en-US" dirty="0">
                 <a:solidFill>
                   <a:srgbClr val="C00000"/>
                 </a:solidFill>
               </a:rPr>
               <a:t>表会缓存此命令的路径，提高命令查找效率。</a:t>
             </a:r>
-            <a:endParaRPr lang="en-US" altLang="zh-CN" sz="2000" dirty="0">
+            <a:endParaRPr lang="en-US" altLang="zh-CN" dirty="0">
               <a:solidFill>
                 <a:srgbClr val="C00000"/>
               </a:solidFill>
@@ -8850,7 +10019,7 @@
                 <a:spcPts val="1000"/>
               </a:spcBef>
             </a:pPr>
-            <a:endParaRPr lang="en-US" altLang="zh-CN" sz="2000" dirty="0"/>
+            <a:endParaRPr lang="en-US" altLang="zh-CN" dirty="0"/>
           </a:p>
           <a:p>
             <a:pPr marL="228600" lvl="1">
@@ -8859,34 +10028,33 @@
               </a:spcBef>
             </a:pPr>
             <a:r>
-              <a:rPr lang="en-US" altLang="zh-CN" sz="2000" dirty="0"/>
+              <a:rPr lang="en-US" altLang="zh-CN" dirty="0"/>
               <a:t>which/</a:t>
             </a:r>
             <a:r>
-              <a:rPr lang="en-US" altLang="zh-CN" sz="2000" dirty="0" err="1"/>
+              <a:rPr lang="en-US" altLang="zh-CN" dirty="0" err="1"/>
               <a:t>whereis</a:t>
             </a:r>
             <a:r>
-              <a:rPr lang="en-US" altLang="zh-CN" sz="2000" dirty="0"/>
+              <a:rPr lang="en-US" altLang="zh-CN" dirty="0"/>
               <a:t> &lt;command&gt;</a:t>
             </a:r>
             <a:r>
-              <a:rPr lang="zh-CN" altLang="zh-CN" sz="2000" dirty="0"/>
+              <a:rPr lang="zh-CN" altLang="zh-CN" dirty="0"/>
               <a:t>查看</a:t>
             </a:r>
             <a:r>
-              <a:rPr lang="en-US" altLang="zh-CN" sz="2000" dirty="0"/>
+              <a:rPr lang="en-US" altLang="zh-CN" dirty="0"/>
               <a:t>&lt;command&gt;</a:t>
             </a:r>
             <a:r>
-              <a:rPr lang="zh-CN" altLang="zh-CN" sz="2000" dirty="0"/>
+              <a:rPr lang="zh-CN" altLang="zh-CN" dirty="0"/>
               <a:t>命令所在的</a:t>
             </a:r>
             <a:r>
-              <a:rPr lang="zh-CN" altLang="en-US" sz="2000" dirty="0"/>
+              <a:rPr lang="zh-CN" altLang="en-US" dirty="0"/>
               <a:t>路径。</a:t>
             </a:r>
-            <a:endParaRPr lang="zh-CN" altLang="en-US" dirty="0"/>
           </a:p>
         </p:txBody>
       </p:sp>
@@ -8964,128 +10132,245 @@
           <a:lstStyle/>
           <a:p>
             <a:r>
-              <a:rPr lang="en-US" altLang="zh-CN" sz="2000" dirty="0"/>
+              <a:rPr lang="en-US" altLang="zh-CN" sz="2400" dirty="0"/>
               <a:t>Linux</a:t>
             </a:r>
             <a:r>
+              <a:rPr lang="zh-CN" altLang="en-US" sz="2400" dirty="0"/>
+              <a:t>命令的通用格式为：命令  </a:t>
+            </a:r>
+            <a:r>
+              <a:rPr lang="en-US" altLang="zh-CN" sz="2400" dirty="0"/>
+              <a:t>[</a:t>
+            </a:r>
+            <a:r>
+              <a:rPr lang="zh-CN" altLang="en-US" sz="2400" dirty="0"/>
+              <a:t>选项</a:t>
+            </a:r>
+            <a:r>
+              <a:rPr lang="en-US" altLang="zh-CN" sz="2400" dirty="0"/>
+              <a:t>]  [</a:t>
+            </a:r>
+            <a:r>
+              <a:rPr lang="zh-CN" altLang="en-US" sz="2400" dirty="0"/>
+              <a:t>参数</a:t>
+            </a:r>
+            <a:r>
+              <a:rPr lang="en-US" altLang="zh-CN" sz="2400" dirty="0"/>
+              <a:t>]</a:t>
+            </a:r>
+          </a:p>
+          <a:p>
+            <a:r>
+              <a:rPr lang="zh-CN" altLang="en-US" sz="2400" dirty="0"/>
+              <a:t>选项的含义：</a:t>
+            </a:r>
+          </a:p>
+          <a:p>
+            <a:pPr marL="457200" lvl="1" indent="0">
+              <a:buNone/>
+            </a:pPr>
+            <a:r>
               <a:rPr lang="zh-CN" altLang="en-US" sz="2000" dirty="0"/>
-              <a:t>命令的通用格式为：命令  </a:t>
-            </a:r>
-            <a:r>
-              <a:rPr lang="en-US" altLang="zh-CN" sz="2000" dirty="0"/>
-              <a:t>[</a:t>
-            </a:r>
+              <a:t>选项：用于调节命令的具体功能</a:t>
+            </a:r>
+          </a:p>
+          <a:p>
+            <a:pPr marL="914400" lvl="2" indent="0">
+              <a:buNone/>
+            </a:pPr>
+            <a:r>
+              <a:rPr lang="zh-CN" altLang="en-US" dirty="0"/>
+              <a:t>以 “</a:t>
+            </a:r>
+            <a:r>
+              <a:rPr lang="en-US" altLang="zh-CN" dirty="0"/>
+              <a:t>-”</a:t>
+            </a:r>
+            <a:r>
+              <a:rPr lang="zh-CN" altLang="en-US" dirty="0"/>
+              <a:t>引导短格式选项（单个字符），例如“</a:t>
+            </a:r>
+            <a:r>
+              <a:rPr lang="en-US" altLang="zh-CN" dirty="0"/>
+              <a:t>-l”</a:t>
+            </a:r>
+          </a:p>
+          <a:p>
+            <a:pPr marL="914400" lvl="2" indent="0">
+              <a:buNone/>
+            </a:pPr>
+            <a:r>
+              <a:rPr lang="zh-CN" altLang="en-US" dirty="0"/>
+              <a:t>以“</a:t>
+            </a:r>
+            <a:r>
+              <a:rPr lang="en-US" altLang="zh-CN" dirty="0"/>
+              <a:t>--”</a:t>
+            </a:r>
+            <a:r>
+              <a:rPr lang="zh-CN" altLang="en-US" dirty="0"/>
+              <a:t>引导长格式选项（多个字符），例如“</a:t>
+            </a:r>
+            <a:r>
+              <a:rPr lang="en-US" altLang="zh-CN" dirty="0"/>
+              <a:t>--color”</a:t>
+            </a:r>
+          </a:p>
+          <a:p>
+            <a:pPr marL="457200" lvl="1" indent="0">
+              <a:buNone/>
+            </a:pPr>
             <a:r>
               <a:rPr lang="zh-CN" altLang="en-US" sz="2000" dirty="0"/>
-              <a:t>选项</a:t>
-            </a:r>
-            <a:r>
-              <a:rPr lang="en-US" altLang="zh-CN" sz="2000" dirty="0"/>
-              <a:t>]  [</a:t>
-            </a:r>
-            <a:r>
-              <a:rPr lang="zh-CN" altLang="en-US" sz="2000" dirty="0"/>
-              <a:t>参数</a:t>
-            </a:r>
-            <a:r>
-              <a:rPr lang="en-US" altLang="zh-CN" sz="2000" dirty="0"/>
-              <a:t>]</a:t>
-            </a:r>
-          </a:p>
-          <a:p>
-            <a:r>
-              <a:rPr lang="zh-CN" altLang="en-US" sz="2000" dirty="0"/>
-              <a:t>选项及参数的含义：</a:t>
-            </a:r>
-          </a:p>
-          <a:p>
-            <a:pPr marL="0" indent="0">
-              <a:buNone/>
-            </a:pPr>
-            <a:r>
-              <a:rPr lang="zh-CN" altLang="en-US" sz="2000" dirty="0"/>
-              <a:t>   选项：用于调节命令的具体功能</a:t>
-            </a:r>
-          </a:p>
-          <a:p>
-            <a:pPr marL="0" indent="0">
-              <a:buNone/>
-            </a:pPr>
-            <a:r>
-              <a:rPr lang="zh-CN" altLang="en-US" sz="2000" dirty="0"/>
-              <a:t>         以 “</a:t>
-            </a:r>
-            <a:r>
-              <a:rPr lang="en-US" altLang="zh-CN" sz="2000" dirty="0"/>
-              <a:t>-”</a:t>
-            </a:r>
-            <a:r>
-              <a:rPr lang="zh-CN" altLang="en-US" sz="2000" dirty="0"/>
-              <a:t>引导短格式选项（单个字符），例如“</a:t>
-            </a:r>
-            <a:r>
-              <a:rPr lang="en-US" altLang="zh-CN" sz="2000" dirty="0"/>
-              <a:t>-l”</a:t>
-            </a:r>
-          </a:p>
-          <a:p>
-            <a:pPr marL="0" indent="0">
-              <a:buNone/>
-            </a:pPr>
-            <a:r>
-              <a:rPr lang="en-US" altLang="zh-CN" sz="2000" dirty="0"/>
-              <a:t>         </a:t>
-            </a:r>
-            <a:r>
-              <a:rPr lang="zh-CN" altLang="en-US" sz="2000" dirty="0"/>
-              <a:t>以“</a:t>
-            </a:r>
-            <a:r>
-              <a:rPr lang="en-US" altLang="zh-CN" sz="2000" dirty="0"/>
-              <a:t>--”</a:t>
-            </a:r>
-            <a:r>
-              <a:rPr lang="zh-CN" altLang="en-US" sz="2000" dirty="0"/>
-              <a:t>引导长格式选项（多个字符），例如“</a:t>
-            </a:r>
-            <a:r>
-              <a:rPr lang="en-US" altLang="zh-CN" sz="2000" dirty="0"/>
-              <a:t>--color”</a:t>
-            </a:r>
-          </a:p>
-          <a:p>
-            <a:pPr marL="0" indent="0">
-              <a:buNone/>
-            </a:pPr>
-            <a:r>
-              <a:rPr lang="en-US" altLang="zh-CN" sz="2000" dirty="0"/>
-              <a:t>   </a:t>
-            </a:r>
-            <a:r>
-              <a:rPr lang="zh-CN" altLang="en-US" sz="2000" dirty="0"/>
-              <a:t>多个短格式选项可以写在一起，只用一个“</a:t>
-            </a:r>
-            <a:r>
-              <a:rPr lang="en-US" altLang="zh-CN" sz="2000" dirty="0"/>
-              <a:t>-”</a:t>
-            </a:r>
-            <a:r>
-              <a:rPr lang="zh-CN" altLang="en-US" sz="2000" dirty="0"/>
-              <a:t>引导，例如“</a:t>
+              <a:t>多个短格式选项可以写在一起，例如“</a:t>
             </a:r>
             <a:r>
               <a:rPr lang="en-US" altLang="zh-CN" sz="2000" dirty="0"/>
               <a:t>-al”</a:t>
             </a:r>
-          </a:p>
-          <a:p>
             <a:r>
               <a:rPr lang="zh-CN" altLang="en-US" sz="2000" dirty="0"/>
-              <a:t>参数：命令操作的对象，如文件、目录名等</a:t>
-            </a:r>
-          </a:p>
-          <a:p>
-            <a:endParaRPr lang="zh-CN" altLang="en-US" sz="2000" dirty="0"/>
+              <a:t>，但是这和程序设计方式有关，如果程序不支持这种格式则不能这样使用。</a:t>
+            </a:r>
+            <a:endParaRPr lang="en-US" altLang="zh-CN" sz="2000" dirty="0"/>
+          </a:p>
+          <a:p>
+            <a:pPr marL="457200" lvl="1" indent="0">
+              <a:buNone/>
+            </a:pPr>
+            <a:endParaRPr lang="en-US" altLang="zh-CN" sz="2000" dirty="0"/>
+          </a:p>
+          <a:p>
+            <a:r>
+              <a:rPr lang="zh-CN" altLang="en-US" sz="2400" dirty="0"/>
+              <a:t>参数：命令操作的对象，如文件、目录名等。</a:t>
+            </a:r>
+          </a:p>
+          <a:p>
+            <a:endParaRPr lang="en-US" altLang="zh-CN" sz="2000" dirty="0"/>
+          </a:p>
+          <a:p>
+            <a:r>
+              <a:rPr lang="zh-CN" altLang="en-US" sz="2000" dirty="0">
+                <a:solidFill>
+                  <a:srgbClr val="C00000"/>
+                </a:solidFill>
+              </a:rPr>
+              <a:t>选项和参数都是人为的划分，对程序来说，比如</a:t>
+            </a:r>
+            <a:r>
+              <a:rPr lang="en-US" altLang="zh-CN" sz="2000" dirty="0">
+                <a:solidFill>
+                  <a:srgbClr val="C00000"/>
+                </a:solidFill>
+              </a:rPr>
+              <a:t>C</a:t>
+            </a:r>
+            <a:r>
+              <a:rPr lang="zh-CN" altLang="en-US" sz="2000" dirty="0">
+                <a:solidFill>
+                  <a:srgbClr val="C00000"/>
+                </a:solidFill>
+              </a:rPr>
+              <a:t>语言的</a:t>
+            </a:r>
+            <a:r>
+              <a:rPr lang="en-US" altLang="zh-CN" sz="2000" dirty="0">
+                <a:solidFill>
+                  <a:srgbClr val="C00000"/>
+                </a:solidFill>
+              </a:rPr>
+              <a:t>main(</a:t>
+            </a:r>
+            <a:r>
+              <a:rPr lang="en-US" altLang="zh-CN" sz="2000" dirty="0" err="1">
+                <a:solidFill>
+                  <a:srgbClr val="C00000"/>
+                </a:solidFill>
+              </a:rPr>
+              <a:t>int</a:t>
+            </a:r>
+            <a:r>
+              <a:rPr lang="en-US" altLang="zh-CN" sz="2000" dirty="0">
+                <a:solidFill>
+                  <a:srgbClr val="C00000"/>
+                </a:solidFill>
+              </a:rPr>
+              <a:t> </a:t>
+            </a:r>
+            <a:r>
+              <a:rPr lang="en-US" altLang="zh-CN" sz="2000" dirty="0" err="1">
+                <a:solidFill>
+                  <a:srgbClr val="C00000"/>
+                </a:solidFill>
+              </a:rPr>
+              <a:t>argc</a:t>
+            </a:r>
+            <a:r>
+              <a:rPr lang="en-US" altLang="zh-CN" sz="2000" dirty="0">
+                <a:solidFill>
+                  <a:srgbClr val="C00000"/>
+                </a:solidFill>
+              </a:rPr>
+              <a:t>, char *</a:t>
+            </a:r>
+            <a:r>
+              <a:rPr lang="en-US" altLang="zh-CN" sz="2000" dirty="0" err="1">
+                <a:solidFill>
+                  <a:srgbClr val="C00000"/>
+                </a:solidFill>
+              </a:rPr>
+              <a:t>argv</a:t>
+            </a:r>
+            <a:r>
+              <a:rPr lang="en-US" altLang="zh-CN" sz="2000" dirty="0">
+                <a:solidFill>
+                  <a:srgbClr val="C00000"/>
+                </a:solidFill>
+              </a:rPr>
+              <a:t>[])</a:t>
+            </a:r>
+            <a:r>
+              <a:rPr lang="zh-CN" altLang="en-US" sz="2000" dirty="0">
+                <a:solidFill>
+                  <a:srgbClr val="C00000"/>
+                </a:solidFill>
+              </a:rPr>
+              <a:t>函数，后面的选项和参数都会传递到</a:t>
+            </a:r>
+            <a:r>
+              <a:rPr lang="en-US" altLang="zh-CN" sz="2000" dirty="0" err="1">
+                <a:solidFill>
+                  <a:srgbClr val="C00000"/>
+                </a:solidFill>
+              </a:rPr>
+              <a:t>argv</a:t>
+            </a:r>
+            <a:r>
+              <a:rPr lang="zh-CN" altLang="en-US" sz="2000" dirty="0">
+                <a:solidFill>
+                  <a:srgbClr val="C00000"/>
+                </a:solidFill>
+              </a:rPr>
+              <a:t>，都是作为</a:t>
+            </a:r>
+            <a:r>
+              <a:rPr lang="en-US" altLang="zh-CN" sz="2000" dirty="0">
+                <a:solidFill>
+                  <a:srgbClr val="C00000"/>
+                </a:solidFill>
+              </a:rPr>
+              <a:t>main</a:t>
+            </a:r>
+            <a:r>
+              <a:rPr lang="zh-CN" altLang="en-US" sz="2000" dirty="0">
+                <a:solidFill>
+                  <a:srgbClr val="C00000"/>
+                </a:solidFill>
+              </a:rPr>
+              <a:t>函数的参数传递的。</a:t>
+            </a:r>
           </a:p>
         </p:txBody>
       </p:sp>
@@ -9121,13 +10406,7 @@
       </p:grpSpPr>
       <p:sp>
         <p:nvSpPr>
-          <p:cNvPr id="2" name="标题 1">
-            <a:extLst>
-              <a:ext uri="{FF2B5EF4-FFF2-40B4-BE49-F238E27FC236}">
-                <a16:creationId xmlns:a16="http://schemas.microsoft.com/office/drawing/2014/main" id="{8B88BACC-24DE-4087-9AB3-A099CF573089}"/>
-              </a:ext>
-            </a:extLst>
-          </p:cNvPr>
+          <p:cNvPr id="2" name="标题 1"/>
           <p:cNvSpPr>
             <a:spLocks noGrp="1"/>
           </p:cNvSpPr>
@@ -9142,20 +10421,14 @@
           <a:p>
             <a:r>
               <a:rPr lang="zh-CN" altLang="en-US" dirty="0"/>
-              <a:t>命令搜索路径</a:t>
-            </a:r>
-          </a:p>
-        </p:txBody>
-      </p:sp>
-      <p:sp>
-        <p:nvSpPr>
-          <p:cNvPr id="3" name="内容占位符 2">
-            <a:extLst>
-              <a:ext uri="{FF2B5EF4-FFF2-40B4-BE49-F238E27FC236}">
-                <a16:creationId xmlns:a16="http://schemas.microsoft.com/office/drawing/2014/main" id="{0A1C6B17-780B-4799-8193-E52FD817AC0E}"/>
-              </a:ext>
-            </a:extLst>
-          </p:cNvPr>
+              <a:t>获得命令帮助</a:t>
+            </a:r>
+          </a:p>
+        </p:txBody>
+      </p:sp>
+      <p:sp>
+        <p:nvSpPr>
+          <p:cNvPr id="3" name="内容占位符 2"/>
           <p:cNvSpPr>
             <a:spLocks noGrp="1"/>
           </p:cNvSpPr>
@@ -9165,206 +10438,189 @@
         </p:nvSpPr>
         <p:spPr/>
         <p:txBody>
-          <a:bodyPr>
-            <a:normAutofit/>
-          </a:bodyPr>
-          <a:lstStyle/>
-          <a:p>
+          <a:bodyPr/>
+          <a:lstStyle/>
+          <a:p>
+            <a:r>
+              <a:rPr lang="zh-CN" altLang="en-US" sz="2400" dirty="0"/>
+              <a:t>使用</a:t>
+            </a:r>
+            <a:r>
+              <a:rPr lang="en-US" altLang="zh-CN" sz="2400" dirty="0"/>
+              <a:t>help </a:t>
+            </a:r>
+            <a:r>
+              <a:rPr lang="zh-CN" altLang="en-US" sz="2400" dirty="0"/>
+              <a:t>查看</a:t>
+            </a:r>
+            <a:r>
+              <a:rPr lang="en-US" altLang="zh-CN" sz="2400" dirty="0"/>
+              <a:t>Bash</a:t>
+            </a:r>
+            <a:r>
+              <a:rPr lang="zh-CN" altLang="en-US" sz="2400" dirty="0"/>
+              <a:t>内部命令的帮助信息</a:t>
+            </a:r>
+            <a:endParaRPr lang="en-US" altLang="zh-CN" sz="2400" dirty="0"/>
+          </a:p>
+          <a:p>
+            <a:r>
+              <a:rPr lang="zh-CN" altLang="en-US" sz="2400" dirty="0"/>
+              <a:t>命令的“</a:t>
+            </a:r>
+            <a:r>
+              <a:rPr lang="en-US" altLang="zh-CN" sz="2400" dirty="0"/>
+              <a:t>--help” </a:t>
+            </a:r>
+            <a:r>
+              <a:rPr lang="zh-CN" altLang="en-US" sz="2400" dirty="0"/>
+              <a:t>选项适用于大多数外部命令 。</a:t>
+            </a:r>
+          </a:p>
+          <a:p>
+            <a:endParaRPr lang="en-US" altLang="zh-CN" sz="2000" dirty="0"/>
+          </a:p>
+          <a:p>
+            <a:r>
+              <a:rPr lang="zh-CN" altLang="en-US" sz="2400" dirty="0"/>
+              <a:t>使用</a:t>
+            </a:r>
+            <a:r>
+              <a:rPr lang="en-US" altLang="zh-CN" sz="2400" dirty="0"/>
+              <a:t>man</a:t>
+            </a:r>
+            <a:r>
+              <a:rPr lang="zh-CN" altLang="en-US" sz="2400" dirty="0"/>
+              <a:t>命令阅读手册页：</a:t>
+            </a:r>
+            <a:r>
+              <a:rPr lang="en-US" altLang="zh-CN" sz="2400" dirty="0"/>
+              <a:t>man  [COMMAND]</a:t>
+            </a:r>
+            <a:endParaRPr lang="zh-CN" altLang="en-US" sz="2400" dirty="0"/>
+          </a:p>
+          <a:p>
+            <a:pPr marL="0" indent="0">
+              <a:buNone/>
+            </a:pPr>
+            <a:r>
+              <a:rPr lang="zh-CN" altLang="en-US" sz="2000" dirty="0"/>
+              <a:t>     使用“↑”、“↓”方向键滚动文本</a:t>
+            </a:r>
+          </a:p>
+          <a:p>
+            <a:pPr marL="0" indent="0">
+              <a:buNone/>
+            </a:pPr>
+            <a:r>
+              <a:rPr lang="zh-CN" altLang="en-US" sz="2000" dirty="0"/>
+              <a:t>     使用</a:t>
+            </a:r>
             <a:r>
               <a:rPr lang="en-US" altLang="zh-CN" sz="2000" dirty="0"/>
-              <a:t>bash</a:t>
+              <a:t>Page Up</a:t>
             </a:r>
             <a:r>
               <a:rPr lang="zh-CN" altLang="en-US" sz="2000" dirty="0"/>
-              <a:t>会根据</a:t>
+              <a:t>和</a:t>
             </a:r>
             <a:r>
               <a:rPr lang="en-US" altLang="zh-CN" sz="2000" dirty="0"/>
-              <a:t>PATH</a:t>
+              <a:t>Page Down</a:t>
             </a:r>
             <a:r>
               <a:rPr lang="zh-CN" altLang="en-US" sz="2000" dirty="0"/>
-              <a:t>变量的设置自动寻找输入的命令。如果有同名的命令，按照路径顺序找到后返回执行，不再继续寻找。有同名的指令可以输入路径运行。</a:t>
-            </a:r>
-            <a:endParaRPr lang="en-US" altLang="zh-CN" sz="2000" dirty="0"/>
-          </a:p>
-          <a:p>
+              <a:t>键翻页 </a:t>
+            </a:r>
+          </a:p>
+          <a:p>
+            <a:pPr marL="0" indent="0">
+              <a:buNone/>
+            </a:pPr>
+            <a:r>
+              <a:rPr lang="zh-CN" altLang="en-US" sz="2000" dirty="0"/>
+              <a:t>     按</a:t>
+            </a:r>
             <a:r>
               <a:rPr lang="en-US" altLang="zh-CN" sz="2000" dirty="0"/>
-              <a:t>.profile</a:t>
+              <a:t>q</a:t>
             </a:r>
             <a:r>
               <a:rPr lang="zh-CN" altLang="en-US" sz="2000" dirty="0"/>
-              <a:t>记录了</a:t>
+              <a:t>键退出阅读环境、按“</a:t>
             </a:r>
             <a:r>
               <a:rPr lang="en-US" altLang="zh-CN" sz="2000" dirty="0"/>
-              <a:t>bash</a:t>
+              <a:t>/”</a:t>
             </a:r>
             <a:r>
               <a:rPr lang="zh-CN" altLang="en-US" sz="2000" dirty="0"/>
-              <a:t>会在哪些目录查找命令。</a:t>
-            </a:r>
-            <a:endParaRPr lang="en-US" altLang="zh-CN" sz="2000" dirty="0"/>
-          </a:p>
-          <a:p>
-            <a:r>
-              <a:rPr lang="zh-CN" altLang="en-US" sz="2000" dirty="0"/>
-              <a:t>默认的路径：</a:t>
-            </a:r>
-            <a:endParaRPr lang="en-US" altLang="zh-CN" sz="2000" dirty="0"/>
-          </a:p>
-          <a:p>
-            <a:pPr marL="457200" lvl="1" indent="0">
-              <a:buNone/>
-            </a:pPr>
-            <a:r>
-              <a:rPr lang="en-US" altLang="zh-CN" sz="1800" dirty="0"/>
-              <a:t>~/bin</a:t>
-            </a:r>
-          </a:p>
-          <a:p>
-            <a:pPr marL="457200" lvl="1" indent="0">
-              <a:buNone/>
-            </a:pPr>
-            <a:r>
-              <a:rPr lang="en-US" altLang="zh-CN" sz="1800" dirty="0"/>
-              <a:t>~/.local/bin</a:t>
-            </a:r>
-          </a:p>
-          <a:p>
-            <a:pPr marL="457200" lvl="1" indent="0">
-              <a:buNone/>
-            </a:pPr>
-            <a:r>
-              <a:rPr lang="en-US" altLang="zh-CN" sz="1800" dirty="0"/>
-              <a:t>/</a:t>
-            </a:r>
-            <a:r>
-              <a:rPr lang="en-US" altLang="zh-CN" sz="1800" dirty="0" err="1"/>
-              <a:t>usr</a:t>
-            </a:r>
-            <a:r>
-              <a:rPr lang="en-US" altLang="zh-CN" sz="1800" dirty="0"/>
-              <a:t>/local/</a:t>
-            </a:r>
-            <a:r>
-              <a:rPr lang="en-US" altLang="zh-CN" sz="1800" dirty="0" err="1"/>
-              <a:t>sbin</a:t>
-            </a:r>
-            <a:endParaRPr lang="en-US" altLang="zh-CN" sz="1800" dirty="0"/>
-          </a:p>
-          <a:p>
-            <a:pPr marL="457200" lvl="1" indent="0">
-              <a:buNone/>
-            </a:pPr>
-            <a:r>
-              <a:rPr lang="en-US" altLang="zh-CN" sz="1800" dirty="0"/>
-              <a:t>/</a:t>
-            </a:r>
-            <a:r>
-              <a:rPr lang="en-US" altLang="zh-CN" sz="1800" dirty="0" err="1"/>
-              <a:t>usr</a:t>
-            </a:r>
-            <a:r>
-              <a:rPr lang="en-US" altLang="zh-CN" sz="1800" dirty="0"/>
-              <a:t>/local/bin</a:t>
-            </a:r>
-          </a:p>
-          <a:p>
-            <a:pPr marL="457200" lvl="1" indent="0">
-              <a:buNone/>
-            </a:pPr>
-            <a:r>
-              <a:rPr lang="en-US" altLang="zh-CN" sz="1800" dirty="0"/>
-              <a:t>/</a:t>
-            </a:r>
-            <a:r>
-              <a:rPr lang="en-US" altLang="zh-CN" sz="1800" dirty="0" err="1"/>
-              <a:t>usr</a:t>
-            </a:r>
-            <a:r>
-              <a:rPr lang="en-US" altLang="zh-CN" sz="1800" dirty="0"/>
-              <a:t>/</a:t>
-            </a:r>
-            <a:r>
-              <a:rPr lang="en-US" altLang="zh-CN" sz="1800" dirty="0" err="1"/>
-              <a:t>sbin</a:t>
-            </a:r>
-            <a:endParaRPr lang="en-US" altLang="zh-CN" sz="1800" dirty="0"/>
-          </a:p>
-          <a:p>
-            <a:pPr marL="457200" lvl="1" indent="0">
-              <a:buNone/>
-            </a:pPr>
-            <a:r>
-              <a:rPr lang="en-US" altLang="zh-CN" sz="1800" dirty="0"/>
-              <a:t>/</a:t>
-            </a:r>
-            <a:r>
-              <a:rPr lang="en-US" altLang="zh-CN" sz="1800" dirty="0" err="1"/>
-              <a:t>usr</a:t>
-            </a:r>
-            <a:r>
-              <a:rPr lang="en-US" altLang="zh-CN" sz="1800" dirty="0"/>
-              <a:t>/bin</a:t>
-            </a:r>
-          </a:p>
-          <a:p>
-            <a:pPr marL="457200" lvl="1" indent="0">
-              <a:buNone/>
-            </a:pPr>
-            <a:r>
-              <a:rPr lang="en-US" altLang="zh-CN" sz="1800" dirty="0"/>
-              <a:t>/</a:t>
-            </a:r>
-            <a:r>
-              <a:rPr lang="en-US" altLang="zh-CN" sz="1800" dirty="0" err="1"/>
-              <a:t>sbin</a:t>
-            </a:r>
-            <a:endParaRPr lang="en-US" altLang="zh-CN" sz="1800" dirty="0"/>
-          </a:p>
-          <a:p>
-            <a:pPr marL="457200" lvl="1" indent="0">
-              <a:buNone/>
-            </a:pPr>
-            <a:r>
-              <a:rPr lang="en-US" altLang="zh-CN" sz="1800" dirty="0"/>
-              <a:t>/bin</a:t>
-            </a:r>
-          </a:p>
-          <a:p>
-            <a:pPr marL="457200" lvl="1" indent="0">
-              <a:buNone/>
-            </a:pPr>
-            <a:r>
-              <a:rPr lang="en-US" altLang="zh-CN" sz="1800" dirty="0"/>
-              <a:t>/</a:t>
-            </a:r>
-            <a:r>
-              <a:rPr lang="en-US" altLang="zh-CN" sz="1800" dirty="0" err="1"/>
-              <a:t>usr</a:t>
-            </a:r>
-            <a:r>
-              <a:rPr lang="en-US" altLang="zh-CN" sz="1800" dirty="0"/>
-              <a:t>/games</a:t>
-            </a:r>
-          </a:p>
-          <a:p>
-            <a:pPr marL="457200" lvl="1" indent="0">
-              <a:buNone/>
-            </a:pPr>
-            <a:r>
-              <a:rPr lang="en-US" altLang="zh-CN" sz="1800" dirty="0"/>
-              <a:t>/</a:t>
-            </a:r>
-            <a:r>
-              <a:rPr lang="en-US" altLang="zh-CN" sz="1800" dirty="0" err="1"/>
-              <a:t>usr</a:t>
-            </a:r>
-            <a:r>
-              <a:rPr lang="en-US" altLang="zh-CN" sz="1800" dirty="0"/>
-              <a:t>/local/games</a:t>
+              <a:t>键后查找内容</a:t>
+            </a:r>
+          </a:p>
+          <a:p>
+            <a:endParaRPr lang="en-US" altLang="zh-CN" sz="2400" dirty="0"/>
+          </a:p>
+          <a:p>
+            <a:r>
+              <a:rPr lang="zh-CN" altLang="en-US" sz="2400" dirty="0"/>
+              <a:t>示例：</a:t>
+            </a:r>
+            <a:r>
+              <a:rPr lang="en-US" altLang="zh-CN" sz="2400" dirty="0"/>
+              <a:t>type  test</a:t>
+            </a:r>
+            <a:r>
+              <a:rPr lang="zh-CN" altLang="en-US" sz="2400" dirty="0"/>
+              <a:t>查看</a:t>
+            </a:r>
+            <a:r>
+              <a:rPr lang="en-US" altLang="zh-CN" sz="2400" dirty="0"/>
+              <a:t>test</a:t>
+            </a:r>
+            <a:r>
+              <a:rPr lang="zh-CN" altLang="en-US" sz="2400" dirty="0"/>
+              <a:t>是</a:t>
+            </a:r>
+            <a:r>
+              <a:rPr lang="en-US" altLang="zh-CN" sz="2400" dirty="0"/>
+              <a:t>shell</a:t>
+            </a:r>
+            <a:r>
+              <a:rPr lang="zh-CN" altLang="en-US" sz="2400" dirty="0"/>
+              <a:t>内建命令，则使用</a:t>
+            </a:r>
+            <a:r>
+              <a:rPr lang="en-US" altLang="zh-CN" sz="2400" dirty="0"/>
+              <a:t>help  test</a:t>
+            </a:r>
+            <a:r>
+              <a:rPr lang="zh-CN" altLang="en-US" sz="2400" dirty="0"/>
+              <a:t>查看帮助信息，而</a:t>
+            </a:r>
+            <a:r>
+              <a:rPr lang="en-US" altLang="zh-CN" sz="2400" dirty="0"/>
+              <a:t>ls</a:t>
+            </a:r>
+            <a:r>
+              <a:rPr lang="zh-CN" altLang="en-US" sz="2400" dirty="0"/>
+              <a:t>是独立于</a:t>
+            </a:r>
+            <a:r>
+              <a:rPr lang="en-US" altLang="zh-CN" sz="2400" dirty="0"/>
+              <a:t>shell</a:t>
+            </a:r>
+            <a:r>
+              <a:rPr lang="zh-CN" altLang="en-US" sz="2400" dirty="0"/>
+              <a:t>的命令，则使用</a:t>
+            </a:r>
+            <a:r>
+              <a:rPr lang="en-US" altLang="zh-CN" sz="2400" dirty="0"/>
+              <a:t>man  ls</a:t>
+            </a:r>
+            <a:r>
+              <a:rPr lang="zh-CN" altLang="en-US" sz="2400" dirty="0"/>
+              <a:t>查看手册。</a:t>
             </a:r>
           </a:p>
         </p:txBody>
@@ -9372,7 +10628,7 @@
     </p:spTree>
     <p:extLst>
       <p:ext uri="{BB962C8B-B14F-4D97-AF65-F5344CB8AC3E}">
-        <p14:creationId xmlns:p14="http://schemas.microsoft.com/office/powerpoint/2010/main" val="2090684580"/>
+        <p14:creationId xmlns:p14="http://schemas.microsoft.com/office/powerpoint/2010/main" val="3509155720"/>
       </p:ext>
     </p:extLst>
   </p:cSld>
@@ -9422,7 +10678,7 @@
           <a:p>
             <a:r>
               <a:rPr lang="zh-CN" altLang="en-US" dirty="0"/>
-              <a:t>添加其他路径</a:t>
+              <a:t>命令搜索路径</a:t>
             </a:r>
           </a:p>
         </p:txBody>
@@ -9445,127 +10701,184 @@
         </p:nvSpPr>
         <p:spPr/>
         <p:txBody>
-          <a:bodyPr/>
-          <a:lstStyle/>
-          <a:p>
+          <a:bodyPr>
+            <a:normAutofit/>
+          </a:bodyPr>
+          <a:lstStyle/>
+          <a:p>
+            <a:r>
+              <a:rPr lang="en-US" altLang="zh-CN" sz="2400" dirty="0"/>
+              <a:t>bash</a:t>
+            </a:r>
+            <a:r>
+              <a:rPr lang="zh-CN" altLang="en-US" sz="2400" dirty="0"/>
+              <a:t>会根据</a:t>
+            </a:r>
+            <a:r>
+              <a:rPr lang="en-US" altLang="zh-CN" sz="2400" dirty="0"/>
+              <a:t>PATH</a:t>
+            </a:r>
+            <a:r>
+              <a:rPr lang="zh-CN" altLang="en-US" sz="2400" dirty="0"/>
+              <a:t>变量的设置自动寻找输入的命令。如果有同名的命令，按照路径顺序找到后返回执行，不再继续寻找。有同名的指令可以输入路径运行。</a:t>
+            </a:r>
+            <a:endParaRPr lang="en-US" altLang="zh-CN" sz="2400" dirty="0"/>
+          </a:p>
+          <a:p>
+            <a:r>
+              <a:rPr lang="en-US" altLang="zh-CN" sz="2400" dirty="0"/>
+              <a:t>.profile</a:t>
+            </a:r>
+            <a:r>
+              <a:rPr lang="zh-CN" altLang="en-US" sz="2400" dirty="0"/>
+              <a:t>记录了</a:t>
+            </a:r>
+            <a:r>
+              <a:rPr lang="en-US" altLang="zh-CN" sz="2400" dirty="0"/>
+              <a:t>bash</a:t>
+            </a:r>
+            <a:r>
+              <a:rPr lang="zh-CN" altLang="en-US" sz="2400" dirty="0"/>
+              <a:t>会在哪些目录查找命令。</a:t>
+            </a:r>
+            <a:endParaRPr lang="en-US" altLang="zh-CN" sz="2400" dirty="0"/>
+          </a:p>
+          <a:p>
+            <a:r>
+              <a:rPr lang="zh-CN" altLang="en-US" sz="2400" dirty="0"/>
+              <a:t>默认的路径搜索顺序</a:t>
+            </a:r>
+            <a:r>
+              <a:rPr lang="en-US" altLang="zh-CN" sz="2400" dirty="0"/>
+              <a:t>(</a:t>
+            </a:r>
+            <a:r>
+              <a:rPr lang="zh-CN" altLang="en-US" sz="2400" dirty="0"/>
+              <a:t>用；隔开</a:t>
+            </a:r>
+            <a:r>
+              <a:rPr lang="en-US" altLang="zh-CN" sz="2400" dirty="0"/>
+              <a:t>)</a:t>
+            </a:r>
+            <a:r>
+              <a:rPr lang="zh-CN" altLang="en-US" sz="2400" dirty="0"/>
+              <a:t>：</a:t>
+            </a:r>
+            <a:endParaRPr lang="en-US" altLang="zh-CN" sz="2400" dirty="0"/>
+          </a:p>
+          <a:p>
+            <a:pPr marL="457200" lvl="1" indent="0">
+              <a:buNone/>
+            </a:pPr>
+            <a:r>
+              <a:rPr lang="en-US" altLang="zh-CN" sz="2000" dirty="0"/>
+              <a:t>~/bin  ;</a:t>
+            </a:r>
             <a:r>
               <a:rPr lang="zh-CN" altLang="en-US" sz="2000" dirty="0"/>
-              <a:t>如果在用户主目录下存在</a:t>
+              <a:t>  </a:t>
             </a:r>
             <a:r>
               <a:rPr lang="en-US" altLang="zh-CN" sz="2000" dirty="0"/>
-              <a:t>ins</a:t>
-            </a:r>
-            <a:r>
-              <a:rPr lang="zh-CN" altLang="en-US" sz="2000" dirty="0"/>
-              <a:t>目录，并希望添加到</a:t>
-            </a:r>
+              <a:t>~/.local/bin</a:t>
+            </a:r>
+          </a:p>
+          <a:p>
+            <a:pPr marL="457200" lvl="1" indent="0">
+              <a:buNone/>
+            </a:pPr>
             <a:r>
               <a:rPr lang="en-US" altLang="zh-CN" sz="2000" dirty="0"/>
-              <a:t>PATH</a:t>
-            </a:r>
-            <a:r>
-              <a:rPr lang="zh-CN" altLang="en-US" sz="2000" dirty="0"/>
-              <a:t>环境变量中，可以在用户主目录下找到</a:t>
+              <a:t>/</a:t>
+            </a:r>
+            <a:r>
+              <a:rPr lang="en-US" altLang="zh-CN" sz="2000" dirty="0" err="1"/>
+              <a:t>usr</a:t>
             </a:r>
             <a:r>
               <a:rPr lang="en-US" altLang="zh-CN" sz="2000" dirty="0"/>
-              <a:t>.profile</a:t>
-            </a:r>
-            <a:r>
-              <a:rPr lang="zh-CN" altLang="en-US" sz="2000" dirty="0"/>
-              <a:t>文件，使用文本编辑器打开。</a:t>
-            </a:r>
-            <a:endParaRPr lang="en-US" altLang="zh-CN" sz="2000" dirty="0"/>
-          </a:p>
-          <a:p>
-            <a:r>
-              <a:rPr lang="zh-CN" altLang="en-US" sz="2000" dirty="0"/>
-              <a:t>在</a:t>
+              <a:t>/local/</a:t>
+            </a:r>
+            <a:r>
+              <a:rPr lang="en-US" altLang="zh-CN" sz="2000" dirty="0" err="1"/>
+              <a:t>sbin</a:t>
             </a:r>
             <a:r>
               <a:rPr lang="en-US" altLang="zh-CN" sz="2000" dirty="0"/>
-              <a:t>PATH=</a:t>
-            </a:r>
-            <a:r>
-              <a:rPr lang="zh-CN" altLang="en-US" sz="2000" dirty="0"/>
-              <a:t>后面的双引号中的字符串末尾添加 </a:t>
+              <a:t> ; /</a:t>
+            </a:r>
+            <a:r>
+              <a:rPr lang="en-US" altLang="zh-CN" sz="2000" dirty="0" err="1"/>
+              <a:t>usr</a:t>
             </a:r>
             <a:r>
               <a:rPr lang="en-US" altLang="zh-CN" sz="2000" dirty="0"/>
-              <a:t>:$HOME/ins</a:t>
-            </a:r>
-            <a:r>
-              <a:rPr lang="zh-CN" altLang="en-US" sz="2000" dirty="0"/>
-              <a:t>，保存文件。</a:t>
-            </a:r>
-            <a:endParaRPr lang="en-US" altLang="zh-CN" sz="2000" dirty="0"/>
-          </a:p>
-          <a:p>
-            <a:r>
-              <a:rPr lang="zh-CN" altLang="en-US" sz="2000" dirty="0"/>
-              <a:t>然后运行</a:t>
+              <a:t>/local/bin ; /</a:t>
+            </a:r>
+            <a:r>
+              <a:rPr lang="en-US" altLang="zh-CN" sz="2000" dirty="0" err="1"/>
+              <a:t>usr</a:t>
             </a:r>
             <a:r>
               <a:rPr lang="en-US" altLang="zh-CN" sz="2000" dirty="0"/>
-              <a:t>source  .profile</a:t>
-            </a:r>
-          </a:p>
-          <a:p>
-            <a:r>
-              <a:rPr lang="zh-CN" altLang="en-US" sz="2000" dirty="0"/>
-              <a:t>这样就可以直接在</a:t>
+              <a:t>/</a:t>
+            </a:r>
+            <a:r>
+              <a:rPr lang="en-US" altLang="zh-CN" sz="2000" dirty="0" err="1"/>
+              <a:t>sbin</a:t>
             </a:r>
             <a:r>
               <a:rPr lang="en-US" altLang="zh-CN" sz="2000" dirty="0"/>
-              <a:t>shell</a:t>
-            </a:r>
-            <a:r>
-              <a:rPr lang="zh-CN" altLang="en-US" sz="2000" dirty="0"/>
-              <a:t>中输入</a:t>
+              <a:t> ; /</a:t>
+            </a:r>
+            <a:r>
+              <a:rPr lang="en-US" altLang="zh-CN" sz="2000" dirty="0" err="1"/>
+              <a:t>usr</a:t>
             </a:r>
             <a:r>
               <a:rPr lang="en-US" altLang="zh-CN" sz="2000" dirty="0"/>
-              <a:t>ins</a:t>
-            </a:r>
-            <a:r>
-              <a:rPr lang="zh-CN" altLang="en-US" sz="2000" dirty="0"/>
-              <a:t>目录下存在的程序名称被</a:t>
-            </a:r>
+              <a:t>/bin</a:t>
+            </a:r>
+          </a:p>
+          <a:p>
+            <a:pPr marL="457200" lvl="1" indent="0">
+              <a:buNone/>
+            </a:pPr>
             <a:r>
               <a:rPr lang="en-US" altLang="zh-CN" sz="2000" dirty="0"/>
-              <a:t>shell</a:t>
-            </a:r>
-            <a:r>
-              <a:rPr lang="zh-CN" altLang="en-US" sz="2000" dirty="0"/>
-              <a:t>执行了。</a:t>
-            </a:r>
-            <a:endParaRPr lang="en-US" altLang="zh-CN" sz="2000" dirty="0"/>
-          </a:p>
-          <a:p>
-            <a:endParaRPr lang="en-US" altLang="zh-CN" sz="2000" dirty="0"/>
-          </a:p>
-          <a:p>
-            <a:r>
-              <a:rPr lang="zh-CN" altLang="en-US" sz="2000" dirty="0"/>
-              <a:t>可以使用</a:t>
+              <a:t> /</a:t>
             </a:r>
             <a:r>
               <a:rPr lang="en-US" altLang="zh-CN" sz="2000" dirty="0" err="1"/>
-              <a:t>env</a:t>
-            </a:r>
-            <a:r>
-              <a:rPr lang="zh-CN" altLang="en-US" sz="2000" dirty="0"/>
-              <a:t>命令显示系统中已存在的环境变量。</a:t>
-            </a:r>
-            <a:endParaRPr lang="en-US" altLang="zh-CN" sz="2000" dirty="0"/>
+              <a:t>sbin</a:t>
+            </a:r>
+            <a:r>
+              <a:rPr lang="en-US" altLang="zh-CN" sz="2000" dirty="0"/>
+              <a:t> ; /bin ; /</a:t>
+            </a:r>
+            <a:r>
+              <a:rPr lang="en-US" altLang="zh-CN" sz="2000" dirty="0" err="1"/>
+              <a:t>usr</a:t>
+            </a:r>
+            <a:r>
+              <a:rPr lang="en-US" altLang="zh-CN" sz="2000" dirty="0"/>
+              <a:t>/games ; /</a:t>
+            </a:r>
+            <a:r>
+              <a:rPr lang="en-US" altLang="zh-CN" sz="2000" dirty="0" err="1"/>
+              <a:t>usr</a:t>
+            </a:r>
+            <a:r>
+              <a:rPr lang="en-US" altLang="zh-CN" sz="2000" dirty="0"/>
+              <a:t>/local/games</a:t>
+            </a:r>
           </a:p>
         </p:txBody>
       </p:sp>
     </p:spTree>
     <p:extLst>
       <p:ext uri="{BB962C8B-B14F-4D97-AF65-F5344CB8AC3E}">
-        <p14:creationId xmlns:p14="http://schemas.microsoft.com/office/powerpoint/2010/main" val="2327851467"/>
+        <p14:creationId xmlns:p14="http://schemas.microsoft.com/office/powerpoint/2010/main" val="2090684580"/>
       </p:ext>
     </p:extLst>
   </p:cSld>
@@ -9594,7 +10907,13 @@
       </p:grpSpPr>
       <p:sp>
         <p:nvSpPr>
-          <p:cNvPr id="2" name="标题 1"/>
+          <p:cNvPr id="2" name="标题 1">
+            <a:extLst>
+              <a:ext uri="{FF2B5EF4-FFF2-40B4-BE49-F238E27FC236}">
+                <a16:creationId xmlns:a16="http://schemas.microsoft.com/office/drawing/2014/main" id="{8B88BACC-24DE-4087-9AB3-A099CF573089}"/>
+              </a:ext>
+            </a:extLst>
+          </p:cNvPr>
           <p:cNvSpPr>
             <a:spLocks noGrp="1"/>
           </p:cNvSpPr>
@@ -9609,14 +10928,20 @@
           <a:p>
             <a:r>
               <a:rPr lang="zh-CN" altLang="en-US" dirty="0"/>
-              <a:t>获得命令帮助</a:t>
-            </a:r>
-          </a:p>
-        </p:txBody>
-      </p:sp>
-      <p:sp>
-        <p:nvSpPr>
-          <p:cNvPr id="3" name="内容占位符 2"/>
+              <a:t>添加其他路径</a:t>
+            </a:r>
+          </a:p>
+        </p:txBody>
+      </p:sp>
+      <p:sp>
+        <p:nvSpPr>
+          <p:cNvPr id="3" name="内容占位符 2">
+            <a:extLst>
+              <a:ext uri="{FF2B5EF4-FFF2-40B4-BE49-F238E27FC236}">
+                <a16:creationId xmlns:a16="http://schemas.microsoft.com/office/drawing/2014/main" id="{0A1C6B17-780B-4799-8193-E52FD817AC0E}"/>
+              </a:ext>
+            </a:extLst>
+          </p:cNvPr>
           <p:cNvSpPr>
             <a:spLocks noGrp="1"/>
           </p:cNvSpPr>
@@ -9626,137 +10951,167 @@
         </p:nvSpPr>
         <p:spPr/>
         <p:txBody>
-          <a:bodyPr/>
-          <a:lstStyle/>
-          <a:p>
-            <a:r>
-              <a:rPr lang="zh-CN" altLang="en-US" sz="2000" dirty="0"/>
-              <a:t>使用</a:t>
-            </a:r>
-            <a:r>
-              <a:rPr lang="en-US" altLang="zh-CN" sz="2000" dirty="0"/>
-              <a:t>help </a:t>
-            </a:r>
-            <a:r>
-              <a:rPr lang="zh-CN" altLang="en-US" sz="2000" dirty="0"/>
-              <a:t>查看</a:t>
-            </a:r>
-            <a:r>
-              <a:rPr lang="en-US" altLang="zh-CN" sz="2000" dirty="0"/>
-              <a:t>Bash</a:t>
-            </a:r>
-            <a:r>
-              <a:rPr lang="zh-CN" altLang="en-US" sz="2000" dirty="0"/>
-              <a:t>内部命令的帮助信息</a:t>
-            </a:r>
-          </a:p>
-          <a:p>
-            <a:endParaRPr lang="en-US" altLang="zh-CN" sz="2000" dirty="0"/>
-          </a:p>
-          <a:p>
-            <a:r>
-              <a:rPr lang="zh-CN" altLang="en-US" sz="2000" dirty="0"/>
-              <a:t>命令的“</a:t>
-            </a:r>
-            <a:r>
-              <a:rPr lang="en-US" altLang="zh-CN" sz="2000" dirty="0"/>
-              <a:t>--help” </a:t>
-            </a:r>
-            <a:r>
-              <a:rPr lang="zh-CN" altLang="en-US" sz="2000" dirty="0"/>
-              <a:t>选项适用于大多数外部命令 </a:t>
-            </a:r>
-          </a:p>
-          <a:p>
-            <a:endParaRPr lang="en-US" altLang="zh-CN" sz="2000" dirty="0"/>
-          </a:p>
-          <a:p>
-            <a:r>
-              <a:rPr lang="zh-CN" altLang="en-US" sz="2000" dirty="0"/>
-              <a:t>使用</a:t>
-            </a:r>
-            <a:r>
-              <a:rPr lang="en-US" altLang="zh-CN" sz="2000" dirty="0"/>
-              <a:t>man</a:t>
-            </a:r>
-            <a:r>
-              <a:rPr lang="zh-CN" altLang="en-US" sz="2000" dirty="0"/>
-              <a:t>命令阅读手册页：</a:t>
-            </a:r>
-            <a:r>
-              <a:rPr lang="en-US" altLang="zh-CN" sz="2000" dirty="0"/>
-              <a:t>man  [COMMAND]</a:t>
-            </a:r>
-            <a:endParaRPr lang="zh-CN" altLang="en-US" sz="2000" dirty="0"/>
-          </a:p>
-          <a:p>
-            <a:pPr marL="0" indent="0">
-              <a:buNone/>
-            </a:pPr>
-            <a:r>
-              <a:rPr lang="zh-CN" altLang="en-US" sz="1800" dirty="0"/>
-              <a:t>     使用“↑”、“↓”方向键滚动文本</a:t>
-            </a:r>
-          </a:p>
-          <a:p>
-            <a:pPr marL="0" indent="0">
-              <a:buNone/>
-            </a:pPr>
-            <a:r>
-              <a:rPr lang="zh-CN" altLang="en-US" sz="1800" dirty="0"/>
-              <a:t>     使用</a:t>
-            </a:r>
-            <a:r>
-              <a:rPr lang="en-US" altLang="zh-CN" sz="1800" dirty="0"/>
-              <a:t>Page Up</a:t>
-            </a:r>
-            <a:r>
-              <a:rPr lang="zh-CN" altLang="en-US" sz="1800" dirty="0"/>
-              <a:t>和</a:t>
-            </a:r>
-            <a:r>
-              <a:rPr lang="en-US" altLang="zh-CN" sz="1800" dirty="0"/>
-              <a:t>Page Down</a:t>
-            </a:r>
-            <a:r>
-              <a:rPr lang="zh-CN" altLang="en-US" sz="1800" dirty="0"/>
-              <a:t>键翻页 </a:t>
-            </a:r>
-          </a:p>
-          <a:p>
-            <a:pPr marL="0" indent="0">
-              <a:buNone/>
-            </a:pPr>
-            <a:r>
-              <a:rPr lang="zh-CN" altLang="en-US" sz="1800" dirty="0"/>
-              <a:t>     按</a:t>
-            </a:r>
-            <a:r>
-              <a:rPr lang="en-US" altLang="zh-CN" sz="1800" dirty="0"/>
-              <a:t>q</a:t>
-            </a:r>
-            <a:r>
-              <a:rPr lang="zh-CN" altLang="en-US" sz="1800" dirty="0"/>
-              <a:t>键退出阅读环境、按“</a:t>
-            </a:r>
-            <a:r>
-              <a:rPr lang="en-US" altLang="zh-CN" sz="1800" dirty="0"/>
-              <a:t>/”</a:t>
-            </a:r>
-            <a:r>
-              <a:rPr lang="zh-CN" altLang="en-US" sz="1800" dirty="0"/>
-              <a:t>键后查找内容</a:t>
-            </a:r>
-          </a:p>
-          <a:p>
-            <a:endParaRPr lang="zh-CN" altLang="en-US" dirty="0"/>
+          <a:bodyPr>
+            <a:normAutofit/>
+          </a:bodyPr>
+          <a:lstStyle/>
+          <a:p>
+            <a:r>
+              <a:rPr lang="zh-CN" altLang="en-US" sz="2400" dirty="0"/>
+              <a:t>如果在用户主目录下存在</a:t>
+            </a:r>
+            <a:r>
+              <a:rPr lang="en-US" altLang="zh-CN" sz="2400" dirty="0"/>
+              <a:t>ins</a:t>
+            </a:r>
+            <a:r>
+              <a:rPr lang="zh-CN" altLang="en-US" sz="2400" dirty="0"/>
+              <a:t>目录，并希望添加到</a:t>
+            </a:r>
+            <a:r>
+              <a:rPr lang="en-US" altLang="zh-CN" sz="2400" dirty="0"/>
+              <a:t>PATH</a:t>
+            </a:r>
+            <a:r>
+              <a:rPr lang="zh-CN" altLang="en-US" sz="2400" dirty="0"/>
+              <a:t>环境变量中，可以在用户主目录下找到</a:t>
+            </a:r>
+            <a:r>
+              <a:rPr lang="en-US" altLang="zh-CN" sz="2400" dirty="0"/>
+              <a:t>.profile</a:t>
+            </a:r>
+            <a:r>
+              <a:rPr lang="zh-CN" altLang="en-US" sz="2400" dirty="0"/>
+              <a:t>文件，使用文本编辑器打开。</a:t>
+            </a:r>
+            <a:endParaRPr lang="en-US" altLang="zh-CN" sz="2400" dirty="0"/>
+          </a:p>
+          <a:p>
+            <a:r>
+              <a:rPr lang="zh-CN" altLang="en-US" sz="2400" dirty="0"/>
+              <a:t>在</a:t>
+            </a:r>
+            <a:r>
+              <a:rPr lang="en-US" altLang="zh-CN" sz="2400" dirty="0"/>
+              <a:t>PATH=</a:t>
+            </a:r>
+            <a:r>
+              <a:rPr lang="zh-CN" altLang="en-US" sz="2400" dirty="0"/>
+              <a:t>后面的双引号中的字符串末尾添加 </a:t>
+            </a:r>
+            <a:r>
+              <a:rPr lang="en-US" altLang="zh-CN" sz="2400" dirty="0"/>
+              <a:t>:/home/brave/ins</a:t>
+            </a:r>
+            <a:r>
+              <a:rPr lang="zh-CN" altLang="en-US" sz="2400" dirty="0"/>
+              <a:t>，保存文件。</a:t>
+            </a:r>
+            <a:endParaRPr lang="en-US" altLang="zh-CN" sz="2400" dirty="0"/>
+          </a:p>
+          <a:p>
+            <a:r>
+              <a:rPr lang="zh-CN" altLang="en-US" sz="2400" dirty="0"/>
+              <a:t>其中</a:t>
+            </a:r>
+            <a:r>
+              <a:rPr lang="en-US" altLang="zh-CN" sz="2400" dirty="0"/>
+              <a:t>/home/brave</a:t>
+            </a:r>
+            <a:r>
+              <a:rPr lang="zh-CN" altLang="en-US" sz="2400" dirty="0"/>
+              <a:t>是用户主目录，个人使用应换成自己的用户名。</a:t>
+            </a:r>
+            <a:endParaRPr lang="en-US" altLang="zh-CN" sz="2400" dirty="0"/>
+          </a:p>
+          <a:p>
+            <a:r>
+              <a:rPr lang="zh-CN" altLang="en-US" sz="2400" dirty="0"/>
+              <a:t>或者是直接使用</a:t>
+            </a:r>
+            <a:r>
+              <a:rPr lang="en-US" altLang="zh-CN" sz="2400" dirty="0"/>
+              <a:t>$HOME/ins</a:t>
+            </a:r>
+            <a:r>
+              <a:rPr lang="zh-CN" altLang="en-US" sz="2400" dirty="0"/>
+              <a:t>，</a:t>
+            </a:r>
+            <a:r>
+              <a:rPr lang="en-US" altLang="zh-CN" sz="2400" dirty="0"/>
+              <a:t>$HOME</a:t>
+            </a:r>
+            <a:r>
+              <a:rPr lang="zh-CN" altLang="en-US" sz="2400"/>
+              <a:t>会自动替换为当前用户的主目录。</a:t>
+            </a:r>
+            <a:endParaRPr lang="en-US" altLang="zh-CN" sz="2400" dirty="0"/>
+          </a:p>
+          <a:p>
+            <a:r>
+              <a:rPr lang="zh-CN" altLang="en-US" sz="2400" dirty="0"/>
+              <a:t>然后运行</a:t>
+            </a:r>
+            <a:r>
+              <a:rPr lang="en-US" altLang="zh-CN" sz="2400" dirty="0"/>
+              <a:t>source  .profile</a:t>
+            </a:r>
+          </a:p>
+          <a:p>
+            <a:r>
+              <a:rPr lang="zh-CN" altLang="en-US" sz="2400" dirty="0"/>
+              <a:t>这样就可以直接在</a:t>
+            </a:r>
+            <a:r>
+              <a:rPr lang="en-US" altLang="zh-CN" sz="2400" dirty="0"/>
+              <a:t>shell</a:t>
+            </a:r>
+            <a:r>
+              <a:rPr lang="zh-CN" altLang="en-US" sz="2400" dirty="0"/>
+              <a:t>中输入</a:t>
+            </a:r>
+            <a:r>
+              <a:rPr lang="en-US" altLang="zh-CN" sz="2400" dirty="0"/>
+              <a:t>ins</a:t>
+            </a:r>
+            <a:r>
+              <a:rPr lang="zh-CN" altLang="en-US" sz="2400" dirty="0"/>
+              <a:t>目录下存在的程序名称被</a:t>
+            </a:r>
+            <a:r>
+              <a:rPr lang="en-US" altLang="zh-CN" sz="2400" dirty="0"/>
+              <a:t>shell</a:t>
+            </a:r>
+            <a:r>
+              <a:rPr lang="zh-CN" altLang="en-US" sz="2400" dirty="0"/>
+              <a:t>执行了。</a:t>
+            </a:r>
+            <a:endParaRPr lang="en-US" altLang="zh-CN" sz="2400" dirty="0"/>
+          </a:p>
+          <a:p>
+            <a:endParaRPr lang="en-US" altLang="zh-CN" sz="2400" dirty="0"/>
+          </a:p>
+          <a:p>
+            <a:r>
+              <a:rPr lang="zh-CN" altLang="en-US" sz="2400" dirty="0"/>
+              <a:t>可以使用</a:t>
+            </a:r>
+            <a:r>
+              <a:rPr lang="en-US" altLang="zh-CN" sz="2400" dirty="0" err="1"/>
+              <a:t>env</a:t>
+            </a:r>
+            <a:r>
+              <a:rPr lang="zh-CN" altLang="en-US" sz="2400" dirty="0"/>
+              <a:t>命令显示系统中已存在的环境变量。</a:t>
+            </a:r>
+            <a:endParaRPr lang="en-US" altLang="zh-CN" sz="2400" dirty="0"/>
           </a:p>
         </p:txBody>
       </p:sp>
     </p:spTree>
     <p:extLst>
       <p:ext uri="{BB962C8B-B14F-4D97-AF65-F5344CB8AC3E}">
-        <p14:creationId xmlns:p14="http://schemas.microsoft.com/office/powerpoint/2010/main" val="3509155720"/>
+        <p14:creationId xmlns:p14="http://schemas.microsoft.com/office/powerpoint/2010/main" val="2327851467"/>
       </p:ext>
     </p:extLst>
   </p:cSld>

--- a/materials/slides/ch03-terminal-and-basic.pptx
+++ b/materials/slides/ch03-terminal-and-basic.pptx
@@ -291,7 +291,7 @@
           <a:p>
             <a:fld id="{02E60DA2-A0BC-48C9-AA88-75C78721B420}" type="datetimeFigureOut">
               <a:rPr lang="zh-CN" altLang="en-US" smtClean="0"/>
-              <a:t>2018/3/18</a:t>
+              <a:t>2018/3/19</a:t>
             </a:fld>
             <a:endParaRPr lang="zh-CN" altLang="en-US"/>
           </a:p>
@@ -513,7 +513,7 @@
           <a:p>
             <a:fld id="{02E60DA2-A0BC-48C9-AA88-75C78721B420}" type="datetimeFigureOut">
               <a:rPr lang="zh-CN" altLang="en-US" smtClean="0"/>
-              <a:t>2018/3/18</a:t>
+              <a:t>2018/3/19</a:t>
             </a:fld>
             <a:endParaRPr lang="zh-CN" altLang="en-US"/>
           </a:p>
@@ -745,7 +745,7 @@
           <a:p>
             <a:fld id="{02E60DA2-A0BC-48C9-AA88-75C78721B420}" type="datetimeFigureOut">
               <a:rPr lang="zh-CN" altLang="en-US" smtClean="0"/>
-              <a:t>2018/3/18</a:t>
+              <a:t>2018/3/19</a:t>
             </a:fld>
             <a:endParaRPr lang="zh-CN" altLang="en-US"/>
           </a:p>
@@ -995,7 +995,7 @@
           <a:p>
             <a:fld id="{02E60DA2-A0BC-48C9-AA88-75C78721B420}" type="datetimeFigureOut">
               <a:rPr lang="zh-CN" altLang="en-US" smtClean="0"/>
-              <a:t>2018/3/18</a:t>
+              <a:t>2018/3/19</a:t>
             </a:fld>
             <a:endParaRPr lang="zh-CN" altLang="en-US"/>
           </a:p>
@@ -1233,7 +1233,7 @@
           <a:p>
             <a:fld id="{02E60DA2-A0BC-48C9-AA88-75C78721B420}" type="datetimeFigureOut">
               <a:rPr lang="zh-CN" altLang="en-US" smtClean="0"/>
-              <a:t>2018/3/18</a:t>
+              <a:t>2018/3/19</a:t>
             </a:fld>
             <a:endParaRPr lang="zh-CN" altLang="en-US"/>
           </a:p>
@@ -1538,7 +1538,7 @@
           <a:p>
             <a:fld id="{02E60DA2-A0BC-48C9-AA88-75C78721B420}" type="datetimeFigureOut">
               <a:rPr lang="zh-CN" altLang="en-US" smtClean="0"/>
-              <a:t>2018/3/18</a:t>
+              <a:t>2018/3/19</a:t>
             </a:fld>
             <a:endParaRPr lang="zh-CN" altLang="en-US"/>
           </a:p>
@@ -1841,7 +1841,7 @@
           <a:p>
             <a:fld id="{02E60DA2-A0BC-48C9-AA88-75C78721B420}" type="datetimeFigureOut">
               <a:rPr lang="zh-CN" altLang="en-US" smtClean="0"/>
-              <a:t>2018/3/18</a:t>
+              <a:t>2018/3/19</a:t>
             </a:fld>
             <a:endParaRPr lang="zh-CN" altLang="en-US"/>
           </a:p>
@@ -2292,7 +2292,7 @@
           <a:p>
             <a:fld id="{02E60DA2-A0BC-48C9-AA88-75C78721B420}" type="datetimeFigureOut">
               <a:rPr lang="zh-CN" altLang="en-US" smtClean="0"/>
-              <a:t>2018/3/18</a:t>
+              <a:t>2018/3/19</a:t>
             </a:fld>
             <a:endParaRPr lang="zh-CN" altLang="en-US"/>
           </a:p>
@@ -2465,7 +2465,7 @@
           <a:p>
             <a:fld id="{02E60DA2-A0BC-48C9-AA88-75C78721B420}" type="datetimeFigureOut">
               <a:rPr lang="zh-CN" altLang="en-US" smtClean="0"/>
-              <a:t>2018/3/18</a:t>
+              <a:t>2018/3/19</a:t>
             </a:fld>
             <a:endParaRPr lang="zh-CN" altLang="en-US"/>
           </a:p>
@@ -2602,7 +2602,7 @@
           <a:p>
             <a:fld id="{02E60DA2-A0BC-48C9-AA88-75C78721B420}" type="datetimeFigureOut">
               <a:rPr lang="zh-CN" altLang="en-US" smtClean="0"/>
-              <a:t>2018/3/18</a:t>
+              <a:t>2018/3/19</a:t>
             </a:fld>
             <a:endParaRPr lang="zh-CN" altLang="en-US"/>
           </a:p>
@@ -2946,7 +2946,7 @@
           <a:p>
             <a:fld id="{02E60DA2-A0BC-48C9-AA88-75C78721B420}" type="datetimeFigureOut">
               <a:rPr lang="zh-CN" altLang="en-US" smtClean="0"/>
-              <a:t>2018/3/18</a:t>
+              <a:t>2018/3/19</a:t>
             </a:fld>
             <a:endParaRPr lang="zh-CN" altLang="en-US"/>
           </a:p>
@@ -3168,7 +3168,7 @@
           <a:p>
             <a:fld id="{02E60DA2-A0BC-48C9-AA88-75C78721B420}" type="datetimeFigureOut">
               <a:rPr lang="zh-CN" altLang="en-US" smtClean="0"/>
-              <a:t>2018/3/18</a:t>
+              <a:t>2018/3/19</a:t>
             </a:fld>
             <a:endParaRPr lang="zh-CN" altLang="en-US"/>
           </a:p>
@@ -3489,7 +3489,7 @@
           <a:p>
             <a:fld id="{02E60DA2-A0BC-48C9-AA88-75C78721B420}" type="datetimeFigureOut">
               <a:rPr lang="zh-CN" altLang="en-US" smtClean="0"/>
-              <a:t>2018/3/18</a:t>
+              <a:t>2018/3/19</a:t>
             </a:fld>
             <a:endParaRPr lang="zh-CN" altLang="en-US"/>
           </a:p>
@@ -3727,7 +3727,7 @@
           <a:p>
             <a:fld id="{02E60DA2-A0BC-48C9-AA88-75C78721B420}" type="datetimeFigureOut">
               <a:rPr lang="zh-CN" altLang="en-US" smtClean="0"/>
-              <a:t>2018/3/18</a:t>
+              <a:t>2018/3/19</a:t>
             </a:fld>
             <a:endParaRPr lang="zh-CN" altLang="en-US"/>
           </a:p>
@@ -3965,7 +3965,7 @@
           <a:p>
             <a:fld id="{02E60DA2-A0BC-48C9-AA88-75C78721B420}" type="datetimeFigureOut">
               <a:rPr lang="zh-CN" altLang="en-US" smtClean="0"/>
-              <a:t>2018/3/18</a:t>
+              <a:t>2018/3/19</a:t>
             </a:fld>
             <a:endParaRPr lang="zh-CN" altLang="en-US"/>
           </a:p>
@@ -4264,7 +4264,7 @@
           <a:p>
             <a:fld id="{02E60DA2-A0BC-48C9-AA88-75C78721B420}" type="datetimeFigureOut">
               <a:rPr lang="zh-CN" altLang="en-US" smtClean="0"/>
-              <a:t>2018/3/18</a:t>
+              <a:t>2018/3/19</a:t>
             </a:fld>
             <a:endParaRPr lang="zh-CN" altLang="en-US"/>
           </a:p>
@@ -4553,7 +4553,7 @@
           <a:p>
             <a:fld id="{02E60DA2-A0BC-48C9-AA88-75C78721B420}" type="datetimeFigureOut">
               <a:rPr lang="zh-CN" altLang="en-US" smtClean="0"/>
-              <a:t>2018/3/18</a:t>
+              <a:t>2018/3/19</a:t>
             </a:fld>
             <a:endParaRPr lang="zh-CN" altLang="en-US"/>
           </a:p>
@@ -4989,7 +4989,7 @@
           <a:p>
             <a:fld id="{02E60DA2-A0BC-48C9-AA88-75C78721B420}" type="datetimeFigureOut">
               <a:rPr lang="zh-CN" altLang="en-US" smtClean="0"/>
-              <a:t>2018/3/18</a:t>
+              <a:t>2018/3/19</a:t>
             </a:fld>
             <a:endParaRPr lang="zh-CN" altLang="en-US"/>
           </a:p>
@@ -5154,7 +5154,7 @@
           <a:p>
             <a:fld id="{02E60DA2-A0BC-48C9-AA88-75C78721B420}" type="datetimeFigureOut">
               <a:rPr lang="zh-CN" altLang="en-US" smtClean="0"/>
-              <a:t>2018/3/18</a:t>
+              <a:t>2018/3/19</a:t>
             </a:fld>
             <a:endParaRPr lang="zh-CN" altLang="en-US"/>
           </a:p>
@@ -5291,7 +5291,7 @@
           <a:p>
             <a:fld id="{02E60DA2-A0BC-48C9-AA88-75C78721B420}" type="datetimeFigureOut">
               <a:rPr lang="zh-CN" altLang="en-US" smtClean="0"/>
-              <a:t>2018/3/18</a:t>
+              <a:t>2018/3/19</a:t>
             </a:fld>
             <a:endParaRPr lang="zh-CN" altLang="en-US"/>
           </a:p>
@@ -5626,7 +5626,7 @@
           <a:p>
             <a:fld id="{02E60DA2-A0BC-48C9-AA88-75C78721B420}" type="datetimeFigureOut">
               <a:rPr lang="zh-CN" altLang="en-US" smtClean="0"/>
-              <a:t>2018/3/18</a:t>
+              <a:t>2018/3/19</a:t>
             </a:fld>
             <a:endParaRPr lang="zh-CN" altLang="en-US"/>
           </a:p>
@@ -5938,7 +5938,7 @@
           <a:p>
             <a:fld id="{02E60DA2-A0BC-48C9-AA88-75C78721B420}" type="datetimeFigureOut">
               <a:rPr lang="zh-CN" altLang="en-US" smtClean="0"/>
-              <a:t>2018/3/18</a:t>
+              <a:t>2018/3/19</a:t>
             </a:fld>
             <a:endParaRPr lang="zh-CN" altLang="en-US"/>
           </a:p>
@@ -7330,6 +7330,24 @@
               <a:rPr lang="zh-CN" altLang="en-US" sz="1800" dirty="0"/>
               <a:t>，回到登录界面</a:t>
             </a:r>
+            <a:endParaRPr lang="en-US" altLang="zh-CN" sz="1800" dirty="0"/>
+          </a:p>
+          <a:p>
+            <a:pPr marL="457200" lvl="1" indent="0">
+              <a:buNone/>
+            </a:pPr>
+            <a:r>
+              <a:rPr lang="en-US" altLang="zh-CN" sz="1800" dirty="0" err="1"/>
+              <a:t>Ctrl+w</a:t>
+            </a:r>
+            <a:r>
+              <a:rPr lang="en-US" altLang="zh-CN" sz="1800" dirty="0"/>
+              <a:t> </a:t>
+            </a:r>
+            <a:r>
+              <a:rPr lang="zh-CN" altLang="en-US" sz="1800" dirty="0"/>
+              <a:t>按单词删除，空格隔开的作为一个独立的词。</a:t>
+            </a:r>
           </a:p>
         </p:txBody>
       </p:sp>
@@ -8002,7 +8020,7 @@
             <p:ph idx="1"/>
             <p:extLst>
               <p:ext uri="{D42A27DB-BD31-4B8C-83A1-F6EECF244321}">
-                <p14:modId xmlns:p14="http://schemas.microsoft.com/office/powerpoint/2010/main" val="3050650829"/>
+                <p14:modId xmlns:p14="http://schemas.microsoft.com/office/powerpoint/2010/main" val="4119602281"/>
               </p:ext>
             </p:extLst>
           </p:nvPr>
@@ -8098,10 +8116,6 @@
                         <a:rPr lang="en-US" altLang="zh-CN" sz="1800" dirty="0" err="1"/>
                         <a:t>usr</a:t>
                       </a:r>
-                      <a:r>
-                        <a:rPr lang="en-US" altLang="zh-CN" sz="1800" dirty="0"/>
-                        <a:t>/</a:t>
-                      </a:r>
                       <a:endParaRPr lang="zh-CN" altLang="en-US" sz="1800" dirty="0"/>
                     </a:p>
                   </a:txBody>
@@ -8240,6 +8254,10 @@
                         <a:rPr lang="en-US" altLang="zh-CN" sz="1800" dirty="0" err="1"/>
                         <a:t>abc</a:t>
                       </a:r>
+                      <a:r>
+                        <a:rPr lang="en-US" altLang="zh-CN" sz="1800" dirty="0"/>
+                        <a:t>/</a:t>
+                      </a:r>
                       <a:endParaRPr lang="zh-CN" altLang="en-US" sz="1800" dirty="0"/>
                     </a:p>
                   </a:txBody>
@@ -8494,11 +8512,7 @@
                       </a:r>
                       <a:r>
                         <a:rPr lang="en-US" altLang="zh-CN" sz="1800" dirty="0" err="1"/>
-                        <a:t>usr</a:t>
-                      </a:r>
-                      <a:r>
-                        <a:rPr lang="en-US" altLang="zh-CN" sz="1800" dirty="0"/>
-                        <a:t>/local/</a:t>
+                        <a:t>tmp</a:t>
                       </a:r>
                       <a:endParaRPr lang="zh-CN" altLang="en-US" sz="1800" dirty="0"/>
                     </a:p>
@@ -8528,11 +8542,7 @@
                       </a:r>
                       <a:r>
                         <a:rPr lang="en-US" altLang="zh-CN" sz="1800" dirty="0" err="1"/>
-                        <a:t>usr</a:t>
-                      </a:r>
-                      <a:r>
-                        <a:rPr lang="en-US" altLang="zh-CN" sz="1800" dirty="0"/>
-                        <a:t>/local</a:t>
+                        <a:t>tmp</a:t>
                       </a:r>
                       <a:r>
                         <a:rPr lang="zh-CN" altLang="en-US" sz="1800" dirty="0"/>
@@ -8544,11 +8554,7 @@
                       </a:r>
                       <a:r>
                         <a:rPr lang="en-US" altLang="zh-CN" sz="1800" dirty="0" err="1"/>
-                        <a:t>usr</a:t>
-                      </a:r>
-                      <a:r>
-                        <a:rPr lang="en-US" altLang="zh-CN" sz="1800" dirty="0"/>
-                        <a:t>/local</a:t>
+                        <a:t>tmp</a:t>
                       </a:r>
                       <a:r>
                         <a:rPr lang="zh-CN" altLang="en-US" sz="1800" dirty="0"/>
@@ -8705,14 +8711,14 @@
             <p:ph idx="1"/>
             <p:extLst>
               <p:ext uri="{D42A27DB-BD31-4B8C-83A1-F6EECF244321}">
-                <p14:modId xmlns:p14="http://schemas.microsoft.com/office/powerpoint/2010/main" val="3754466397"/>
+                <p14:modId xmlns:p14="http://schemas.microsoft.com/office/powerpoint/2010/main" val="3212177936"/>
               </p:ext>
             </p:extLst>
           </p:nvPr>
         </p:nvGraphicFramePr>
         <p:xfrm>
           <a:off x="838200" y="1703387"/>
-          <a:ext cx="10515600" cy="3976443"/>
+          <a:ext cx="10515600" cy="4418270"/>
         </p:xfrm>
         <a:graphic>
           <a:graphicData uri="http://schemas.openxmlformats.org/drawingml/2006/table">
@@ -8865,7 +8871,7 @@
                     <a:p>
                       <a:r>
                         <a:rPr lang="en-US" altLang="zh-CN" dirty="0"/>
-                        <a:t>mv  tmp/a.sh sh/b.sh</a:t>
+                        <a:t>mv  tmp/a.sh  sh/b.sh</a:t>
                       </a:r>
                       <a:endParaRPr lang="zh-CN" altLang="en-US" dirty="0"/>
                     </a:p>
@@ -8911,7 +8917,7 @@
                       </a:r>
                       <a:r>
                         <a:rPr lang="zh-CN" altLang="en-US" dirty="0"/>
-                        <a:t> </a:t>
+                        <a:t>  </a:t>
                       </a:r>
                       <a:r>
                         <a:rPr lang="en-US" altLang="zh-CN" dirty="0"/>
@@ -9230,6 +9236,40 @@
                 <a:extLst>
                   <a:ext uri="{0D108BD9-81ED-4DB2-BD59-A6C34878D82A}">
                     <a16:rowId xmlns:a16="http://schemas.microsoft.com/office/drawing/2014/main" val="127789933"/>
+                  </a:ext>
+                </a:extLst>
+              </a:tr>
+              <a:tr h="441827">
+                <a:tc>
+                  <a:txBody>
+                    <a:bodyPr/>
+                    <a:lstStyle/>
+                    <a:p>
+                      <a:r>
+                        <a:rPr lang="en-US" altLang="zh-CN" dirty="0" err="1"/>
+                        <a:t>env</a:t>
+                      </a:r>
+                      <a:endParaRPr lang="zh-CN" altLang="en-US" dirty="0"/>
+                    </a:p>
+                  </a:txBody>
+                  <a:tcPr/>
+                </a:tc>
+                <a:tc>
+                  <a:txBody>
+                    <a:bodyPr/>
+                    <a:lstStyle/>
+                    <a:p>
+                      <a:r>
+                        <a:rPr lang="zh-CN" altLang="en-US" sz="1600" dirty="0"/>
+                        <a:t>显示环境变量</a:t>
+                      </a:r>
+                    </a:p>
+                  </a:txBody>
+                  <a:tcPr/>
+                </a:tc>
+                <a:extLst>
+                  <a:ext uri="{0D108BD9-81ED-4DB2-BD59-A6C34878D82A}">
+                    <a16:rowId xmlns:a16="http://schemas.microsoft.com/office/drawing/2014/main" val="713524683"/>
                   </a:ext>
                 </a:extLst>
               </a:tr>
@@ -9326,7 +9366,7 @@
             </a:r>
             <a:r>
               <a:rPr lang="zh-CN" altLang="en-US" sz="2400" dirty="0"/>
-              <a:t>）也称终端设备，是计算机网络中处于网络最外围的设备，主要用于用户信息的输入以及处理结果的输出等。</a:t>
+              <a:t>）也称终端设备，是计算机最外围的设备，主要获取用户信息的输入以及处理结果的输出等。</a:t>
             </a:r>
           </a:p>
           <a:p>
@@ -10720,7 +10760,7 @@
             </a:r>
             <a:r>
               <a:rPr lang="zh-CN" altLang="en-US" sz="2400" dirty="0"/>
-              <a:t>变量的设置自动寻找输入的命令。如果有同名的命令，按照路径顺序找到后返回执行，不再继续寻找。有同名的指令可以输入路径运行。</a:t>
+              <a:t>变量的设置自动寻找输入的命令。如果有同名的命令，按照路径顺序找到后返回执行，不再继续寻找。有同名的命令可以输入路径运行。</a:t>
             </a:r>
             <a:endParaRPr lang="en-US" altLang="zh-CN" sz="2400" dirty="0"/>
           </a:p>

--- a/materials/slides/ch03-terminal-and-basic.pptx
+++ b/materials/slides/ch03-terminal-and-basic.pptx
@@ -291,7 +291,7 @@
           <a:p>
             <a:fld id="{02E60DA2-A0BC-48C9-AA88-75C78721B420}" type="datetimeFigureOut">
               <a:rPr lang="zh-CN" altLang="en-US" smtClean="0"/>
-              <a:t>2018/3/19</a:t>
+              <a:t>2018/3/23</a:t>
             </a:fld>
             <a:endParaRPr lang="zh-CN" altLang="en-US"/>
           </a:p>
@@ -513,7 +513,7 @@
           <a:p>
             <a:fld id="{02E60DA2-A0BC-48C9-AA88-75C78721B420}" type="datetimeFigureOut">
               <a:rPr lang="zh-CN" altLang="en-US" smtClean="0"/>
-              <a:t>2018/3/19</a:t>
+              <a:t>2018/3/23</a:t>
             </a:fld>
             <a:endParaRPr lang="zh-CN" altLang="en-US"/>
           </a:p>
@@ -745,7 +745,7 @@
           <a:p>
             <a:fld id="{02E60DA2-A0BC-48C9-AA88-75C78721B420}" type="datetimeFigureOut">
               <a:rPr lang="zh-CN" altLang="en-US" smtClean="0"/>
-              <a:t>2018/3/19</a:t>
+              <a:t>2018/3/23</a:t>
             </a:fld>
             <a:endParaRPr lang="zh-CN" altLang="en-US"/>
           </a:p>
@@ -995,7 +995,7 @@
           <a:p>
             <a:fld id="{02E60DA2-A0BC-48C9-AA88-75C78721B420}" type="datetimeFigureOut">
               <a:rPr lang="zh-CN" altLang="en-US" smtClean="0"/>
-              <a:t>2018/3/19</a:t>
+              <a:t>2018/3/23</a:t>
             </a:fld>
             <a:endParaRPr lang="zh-CN" altLang="en-US"/>
           </a:p>
@@ -1233,7 +1233,7 @@
           <a:p>
             <a:fld id="{02E60DA2-A0BC-48C9-AA88-75C78721B420}" type="datetimeFigureOut">
               <a:rPr lang="zh-CN" altLang="en-US" smtClean="0"/>
-              <a:t>2018/3/19</a:t>
+              <a:t>2018/3/23</a:t>
             </a:fld>
             <a:endParaRPr lang="zh-CN" altLang="en-US"/>
           </a:p>
@@ -1538,7 +1538,7 @@
           <a:p>
             <a:fld id="{02E60DA2-A0BC-48C9-AA88-75C78721B420}" type="datetimeFigureOut">
               <a:rPr lang="zh-CN" altLang="en-US" smtClean="0"/>
-              <a:t>2018/3/19</a:t>
+              <a:t>2018/3/23</a:t>
             </a:fld>
             <a:endParaRPr lang="zh-CN" altLang="en-US"/>
           </a:p>
@@ -1841,7 +1841,7 @@
           <a:p>
             <a:fld id="{02E60DA2-A0BC-48C9-AA88-75C78721B420}" type="datetimeFigureOut">
               <a:rPr lang="zh-CN" altLang="en-US" smtClean="0"/>
-              <a:t>2018/3/19</a:t>
+              <a:t>2018/3/23</a:t>
             </a:fld>
             <a:endParaRPr lang="zh-CN" altLang="en-US"/>
           </a:p>
@@ -2292,7 +2292,7 @@
           <a:p>
             <a:fld id="{02E60DA2-A0BC-48C9-AA88-75C78721B420}" type="datetimeFigureOut">
               <a:rPr lang="zh-CN" altLang="en-US" smtClean="0"/>
-              <a:t>2018/3/19</a:t>
+              <a:t>2018/3/23</a:t>
             </a:fld>
             <a:endParaRPr lang="zh-CN" altLang="en-US"/>
           </a:p>
@@ -2465,7 +2465,7 @@
           <a:p>
             <a:fld id="{02E60DA2-A0BC-48C9-AA88-75C78721B420}" type="datetimeFigureOut">
               <a:rPr lang="zh-CN" altLang="en-US" smtClean="0"/>
-              <a:t>2018/3/19</a:t>
+              <a:t>2018/3/23</a:t>
             </a:fld>
             <a:endParaRPr lang="zh-CN" altLang="en-US"/>
           </a:p>
@@ -2602,7 +2602,7 @@
           <a:p>
             <a:fld id="{02E60DA2-A0BC-48C9-AA88-75C78721B420}" type="datetimeFigureOut">
               <a:rPr lang="zh-CN" altLang="en-US" smtClean="0"/>
-              <a:t>2018/3/19</a:t>
+              <a:t>2018/3/23</a:t>
             </a:fld>
             <a:endParaRPr lang="zh-CN" altLang="en-US"/>
           </a:p>
@@ -2946,7 +2946,7 @@
           <a:p>
             <a:fld id="{02E60DA2-A0BC-48C9-AA88-75C78721B420}" type="datetimeFigureOut">
               <a:rPr lang="zh-CN" altLang="en-US" smtClean="0"/>
-              <a:t>2018/3/19</a:t>
+              <a:t>2018/3/23</a:t>
             </a:fld>
             <a:endParaRPr lang="zh-CN" altLang="en-US"/>
           </a:p>
@@ -3168,7 +3168,7 @@
           <a:p>
             <a:fld id="{02E60DA2-A0BC-48C9-AA88-75C78721B420}" type="datetimeFigureOut">
               <a:rPr lang="zh-CN" altLang="en-US" smtClean="0"/>
-              <a:t>2018/3/19</a:t>
+              <a:t>2018/3/23</a:t>
             </a:fld>
             <a:endParaRPr lang="zh-CN" altLang="en-US"/>
           </a:p>
@@ -3489,7 +3489,7 @@
           <a:p>
             <a:fld id="{02E60DA2-A0BC-48C9-AA88-75C78721B420}" type="datetimeFigureOut">
               <a:rPr lang="zh-CN" altLang="en-US" smtClean="0"/>
-              <a:t>2018/3/19</a:t>
+              <a:t>2018/3/23</a:t>
             </a:fld>
             <a:endParaRPr lang="zh-CN" altLang="en-US"/>
           </a:p>
@@ -3727,7 +3727,7 @@
           <a:p>
             <a:fld id="{02E60DA2-A0BC-48C9-AA88-75C78721B420}" type="datetimeFigureOut">
               <a:rPr lang="zh-CN" altLang="en-US" smtClean="0"/>
-              <a:t>2018/3/19</a:t>
+              <a:t>2018/3/23</a:t>
             </a:fld>
             <a:endParaRPr lang="zh-CN" altLang="en-US"/>
           </a:p>
@@ -3965,7 +3965,7 @@
           <a:p>
             <a:fld id="{02E60DA2-A0BC-48C9-AA88-75C78721B420}" type="datetimeFigureOut">
               <a:rPr lang="zh-CN" altLang="en-US" smtClean="0"/>
-              <a:t>2018/3/19</a:t>
+              <a:t>2018/3/23</a:t>
             </a:fld>
             <a:endParaRPr lang="zh-CN" altLang="en-US"/>
           </a:p>
@@ -4264,7 +4264,7 @@
           <a:p>
             <a:fld id="{02E60DA2-A0BC-48C9-AA88-75C78721B420}" type="datetimeFigureOut">
               <a:rPr lang="zh-CN" altLang="en-US" smtClean="0"/>
-              <a:t>2018/3/19</a:t>
+              <a:t>2018/3/23</a:t>
             </a:fld>
             <a:endParaRPr lang="zh-CN" altLang="en-US"/>
           </a:p>
@@ -4553,7 +4553,7 @@
           <a:p>
             <a:fld id="{02E60DA2-A0BC-48C9-AA88-75C78721B420}" type="datetimeFigureOut">
               <a:rPr lang="zh-CN" altLang="en-US" smtClean="0"/>
-              <a:t>2018/3/19</a:t>
+              <a:t>2018/3/23</a:t>
             </a:fld>
             <a:endParaRPr lang="zh-CN" altLang="en-US"/>
           </a:p>
@@ -4989,7 +4989,7 @@
           <a:p>
             <a:fld id="{02E60DA2-A0BC-48C9-AA88-75C78721B420}" type="datetimeFigureOut">
               <a:rPr lang="zh-CN" altLang="en-US" smtClean="0"/>
-              <a:t>2018/3/19</a:t>
+              <a:t>2018/3/23</a:t>
             </a:fld>
             <a:endParaRPr lang="zh-CN" altLang="en-US"/>
           </a:p>
@@ -5154,7 +5154,7 @@
           <a:p>
             <a:fld id="{02E60DA2-A0BC-48C9-AA88-75C78721B420}" type="datetimeFigureOut">
               <a:rPr lang="zh-CN" altLang="en-US" smtClean="0"/>
-              <a:t>2018/3/19</a:t>
+              <a:t>2018/3/23</a:t>
             </a:fld>
             <a:endParaRPr lang="zh-CN" altLang="en-US"/>
           </a:p>
@@ -5291,7 +5291,7 @@
           <a:p>
             <a:fld id="{02E60DA2-A0BC-48C9-AA88-75C78721B420}" type="datetimeFigureOut">
               <a:rPr lang="zh-CN" altLang="en-US" smtClean="0"/>
-              <a:t>2018/3/19</a:t>
+              <a:t>2018/3/23</a:t>
             </a:fld>
             <a:endParaRPr lang="zh-CN" altLang="en-US"/>
           </a:p>
@@ -5626,7 +5626,7 @@
           <a:p>
             <a:fld id="{02E60DA2-A0BC-48C9-AA88-75C78721B420}" type="datetimeFigureOut">
               <a:rPr lang="zh-CN" altLang="en-US" smtClean="0"/>
-              <a:t>2018/3/19</a:t>
+              <a:t>2018/3/23</a:t>
             </a:fld>
             <a:endParaRPr lang="zh-CN" altLang="en-US"/>
           </a:p>
@@ -5938,7 +5938,7 @@
           <a:p>
             <a:fld id="{02E60DA2-A0BC-48C9-AA88-75C78721B420}" type="datetimeFigureOut">
               <a:rPr lang="zh-CN" altLang="en-US" smtClean="0"/>
-              <a:t>2018/3/19</a:t>
+              <a:t>2018/3/23</a:t>
             </a:fld>
             <a:endParaRPr lang="zh-CN" altLang="en-US"/>
           </a:p>
@@ -7172,180 +7172,180 @@
           <a:lstStyle/>
           <a:p>
             <a:r>
+              <a:rPr lang="en-US" altLang="zh-CN" sz="2400" dirty="0"/>
+              <a:t>Tab</a:t>
+            </a:r>
+            <a:r>
+              <a:rPr lang="zh-CN" altLang="en-US" sz="2400" dirty="0"/>
+              <a:t>键可以自动补全命令名称以及参数</a:t>
+            </a:r>
+          </a:p>
+          <a:p>
+            <a:endParaRPr lang="en-US" altLang="zh-CN" sz="2400" dirty="0"/>
+          </a:p>
+          <a:p>
+            <a:r>
+              <a:rPr lang="zh-CN" altLang="zh-CN" sz="2400" dirty="0"/>
+              <a:t>命令历史</a:t>
+            </a:r>
+            <a:r>
+              <a:rPr lang="zh-CN" altLang="en-US" sz="2400" dirty="0"/>
+              <a:t>：</a:t>
+            </a:r>
+            <a:r>
+              <a:rPr lang="en-US" altLang="zh-CN" sz="2400" dirty="0"/>
+              <a:t>bash</a:t>
+            </a:r>
+            <a:r>
+              <a:rPr lang="zh-CN" altLang="en-US" sz="2400" dirty="0"/>
+              <a:t>中可以使用↑、↓按键逐条翻看，允许编辑并重复执行，</a:t>
+            </a:r>
+            <a:r>
+              <a:rPr lang="en-US" altLang="zh-CN" sz="2400" dirty="0"/>
+              <a:t>history</a:t>
+            </a:r>
+            <a:r>
+              <a:rPr lang="zh-CN" altLang="en-US" sz="2400" dirty="0"/>
+              <a:t>命令显示所有缓存在</a:t>
+            </a:r>
+            <a:r>
+              <a:rPr lang="en-US" altLang="zh-CN" sz="2400" dirty="0"/>
+              <a:t>.</a:t>
+            </a:r>
+            <a:r>
+              <a:rPr lang="en-US" altLang="zh-CN" sz="2400" dirty="0" err="1"/>
+              <a:t>bash_history</a:t>
+            </a:r>
+            <a:r>
+              <a:rPr lang="zh-CN" altLang="en-US" sz="2400" dirty="0"/>
+              <a:t>中的命令，</a:t>
+            </a:r>
+            <a:r>
+              <a:rPr lang="en-US" altLang="zh-CN" sz="2400" dirty="0"/>
+              <a:t>history -c </a:t>
+            </a:r>
+            <a:r>
+              <a:rPr lang="zh-CN" altLang="en-US" sz="2400" dirty="0"/>
+              <a:t>清空历史命令。</a:t>
+            </a:r>
+            <a:endParaRPr lang="en-US" altLang="zh-CN" sz="2400" dirty="0"/>
+          </a:p>
+          <a:p>
+            <a:endParaRPr lang="en-US" altLang="zh-CN" sz="2400" dirty="0"/>
+          </a:p>
+          <a:p>
+            <a:r>
+              <a:rPr lang="zh-CN" altLang="en-US" sz="2400" dirty="0"/>
+              <a:t>快捷键：</a:t>
+            </a:r>
+            <a:endParaRPr lang="zh-CN" altLang="zh-CN" sz="2400" dirty="0"/>
+          </a:p>
+          <a:p>
+            <a:pPr marL="457200" lvl="1" indent="0">
+              <a:buNone/>
+            </a:pPr>
+            <a:r>
+              <a:rPr lang="en-US" altLang="zh-CN" sz="2000" dirty="0" err="1"/>
+              <a:t>Ctrl+a</a:t>
+            </a:r>
+            <a:r>
               <a:rPr lang="en-US" altLang="zh-CN" sz="2000" dirty="0"/>
-              <a:t>Tab</a:t>
+              <a:t>   </a:t>
             </a:r>
             <a:r>
               <a:rPr lang="zh-CN" altLang="en-US" sz="2000" dirty="0"/>
-              <a:t>键可以自动补全命令名称以及参数</a:t>
-            </a:r>
-          </a:p>
-          <a:p>
+              <a:t>跳转行首，</a:t>
+            </a:r>
+            <a:r>
+              <a:rPr lang="en-US" altLang="zh-CN" sz="2000" dirty="0" err="1"/>
+              <a:t>Ctrl+e</a:t>
+            </a:r>
+            <a:r>
+              <a:rPr lang="en-US" altLang="zh-CN" sz="2000" dirty="0"/>
+              <a:t> </a:t>
+            </a:r>
+            <a:r>
+              <a:rPr lang="zh-CN" altLang="en-US" sz="2000" dirty="0"/>
+              <a:t>跳转行尾</a:t>
+            </a:r>
             <a:endParaRPr lang="en-US" altLang="zh-CN" sz="2000" dirty="0"/>
           </a:p>
           <a:p>
-            <a:r>
-              <a:rPr lang="zh-CN" altLang="zh-CN" sz="2000" dirty="0"/>
-              <a:t>命令历史</a:t>
+            <a:pPr marL="457200" lvl="1" indent="0">
+              <a:buNone/>
+            </a:pPr>
+            <a:r>
+              <a:rPr lang="en-US" altLang="zh-CN" sz="2000" dirty="0" err="1"/>
+              <a:t>Ctrl+l</a:t>
+            </a:r>
+            <a:r>
+              <a:rPr lang="en-US" altLang="zh-CN" sz="2000" dirty="0"/>
+              <a:t>    </a:t>
             </a:r>
             <a:r>
               <a:rPr lang="zh-CN" altLang="en-US" sz="2000" dirty="0"/>
-              <a:t>：</a:t>
+              <a:t>清屏</a:t>
+            </a:r>
+            <a:endParaRPr lang="en-US" altLang="zh-CN" sz="2000" dirty="0"/>
+          </a:p>
+          <a:p>
+            <a:pPr marL="457200" lvl="1" indent="0">
+              <a:buNone/>
+            </a:pPr>
+            <a:r>
+              <a:rPr lang="en-US" altLang="zh-CN" sz="2000" dirty="0" err="1"/>
+              <a:t>Ctrl+c</a:t>
             </a:r>
             <a:r>
               <a:rPr lang="en-US" altLang="zh-CN" sz="2000" dirty="0"/>
-              <a:t>bash</a:t>
+              <a:t>   </a:t>
             </a:r>
             <a:r>
               <a:rPr lang="zh-CN" altLang="en-US" sz="2000" dirty="0"/>
-              <a:t>中可以使用↑、↓按键逐条翻看，允许编辑并重复执行，</a:t>
+              <a:t>终止程序执行</a:t>
+            </a:r>
+            <a:endParaRPr lang="en-US" altLang="zh-CN" sz="2000" dirty="0"/>
+          </a:p>
+          <a:p>
+            <a:pPr marL="457200" lvl="1" indent="0">
+              <a:buNone/>
+            </a:pPr>
+            <a:r>
+              <a:rPr lang="en-US" altLang="zh-CN" sz="2000" dirty="0" err="1"/>
+              <a:t>Ctrl+d</a:t>
             </a:r>
             <a:r>
               <a:rPr lang="en-US" altLang="zh-CN" sz="2000" dirty="0"/>
-              <a:t>history</a:t>
+              <a:t>  </a:t>
             </a:r>
             <a:r>
               <a:rPr lang="zh-CN" altLang="en-US" sz="2000" dirty="0"/>
-              <a:t>命令显示所有缓存在</a:t>
+              <a:t>退出</a:t>
             </a:r>
             <a:r>
               <a:rPr lang="en-US" altLang="zh-CN" sz="2000" dirty="0"/>
-              <a:t>.</a:t>
-            </a:r>
+              <a:t>shell</a:t>
+            </a:r>
+            <a:r>
+              <a:rPr lang="zh-CN" altLang="en-US" sz="2000" dirty="0"/>
+              <a:t>，回到登录界面</a:t>
+            </a:r>
+            <a:endParaRPr lang="en-US" altLang="zh-CN" sz="2000" dirty="0"/>
+          </a:p>
+          <a:p>
+            <a:pPr marL="457200" lvl="1" indent="0">
+              <a:buNone/>
+            </a:pPr>
             <a:r>
               <a:rPr lang="en-US" altLang="zh-CN" sz="2000" dirty="0" err="1"/>
-              <a:t>bash_history</a:t>
+              <a:t>Ctrl+w</a:t>
+            </a:r>
+            <a:r>
+              <a:rPr lang="en-US" altLang="zh-CN" sz="2000" dirty="0"/>
+              <a:t>  </a:t>
             </a:r>
             <a:r>
               <a:rPr lang="zh-CN" altLang="en-US" sz="2000" dirty="0"/>
-              <a:t>中的命令，</a:t>
-            </a:r>
-            <a:r>
-              <a:rPr lang="en-US" altLang="zh-CN" sz="2000" dirty="0"/>
-              <a:t>history -c </a:t>
-            </a:r>
-            <a:r>
-              <a:rPr lang="zh-CN" altLang="en-US" sz="2000" dirty="0"/>
-              <a:t>清空历史命令。</a:t>
-            </a:r>
-            <a:endParaRPr lang="en-US" altLang="zh-CN" sz="2000" dirty="0"/>
-          </a:p>
-          <a:p>
-            <a:endParaRPr lang="en-US" altLang="zh-CN" sz="2000" dirty="0"/>
-          </a:p>
-          <a:p>
-            <a:r>
-              <a:rPr lang="zh-CN" altLang="en-US" sz="2000" dirty="0"/>
-              <a:t>快捷键：</a:t>
-            </a:r>
-            <a:endParaRPr lang="zh-CN" altLang="zh-CN" sz="2000" dirty="0"/>
-          </a:p>
-          <a:p>
-            <a:pPr marL="457200" lvl="1" indent="0">
-              <a:buNone/>
-            </a:pPr>
-            <a:r>
-              <a:rPr lang="en-US" altLang="zh-CN" sz="1800" dirty="0" err="1"/>
-              <a:t>Ctrl+a</a:t>
-            </a:r>
-            <a:r>
-              <a:rPr lang="en-US" altLang="zh-CN" sz="1800" dirty="0"/>
-              <a:t> </a:t>
-            </a:r>
-            <a:r>
-              <a:rPr lang="zh-CN" altLang="en-US" sz="1800" dirty="0"/>
-              <a:t>跳转行首，</a:t>
-            </a:r>
-            <a:r>
-              <a:rPr lang="en-US" altLang="zh-CN" sz="1800" dirty="0" err="1"/>
-              <a:t>Ctrl+e</a:t>
-            </a:r>
-            <a:r>
-              <a:rPr lang="en-US" altLang="zh-CN" sz="1800" dirty="0"/>
-              <a:t> </a:t>
-            </a:r>
-            <a:r>
-              <a:rPr lang="zh-CN" altLang="en-US" sz="1800" dirty="0"/>
-              <a:t>跳转行尾</a:t>
-            </a:r>
-            <a:endParaRPr lang="en-US" altLang="zh-CN" sz="1800" dirty="0"/>
-          </a:p>
-          <a:p>
-            <a:pPr marL="457200" lvl="1" indent="0">
-              <a:buNone/>
-            </a:pPr>
-            <a:r>
-              <a:rPr lang="en-US" altLang="zh-CN" sz="1800" dirty="0" err="1"/>
-              <a:t>Ctrl+l</a:t>
-            </a:r>
-            <a:r>
-              <a:rPr lang="en-US" altLang="zh-CN" sz="1800" dirty="0"/>
-              <a:t> </a:t>
-            </a:r>
-            <a:r>
-              <a:rPr lang="zh-CN" altLang="en-US" sz="1800" dirty="0"/>
-              <a:t>清屏</a:t>
-            </a:r>
-            <a:endParaRPr lang="en-US" altLang="zh-CN" sz="1800" dirty="0"/>
-          </a:p>
-          <a:p>
-            <a:pPr marL="457200" lvl="1" indent="0">
-              <a:buNone/>
-            </a:pPr>
-            <a:r>
-              <a:rPr lang="en-US" altLang="zh-CN" sz="1800" dirty="0" err="1"/>
-              <a:t>Ctrl+c</a:t>
-            </a:r>
-            <a:r>
-              <a:rPr lang="en-US" altLang="zh-CN" sz="1800" dirty="0"/>
-              <a:t> </a:t>
-            </a:r>
-            <a:r>
-              <a:rPr lang="zh-CN" altLang="en-US" sz="1800" dirty="0"/>
-              <a:t>终止程序执行</a:t>
-            </a:r>
-            <a:endParaRPr lang="en-US" altLang="zh-CN" sz="1800" dirty="0"/>
-          </a:p>
-          <a:p>
-            <a:pPr marL="457200" lvl="1" indent="0">
-              <a:buNone/>
-            </a:pPr>
-            <a:r>
-              <a:rPr lang="en-US" altLang="zh-CN" sz="1800" dirty="0" err="1"/>
-              <a:t>Ctrl+d</a:t>
-            </a:r>
-            <a:r>
-              <a:rPr lang="en-US" altLang="zh-CN" sz="1800" dirty="0"/>
-              <a:t> </a:t>
-            </a:r>
-            <a:r>
-              <a:rPr lang="zh-CN" altLang="en-US" sz="1800" dirty="0"/>
-              <a:t>退出</a:t>
-            </a:r>
-            <a:r>
-              <a:rPr lang="en-US" altLang="zh-CN" sz="1800" dirty="0"/>
-              <a:t>shell</a:t>
-            </a:r>
-            <a:r>
-              <a:rPr lang="zh-CN" altLang="en-US" sz="1800" dirty="0"/>
-              <a:t>，回到登录界面</a:t>
-            </a:r>
-            <a:endParaRPr lang="en-US" altLang="zh-CN" sz="1800" dirty="0"/>
-          </a:p>
-          <a:p>
-            <a:pPr marL="457200" lvl="1" indent="0">
-              <a:buNone/>
-            </a:pPr>
-            <a:r>
-              <a:rPr lang="en-US" altLang="zh-CN" sz="1800" dirty="0" err="1"/>
-              <a:t>Ctrl+w</a:t>
-            </a:r>
-            <a:r>
-              <a:rPr lang="en-US" altLang="zh-CN" sz="1800" dirty="0"/>
-              <a:t> </a:t>
-            </a:r>
-            <a:r>
-              <a:rPr lang="zh-CN" altLang="en-US" sz="1800" dirty="0"/>
               <a:t>按单词删除，空格隔开的作为一个独立的词。</a:t>
             </a:r>
           </a:p>
